--- a/lezioni/PASW03e - C++ dati strutturati.pptx
+++ b/lezioni/PASW03e - C++ dati strutturati.pptx
@@ -5,7 +5,7 @@
     <p:sldMasterId id="2147483649" r:id="rId1"/>
   </p:sldMasterIdLst>
   <p:notesMasterIdLst>
-    <p:notesMasterId r:id="rId16"/>
+    <p:notesMasterId r:id="rId20"/>
   </p:notesMasterIdLst>
   <p:sldIdLst>
     <p:sldId id="258" r:id="rId2"/>
@@ -22,6 +22,10 @@
     <p:sldId id="269" r:id="rId13"/>
     <p:sldId id="270" r:id="rId14"/>
     <p:sldId id="271" r:id="rId15"/>
+    <p:sldId id="272" r:id="rId16"/>
+    <p:sldId id="273" r:id="rId17"/>
+    <p:sldId id="274" r:id="rId18"/>
+    <p:sldId id="275" r:id="rId19"/>
   </p:sldIdLst>
   <p:sldSz cx="12192000" cy="6858000"/>
   <p:notesSz cx="6858000" cy="9144000"/>
@@ -251,7 +255,7 @@
           <a:p>
             <a:fld id="{537EE30C-6FCC-4D68-889C-61DBBB4BBB87}" type="datetimeFigureOut">
               <a:rPr lang="it-IT" smtClean="0"/>
-              <a:t>23/02/2018</a:t>
+              <a:t>07/03/2018</a:t>
             </a:fld>
             <a:endParaRPr lang="it-IT"/>
           </a:p>
@@ -7344,6 +7348,1530 @@
     <p:extLst>
       <p:ext uri="{BB962C8B-B14F-4D97-AF65-F5344CB8AC3E}">
         <p14:creationId xmlns:p14="http://schemas.microsoft.com/office/powerpoint/2010/main" val="3785436198"/>
+      </p:ext>
+    </p:extLst>
+  </p:cSld>
+  <p:clrMapOvr>
+    <a:masterClrMapping/>
+  </p:clrMapOvr>
+</p:sld>
+</file>
+
+<file path=ppt/slides/slide15.xml><?xml version="1.0" encoding="utf-8"?>
+<p:sld xmlns:a="http://schemas.openxmlformats.org/drawingml/2006/main" xmlns:r="http://schemas.openxmlformats.org/officeDocument/2006/relationships" xmlns:p="http://schemas.openxmlformats.org/presentationml/2006/main">
+  <p:cSld>
+    <p:spTree>
+      <p:nvGrpSpPr>
+        <p:cNvPr id="1" name=""/>
+        <p:cNvGrpSpPr/>
+        <p:nvPr/>
+      </p:nvGrpSpPr>
+      <p:grpSpPr>
+        <a:xfrm>
+          <a:off x="0" y="0"/>
+          <a:ext cx="0" cy="0"/>
+          <a:chOff x="0" y="0"/>
+          <a:chExt cx="0" cy="0"/>
+        </a:xfrm>
+      </p:grpSpPr>
+      <p:sp>
+        <p:nvSpPr>
+          <p:cNvPr id="5" name="Titolo 4">
+            <a:extLst>
+              <a:ext uri="{FF2B5EF4-FFF2-40B4-BE49-F238E27FC236}">
+                <a16:creationId xmlns:a16="http://schemas.microsoft.com/office/drawing/2014/main" id="{831F2D55-AF0D-4EA3-BD2E-107B657F985C}"/>
+              </a:ext>
+            </a:extLst>
+          </p:cNvPr>
+          <p:cNvSpPr>
+            <a:spLocks noGrp="1"/>
+          </p:cNvSpPr>
+          <p:nvPr>
+            <p:ph type="title"/>
+          </p:nvPr>
+        </p:nvSpPr>
+        <p:spPr/>
+        <p:txBody>
+          <a:bodyPr/>
+          <a:lstStyle/>
+          <a:p>
+            <a:r>
+              <a:rPr lang="it-IT" dirty="0" err="1"/>
+              <a:t>string</a:t>
+            </a:r>
+            <a:endParaRPr lang="it-IT" dirty="0"/>
+          </a:p>
+        </p:txBody>
+      </p:sp>
+      <p:sp>
+        <p:nvSpPr>
+          <p:cNvPr id="6" name="Segnaposto testo 5">
+            <a:extLst>
+              <a:ext uri="{FF2B5EF4-FFF2-40B4-BE49-F238E27FC236}">
+                <a16:creationId xmlns:a16="http://schemas.microsoft.com/office/drawing/2014/main" id="{333EB6C8-2F0F-4F6F-AD5E-646BF6E01BB4}"/>
+              </a:ext>
+            </a:extLst>
+          </p:cNvPr>
+          <p:cNvSpPr>
+            <a:spLocks noGrp="1"/>
+          </p:cNvSpPr>
+          <p:nvPr>
+            <p:ph type="body" idx="1"/>
+          </p:nvPr>
+        </p:nvSpPr>
+        <p:spPr/>
+        <p:txBody>
+          <a:bodyPr/>
+          <a:lstStyle/>
+          <a:p>
+            <a:r>
+              <a:rPr lang="it-IT" dirty="0"/>
+              <a:t>la classe</a:t>
+            </a:r>
+          </a:p>
+        </p:txBody>
+      </p:sp>
+      <p:sp>
+        <p:nvSpPr>
+          <p:cNvPr id="4" name="Segnaposto piè di pagina 3">
+            <a:extLst>
+              <a:ext uri="{FF2B5EF4-FFF2-40B4-BE49-F238E27FC236}">
+                <a16:creationId xmlns:a16="http://schemas.microsoft.com/office/drawing/2014/main" id="{BD83B713-A307-4760-B7D3-C11C6B2F52F4}"/>
+              </a:ext>
+            </a:extLst>
+          </p:cNvPr>
+          <p:cNvSpPr>
+            <a:spLocks noGrp="1"/>
+          </p:cNvSpPr>
+          <p:nvPr>
+            <p:ph type="ftr" sz="quarter" idx="11"/>
+          </p:nvPr>
+        </p:nvSpPr>
+        <p:spPr/>
+        <p:txBody>
+          <a:bodyPr/>
+          <a:lstStyle/>
+          <a:p>
+            <a:pPr>
+              <a:defRPr/>
+            </a:pPr>
+            <a:r>
+              <a:rPr lang="it-IT"/>
+              <a:t>Alberto Ferrari – Programmazione di applicazioni SW</a:t>
+            </a:r>
+            <a:endParaRPr lang="it-IT" dirty="0"/>
+          </a:p>
+        </p:txBody>
+      </p:sp>
+    </p:spTree>
+    <p:extLst>
+      <p:ext uri="{BB962C8B-B14F-4D97-AF65-F5344CB8AC3E}">
+        <p14:creationId xmlns:p14="http://schemas.microsoft.com/office/powerpoint/2010/main" val="2901499911"/>
+      </p:ext>
+    </p:extLst>
+  </p:cSld>
+  <p:clrMapOvr>
+    <a:masterClrMapping/>
+  </p:clrMapOvr>
+</p:sld>
+</file>
+
+<file path=ppt/slides/slide16.xml><?xml version="1.0" encoding="utf-8"?>
+<p:sld xmlns:a="http://schemas.openxmlformats.org/drawingml/2006/main" xmlns:r="http://schemas.openxmlformats.org/officeDocument/2006/relationships" xmlns:p="http://schemas.openxmlformats.org/presentationml/2006/main">
+  <p:cSld>
+    <p:spTree>
+      <p:nvGrpSpPr>
+        <p:cNvPr id="1" name=""/>
+        <p:cNvGrpSpPr/>
+        <p:nvPr/>
+      </p:nvGrpSpPr>
+      <p:grpSpPr>
+        <a:xfrm>
+          <a:off x="0" y="0"/>
+          <a:ext cx="0" cy="0"/>
+          <a:chOff x="0" y="0"/>
+          <a:chExt cx="0" cy="0"/>
+        </a:xfrm>
+      </p:grpSpPr>
+      <p:sp>
+        <p:nvSpPr>
+          <p:cNvPr id="5" name="Titolo 4">
+            <a:extLst>
+              <a:ext uri="{FF2B5EF4-FFF2-40B4-BE49-F238E27FC236}">
+                <a16:creationId xmlns:a16="http://schemas.microsoft.com/office/drawing/2014/main" id="{526A28B0-6E2B-4CAA-8D75-A395D88AF303}"/>
+              </a:ext>
+            </a:extLst>
+          </p:cNvPr>
+          <p:cNvSpPr>
+            <a:spLocks noGrp="1"/>
+          </p:cNvSpPr>
+          <p:nvPr>
+            <p:ph type="title"/>
+          </p:nvPr>
+        </p:nvSpPr>
+        <p:spPr/>
+        <p:txBody>
+          <a:bodyPr/>
+          <a:lstStyle/>
+          <a:p>
+            <a:r>
+              <a:rPr lang="it-IT" dirty="0" err="1"/>
+              <a:t>string</a:t>
+            </a:r>
+            <a:endParaRPr lang="it-IT" dirty="0"/>
+          </a:p>
+        </p:txBody>
+      </p:sp>
+      <p:sp>
+        <p:nvSpPr>
+          <p:cNvPr id="6" name="Segnaposto contenuto 5">
+            <a:extLst>
+              <a:ext uri="{FF2B5EF4-FFF2-40B4-BE49-F238E27FC236}">
+                <a16:creationId xmlns:a16="http://schemas.microsoft.com/office/drawing/2014/main" id="{FFB4074B-B42D-4819-9B0D-4887741C243B}"/>
+              </a:ext>
+            </a:extLst>
+          </p:cNvPr>
+          <p:cNvSpPr>
+            <a:spLocks noGrp="1"/>
+          </p:cNvSpPr>
+          <p:nvPr>
+            <p:ph idx="1"/>
+          </p:nvPr>
+        </p:nvSpPr>
+        <p:spPr/>
+        <p:txBody>
+          <a:bodyPr/>
+          <a:lstStyle/>
+          <a:p>
+            <a:r>
+              <a:rPr lang="it-IT" dirty="0"/>
+              <a:t>una stringa è una sequenza di 0 o più caratteri racchiusi fra doppi apici</a:t>
+            </a:r>
+          </a:p>
+          <a:p>
+            <a:pPr lvl="1"/>
+            <a:r>
+              <a:rPr lang="it-IT" b="1" dirty="0" err="1">
+                <a:latin typeface="Courier New" panose="02070309020205020404" pitchFamily="49" charset="0"/>
+                <a:cs typeface="Courier New" panose="02070309020205020404" pitchFamily="49" charset="0"/>
+              </a:rPr>
+              <a:t>string</a:t>
+            </a:r>
+            <a:r>
+              <a:rPr lang="it-IT" b="1" dirty="0">
+                <a:latin typeface="Courier New" panose="02070309020205020404" pitchFamily="49" charset="0"/>
+                <a:cs typeface="Courier New" panose="02070309020205020404" pitchFamily="49" charset="0"/>
+              </a:rPr>
+              <a:t> corso = "programmazione di applicazioni software";</a:t>
+            </a:r>
+          </a:p>
+          <a:p>
+            <a:r>
+              <a:rPr lang="it-IT" dirty="0"/>
+              <a:t>la classe </a:t>
+            </a:r>
+            <a:r>
+              <a:rPr lang="it-IT" dirty="0" err="1"/>
+              <a:t>string</a:t>
+            </a:r>
+            <a:r>
+              <a:rPr lang="it-IT" dirty="0"/>
+              <a:t> non fa parte del linguaggio C++ ma è inclusa nella libreria standard</a:t>
+            </a:r>
+          </a:p>
+          <a:p>
+            <a:r>
+              <a:rPr lang="it-IT" dirty="0"/>
+              <a:t>per utilizzare oggetti della classe </a:t>
+            </a:r>
+            <a:r>
+              <a:rPr lang="it-IT" dirty="0" err="1"/>
+              <a:t>string</a:t>
+            </a:r>
+            <a:r>
+              <a:rPr lang="it-IT" dirty="0"/>
+              <a:t> (variabili di tipo </a:t>
+            </a:r>
+            <a:r>
+              <a:rPr lang="it-IT" dirty="0" err="1"/>
+              <a:t>string</a:t>
+            </a:r>
+            <a:r>
+              <a:rPr lang="it-IT" dirty="0"/>
+              <a:t>) è necessario includere la libreria</a:t>
+            </a:r>
+          </a:p>
+          <a:p>
+            <a:pPr lvl="1"/>
+            <a:r>
+              <a:rPr lang="it-IT" b="1" dirty="0">
+                <a:latin typeface="Courier New" panose="02070309020205020404" pitchFamily="49" charset="0"/>
+                <a:cs typeface="Courier New" panose="02070309020205020404" pitchFamily="49" charset="0"/>
+              </a:rPr>
+              <a:t>#include &lt;</a:t>
+            </a:r>
+            <a:r>
+              <a:rPr lang="it-IT" b="1" dirty="0" err="1">
+                <a:latin typeface="Courier New" panose="02070309020205020404" pitchFamily="49" charset="0"/>
+                <a:cs typeface="Courier New" panose="02070309020205020404" pitchFamily="49" charset="0"/>
+              </a:rPr>
+              <a:t>string</a:t>
+            </a:r>
+            <a:r>
+              <a:rPr lang="it-IT" b="1" dirty="0">
+                <a:latin typeface="Courier New" panose="02070309020205020404" pitchFamily="49" charset="0"/>
+                <a:cs typeface="Courier New" panose="02070309020205020404" pitchFamily="49" charset="0"/>
+              </a:rPr>
+              <a:t>&gt;</a:t>
+            </a:r>
+          </a:p>
+        </p:txBody>
+      </p:sp>
+      <p:sp>
+        <p:nvSpPr>
+          <p:cNvPr id="4" name="Segnaposto piè di pagina 3">
+            <a:extLst>
+              <a:ext uri="{FF2B5EF4-FFF2-40B4-BE49-F238E27FC236}">
+                <a16:creationId xmlns:a16="http://schemas.microsoft.com/office/drawing/2014/main" id="{062BF134-F9EE-44D1-94C3-78399C525F20}"/>
+              </a:ext>
+            </a:extLst>
+          </p:cNvPr>
+          <p:cNvSpPr>
+            <a:spLocks noGrp="1"/>
+          </p:cNvSpPr>
+          <p:nvPr>
+            <p:ph type="ftr" sz="quarter" idx="11"/>
+          </p:nvPr>
+        </p:nvSpPr>
+        <p:spPr/>
+        <p:txBody>
+          <a:bodyPr/>
+          <a:lstStyle/>
+          <a:p>
+            <a:pPr>
+              <a:defRPr/>
+            </a:pPr>
+            <a:r>
+              <a:rPr lang="it-IT"/>
+              <a:t>Alberto Ferrari – Programmazione di applicazioni SW</a:t>
+            </a:r>
+            <a:endParaRPr lang="it-IT" dirty="0"/>
+          </a:p>
+        </p:txBody>
+      </p:sp>
+    </p:spTree>
+    <p:extLst>
+      <p:ext uri="{BB962C8B-B14F-4D97-AF65-F5344CB8AC3E}">
+        <p14:creationId xmlns:p14="http://schemas.microsoft.com/office/powerpoint/2010/main" val="3867450290"/>
+      </p:ext>
+    </p:extLst>
+  </p:cSld>
+  <p:clrMapOvr>
+    <a:masterClrMapping/>
+  </p:clrMapOvr>
+</p:sld>
+</file>
+
+<file path=ppt/slides/slide17.xml><?xml version="1.0" encoding="utf-8"?>
+<p:sld xmlns:a="http://schemas.openxmlformats.org/drawingml/2006/main" xmlns:r="http://schemas.openxmlformats.org/officeDocument/2006/relationships" xmlns:p="http://schemas.openxmlformats.org/presentationml/2006/main">
+  <p:cSld>
+    <p:spTree>
+      <p:nvGrpSpPr>
+        <p:cNvPr id="1" name=""/>
+        <p:cNvGrpSpPr/>
+        <p:nvPr/>
+      </p:nvGrpSpPr>
+      <p:grpSpPr>
+        <a:xfrm>
+          <a:off x="0" y="0"/>
+          <a:ext cx="0" cy="0"/>
+          <a:chOff x="0" y="0"/>
+          <a:chExt cx="0" cy="0"/>
+        </a:xfrm>
+      </p:grpSpPr>
+      <p:sp>
+        <p:nvSpPr>
+          <p:cNvPr id="2" name="Titolo 1">
+            <a:extLst>
+              <a:ext uri="{FF2B5EF4-FFF2-40B4-BE49-F238E27FC236}">
+                <a16:creationId xmlns:a16="http://schemas.microsoft.com/office/drawing/2014/main" id="{48C6187F-3837-4A8B-8135-AB9571D1DC80}"/>
+              </a:ext>
+            </a:extLst>
+          </p:cNvPr>
+          <p:cNvSpPr>
+            <a:spLocks noGrp="1"/>
+          </p:cNvSpPr>
+          <p:nvPr>
+            <p:ph type="title"/>
+          </p:nvPr>
+        </p:nvSpPr>
+        <p:spPr/>
+        <p:txBody>
+          <a:bodyPr/>
+          <a:lstStyle/>
+          <a:p>
+            <a:r>
+              <a:rPr lang="it-IT" dirty="0"/>
+              <a:t>operatori sulle stringhe</a:t>
+            </a:r>
+          </a:p>
+        </p:txBody>
+      </p:sp>
+      <p:sp>
+        <p:nvSpPr>
+          <p:cNvPr id="3" name="Segnaposto contenuto 2">
+            <a:extLst>
+              <a:ext uri="{FF2B5EF4-FFF2-40B4-BE49-F238E27FC236}">
+                <a16:creationId xmlns:a16="http://schemas.microsoft.com/office/drawing/2014/main" id="{6FADF482-844D-4598-AC22-6E25247A90D8}"/>
+              </a:ext>
+            </a:extLst>
+          </p:cNvPr>
+          <p:cNvSpPr>
+            <a:spLocks noGrp="1"/>
+          </p:cNvSpPr>
+          <p:nvPr>
+            <p:ph idx="1"/>
+          </p:nvPr>
+        </p:nvSpPr>
+        <p:spPr/>
+        <p:txBody>
+          <a:bodyPr/>
+          <a:lstStyle/>
+          <a:p>
+            <a:r>
+              <a:rPr lang="it-IT" dirty="0"/>
+              <a:t>operazione di indicizzazione </a:t>
+            </a:r>
+            <a:r>
+              <a:rPr lang="it-IT" b="1" dirty="0"/>
+              <a:t>[ ]</a:t>
+            </a:r>
+          </a:p>
+          <a:p>
+            <a:pPr lvl="1"/>
+            <a:r>
+              <a:rPr lang="it-IT" dirty="0"/>
+              <a:t>l’indice del primo carattere è 0 e quello dell’ultimo è uguale alla lunghezza della stringa -1</a:t>
+            </a:r>
+          </a:p>
+          <a:p>
+            <a:r>
+              <a:rPr lang="it-IT" dirty="0"/>
+              <a:t>operatore di concatenazione </a:t>
+            </a:r>
+            <a:r>
+              <a:rPr lang="it-IT" b="1" dirty="0"/>
+              <a:t>+</a:t>
+            </a:r>
+          </a:p>
+          <a:p>
+            <a:pPr lvl="1"/>
+            <a:r>
+              <a:rPr lang="it-IT" dirty="0"/>
+              <a:t>almeno uno dei due operandi deve essere un oggetto di tipo </a:t>
+            </a:r>
+            <a:r>
+              <a:rPr lang="it-IT" dirty="0" err="1"/>
+              <a:t>string</a:t>
+            </a:r>
+            <a:endParaRPr lang="it-IT" dirty="0"/>
+          </a:p>
+          <a:p>
+            <a:r>
+              <a:rPr lang="it-IT" dirty="0"/>
+              <a:t>funzioni definite sulle stringhe</a:t>
+            </a:r>
+          </a:p>
+          <a:p>
+            <a:pPr lvl="1"/>
+            <a:r>
+              <a:rPr lang="it-IT" b="1" dirty="0" err="1"/>
+              <a:t>length</a:t>
+            </a:r>
+            <a:r>
+              <a:rPr lang="it-IT" dirty="0"/>
+              <a:t>() o </a:t>
+            </a:r>
+            <a:r>
+              <a:rPr lang="it-IT" b="1" dirty="0" err="1"/>
+              <a:t>size</a:t>
+            </a:r>
+            <a:r>
+              <a:rPr lang="it-IT" dirty="0"/>
+              <a:t>()</a:t>
+            </a:r>
+          </a:p>
+          <a:p>
+            <a:pPr lvl="2"/>
+            <a:r>
+              <a:rPr lang="it-IT" dirty="0"/>
+              <a:t>restituisce il numero di caratteri presenti nella stringa</a:t>
+            </a:r>
+          </a:p>
+          <a:p>
+            <a:pPr lvl="1"/>
+            <a:r>
+              <a:rPr lang="it-IT" b="1" dirty="0" err="1"/>
+              <a:t>find</a:t>
+            </a:r>
+            <a:r>
+              <a:rPr lang="it-IT" dirty="0"/>
+              <a:t>(</a:t>
+            </a:r>
+            <a:r>
+              <a:rPr lang="it-IT" b="1" dirty="0"/>
+              <a:t>s</a:t>
+            </a:r>
+            <a:r>
+              <a:rPr lang="it-IT" dirty="0"/>
+              <a:t>)</a:t>
+            </a:r>
+          </a:p>
+          <a:p>
+            <a:pPr lvl="2"/>
+            <a:r>
+              <a:rPr lang="it-IT" dirty="0"/>
+              <a:t>ricerca la prima occorrenza della stinga s nella stringa in cui è invocata</a:t>
+            </a:r>
+          </a:p>
+          <a:p>
+            <a:pPr lvl="1"/>
+            <a:r>
+              <a:rPr lang="it-IT" b="1" dirty="0" err="1"/>
+              <a:t>substr</a:t>
+            </a:r>
+            <a:r>
+              <a:rPr lang="it-IT" dirty="0"/>
+              <a:t>(</a:t>
+            </a:r>
+            <a:r>
+              <a:rPr lang="it-IT" b="1" dirty="0" err="1"/>
+              <a:t>i_inizio</a:t>
+            </a:r>
+            <a:r>
+              <a:rPr lang="it-IT" dirty="0" err="1"/>
+              <a:t>,</a:t>
+            </a:r>
+            <a:r>
+              <a:rPr lang="it-IT" b="1" dirty="0" err="1"/>
+              <a:t>lung</a:t>
+            </a:r>
+            <a:r>
+              <a:rPr lang="it-IT" dirty="0"/>
+              <a:t>)</a:t>
+            </a:r>
+          </a:p>
+          <a:p>
+            <a:pPr lvl="2"/>
+            <a:r>
+              <a:rPr lang="it-IT" dirty="0"/>
+              <a:t>restituisce la sottostringa di lunghezza </a:t>
+            </a:r>
+            <a:r>
+              <a:rPr lang="it-IT" dirty="0" err="1"/>
+              <a:t>lung</a:t>
+            </a:r>
+            <a:r>
+              <a:rPr lang="it-IT" dirty="0"/>
+              <a:t> a partire dal carattere di indice </a:t>
+            </a:r>
+            <a:r>
+              <a:rPr lang="it-IT" dirty="0" err="1"/>
+              <a:t>i_inizio</a:t>
+            </a:r>
+            <a:endParaRPr lang="it-IT" dirty="0"/>
+          </a:p>
+        </p:txBody>
+      </p:sp>
+      <p:sp>
+        <p:nvSpPr>
+          <p:cNvPr id="4" name="Segnaposto piè di pagina 3">
+            <a:extLst>
+              <a:ext uri="{FF2B5EF4-FFF2-40B4-BE49-F238E27FC236}">
+                <a16:creationId xmlns:a16="http://schemas.microsoft.com/office/drawing/2014/main" id="{ACDD607F-1DDF-4939-A754-DA381476F93C}"/>
+              </a:ext>
+            </a:extLst>
+          </p:cNvPr>
+          <p:cNvSpPr>
+            <a:spLocks noGrp="1"/>
+          </p:cNvSpPr>
+          <p:nvPr>
+            <p:ph type="ftr" sz="quarter" idx="11"/>
+          </p:nvPr>
+        </p:nvSpPr>
+        <p:spPr/>
+        <p:txBody>
+          <a:bodyPr/>
+          <a:lstStyle/>
+          <a:p>
+            <a:pPr>
+              <a:defRPr/>
+            </a:pPr>
+            <a:r>
+              <a:rPr lang="it-IT"/>
+              <a:t>Alberto Ferrari – Programmazione di applicazioni SW</a:t>
+            </a:r>
+            <a:endParaRPr lang="it-IT" dirty="0"/>
+          </a:p>
+        </p:txBody>
+      </p:sp>
+    </p:spTree>
+    <p:extLst>
+      <p:ext uri="{BB962C8B-B14F-4D97-AF65-F5344CB8AC3E}">
+        <p14:creationId xmlns:p14="http://schemas.microsoft.com/office/powerpoint/2010/main" val="2152248892"/>
+      </p:ext>
+    </p:extLst>
+  </p:cSld>
+  <p:clrMapOvr>
+    <a:masterClrMapping/>
+  </p:clrMapOvr>
+</p:sld>
+</file>
+
+<file path=ppt/slides/slide18.xml><?xml version="1.0" encoding="utf-8"?>
+<p:sld xmlns:a="http://schemas.openxmlformats.org/drawingml/2006/main" xmlns:r="http://schemas.openxmlformats.org/officeDocument/2006/relationships" xmlns:p="http://schemas.openxmlformats.org/presentationml/2006/main">
+  <p:cSld>
+    <p:spTree>
+      <p:nvGrpSpPr>
+        <p:cNvPr id="1" name=""/>
+        <p:cNvGrpSpPr/>
+        <p:nvPr/>
+      </p:nvGrpSpPr>
+      <p:grpSpPr>
+        <a:xfrm>
+          <a:off x="0" y="0"/>
+          <a:ext cx="0" cy="0"/>
+          <a:chOff x="0" y="0"/>
+          <a:chExt cx="0" cy="0"/>
+        </a:xfrm>
+      </p:grpSpPr>
+      <p:sp>
+        <p:nvSpPr>
+          <p:cNvPr id="2" name="Titolo 1">
+            <a:extLst>
+              <a:ext uri="{FF2B5EF4-FFF2-40B4-BE49-F238E27FC236}">
+                <a16:creationId xmlns:a16="http://schemas.microsoft.com/office/drawing/2014/main" id="{AF6A0419-47E2-4C70-8BDD-2955F9D0708E}"/>
+              </a:ext>
+            </a:extLst>
+          </p:cNvPr>
+          <p:cNvSpPr>
+            <a:spLocks noGrp="1"/>
+          </p:cNvSpPr>
+          <p:nvPr>
+            <p:ph type="title"/>
+          </p:nvPr>
+        </p:nvSpPr>
+        <p:spPr/>
+        <p:txBody>
+          <a:bodyPr/>
+          <a:lstStyle/>
+          <a:p>
+            <a:r>
+              <a:rPr lang="it-IT" dirty="0" err="1"/>
+              <a:t>string</a:t>
+            </a:r>
+            <a:r>
+              <a:rPr lang="it-IT" dirty="0"/>
+              <a:t> -  esempio</a:t>
+            </a:r>
+          </a:p>
+        </p:txBody>
+      </p:sp>
+      <p:sp>
+        <p:nvSpPr>
+          <p:cNvPr id="3" name="Segnaposto contenuto 2">
+            <a:extLst>
+              <a:ext uri="{FF2B5EF4-FFF2-40B4-BE49-F238E27FC236}">
+                <a16:creationId xmlns:a16="http://schemas.microsoft.com/office/drawing/2014/main" id="{6939D1C8-91CC-4AC4-874C-76E83365731F}"/>
+              </a:ext>
+            </a:extLst>
+          </p:cNvPr>
+          <p:cNvSpPr>
+            <a:spLocks noGrp="1"/>
+          </p:cNvSpPr>
+          <p:nvPr>
+            <p:ph idx="1"/>
+          </p:nvPr>
+        </p:nvSpPr>
+        <p:spPr/>
+        <p:txBody>
+          <a:bodyPr/>
+          <a:lstStyle/>
+          <a:p>
+            <a:pPr marL="0" indent="0">
+              <a:buNone/>
+            </a:pPr>
+            <a:r>
+              <a:rPr lang="it-IT" sz="1100" b="1" dirty="0">
+                <a:latin typeface="Courier New" panose="02070309020205020404" pitchFamily="49" charset="0"/>
+                <a:cs typeface="Courier New" panose="02070309020205020404" pitchFamily="49" charset="0"/>
+              </a:rPr>
+              <a:t>#include &lt;</a:t>
+            </a:r>
+            <a:r>
+              <a:rPr lang="it-IT" sz="1100" b="1" dirty="0" err="1">
+                <a:latin typeface="Courier New" panose="02070309020205020404" pitchFamily="49" charset="0"/>
+                <a:cs typeface="Courier New" panose="02070309020205020404" pitchFamily="49" charset="0"/>
+              </a:rPr>
+              <a:t>iostream</a:t>
+            </a:r>
+            <a:r>
+              <a:rPr lang="it-IT" sz="1100" b="1" dirty="0">
+                <a:latin typeface="Courier New" panose="02070309020205020404" pitchFamily="49" charset="0"/>
+                <a:cs typeface="Courier New" panose="02070309020205020404" pitchFamily="49" charset="0"/>
+              </a:rPr>
+              <a:t>&gt;</a:t>
+            </a:r>
+          </a:p>
+          <a:p>
+            <a:pPr marL="0" indent="0">
+              <a:buNone/>
+            </a:pPr>
+            <a:r>
+              <a:rPr lang="it-IT" sz="1100" b="1" dirty="0">
+                <a:latin typeface="Courier New" panose="02070309020205020404" pitchFamily="49" charset="0"/>
+                <a:cs typeface="Courier New" panose="02070309020205020404" pitchFamily="49" charset="0"/>
+              </a:rPr>
+              <a:t>#include &lt;</a:t>
+            </a:r>
+            <a:r>
+              <a:rPr lang="it-IT" sz="1100" b="1" dirty="0" err="1">
+                <a:latin typeface="Courier New" panose="02070309020205020404" pitchFamily="49" charset="0"/>
+                <a:cs typeface="Courier New" panose="02070309020205020404" pitchFamily="49" charset="0"/>
+              </a:rPr>
+              <a:t>string</a:t>
+            </a:r>
+            <a:r>
+              <a:rPr lang="it-IT" sz="1100" b="1" dirty="0">
+                <a:latin typeface="Courier New" panose="02070309020205020404" pitchFamily="49" charset="0"/>
+                <a:cs typeface="Courier New" panose="02070309020205020404" pitchFamily="49" charset="0"/>
+              </a:rPr>
+              <a:t>&gt;</a:t>
+            </a:r>
+          </a:p>
+          <a:p>
+            <a:pPr marL="0" indent="0">
+              <a:buNone/>
+            </a:pPr>
+            <a:r>
+              <a:rPr lang="it-IT" sz="1100" b="1" dirty="0" err="1">
+                <a:latin typeface="Courier New" panose="02070309020205020404" pitchFamily="49" charset="0"/>
+                <a:cs typeface="Courier New" panose="02070309020205020404" pitchFamily="49" charset="0"/>
+              </a:rPr>
+              <a:t>using</a:t>
+            </a:r>
+            <a:r>
+              <a:rPr lang="it-IT" sz="1100" b="1" dirty="0">
+                <a:latin typeface="Courier New" panose="02070309020205020404" pitchFamily="49" charset="0"/>
+                <a:cs typeface="Courier New" panose="02070309020205020404" pitchFamily="49" charset="0"/>
+              </a:rPr>
+              <a:t> </a:t>
+            </a:r>
+            <a:r>
+              <a:rPr lang="it-IT" sz="1100" b="1" dirty="0" err="1">
+                <a:latin typeface="Courier New" panose="02070309020205020404" pitchFamily="49" charset="0"/>
+                <a:cs typeface="Courier New" panose="02070309020205020404" pitchFamily="49" charset="0"/>
+              </a:rPr>
+              <a:t>namespace</a:t>
+            </a:r>
+            <a:r>
+              <a:rPr lang="it-IT" sz="1100" b="1" dirty="0">
+                <a:latin typeface="Courier New" panose="02070309020205020404" pitchFamily="49" charset="0"/>
+                <a:cs typeface="Courier New" panose="02070309020205020404" pitchFamily="49" charset="0"/>
+              </a:rPr>
+              <a:t> </a:t>
+            </a:r>
+            <a:r>
+              <a:rPr lang="it-IT" sz="1100" b="1" dirty="0" err="1">
+                <a:latin typeface="Courier New" panose="02070309020205020404" pitchFamily="49" charset="0"/>
+                <a:cs typeface="Courier New" panose="02070309020205020404" pitchFamily="49" charset="0"/>
+              </a:rPr>
+              <a:t>std</a:t>
+            </a:r>
+            <a:r>
+              <a:rPr lang="it-IT" sz="1100" b="1" dirty="0">
+                <a:latin typeface="Courier New" panose="02070309020205020404" pitchFamily="49" charset="0"/>
+                <a:cs typeface="Courier New" panose="02070309020205020404" pitchFamily="49" charset="0"/>
+              </a:rPr>
+              <a:t>;</a:t>
+            </a:r>
+          </a:p>
+          <a:p>
+            <a:pPr marL="0" indent="0">
+              <a:buNone/>
+            </a:pPr>
+            <a:r>
+              <a:rPr lang="it-IT" sz="1100" b="1" dirty="0" err="1">
+                <a:latin typeface="Courier New" panose="02070309020205020404" pitchFamily="49" charset="0"/>
+                <a:cs typeface="Courier New" panose="02070309020205020404" pitchFamily="49" charset="0"/>
+              </a:rPr>
+              <a:t>int</a:t>
+            </a:r>
+            <a:r>
+              <a:rPr lang="it-IT" sz="1100" b="1" dirty="0">
+                <a:latin typeface="Courier New" panose="02070309020205020404" pitchFamily="49" charset="0"/>
+                <a:cs typeface="Courier New" panose="02070309020205020404" pitchFamily="49" charset="0"/>
+              </a:rPr>
+              <a:t> </a:t>
+            </a:r>
+            <a:r>
+              <a:rPr lang="it-IT" sz="1100" b="1" dirty="0" err="1">
+                <a:latin typeface="Courier New" panose="02070309020205020404" pitchFamily="49" charset="0"/>
+                <a:cs typeface="Courier New" panose="02070309020205020404" pitchFamily="49" charset="0"/>
+              </a:rPr>
+              <a:t>main</a:t>
+            </a:r>
+            <a:r>
+              <a:rPr lang="it-IT" sz="1100" b="1" dirty="0">
+                <a:latin typeface="Courier New" panose="02070309020205020404" pitchFamily="49" charset="0"/>
+                <a:cs typeface="Courier New" panose="02070309020205020404" pitchFamily="49" charset="0"/>
+              </a:rPr>
+              <a:t>() {</a:t>
+            </a:r>
+          </a:p>
+          <a:p>
+            <a:pPr marL="0" indent="0">
+              <a:buNone/>
+            </a:pPr>
+            <a:r>
+              <a:rPr lang="it-IT" sz="1100" b="1" dirty="0">
+                <a:latin typeface="Courier New" panose="02070309020205020404" pitchFamily="49" charset="0"/>
+                <a:cs typeface="Courier New" panose="02070309020205020404" pitchFamily="49" charset="0"/>
+              </a:rPr>
+              <a:t>	</a:t>
+            </a:r>
+            <a:r>
+              <a:rPr lang="it-IT" sz="1100" b="1" dirty="0" err="1">
+                <a:solidFill>
+                  <a:srgbClr val="FF0000"/>
+                </a:solidFill>
+                <a:latin typeface="Courier New" panose="02070309020205020404" pitchFamily="49" charset="0"/>
+                <a:cs typeface="Courier New" panose="02070309020205020404" pitchFamily="49" charset="0"/>
+              </a:rPr>
+              <a:t>string</a:t>
+            </a:r>
+            <a:r>
+              <a:rPr lang="it-IT" sz="1100" b="1" dirty="0">
+                <a:latin typeface="Courier New" panose="02070309020205020404" pitchFamily="49" charset="0"/>
+                <a:cs typeface="Courier New" panose="02070309020205020404" pitchFamily="49" charset="0"/>
+              </a:rPr>
+              <a:t> s1,s2,s3;</a:t>
+            </a:r>
+          </a:p>
+          <a:p>
+            <a:pPr marL="0" indent="0">
+              <a:buNone/>
+            </a:pPr>
+            <a:r>
+              <a:rPr lang="it-IT" sz="1100" b="1" dirty="0">
+                <a:latin typeface="Courier New" panose="02070309020205020404" pitchFamily="49" charset="0"/>
+                <a:cs typeface="Courier New" panose="02070309020205020404" pitchFamily="49" charset="0"/>
+              </a:rPr>
+              <a:t>	s1 = "programmazione";</a:t>
+            </a:r>
+          </a:p>
+          <a:p>
+            <a:pPr marL="0" indent="0">
+              <a:buNone/>
+            </a:pPr>
+            <a:r>
+              <a:rPr lang="it-IT" sz="1100" b="1" dirty="0">
+                <a:latin typeface="Courier New" panose="02070309020205020404" pitchFamily="49" charset="0"/>
+                <a:cs typeface="Courier New" panose="02070309020205020404" pitchFamily="49" charset="0"/>
+              </a:rPr>
+              <a:t>	s2 = s1 </a:t>
+            </a:r>
+            <a:r>
+              <a:rPr lang="it-IT" sz="1100" b="1" dirty="0">
+                <a:solidFill>
+                  <a:srgbClr val="FF0000"/>
+                </a:solidFill>
+                <a:latin typeface="Courier New" panose="02070309020205020404" pitchFamily="49" charset="0"/>
+                <a:cs typeface="Courier New" panose="02070309020205020404" pitchFamily="49" charset="0"/>
+              </a:rPr>
+              <a:t>+</a:t>
+            </a:r>
+            <a:r>
+              <a:rPr lang="it-IT" sz="1100" b="1" dirty="0">
+                <a:latin typeface="Courier New" panose="02070309020205020404" pitchFamily="49" charset="0"/>
+                <a:cs typeface="Courier New" panose="02070309020205020404" pitchFamily="49" charset="0"/>
+              </a:rPr>
+              <a:t> " di applicazioni " + "software";</a:t>
+            </a:r>
+          </a:p>
+          <a:p>
+            <a:pPr marL="0" indent="0">
+              <a:buNone/>
+            </a:pPr>
+            <a:r>
+              <a:rPr lang="it-IT" sz="1100" b="1" dirty="0">
+                <a:latin typeface="Courier New" panose="02070309020205020404" pitchFamily="49" charset="0"/>
+                <a:cs typeface="Courier New" panose="02070309020205020404" pitchFamily="49" charset="0"/>
+              </a:rPr>
+              <a:t>	// </a:t>
+            </a:r>
+            <a:r>
+              <a:rPr lang="it-IT" sz="1100" b="1" dirty="0" err="1">
+                <a:latin typeface="Courier New" panose="02070309020205020404" pitchFamily="49" charset="0"/>
+                <a:cs typeface="Courier New" panose="02070309020205020404" pitchFamily="49" charset="0"/>
+              </a:rPr>
+              <a:t>error</a:t>
+            </a:r>
+            <a:r>
+              <a:rPr lang="it-IT" sz="1100" b="1" dirty="0">
+                <a:latin typeface="Courier New" panose="02070309020205020404" pitchFamily="49" charset="0"/>
+                <a:cs typeface="Courier New" panose="02070309020205020404" pitchFamily="49" charset="0"/>
+              </a:rPr>
+              <a:t>: </a:t>
+            </a:r>
+            <a:r>
+              <a:rPr lang="it-IT" sz="1100" b="1" dirty="0" err="1">
+                <a:latin typeface="Courier New" panose="02070309020205020404" pitchFamily="49" charset="0"/>
+                <a:cs typeface="Courier New" panose="02070309020205020404" pitchFamily="49" charset="0"/>
+              </a:rPr>
+              <a:t>invalid</a:t>
+            </a:r>
+            <a:r>
+              <a:rPr lang="it-IT" sz="1100" b="1" dirty="0">
+                <a:latin typeface="Courier New" panose="02070309020205020404" pitchFamily="49" charset="0"/>
+                <a:cs typeface="Courier New" panose="02070309020205020404" pitchFamily="49" charset="0"/>
+              </a:rPr>
+              <a:t> </a:t>
+            </a:r>
+            <a:r>
+              <a:rPr lang="it-IT" sz="1100" b="1" dirty="0" err="1">
+                <a:latin typeface="Courier New" panose="02070309020205020404" pitchFamily="49" charset="0"/>
+                <a:cs typeface="Courier New" panose="02070309020205020404" pitchFamily="49" charset="0"/>
+              </a:rPr>
+              <a:t>operands</a:t>
+            </a:r>
+            <a:r>
+              <a:rPr lang="it-IT" sz="1100" b="1" dirty="0">
+                <a:latin typeface="Courier New" panose="02070309020205020404" pitchFamily="49" charset="0"/>
+                <a:cs typeface="Courier New" panose="02070309020205020404" pitchFamily="49" charset="0"/>
+              </a:rPr>
+              <a:t> of </a:t>
+            </a:r>
+            <a:r>
+              <a:rPr lang="it-IT" sz="1100" b="1" dirty="0" err="1">
+                <a:latin typeface="Courier New" panose="02070309020205020404" pitchFamily="49" charset="0"/>
+                <a:cs typeface="Courier New" panose="02070309020205020404" pitchFamily="49" charset="0"/>
+              </a:rPr>
+              <a:t>types</a:t>
+            </a:r>
+            <a:r>
+              <a:rPr lang="it-IT" sz="1100" b="1" dirty="0">
+                <a:latin typeface="Courier New" panose="02070309020205020404" pitchFamily="49" charset="0"/>
+                <a:cs typeface="Courier New" panose="02070309020205020404" pitchFamily="49" charset="0"/>
+              </a:rPr>
+              <a:t> '...' and '...' to </a:t>
+            </a:r>
+            <a:r>
+              <a:rPr lang="it-IT" sz="1100" b="1" dirty="0" err="1">
+                <a:latin typeface="Courier New" panose="02070309020205020404" pitchFamily="49" charset="0"/>
+                <a:cs typeface="Courier New" panose="02070309020205020404" pitchFamily="49" charset="0"/>
+              </a:rPr>
+              <a:t>binary</a:t>
+            </a:r>
+            <a:r>
+              <a:rPr lang="it-IT" sz="1100" b="1" dirty="0">
+                <a:latin typeface="Courier New" panose="02070309020205020404" pitchFamily="49" charset="0"/>
+                <a:cs typeface="Courier New" panose="02070309020205020404" pitchFamily="49" charset="0"/>
+              </a:rPr>
+              <a:t> 'operator+'</a:t>
+            </a:r>
+          </a:p>
+          <a:p>
+            <a:pPr marL="0" indent="0">
+              <a:buNone/>
+            </a:pPr>
+            <a:r>
+              <a:rPr lang="it-IT" sz="1100" b="1" dirty="0">
+                <a:latin typeface="Courier New" panose="02070309020205020404" pitchFamily="49" charset="0"/>
+                <a:cs typeface="Courier New" panose="02070309020205020404" pitchFamily="49" charset="0"/>
+              </a:rPr>
+              <a:t>	// s3 = "programmazione" + " di applicazioni software";</a:t>
+            </a:r>
+          </a:p>
+          <a:p>
+            <a:pPr marL="0" indent="0">
+              <a:buNone/>
+            </a:pPr>
+            <a:r>
+              <a:rPr lang="it-IT" sz="1100" b="1" dirty="0">
+                <a:latin typeface="Courier New" panose="02070309020205020404" pitchFamily="49" charset="0"/>
+                <a:cs typeface="Courier New" panose="02070309020205020404" pitchFamily="49" charset="0"/>
+              </a:rPr>
+              <a:t>	</a:t>
+            </a:r>
+            <a:r>
+              <a:rPr lang="it-IT" sz="1100" b="1" dirty="0">
+                <a:solidFill>
+                  <a:srgbClr val="FF0000"/>
+                </a:solidFill>
+                <a:latin typeface="Courier New" panose="02070309020205020404" pitchFamily="49" charset="0"/>
+                <a:cs typeface="Courier New" panose="02070309020205020404" pitchFamily="49" charset="0"/>
+              </a:rPr>
+              <a:t>s2[0]</a:t>
+            </a:r>
+            <a:r>
+              <a:rPr lang="it-IT" sz="1100" b="1" dirty="0">
+                <a:latin typeface="Courier New" panose="02070309020205020404" pitchFamily="49" charset="0"/>
+                <a:cs typeface="Courier New" panose="02070309020205020404" pitchFamily="49" charset="0"/>
+              </a:rPr>
+              <a:t> = 'P';		// sostituzione del primo carattere della stringa</a:t>
+            </a:r>
+          </a:p>
+          <a:p>
+            <a:pPr marL="0" indent="0">
+              <a:buNone/>
+            </a:pPr>
+            <a:r>
+              <a:rPr lang="it-IT" sz="1100" b="1" dirty="0">
+                <a:latin typeface="Courier New" panose="02070309020205020404" pitchFamily="49" charset="0"/>
+                <a:cs typeface="Courier New" panose="02070309020205020404" pitchFamily="49" charset="0"/>
+              </a:rPr>
+              <a:t>	</a:t>
+            </a:r>
+            <a:r>
+              <a:rPr lang="it-IT" sz="1100" b="1" dirty="0" err="1">
+                <a:latin typeface="Courier New" panose="02070309020205020404" pitchFamily="49" charset="0"/>
+                <a:cs typeface="Courier New" panose="02070309020205020404" pitchFamily="49" charset="0"/>
+              </a:rPr>
+              <a:t>cout</a:t>
+            </a:r>
+            <a:r>
+              <a:rPr lang="it-IT" sz="1100" b="1" dirty="0">
+                <a:latin typeface="Courier New" panose="02070309020205020404" pitchFamily="49" charset="0"/>
+                <a:cs typeface="Courier New" panose="02070309020205020404" pitchFamily="49" charset="0"/>
+              </a:rPr>
+              <a:t> &lt;&lt; "contenuto della stringa s2: " &lt;&lt; s2 &lt;&lt; </a:t>
+            </a:r>
+            <a:r>
+              <a:rPr lang="it-IT" sz="1100" b="1" dirty="0" err="1">
+                <a:latin typeface="Courier New" panose="02070309020205020404" pitchFamily="49" charset="0"/>
+                <a:cs typeface="Courier New" panose="02070309020205020404" pitchFamily="49" charset="0"/>
+              </a:rPr>
+              <a:t>endl</a:t>
+            </a:r>
+            <a:r>
+              <a:rPr lang="it-IT" sz="1100" b="1" dirty="0">
+                <a:latin typeface="Courier New" panose="02070309020205020404" pitchFamily="49" charset="0"/>
+                <a:cs typeface="Courier New" panose="02070309020205020404" pitchFamily="49" charset="0"/>
+              </a:rPr>
+              <a:t>;</a:t>
+            </a:r>
+          </a:p>
+          <a:p>
+            <a:pPr marL="0" indent="0">
+              <a:buNone/>
+            </a:pPr>
+            <a:r>
+              <a:rPr lang="it-IT" sz="1100" b="1" dirty="0">
+                <a:latin typeface="Courier New" panose="02070309020205020404" pitchFamily="49" charset="0"/>
+                <a:cs typeface="Courier New" panose="02070309020205020404" pitchFamily="49" charset="0"/>
+              </a:rPr>
+              <a:t>	</a:t>
+            </a:r>
+            <a:r>
+              <a:rPr lang="it-IT" sz="1100" b="1" dirty="0" err="1">
+                <a:latin typeface="Courier New" panose="02070309020205020404" pitchFamily="49" charset="0"/>
+                <a:cs typeface="Courier New" panose="02070309020205020404" pitchFamily="49" charset="0"/>
+              </a:rPr>
+              <a:t>cout</a:t>
+            </a:r>
+            <a:r>
+              <a:rPr lang="it-IT" sz="1100" b="1" dirty="0">
+                <a:latin typeface="Courier New" panose="02070309020205020404" pitchFamily="49" charset="0"/>
+                <a:cs typeface="Courier New" panose="02070309020205020404" pitchFamily="49" charset="0"/>
+              </a:rPr>
+              <a:t> &lt;&lt; "numero di caratteri della stringa s2: " &lt;&lt; s2.</a:t>
+            </a:r>
+            <a:r>
+              <a:rPr lang="it-IT" sz="1100" b="1" dirty="0">
+                <a:solidFill>
+                  <a:srgbClr val="FF0000"/>
+                </a:solidFill>
+                <a:latin typeface="Courier New" panose="02070309020205020404" pitchFamily="49" charset="0"/>
+                <a:cs typeface="Courier New" panose="02070309020205020404" pitchFamily="49" charset="0"/>
+              </a:rPr>
+              <a:t>length</a:t>
+            </a:r>
+            <a:r>
+              <a:rPr lang="it-IT" sz="1100" b="1" dirty="0">
+                <a:latin typeface="Courier New" panose="02070309020205020404" pitchFamily="49" charset="0"/>
+                <a:cs typeface="Courier New" panose="02070309020205020404" pitchFamily="49" charset="0"/>
+              </a:rPr>
+              <a:t>() &lt;&lt; </a:t>
+            </a:r>
+            <a:r>
+              <a:rPr lang="it-IT" sz="1100" b="1" dirty="0" err="1">
+                <a:latin typeface="Courier New" panose="02070309020205020404" pitchFamily="49" charset="0"/>
+                <a:cs typeface="Courier New" panose="02070309020205020404" pitchFamily="49" charset="0"/>
+              </a:rPr>
+              <a:t>endl</a:t>
+            </a:r>
+            <a:r>
+              <a:rPr lang="it-IT" sz="1100" b="1" dirty="0">
+                <a:latin typeface="Courier New" panose="02070309020205020404" pitchFamily="49" charset="0"/>
+                <a:cs typeface="Courier New" panose="02070309020205020404" pitchFamily="49" charset="0"/>
+              </a:rPr>
+              <a:t>;</a:t>
+            </a:r>
+          </a:p>
+          <a:p>
+            <a:pPr marL="0" indent="0">
+              <a:buNone/>
+            </a:pPr>
+            <a:r>
+              <a:rPr lang="it-IT" sz="1100" b="1" dirty="0">
+                <a:latin typeface="Courier New" panose="02070309020205020404" pitchFamily="49" charset="0"/>
+                <a:cs typeface="Courier New" panose="02070309020205020404" pitchFamily="49" charset="0"/>
+              </a:rPr>
+              <a:t>	s3 = "Ingegneria dei sistemi informativi";</a:t>
+            </a:r>
+          </a:p>
+          <a:p>
+            <a:pPr marL="0" indent="0">
+              <a:buNone/>
+            </a:pPr>
+            <a:r>
+              <a:rPr lang="it-IT" sz="1100" b="1" dirty="0">
+                <a:latin typeface="Courier New" panose="02070309020205020404" pitchFamily="49" charset="0"/>
+                <a:cs typeface="Courier New" panose="02070309020205020404" pitchFamily="49" charset="0"/>
+              </a:rPr>
+              <a:t>	</a:t>
+            </a:r>
+            <a:r>
+              <a:rPr lang="it-IT" sz="1100" b="1" dirty="0" err="1">
+                <a:latin typeface="Courier New" panose="02070309020205020404" pitchFamily="49" charset="0"/>
+                <a:cs typeface="Courier New" panose="02070309020205020404" pitchFamily="49" charset="0"/>
+              </a:rPr>
+              <a:t>int</a:t>
+            </a:r>
+            <a:r>
+              <a:rPr lang="it-IT" sz="1100" b="1" dirty="0">
+                <a:latin typeface="Courier New" panose="02070309020205020404" pitchFamily="49" charset="0"/>
+                <a:cs typeface="Courier New" panose="02070309020205020404" pitchFamily="49" charset="0"/>
+              </a:rPr>
+              <a:t> </a:t>
+            </a:r>
+            <a:r>
+              <a:rPr lang="it-IT" sz="1100" b="1" dirty="0" err="1">
+                <a:latin typeface="Courier New" panose="02070309020205020404" pitchFamily="49" charset="0"/>
+                <a:cs typeface="Courier New" panose="02070309020205020404" pitchFamily="49" charset="0"/>
+              </a:rPr>
+              <a:t>pos</a:t>
+            </a:r>
+            <a:r>
+              <a:rPr lang="it-IT" sz="1100" b="1" dirty="0">
+                <a:latin typeface="Courier New" panose="02070309020205020404" pitchFamily="49" charset="0"/>
+                <a:cs typeface="Courier New" panose="02070309020205020404" pitchFamily="49" charset="0"/>
+              </a:rPr>
+              <a:t>;</a:t>
+            </a:r>
+          </a:p>
+          <a:p>
+            <a:pPr marL="0" indent="0">
+              <a:buNone/>
+            </a:pPr>
+            <a:r>
+              <a:rPr lang="it-IT" sz="1100" b="1" dirty="0">
+                <a:latin typeface="Courier New" panose="02070309020205020404" pitchFamily="49" charset="0"/>
+                <a:cs typeface="Courier New" panose="02070309020205020404" pitchFamily="49" charset="0"/>
+              </a:rPr>
+              <a:t>	</a:t>
+            </a:r>
+            <a:r>
+              <a:rPr lang="it-IT" sz="1100" b="1" dirty="0" err="1">
+                <a:latin typeface="Courier New" panose="02070309020205020404" pitchFamily="49" charset="0"/>
+                <a:cs typeface="Courier New" panose="02070309020205020404" pitchFamily="49" charset="0"/>
+              </a:rPr>
+              <a:t>pos</a:t>
+            </a:r>
+            <a:r>
+              <a:rPr lang="it-IT" sz="1100" b="1" dirty="0">
+                <a:latin typeface="Courier New" panose="02070309020205020404" pitchFamily="49" charset="0"/>
+                <a:cs typeface="Courier New" panose="02070309020205020404" pitchFamily="49" charset="0"/>
+              </a:rPr>
+              <a:t> = s3.</a:t>
+            </a:r>
+            <a:r>
+              <a:rPr lang="it-IT" sz="1100" b="1" dirty="0">
+                <a:solidFill>
+                  <a:srgbClr val="FF0000"/>
+                </a:solidFill>
+                <a:latin typeface="Courier New" panose="02070309020205020404" pitchFamily="49" charset="0"/>
+                <a:cs typeface="Courier New" panose="02070309020205020404" pitchFamily="49" charset="0"/>
+              </a:rPr>
+              <a:t>find</a:t>
+            </a:r>
+            <a:r>
+              <a:rPr lang="it-IT" sz="1100" b="1" dirty="0">
+                <a:latin typeface="Courier New" panose="02070309020205020404" pitchFamily="49" charset="0"/>
+                <a:cs typeface="Courier New" panose="02070309020205020404" pitchFamily="49" charset="0"/>
+              </a:rPr>
+              <a:t>("in");</a:t>
+            </a:r>
+          </a:p>
+          <a:p>
+            <a:pPr marL="0" indent="0">
+              <a:buNone/>
+            </a:pPr>
+            <a:r>
+              <a:rPr lang="it-IT" sz="1100" b="1" dirty="0">
+                <a:latin typeface="Courier New" panose="02070309020205020404" pitchFamily="49" charset="0"/>
+                <a:cs typeface="Courier New" panose="02070309020205020404" pitchFamily="49" charset="0"/>
+              </a:rPr>
+              <a:t>	</a:t>
+            </a:r>
+            <a:r>
+              <a:rPr lang="it-IT" sz="1100" b="1" dirty="0" err="1">
+                <a:latin typeface="Courier New" panose="02070309020205020404" pitchFamily="49" charset="0"/>
+                <a:cs typeface="Courier New" panose="02070309020205020404" pitchFamily="49" charset="0"/>
+              </a:rPr>
+              <a:t>cout</a:t>
+            </a:r>
+            <a:r>
+              <a:rPr lang="it-IT" sz="1100" b="1" dirty="0">
+                <a:latin typeface="Courier New" panose="02070309020205020404" pitchFamily="49" charset="0"/>
+                <a:cs typeface="Courier New" panose="02070309020205020404" pitchFamily="49" charset="0"/>
+              </a:rPr>
+              <a:t> &lt;&lt; "nella stinga " &lt;&lt; s3 &lt;&lt; </a:t>
+            </a:r>
+            <a:r>
+              <a:rPr lang="it-IT" sz="1100" b="1" dirty="0" err="1">
+                <a:latin typeface="Courier New" panose="02070309020205020404" pitchFamily="49" charset="0"/>
+                <a:cs typeface="Courier New" panose="02070309020205020404" pitchFamily="49" charset="0"/>
+              </a:rPr>
+              <a:t>endl</a:t>
+            </a:r>
+            <a:r>
+              <a:rPr lang="it-IT" sz="1100" b="1" dirty="0">
+                <a:latin typeface="Courier New" panose="02070309020205020404" pitchFamily="49" charset="0"/>
+                <a:cs typeface="Courier New" panose="02070309020205020404" pitchFamily="49" charset="0"/>
+              </a:rPr>
+              <a:t> &lt;&lt; "la sottostringa " &lt;&lt; "in" </a:t>
+            </a:r>
+          </a:p>
+          <a:p>
+            <a:pPr marL="0" indent="0">
+              <a:buNone/>
+            </a:pPr>
+            <a:r>
+              <a:rPr lang="it-IT" sz="1100" b="1" dirty="0">
+                <a:latin typeface="Courier New" panose="02070309020205020404" pitchFamily="49" charset="0"/>
+                <a:cs typeface="Courier New" panose="02070309020205020404" pitchFamily="49" charset="0"/>
+              </a:rPr>
+              <a:t>	     &lt;&lt; " si trova in posizione " &lt;&lt; </a:t>
+            </a:r>
+            <a:r>
+              <a:rPr lang="it-IT" sz="1100" b="1" dirty="0" err="1">
+                <a:latin typeface="Courier New" panose="02070309020205020404" pitchFamily="49" charset="0"/>
+                <a:cs typeface="Courier New" panose="02070309020205020404" pitchFamily="49" charset="0"/>
+              </a:rPr>
+              <a:t>pos</a:t>
+            </a:r>
+            <a:r>
+              <a:rPr lang="it-IT" sz="1100" b="1" dirty="0">
+                <a:latin typeface="Courier New" panose="02070309020205020404" pitchFamily="49" charset="0"/>
+                <a:cs typeface="Courier New" panose="02070309020205020404" pitchFamily="49" charset="0"/>
+              </a:rPr>
+              <a:t> &lt;&lt; </a:t>
+            </a:r>
+            <a:r>
+              <a:rPr lang="it-IT" sz="1100" b="1" dirty="0" err="1">
+                <a:latin typeface="Courier New" panose="02070309020205020404" pitchFamily="49" charset="0"/>
+                <a:cs typeface="Courier New" panose="02070309020205020404" pitchFamily="49" charset="0"/>
+              </a:rPr>
+              <a:t>endl</a:t>
+            </a:r>
+            <a:r>
+              <a:rPr lang="it-IT" sz="1100" b="1" dirty="0">
+                <a:latin typeface="Courier New" panose="02070309020205020404" pitchFamily="49" charset="0"/>
+                <a:cs typeface="Courier New" panose="02070309020205020404" pitchFamily="49" charset="0"/>
+              </a:rPr>
+              <a:t>;</a:t>
+            </a:r>
+          </a:p>
+          <a:p>
+            <a:pPr marL="0" indent="0">
+              <a:buNone/>
+            </a:pPr>
+            <a:r>
+              <a:rPr lang="it-IT" sz="1100" b="1" dirty="0">
+                <a:latin typeface="Courier New" panose="02070309020205020404" pitchFamily="49" charset="0"/>
+                <a:cs typeface="Courier New" panose="02070309020205020404" pitchFamily="49" charset="0"/>
+              </a:rPr>
+              <a:t>	</a:t>
+            </a:r>
+            <a:r>
+              <a:rPr lang="it-IT" sz="1100" b="1" dirty="0" err="1">
+                <a:latin typeface="Courier New" panose="02070309020205020404" pitchFamily="49" charset="0"/>
+                <a:cs typeface="Courier New" panose="02070309020205020404" pitchFamily="49" charset="0"/>
+              </a:rPr>
+              <a:t>pos</a:t>
+            </a:r>
+            <a:r>
+              <a:rPr lang="it-IT" sz="1100" b="1" dirty="0">
+                <a:latin typeface="Courier New" panose="02070309020205020404" pitchFamily="49" charset="0"/>
+                <a:cs typeface="Courier New" panose="02070309020205020404" pitchFamily="49" charset="0"/>
+              </a:rPr>
+              <a:t> = s3.find("out");</a:t>
+            </a:r>
+          </a:p>
+          <a:p>
+            <a:pPr marL="0" indent="0">
+              <a:buNone/>
+            </a:pPr>
+            <a:r>
+              <a:rPr lang="it-IT" sz="1100" b="1" dirty="0">
+                <a:latin typeface="Courier New" panose="02070309020205020404" pitchFamily="49" charset="0"/>
+                <a:cs typeface="Courier New" panose="02070309020205020404" pitchFamily="49" charset="0"/>
+              </a:rPr>
+              <a:t>	</a:t>
+            </a:r>
+            <a:r>
+              <a:rPr lang="it-IT" sz="1100" b="1" dirty="0" err="1">
+                <a:latin typeface="Courier New" panose="02070309020205020404" pitchFamily="49" charset="0"/>
+                <a:cs typeface="Courier New" panose="02070309020205020404" pitchFamily="49" charset="0"/>
+              </a:rPr>
+              <a:t>cout</a:t>
+            </a:r>
+            <a:r>
+              <a:rPr lang="it-IT" sz="1100" b="1" dirty="0">
+                <a:latin typeface="Courier New" panose="02070309020205020404" pitchFamily="49" charset="0"/>
+                <a:cs typeface="Courier New" panose="02070309020205020404" pitchFamily="49" charset="0"/>
+              </a:rPr>
+              <a:t> &lt;&lt; "nella stinga " &lt;&lt; s3 &lt;&lt; </a:t>
+            </a:r>
+            <a:r>
+              <a:rPr lang="it-IT" sz="1100" b="1" dirty="0" err="1">
+                <a:latin typeface="Courier New" panose="02070309020205020404" pitchFamily="49" charset="0"/>
+                <a:cs typeface="Courier New" panose="02070309020205020404" pitchFamily="49" charset="0"/>
+              </a:rPr>
+              <a:t>endl</a:t>
+            </a:r>
+            <a:r>
+              <a:rPr lang="it-IT" sz="1100" b="1" dirty="0">
+                <a:latin typeface="Courier New" panose="02070309020205020404" pitchFamily="49" charset="0"/>
+                <a:cs typeface="Courier New" panose="02070309020205020404" pitchFamily="49" charset="0"/>
+              </a:rPr>
+              <a:t> &lt;&lt; "la sottostringa " &lt;&lt; "out" </a:t>
+            </a:r>
+          </a:p>
+          <a:p>
+            <a:pPr marL="0" indent="0">
+              <a:buNone/>
+            </a:pPr>
+            <a:r>
+              <a:rPr lang="it-IT" sz="1100" b="1" dirty="0">
+                <a:latin typeface="Courier New" panose="02070309020205020404" pitchFamily="49" charset="0"/>
+                <a:cs typeface="Courier New" panose="02070309020205020404" pitchFamily="49" charset="0"/>
+              </a:rPr>
+              <a:t>	     &lt;&lt; " si trova in posizione " &lt;&lt; </a:t>
+            </a:r>
+            <a:r>
+              <a:rPr lang="it-IT" sz="1100" b="1" dirty="0" err="1">
+                <a:latin typeface="Courier New" panose="02070309020205020404" pitchFamily="49" charset="0"/>
+                <a:cs typeface="Courier New" panose="02070309020205020404" pitchFamily="49" charset="0"/>
+              </a:rPr>
+              <a:t>pos</a:t>
+            </a:r>
+            <a:r>
+              <a:rPr lang="it-IT" sz="1100" b="1" dirty="0">
+                <a:latin typeface="Courier New" panose="02070309020205020404" pitchFamily="49" charset="0"/>
+                <a:cs typeface="Courier New" panose="02070309020205020404" pitchFamily="49" charset="0"/>
+              </a:rPr>
+              <a:t> &lt;&lt; </a:t>
+            </a:r>
+            <a:r>
+              <a:rPr lang="it-IT" sz="1100" b="1" dirty="0" err="1">
+                <a:latin typeface="Courier New" panose="02070309020205020404" pitchFamily="49" charset="0"/>
+                <a:cs typeface="Courier New" panose="02070309020205020404" pitchFamily="49" charset="0"/>
+              </a:rPr>
+              <a:t>endl</a:t>
+            </a:r>
+            <a:r>
+              <a:rPr lang="it-IT" sz="1100" b="1" dirty="0">
+                <a:latin typeface="Courier New" panose="02070309020205020404" pitchFamily="49" charset="0"/>
+                <a:cs typeface="Courier New" panose="02070309020205020404" pitchFamily="49" charset="0"/>
+              </a:rPr>
+              <a:t>;	</a:t>
+            </a:r>
+          </a:p>
+          <a:p>
+            <a:pPr marL="0" indent="0">
+              <a:buNone/>
+            </a:pPr>
+            <a:r>
+              <a:rPr lang="it-IT" sz="1100" b="1" dirty="0">
+                <a:latin typeface="Courier New" panose="02070309020205020404" pitchFamily="49" charset="0"/>
+                <a:cs typeface="Courier New" panose="02070309020205020404" pitchFamily="49" charset="0"/>
+              </a:rPr>
+              <a:t>	</a:t>
+            </a:r>
+            <a:r>
+              <a:rPr lang="it-IT" sz="1100" b="1" dirty="0" err="1">
+                <a:latin typeface="Courier New" panose="02070309020205020404" pitchFamily="49" charset="0"/>
+                <a:cs typeface="Courier New" panose="02070309020205020404" pitchFamily="49" charset="0"/>
+              </a:rPr>
+              <a:t>cout</a:t>
+            </a:r>
+            <a:r>
+              <a:rPr lang="it-IT" sz="1100" b="1" dirty="0">
+                <a:latin typeface="Courier New" panose="02070309020205020404" pitchFamily="49" charset="0"/>
+                <a:cs typeface="Courier New" panose="02070309020205020404" pitchFamily="49" charset="0"/>
+              </a:rPr>
+              <a:t> &lt;&lt; s3.</a:t>
+            </a:r>
+            <a:r>
+              <a:rPr lang="it-IT" sz="1100" b="1" dirty="0">
+                <a:solidFill>
+                  <a:srgbClr val="FF0000"/>
+                </a:solidFill>
+                <a:latin typeface="Courier New" panose="02070309020205020404" pitchFamily="49" charset="0"/>
+                <a:cs typeface="Courier New" panose="02070309020205020404" pitchFamily="49" charset="0"/>
+              </a:rPr>
+              <a:t>substr</a:t>
+            </a:r>
+            <a:r>
+              <a:rPr lang="it-IT" sz="1100" b="1" dirty="0">
+                <a:latin typeface="Courier New" panose="02070309020205020404" pitchFamily="49" charset="0"/>
+                <a:cs typeface="Courier New" panose="02070309020205020404" pitchFamily="49" charset="0"/>
+              </a:rPr>
+              <a:t>(15,7) &lt;&lt; </a:t>
+            </a:r>
+            <a:r>
+              <a:rPr lang="it-IT" sz="1100" b="1" dirty="0" err="1">
+                <a:latin typeface="Courier New" panose="02070309020205020404" pitchFamily="49" charset="0"/>
+                <a:cs typeface="Courier New" panose="02070309020205020404" pitchFamily="49" charset="0"/>
+              </a:rPr>
+              <a:t>endl</a:t>
+            </a:r>
+            <a:r>
+              <a:rPr lang="it-IT" sz="1100" b="1" dirty="0">
+                <a:latin typeface="Courier New" panose="02070309020205020404" pitchFamily="49" charset="0"/>
+                <a:cs typeface="Courier New" panose="02070309020205020404" pitchFamily="49" charset="0"/>
+              </a:rPr>
+              <a:t>;          </a:t>
+            </a:r>
+          </a:p>
+          <a:p>
+            <a:pPr marL="0" indent="0">
+              <a:buNone/>
+            </a:pPr>
+            <a:r>
+              <a:rPr lang="it-IT" sz="1100" b="1" dirty="0">
+                <a:latin typeface="Courier New" panose="02070309020205020404" pitchFamily="49" charset="0"/>
+                <a:cs typeface="Courier New" panose="02070309020205020404" pitchFamily="49" charset="0"/>
+              </a:rPr>
+              <a:t>    </a:t>
+            </a:r>
+            <a:r>
+              <a:rPr lang="it-IT" sz="1100" b="1" dirty="0" err="1">
+                <a:latin typeface="Courier New" panose="02070309020205020404" pitchFamily="49" charset="0"/>
+                <a:cs typeface="Courier New" panose="02070309020205020404" pitchFamily="49" charset="0"/>
+              </a:rPr>
+              <a:t>return</a:t>
+            </a:r>
+            <a:r>
+              <a:rPr lang="it-IT" sz="1100" b="1" dirty="0">
+                <a:latin typeface="Courier New" panose="02070309020205020404" pitchFamily="49" charset="0"/>
+                <a:cs typeface="Courier New" panose="02070309020205020404" pitchFamily="49" charset="0"/>
+              </a:rPr>
+              <a:t> 0;</a:t>
+            </a:r>
+          </a:p>
+          <a:p>
+            <a:pPr marL="0" indent="0">
+              <a:buNone/>
+            </a:pPr>
+            <a:r>
+              <a:rPr lang="it-IT" sz="1100" b="1" dirty="0">
+                <a:latin typeface="Courier New" panose="02070309020205020404" pitchFamily="49" charset="0"/>
+                <a:cs typeface="Courier New" panose="02070309020205020404" pitchFamily="49" charset="0"/>
+              </a:rPr>
+              <a:t>}</a:t>
+            </a:r>
+          </a:p>
+        </p:txBody>
+      </p:sp>
+      <p:sp>
+        <p:nvSpPr>
+          <p:cNvPr id="4" name="Segnaposto piè di pagina 3">
+            <a:extLst>
+              <a:ext uri="{FF2B5EF4-FFF2-40B4-BE49-F238E27FC236}">
+                <a16:creationId xmlns:a16="http://schemas.microsoft.com/office/drawing/2014/main" id="{20AF1065-8213-4EF4-88DF-D570984B3792}"/>
+              </a:ext>
+            </a:extLst>
+          </p:cNvPr>
+          <p:cNvSpPr>
+            <a:spLocks noGrp="1"/>
+          </p:cNvSpPr>
+          <p:nvPr>
+            <p:ph type="ftr" sz="quarter" idx="11"/>
+          </p:nvPr>
+        </p:nvSpPr>
+        <p:spPr/>
+        <p:txBody>
+          <a:bodyPr/>
+          <a:lstStyle/>
+          <a:p>
+            <a:pPr>
+              <a:defRPr/>
+            </a:pPr>
+            <a:r>
+              <a:rPr lang="it-IT"/>
+              <a:t>Alberto Ferrari – Programmazione di applicazioni SW</a:t>
+            </a:r>
+            <a:endParaRPr lang="it-IT" dirty="0"/>
+          </a:p>
+        </p:txBody>
+      </p:sp>
+      <p:sp>
+        <p:nvSpPr>
+          <p:cNvPr id="5" name="Rettangolo 4">
+            <a:extLst>
+              <a:ext uri="{FF2B5EF4-FFF2-40B4-BE49-F238E27FC236}">
+                <a16:creationId xmlns:a16="http://schemas.microsoft.com/office/drawing/2014/main" id="{B044B8FB-B90D-4DEC-B9E8-F079DEB022BF}"/>
+              </a:ext>
+            </a:extLst>
+          </p:cNvPr>
+          <p:cNvSpPr/>
+          <p:nvPr/>
+        </p:nvSpPr>
+        <p:spPr>
+          <a:xfrm>
+            <a:off x="6672064" y="5698123"/>
+            <a:ext cx="5456943" cy="338554"/>
+          </a:xfrm>
+          <a:prstGeom prst="rect">
+            <a:avLst/>
+          </a:prstGeom>
+        </p:spPr>
+        <p:txBody>
+          <a:bodyPr wrap="none">
+            <a:spAutoFit/>
+          </a:bodyPr>
+          <a:lstStyle/>
+          <a:p>
+            <a:r>
+              <a:rPr lang="it-IT" sz="1600" b="1" i="1" dirty="0">
+                <a:solidFill>
+                  <a:schemeClr val="accent6"/>
+                </a:solidFill>
+                <a:latin typeface="Century Schoolbook" panose="02040604050505020304" pitchFamily="18" charset="0"/>
+              </a:rPr>
+              <a:t>http://www.cplusplus.com/reference/string/string/</a:t>
+            </a:r>
+          </a:p>
+        </p:txBody>
+      </p:sp>
+    </p:spTree>
+    <p:extLst>
+      <p:ext uri="{BB962C8B-B14F-4D97-AF65-F5344CB8AC3E}">
+        <p14:creationId xmlns:p14="http://schemas.microsoft.com/office/powerpoint/2010/main" val="3478670200"/>
       </p:ext>
     </p:extLst>
   </p:cSld>

--- a/lezioni/PASW03e - C++ dati strutturati.pptx
+++ b/lezioni/PASW03e - C++ dati strutturati.pptx
@@ -5,7 +5,7 @@
     <p:sldMasterId id="2147483649" r:id="rId1"/>
   </p:sldMasterIdLst>
   <p:notesMasterIdLst>
-    <p:notesMasterId r:id="rId20"/>
+    <p:notesMasterId r:id="rId28"/>
   </p:notesMasterIdLst>
   <p:sldIdLst>
     <p:sldId id="258" r:id="rId2"/>
@@ -19,13 +19,21 @@
     <p:sldId id="266" r:id="rId10"/>
     <p:sldId id="267" r:id="rId11"/>
     <p:sldId id="268" r:id="rId12"/>
-    <p:sldId id="269" r:id="rId13"/>
-    <p:sldId id="270" r:id="rId14"/>
-    <p:sldId id="271" r:id="rId15"/>
-    <p:sldId id="272" r:id="rId16"/>
-    <p:sldId id="273" r:id="rId17"/>
-    <p:sldId id="274" r:id="rId18"/>
-    <p:sldId id="275" r:id="rId19"/>
+    <p:sldId id="276" r:id="rId13"/>
+    <p:sldId id="277" r:id="rId14"/>
+    <p:sldId id="278" r:id="rId15"/>
+    <p:sldId id="269" r:id="rId16"/>
+    <p:sldId id="270" r:id="rId17"/>
+    <p:sldId id="279" r:id="rId18"/>
+    <p:sldId id="271" r:id="rId19"/>
+    <p:sldId id="280" r:id="rId20"/>
+    <p:sldId id="281" r:id="rId21"/>
+    <p:sldId id="282" r:id="rId22"/>
+    <p:sldId id="283" r:id="rId23"/>
+    <p:sldId id="272" r:id="rId24"/>
+    <p:sldId id="273" r:id="rId25"/>
+    <p:sldId id="274" r:id="rId26"/>
+    <p:sldId id="275" r:id="rId27"/>
   </p:sldIdLst>
   <p:sldSz cx="12192000" cy="6858000"/>
   <p:notesSz cx="6858000" cy="9144000"/>
@@ -255,7 +263,7 @@
           <a:p>
             <a:fld id="{537EE30C-6FCC-4D68-889C-61DBBB4BBB87}" type="datetimeFigureOut">
               <a:rPr lang="it-IT" smtClean="0"/>
-              <a:t>07/03/2018</a:t>
+              <a:t>10/03/2018</a:t>
             </a:fld>
             <a:endParaRPr lang="it-IT"/>
           </a:p>
@@ -5182,7 +5190,15 @@
                 <a:ea typeface="DejaVu Sans Condensed" panose="020B0606030804020204" pitchFamily="34" charset="0"/>
                 <a:cs typeface="Courier New" panose="02070309020205020404" pitchFamily="49" charset="0"/>
               </a:rPr>
-              <a:t>…</a:t>
+              <a:t>/* </a:t>
+            </a:r>
+            <a:r>
+              <a:rPr lang="it-IT" sz="1800" b="1" dirty="0">
+                <a:latin typeface="Courier New" panose="02070309020205020404" pitchFamily="49" charset="0"/>
+                <a:ea typeface="DejaVu Sans Condensed" panose="020B0606030804020204" pitchFamily="34" charset="0"/>
+                <a:cs typeface="Courier New" panose="02070309020205020404" pitchFamily="49" charset="0"/>
+              </a:rPr>
+              <a:t>determinare  e stampare a video il valore massimo del vettore v1; quindi determinare  e stampare a video le posizioni del vettore v1 che contengono tale valore</a:t>
             </a:r>
           </a:p>
           <a:p>
@@ -5195,7 +5211,28 @@
                 <a:ea typeface="DejaVu Sans Condensed" panose="020B0606030804020204" pitchFamily="34" charset="0"/>
                 <a:cs typeface="Courier New" panose="02070309020205020404" pitchFamily="49" charset="0"/>
               </a:rPr>
-              <a:t>max = v1[0];</a:t>
+              <a:t> */</a:t>
+            </a:r>
+          </a:p>
+          <a:p>
+            <a:pPr marL="0" indent="0">
+              <a:buNone/>
+            </a:pPr>
+            <a:r>
+              <a:rPr lang="en-US" sz="1800" b="1" dirty="0" err="1">
+                <a:latin typeface="Courier New" panose="02070309020205020404" pitchFamily="49" charset="0"/>
+                <a:ea typeface="DejaVu Sans Condensed" panose="020B0606030804020204" pitchFamily="34" charset="0"/>
+                <a:cs typeface="Courier New" panose="02070309020205020404" pitchFamily="49" charset="0"/>
+              </a:rPr>
+              <a:t>int</a:t>
+            </a:r>
+            <a:r>
+              <a:rPr lang="en-US" sz="1800" b="1" dirty="0">
+                <a:latin typeface="Courier New" panose="02070309020205020404" pitchFamily="49" charset="0"/>
+                <a:ea typeface="DejaVu Sans Condensed" panose="020B0606030804020204" pitchFamily="34" charset="0"/>
+                <a:cs typeface="Courier New" panose="02070309020205020404" pitchFamily="49" charset="0"/>
+              </a:rPr>
+              <a:t> max = v1[0];</a:t>
             </a:r>
           </a:p>
           <a:p>
@@ -5691,7 +5728,94 @@
               <a:buNone/>
             </a:pPr>
             <a:r>
-              <a:rPr lang="en-US" sz="1800" b="1" dirty="0">
+              <a:rPr lang="en-US" sz="1600" b="1" dirty="0">
+                <a:latin typeface="Courier New" panose="02070309020205020404" pitchFamily="49" charset="0"/>
+                <a:ea typeface="DejaVu Sans Condensed" panose="020B0606030804020204" pitchFamily="34" charset="0"/>
+                <a:cs typeface="Courier New" panose="02070309020205020404" pitchFamily="49" charset="0"/>
+              </a:rPr>
+              <a:t>/*</a:t>
+            </a:r>
+            <a:r>
+              <a:rPr lang="it-IT" sz="1600" b="1" dirty="0">
+                <a:latin typeface="Courier New" panose="02070309020205020404" pitchFamily="49" charset="0"/>
+                <a:ea typeface="DejaVu Sans Condensed" panose="020B0606030804020204" pitchFamily="34" charset="0"/>
+                <a:cs typeface="Courier New" panose="02070309020205020404" pitchFamily="49" charset="0"/>
+              </a:rPr>
+              <a:t>acquisire da input  un vettore  v2 di n2 numeri interi dispari non decrescenti [controllare l’input] stampare a video il contenuto dell’array v2</a:t>
+            </a:r>
+          </a:p>
+          <a:p>
+            <a:pPr marL="0" indent="0">
+              <a:buNone/>
+            </a:pPr>
+            <a:r>
+              <a:rPr lang="en-US" sz="1600" b="1" dirty="0">
+                <a:latin typeface="Courier New" panose="02070309020205020404" pitchFamily="49" charset="0"/>
+                <a:ea typeface="DejaVu Sans Condensed" panose="020B0606030804020204" pitchFamily="34" charset="0"/>
+                <a:cs typeface="Courier New" panose="02070309020205020404" pitchFamily="49" charset="0"/>
+              </a:rPr>
+              <a:t> */</a:t>
+            </a:r>
+          </a:p>
+          <a:p>
+            <a:pPr marL="0" indent="0">
+              <a:buNone/>
+            </a:pPr>
+            <a:r>
+              <a:rPr lang="en-US" sz="1600" b="1" dirty="0" err="1">
+                <a:latin typeface="Courier New" panose="02070309020205020404" pitchFamily="49" charset="0"/>
+                <a:ea typeface="DejaVu Sans Condensed" panose="020B0606030804020204" pitchFamily="34" charset="0"/>
+                <a:cs typeface="Courier New" panose="02070309020205020404" pitchFamily="49" charset="0"/>
+              </a:rPr>
+              <a:t>const</a:t>
+            </a:r>
+            <a:r>
+              <a:rPr lang="en-US" sz="1600" b="1" dirty="0">
+                <a:latin typeface="Courier New" panose="02070309020205020404" pitchFamily="49" charset="0"/>
+                <a:ea typeface="DejaVu Sans Condensed" panose="020B0606030804020204" pitchFamily="34" charset="0"/>
+                <a:cs typeface="Courier New" panose="02070309020205020404" pitchFamily="49" charset="0"/>
+              </a:rPr>
+              <a:t> </a:t>
+            </a:r>
+            <a:r>
+              <a:rPr lang="en-US" sz="1600" b="1" dirty="0" err="1">
+                <a:latin typeface="Courier New" panose="02070309020205020404" pitchFamily="49" charset="0"/>
+                <a:ea typeface="DejaVu Sans Condensed" panose="020B0606030804020204" pitchFamily="34" charset="0"/>
+                <a:cs typeface="Courier New" panose="02070309020205020404" pitchFamily="49" charset="0"/>
+              </a:rPr>
+              <a:t>int</a:t>
+            </a:r>
+            <a:r>
+              <a:rPr lang="en-US" sz="1600" b="1" dirty="0">
+                <a:latin typeface="Courier New" panose="02070309020205020404" pitchFamily="49" charset="0"/>
+                <a:ea typeface="DejaVu Sans Condensed" panose="020B0606030804020204" pitchFamily="34" charset="0"/>
+                <a:cs typeface="Courier New" panose="02070309020205020404" pitchFamily="49" charset="0"/>
+              </a:rPr>
+              <a:t> n2=8; </a:t>
+            </a:r>
+            <a:r>
+              <a:rPr lang="en-US" sz="1600" b="1" dirty="0" err="1">
+                <a:latin typeface="Courier New" panose="02070309020205020404" pitchFamily="49" charset="0"/>
+                <a:ea typeface="DejaVu Sans Condensed" panose="020B0606030804020204" pitchFamily="34" charset="0"/>
+                <a:cs typeface="Courier New" panose="02070309020205020404" pitchFamily="49" charset="0"/>
+              </a:rPr>
+              <a:t>int</a:t>
+            </a:r>
+            <a:r>
+              <a:rPr lang="en-US" sz="1600" b="1" dirty="0">
+                <a:latin typeface="Courier New" panose="02070309020205020404" pitchFamily="49" charset="0"/>
+                <a:ea typeface="DejaVu Sans Condensed" panose="020B0606030804020204" pitchFamily="34" charset="0"/>
+                <a:cs typeface="Courier New" panose="02070309020205020404" pitchFamily="49" charset="0"/>
+              </a:rPr>
+              <a:t> v2[n2];</a:t>
+            </a:r>
+          </a:p>
+          <a:p>
+            <a:pPr marL="0" indent="0">
+              <a:buNone/>
+            </a:pPr>
+            <a:r>
+              <a:rPr lang="en-US" sz="1600" b="1" dirty="0">
                 <a:latin typeface="Courier New" panose="02070309020205020404" pitchFamily="49" charset="0"/>
                 <a:ea typeface="DejaVu Sans Condensed" panose="020B0606030804020204" pitchFamily="34" charset="0"/>
                 <a:cs typeface="Courier New" panose="02070309020205020404" pitchFamily="49" charset="0"/>
@@ -5704,7 +5828,7 @@
               <a:buNone/>
             </a:pPr>
             <a:r>
-              <a:rPr lang="en-US" sz="1800" b="1" dirty="0">
+              <a:rPr lang="en-US" sz="1600" b="1" dirty="0">
                 <a:latin typeface="Courier New" panose="02070309020205020404" pitchFamily="49" charset="0"/>
                 <a:ea typeface="DejaVu Sans Condensed" panose="020B0606030804020204" pitchFamily="34" charset="0"/>
                 <a:cs typeface="Courier New" panose="02070309020205020404" pitchFamily="49" charset="0"/>
@@ -5712,7 +5836,7 @@
               <a:t>   </a:t>
             </a:r>
             <a:r>
-              <a:rPr lang="en-US" sz="1800" b="1" dirty="0" err="1">
+              <a:rPr lang="en-US" sz="1600" b="1" dirty="0" err="1">
                 <a:latin typeface="Courier New" panose="02070309020205020404" pitchFamily="49" charset="0"/>
                 <a:ea typeface="DejaVu Sans Condensed" panose="020B0606030804020204" pitchFamily="34" charset="0"/>
                 <a:cs typeface="Courier New" panose="02070309020205020404" pitchFamily="49" charset="0"/>
@@ -5720,7 +5844,7 @@
               <a:t>cout</a:t>
             </a:r>
             <a:r>
-              <a:rPr lang="en-US" sz="1800" b="1" dirty="0">
+              <a:rPr lang="en-US" sz="1600" b="1" dirty="0">
                 <a:latin typeface="Courier New" panose="02070309020205020404" pitchFamily="49" charset="0"/>
                 <a:ea typeface="DejaVu Sans Condensed" panose="020B0606030804020204" pitchFamily="34" charset="0"/>
                 <a:cs typeface="Courier New" panose="02070309020205020404" pitchFamily="49" charset="0"/>
@@ -5728,7 +5852,7 @@
               <a:t> &lt;&lt; "</a:t>
             </a:r>
             <a:r>
-              <a:rPr lang="en-US" sz="1800" b="1" dirty="0" err="1">
+              <a:rPr lang="en-US" sz="1600" b="1" dirty="0" err="1">
                 <a:latin typeface="Courier New" panose="02070309020205020404" pitchFamily="49" charset="0"/>
                 <a:ea typeface="DejaVu Sans Condensed" panose="020B0606030804020204" pitchFamily="34" charset="0"/>
                 <a:cs typeface="Courier New" panose="02070309020205020404" pitchFamily="49" charset="0"/>
@@ -5736,7 +5860,7 @@
               <a:t>Inserisci</a:t>
             </a:r>
             <a:r>
-              <a:rPr lang="en-US" sz="1800" b="1" dirty="0">
+              <a:rPr lang="en-US" sz="1600" b="1" dirty="0">
                 <a:latin typeface="Courier New" panose="02070309020205020404" pitchFamily="49" charset="0"/>
                 <a:ea typeface="DejaVu Sans Condensed" panose="020B0606030804020204" pitchFamily="34" charset="0"/>
                 <a:cs typeface="Courier New" panose="02070309020205020404" pitchFamily="49" charset="0"/>
@@ -5744,7 +5868,7 @@
               <a:t> </a:t>
             </a:r>
             <a:r>
-              <a:rPr lang="en-US" sz="1800" b="1" dirty="0" err="1">
+              <a:rPr lang="en-US" sz="1600" b="1" dirty="0" err="1">
                 <a:latin typeface="Courier New" panose="02070309020205020404" pitchFamily="49" charset="0"/>
                 <a:ea typeface="DejaVu Sans Condensed" panose="020B0606030804020204" pitchFamily="34" charset="0"/>
                 <a:cs typeface="Courier New" panose="02070309020205020404" pitchFamily="49" charset="0"/>
@@ -5752,7 +5876,7 @@
               <a:t>l'elemento</a:t>
             </a:r>
             <a:r>
-              <a:rPr lang="en-US" sz="1800" b="1" dirty="0">
+              <a:rPr lang="en-US" sz="1600" b="1" dirty="0">
                 <a:latin typeface="Courier New" panose="02070309020205020404" pitchFamily="49" charset="0"/>
                 <a:ea typeface="DejaVu Sans Condensed" panose="020B0606030804020204" pitchFamily="34" charset="0"/>
                 <a:cs typeface="Courier New" panose="02070309020205020404" pitchFamily="49" charset="0"/>
@@ -5760,7 +5884,7 @@
               <a:t> di </a:t>
             </a:r>
             <a:r>
-              <a:rPr lang="en-US" sz="1800" b="1" dirty="0" err="1">
+              <a:rPr lang="en-US" sz="1600" b="1" dirty="0" err="1">
                 <a:latin typeface="Courier New" panose="02070309020205020404" pitchFamily="49" charset="0"/>
                 <a:ea typeface="DejaVu Sans Condensed" panose="020B0606030804020204" pitchFamily="34" charset="0"/>
                 <a:cs typeface="Courier New" panose="02070309020205020404" pitchFamily="49" charset="0"/>
@@ -5768,7 +5892,7 @@
               <a:t>indice</a:t>
             </a:r>
             <a:r>
-              <a:rPr lang="en-US" sz="1800" b="1" dirty="0">
+              <a:rPr lang="en-US" sz="1600" b="1" dirty="0">
                 <a:latin typeface="Courier New" panose="02070309020205020404" pitchFamily="49" charset="0"/>
                 <a:ea typeface="DejaVu Sans Condensed" panose="020B0606030804020204" pitchFamily="34" charset="0"/>
                 <a:cs typeface="Courier New" panose="02070309020205020404" pitchFamily="49" charset="0"/>
@@ -5781,7 +5905,7 @@
               <a:buNone/>
             </a:pPr>
             <a:r>
-              <a:rPr lang="en-US" sz="1800" b="1" dirty="0">
+              <a:rPr lang="en-US" sz="1600" b="1" dirty="0">
                 <a:latin typeface="Courier New" panose="02070309020205020404" pitchFamily="49" charset="0"/>
                 <a:ea typeface="DejaVu Sans Condensed" panose="020B0606030804020204" pitchFamily="34" charset="0"/>
                 <a:cs typeface="Courier New" panose="02070309020205020404" pitchFamily="49" charset="0"/>
@@ -5789,7 +5913,7 @@
               <a:t>   </a:t>
             </a:r>
             <a:r>
-              <a:rPr lang="en-US" sz="1800" b="1" dirty="0" err="1">
+              <a:rPr lang="en-US" sz="1600" b="1" dirty="0" err="1">
                 <a:latin typeface="Courier New" panose="02070309020205020404" pitchFamily="49" charset="0"/>
                 <a:ea typeface="DejaVu Sans Condensed" panose="020B0606030804020204" pitchFamily="34" charset="0"/>
                 <a:cs typeface="Courier New" panose="02070309020205020404" pitchFamily="49" charset="0"/>
@@ -5797,7 +5921,7 @@
               <a:t>cin</a:t>
             </a:r>
             <a:r>
-              <a:rPr lang="en-US" sz="1800" b="1" dirty="0">
+              <a:rPr lang="en-US" sz="1600" b="1" dirty="0">
                 <a:latin typeface="Courier New" panose="02070309020205020404" pitchFamily="49" charset="0"/>
                 <a:ea typeface="DejaVu Sans Condensed" panose="020B0606030804020204" pitchFamily="34" charset="0"/>
                 <a:cs typeface="Courier New" panose="02070309020205020404" pitchFamily="49" charset="0"/>
@@ -5810,7 +5934,7 @@
               <a:buNone/>
             </a:pPr>
             <a:r>
-              <a:rPr lang="en-US" sz="1800" b="1" dirty="0">
+              <a:rPr lang="en-US" sz="1600" b="1" dirty="0">
                 <a:latin typeface="Courier New" panose="02070309020205020404" pitchFamily="49" charset="0"/>
                 <a:ea typeface="DejaVu Sans Condensed" panose="020B0606030804020204" pitchFamily="34" charset="0"/>
                 <a:cs typeface="Courier New" panose="02070309020205020404" pitchFamily="49" charset="0"/>
@@ -5823,7 +5947,7 @@
               <a:buNone/>
             </a:pPr>
             <a:r>
-              <a:rPr lang="en-US" sz="1800" b="1" dirty="0">
+              <a:rPr lang="en-US" sz="1600" b="1" dirty="0">
                 <a:latin typeface="Courier New" panose="02070309020205020404" pitchFamily="49" charset="0"/>
                 <a:ea typeface="DejaVu Sans Condensed" panose="020B0606030804020204" pitchFamily="34" charset="0"/>
                 <a:cs typeface="Courier New" panose="02070309020205020404" pitchFamily="49" charset="0"/>
@@ -5831,7 +5955,7 @@
               <a:t>for (</a:t>
             </a:r>
             <a:r>
-              <a:rPr lang="en-US" sz="1800" b="1" dirty="0" err="1">
+              <a:rPr lang="en-US" sz="1600" b="1" dirty="0" err="1">
                 <a:latin typeface="Courier New" panose="02070309020205020404" pitchFamily="49" charset="0"/>
                 <a:ea typeface="DejaVu Sans Condensed" panose="020B0606030804020204" pitchFamily="34" charset="0"/>
                 <a:cs typeface="Courier New" panose="02070309020205020404" pitchFamily="49" charset="0"/>
@@ -5839,7 +5963,7 @@
               <a:t>int</a:t>
             </a:r>
             <a:r>
-              <a:rPr lang="en-US" sz="1800" b="1" dirty="0">
+              <a:rPr lang="en-US" sz="1600" b="1" dirty="0">
                 <a:latin typeface="Courier New" panose="02070309020205020404" pitchFamily="49" charset="0"/>
                 <a:ea typeface="DejaVu Sans Condensed" panose="020B0606030804020204" pitchFamily="34" charset="0"/>
                 <a:cs typeface="Courier New" panose="02070309020205020404" pitchFamily="49" charset="0"/>
@@ -5847,7 +5971,7 @@
               <a:t> </a:t>
             </a:r>
             <a:r>
-              <a:rPr lang="en-US" sz="1800" b="1" dirty="0" err="1">
+              <a:rPr lang="en-US" sz="1600" b="1" dirty="0" err="1">
                 <a:latin typeface="Courier New" panose="02070309020205020404" pitchFamily="49" charset="0"/>
                 <a:ea typeface="DejaVu Sans Condensed" panose="020B0606030804020204" pitchFamily="34" charset="0"/>
                 <a:cs typeface="Courier New" panose="02070309020205020404" pitchFamily="49" charset="0"/>
@@ -5855,7 +5979,7 @@
               <a:t>i</a:t>
             </a:r>
             <a:r>
-              <a:rPr lang="en-US" sz="1800" b="1" dirty="0">
+              <a:rPr lang="en-US" sz="1600" b="1" dirty="0">
                 <a:latin typeface="Courier New" panose="02070309020205020404" pitchFamily="49" charset="0"/>
                 <a:ea typeface="DejaVu Sans Condensed" panose="020B0606030804020204" pitchFamily="34" charset="0"/>
                 <a:cs typeface="Courier New" panose="02070309020205020404" pitchFamily="49" charset="0"/>
@@ -5868,7 +5992,7 @@
               <a:buNone/>
             </a:pPr>
             <a:r>
-              <a:rPr lang="en-US" sz="1800" b="1" dirty="0">
+              <a:rPr lang="en-US" sz="1600" b="1" dirty="0">
                 <a:latin typeface="Courier New" panose="02070309020205020404" pitchFamily="49" charset="0"/>
                 <a:ea typeface="DejaVu Sans Condensed" panose="020B0606030804020204" pitchFamily="34" charset="0"/>
                 <a:cs typeface="Courier New" panose="02070309020205020404" pitchFamily="49" charset="0"/>
@@ -5881,7 +6005,7 @@
               <a:buNone/>
             </a:pPr>
             <a:r>
-              <a:rPr lang="en-US" sz="1800" b="1" dirty="0">
+              <a:rPr lang="en-US" sz="1600" b="1" dirty="0">
                 <a:latin typeface="Courier New" panose="02070309020205020404" pitchFamily="49" charset="0"/>
                 <a:ea typeface="DejaVu Sans Condensed" panose="020B0606030804020204" pitchFamily="34" charset="0"/>
                 <a:cs typeface="Courier New" panose="02070309020205020404" pitchFamily="49" charset="0"/>
@@ -5889,7 +6013,7 @@
               <a:t>      </a:t>
             </a:r>
             <a:r>
-              <a:rPr lang="en-US" sz="1800" b="1" dirty="0" err="1">
+              <a:rPr lang="en-US" sz="1600" b="1" dirty="0" err="1">
                 <a:latin typeface="Courier New" panose="02070309020205020404" pitchFamily="49" charset="0"/>
                 <a:ea typeface="DejaVu Sans Condensed" panose="020B0606030804020204" pitchFamily="34" charset="0"/>
                 <a:cs typeface="Courier New" panose="02070309020205020404" pitchFamily="49" charset="0"/>
@@ -5897,7 +6021,7 @@
               <a:t>cout</a:t>
             </a:r>
             <a:r>
-              <a:rPr lang="en-US" sz="1800" b="1" dirty="0">
+              <a:rPr lang="en-US" sz="1600" b="1" dirty="0">
                 <a:latin typeface="Courier New" panose="02070309020205020404" pitchFamily="49" charset="0"/>
                 <a:ea typeface="DejaVu Sans Condensed" panose="020B0606030804020204" pitchFamily="34" charset="0"/>
                 <a:cs typeface="Courier New" panose="02070309020205020404" pitchFamily="49" charset="0"/>
@@ -5905,7 +6029,7 @@
               <a:t> &lt;&lt; "</a:t>
             </a:r>
             <a:r>
-              <a:rPr lang="en-US" sz="1800" b="1" dirty="0" err="1">
+              <a:rPr lang="en-US" sz="1600" b="1" dirty="0" err="1">
                 <a:latin typeface="Courier New" panose="02070309020205020404" pitchFamily="49" charset="0"/>
                 <a:ea typeface="DejaVu Sans Condensed" panose="020B0606030804020204" pitchFamily="34" charset="0"/>
                 <a:cs typeface="Courier New" panose="02070309020205020404" pitchFamily="49" charset="0"/>
@@ -5913,7 +6037,7 @@
               <a:t>Inserisci</a:t>
             </a:r>
             <a:r>
-              <a:rPr lang="en-US" sz="1800" b="1" dirty="0">
+              <a:rPr lang="en-US" sz="1600" b="1" dirty="0">
                 <a:latin typeface="Courier New" panose="02070309020205020404" pitchFamily="49" charset="0"/>
                 <a:ea typeface="DejaVu Sans Condensed" panose="020B0606030804020204" pitchFamily="34" charset="0"/>
                 <a:cs typeface="Courier New" panose="02070309020205020404" pitchFamily="49" charset="0"/>
@@ -5921,7 +6045,7 @@
               <a:t> </a:t>
             </a:r>
             <a:r>
-              <a:rPr lang="en-US" sz="1800" b="1" dirty="0" err="1">
+              <a:rPr lang="en-US" sz="1600" b="1" dirty="0" err="1">
                 <a:latin typeface="Courier New" panose="02070309020205020404" pitchFamily="49" charset="0"/>
                 <a:ea typeface="DejaVu Sans Condensed" panose="020B0606030804020204" pitchFamily="34" charset="0"/>
                 <a:cs typeface="Courier New" panose="02070309020205020404" pitchFamily="49" charset="0"/>
@@ -5929,7 +6053,7 @@
               <a:t>l'elemento</a:t>
             </a:r>
             <a:r>
-              <a:rPr lang="en-US" sz="1800" b="1" dirty="0">
+              <a:rPr lang="en-US" sz="1600" b="1" dirty="0">
                 <a:latin typeface="Courier New" panose="02070309020205020404" pitchFamily="49" charset="0"/>
                 <a:ea typeface="DejaVu Sans Condensed" panose="020B0606030804020204" pitchFamily="34" charset="0"/>
                 <a:cs typeface="Courier New" panose="02070309020205020404" pitchFamily="49" charset="0"/>
@@ -5937,7 +6061,7 @@
               <a:t> di </a:t>
             </a:r>
             <a:r>
-              <a:rPr lang="en-US" sz="1800" b="1" dirty="0" err="1">
+              <a:rPr lang="en-US" sz="1600" b="1" dirty="0" err="1">
                 <a:latin typeface="Courier New" panose="02070309020205020404" pitchFamily="49" charset="0"/>
                 <a:ea typeface="DejaVu Sans Condensed" panose="020B0606030804020204" pitchFamily="34" charset="0"/>
                 <a:cs typeface="Courier New" panose="02070309020205020404" pitchFamily="49" charset="0"/>
@@ -5945,7 +6069,7 @@
               <a:t>indice</a:t>
             </a:r>
             <a:r>
-              <a:rPr lang="en-US" sz="1800" b="1" dirty="0">
+              <a:rPr lang="en-US" sz="1600" b="1" dirty="0">
                 <a:latin typeface="Courier New" panose="02070309020205020404" pitchFamily="49" charset="0"/>
                 <a:ea typeface="DejaVu Sans Condensed" panose="020B0606030804020204" pitchFamily="34" charset="0"/>
                 <a:cs typeface="Courier New" panose="02070309020205020404" pitchFamily="49" charset="0"/>
@@ -5953,7 +6077,7 @@
               <a:t> " &lt;&lt; </a:t>
             </a:r>
             <a:r>
-              <a:rPr lang="en-US" sz="1800" b="1" dirty="0" err="1">
+              <a:rPr lang="en-US" sz="1600" b="1" dirty="0" err="1">
                 <a:latin typeface="Courier New" panose="02070309020205020404" pitchFamily="49" charset="0"/>
                 <a:ea typeface="DejaVu Sans Condensed" panose="020B0606030804020204" pitchFamily="34" charset="0"/>
                 <a:cs typeface="Courier New" panose="02070309020205020404" pitchFamily="49" charset="0"/>
@@ -5961,7 +6085,7 @@
               <a:t>i</a:t>
             </a:r>
             <a:r>
-              <a:rPr lang="en-US" sz="1800" b="1" dirty="0">
+              <a:rPr lang="en-US" sz="1600" b="1" dirty="0">
                 <a:latin typeface="Courier New" panose="02070309020205020404" pitchFamily="49" charset="0"/>
                 <a:ea typeface="DejaVu Sans Condensed" panose="020B0606030804020204" pitchFamily="34" charset="0"/>
                 <a:cs typeface="Courier New" panose="02070309020205020404" pitchFamily="49" charset="0"/>
@@ -5974,7 +6098,7 @@
               <a:buNone/>
             </a:pPr>
             <a:r>
-              <a:rPr lang="en-US" sz="1800" b="1" dirty="0">
+              <a:rPr lang="en-US" sz="1600" b="1" dirty="0">
                 <a:latin typeface="Courier New" panose="02070309020205020404" pitchFamily="49" charset="0"/>
                 <a:ea typeface="DejaVu Sans Condensed" panose="020B0606030804020204" pitchFamily="34" charset="0"/>
                 <a:cs typeface="Courier New" panose="02070309020205020404" pitchFamily="49" charset="0"/>
@@ -5982,7 +6106,7 @@
               <a:t>      </a:t>
             </a:r>
             <a:r>
-              <a:rPr lang="en-US" sz="1800" b="1" dirty="0" err="1">
+              <a:rPr lang="en-US" sz="1600" b="1" dirty="0" err="1">
                 <a:latin typeface="Courier New" panose="02070309020205020404" pitchFamily="49" charset="0"/>
                 <a:ea typeface="DejaVu Sans Condensed" panose="020B0606030804020204" pitchFamily="34" charset="0"/>
                 <a:cs typeface="Courier New" panose="02070309020205020404" pitchFamily="49" charset="0"/>
@@ -5990,7 +6114,7 @@
               <a:t>cin</a:t>
             </a:r>
             <a:r>
-              <a:rPr lang="en-US" sz="1800" b="1" dirty="0">
+              <a:rPr lang="en-US" sz="1600" b="1" dirty="0">
                 <a:latin typeface="Courier New" panose="02070309020205020404" pitchFamily="49" charset="0"/>
                 <a:ea typeface="DejaVu Sans Condensed" panose="020B0606030804020204" pitchFamily="34" charset="0"/>
                 <a:cs typeface="Courier New" panose="02070309020205020404" pitchFamily="49" charset="0"/>
@@ -5998,7 +6122,7 @@
               <a:t> &gt;&gt; v2[</a:t>
             </a:r>
             <a:r>
-              <a:rPr lang="en-US" sz="1800" b="1" dirty="0" err="1">
+              <a:rPr lang="en-US" sz="1600" b="1" dirty="0" err="1">
                 <a:latin typeface="Courier New" panose="02070309020205020404" pitchFamily="49" charset="0"/>
                 <a:ea typeface="DejaVu Sans Condensed" panose="020B0606030804020204" pitchFamily="34" charset="0"/>
                 <a:cs typeface="Courier New" panose="02070309020205020404" pitchFamily="49" charset="0"/>
@@ -6006,7 +6130,7 @@
               <a:t>i</a:t>
             </a:r>
             <a:r>
-              <a:rPr lang="en-US" sz="1800" b="1" dirty="0">
+              <a:rPr lang="en-US" sz="1600" b="1" dirty="0">
                 <a:latin typeface="Courier New" panose="02070309020205020404" pitchFamily="49" charset="0"/>
                 <a:ea typeface="DejaVu Sans Condensed" panose="020B0606030804020204" pitchFamily="34" charset="0"/>
                 <a:cs typeface="Courier New" panose="02070309020205020404" pitchFamily="49" charset="0"/>
@@ -6019,7 +6143,7 @@
               <a:buNone/>
             </a:pPr>
             <a:r>
-              <a:rPr lang="en-US" sz="1800" b="1" dirty="0">
+              <a:rPr lang="en-US" sz="1600" b="1" dirty="0">
                 <a:latin typeface="Courier New" panose="02070309020205020404" pitchFamily="49" charset="0"/>
                 <a:ea typeface="DejaVu Sans Condensed" panose="020B0606030804020204" pitchFamily="34" charset="0"/>
                 <a:cs typeface="Courier New" panose="02070309020205020404" pitchFamily="49" charset="0"/>
@@ -6027,7 +6151,7 @@
               <a:t>   } while (v2[</a:t>
             </a:r>
             <a:r>
-              <a:rPr lang="en-US" sz="1800" b="1" dirty="0" err="1">
+              <a:rPr lang="en-US" sz="1600" b="1" dirty="0" err="1">
                 <a:latin typeface="Courier New" panose="02070309020205020404" pitchFamily="49" charset="0"/>
                 <a:ea typeface="DejaVu Sans Condensed" panose="020B0606030804020204" pitchFamily="34" charset="0"/>
                 <a:cs typeface="Courier New" panose="02070309020205020404" pitchFamily="49" charset="0"/>
@@ -6035,7 +6159,7 @@
               <a:t>i</a:t>
             </a:r>
             <a:r>
-              <a:rPr lang="en-US" sz="1800" b="1" dirty="0">
+              <a:rPr lang="en-US" sz="1600" b="1" dirty="0">
                 <a:latin typeface="Courier New" panose="02070309020205020404" pitchFamily="49" charset="0"/>
                 <a:ea typeface="DejaVu Sans Condensed" panose="020B0606030804020204" pitchFamily="34" charset="0"/>
                 <a:cs typeface="Courier New" panose="02070309020205020404" pitchFamily="49" charset="0"/>
@@ -6043,7 +6167,7 @@
               <a:t>] % 2 == 0 || v2[</a:t>
             </a:r>
             <a:r>
-              <a:rPr lang="en-US" sz="1800" b="1" dirty="0" err="1">
+              <a:rPr lang="en-US" sz="1600" b="1" dirty="0" err="1">
                 <a:latin typeface="Courier New" panose="02070309020205020404" pitchFamily="49" charset="0"/>
                 <a:ea typeface="DejaVu Sans Condensed" panose="020B0606030804020204" pitchFamily="34" charset="0"/>
                 <a:cs typeface="Courier New" panose="02070309020205020404" pitchFamily="49" charset="0"/>
@@ -6051,7 +6175,7 @@
               <a:t>i</a:t>
             </a:r>
             <a:r>
-              <a:rPr lang="en-US" sz="1800" b="1" dirty="0">
+              <a:rPr lang="en-US" sz="1600" b="1" dirty="0">
                 <a:latin typeface="Courier New" panose="02070309020205020404" pitchFamily="49" charset="0"/>
                 <a:ea typeface="DejaVu Sans Condensed" panose="020B0606030804020204" pitchFamily="34" charset="0"/>
                 <a:cs typeface="Courier New" panose="02070309020205020404" pitchFamily="49" charset="0"/>
@@ -6064,7 +6188,7 @@
               <a:buNone/>
             </a:pPr>
             <a:r>
-              <a:rPr lang="en-US" sz="1800" b="1" dirty="0">
+              <a:rPr lang="en-US" sz="1600" b="1" dirty="0">
                 <a:latin typeface="Courier New" panose="02070309020205020404" pitchFamily="49" charset="0"/>
                 <a:ea typeface="DejaVu Sans Condensed" panose="020B0606030804020204" pitchFamily="34" charset="0"/>
                 <a:cs typeface="Courier New" panose="02070309020205020404" pitchFamily="49" charset="0"/>
@@ -6072,7 +6196,7 @@
               <a:t>for (</a:t>
             </a:r>
             <a:r>
-              <a:rPr lang="en-US" sz="1800" b="1" dirty="0" err="1">
+              <a:rPr lang="en-US" sz="1600" b="1" dirty="0" err="1">
                 <a:latin typeface="Courier New" panose="02070309020205020404" pitchFamily="49" charset="0"/>
                 <a:ea typeface="DejaVu Sans Condensed" panose="020B0606030804020204" pitchFamily="34" charset="0"/>
                 <a:cs typeface="Courier New" panose="02070309020205020404" pitchFamily="49" charset="0"/>
@@ -6080,7 +6204,7 @@
               <a:t>int</a:t>
             </a:r>
             <a:r>
-              <a:rPr lang="en-US" sz="1800" b="1" dirty="0">
+              <a:rPr lang="en-US" sz="1600" b="1" dirty="0">
                 <a:latin typeface="Courier New" panose="02070309020205020404" pitchFamily="49" charset="0"/>
                 <a:ea typeface="DejaVu Sans Condensed" panose="020B0606030804020204" pitchFamily="34" charset="0"/>
                 <a:cs typeface="Courier New" panose="02070309020205020404" pitchFamily="49" charset="0"/>
@@ -6088,7 +6212,7 @@
               <a:t> </a:t>
             </a:r>
             <a:r>
-              <a:rPr lang="en-US" sz="1800" b="1" dirty="0" err="1">
+              <a:rPr lang="en-US" sz="1600" b="1" dirty="0" err="1">
                 <a:latin typeface="Courier New" panose="02070309020205020404" pitchFamily="49" charset="0"/>
                 <a:ea typeface="DejaVu Sans Condensed" panose="020B0606030804020204" pitchFamily="34" charset="0"/>
                 <a:cs typeface="Courier New" panose="02070309020205020404" pitchFamily="49" charset="0"/>
@@ -6096,7 +6220,7 @@
               <a:t>i</a:t>
             </a:r>
             <a:r>
-              <a:rPr lang="en-US" sz="1800" b="1" dirty="0">
+              <a:rPr lang="en-US" sz="1600" b="1" dirty="0">
                 <a:latin typeface="Courier New" panose="02070309020205020404" pitchFamily="49" charset="0"/>
                 <a:ea typeface="DejaVu Sans Condensed" panose="020B0606030804020204" pitchFamily="34" charset="0"/>
                 <a:cs typeface="Courier New" panose="02070309020205020404" pitchFamily="49" charset="0"/>
@@ -6109,7 +6233,7 @@
               <a:buNone/>
             </a:pPr>
             <a:r>
-              <a:rPr lang="en-US" sz="1800" b="1" dirty="0">
+              <a:rPr lang="en-US" sz="1600" b="1" dirty="0">
                 <a:latin typeface="Courier New" panose="02070309020205020404" pitchFamily="49" charset="0"/>
                 <a:ea typeface="DejaVu Sans Condensed" panose="020B0606030804020204" pitchFamily="34" charset="0"/>
                 <a:cs typeface="Courier New" panose="02070309020205020404" pitchFamily="49" charset="0"/>
@@ -6117,7 +6241,7 @@
               <a:t>   </a:t>
             </a:r>
             <a:r>
-              <a:rPr lang="en-US" sz="1800" b="1" dirty="0" err="1">
+              <a:rPr lang="en-US" sz="1600" b="1" dirty="0" err="1">
                 <a:latin typeface="Courier New" panose="02070309020205020404" pitchFamily="49" charset="0"/>
                 <a:ea typeface="DejaVu Sans Condensed" panose="020B0606030804020204" pitchFamily="34" charset="0"/>
                 <a:cs typeface="Courier New" panose="02070309020205020404" pitchFamily="49" charset="0"/>
@@ -6125,7 +6249,7 @@
               <a:t>cout</a:t>
             </a:r>
             <a:r>
-              <a:rPr lang="en-US" sz="1800" b="1" dirty="0">
+              <a:rPr lang="en-US" sz="1600" b="1" dirty="0">
                 <a:latin typeface="Courier New" panose="02070309020205020404" pitchFamily="49" charset="0"/>
                 <a:ea typeface="DejaVu Sans Condensed" panose="020B0606030804020204" pitchFamily="34" charset="0"/>
                 <a:cs typeface="Courier New" panose="02070309020205020404" pitchFamily="49" charset="0"/>
@@ -6133,7 +6257,7 @@
               <a:t> &lt;&lt; "v2[" &lt;&lt; </a:t>
             </a:r>
             <a:r>
-              <a:rPr lang="en-US" sz="1800" b="1" dirty="0" err="1">
+              <a:rPr lang="en-US" sz="1600" b="1" dirty="0" err="1">
                 <a:latin typeface="Courier New" panose="02070309020205020404" pitchFamily="49" charset="0"/>
                 <a:ea typeface="DejaVu Sans Condensed" panose="020B0606030804020204" pitchFamily="34" charset="0"/>
                 <a:cs typeface="Courier New" panose="02070309020205020404" pitchFamily="49" charset="0"/>
@@ -6141,7 +6265,7 @@
               <a:t>i</a:t>
             </a:r>
             <a:r>
-              <a:rPr lang="en-US" sz="1800" b="1" dirty="0">
+              <a:rPr lang="en-US" sz="1600" b="1" dirty="0">
                 <a:latin typeface="Courier New" panose="02070309020205020404" pitchFamily="49" charset="0"/>
                 <a:ea typeface="DejaVu Sans Condensed" panose="020B0606030804020204" pitchFamily="34" charset="0"/>
                 <a:cs typeface="Courier New" panose="02070309020205020404" pitchFamily="49" charset="0"/>
@@ -6149,7 +6273,7 @@
               <a:t> &lt;&lt; "] = " &lt;&lt; v2[</a:t>
             </a:r>
             <a:r>
-              <a:rPr lang="en-US" sz="1800" b="1" dirty="0" err="1">
+              <a:rPr lang="en-US" sz="1600" b="1" dirty="0" err="1">
                 <a:latin typeface="Courier New" panose="02070309020205020404" pitchFamily="49" charset="0"/>
                 <a:ea typeface="DejaVu Sans Condensed" panose="020B0606030804020204" pitchFamily="34" charset="0"/>
                 <a:cs typeface="Courier New" panose="02070309020205020404" pitchFamily="49" charset="0"/>
@@ -6157,7 +6281,7 @@
               <a:t>i</a:t>
             </a:r>
             <a:r>
-              <a:rPr lang="en-US" sz="1800" b="1" dirty="0">
+              <a:rPr lang="en-US" sz="1600" b="1" dirty="0">
                 <a:latin typeface="Courier New" panose="02070309020205020404" pitchFamily="49" charset="0"/>
                 <a:ea typeface="DejaVu Sans Condensed" panose="020B0606030804020204" pitchFamily="34" charset="0"/>
                 <a:cs typeface="Courier New" panose="02070309020205020404" pitchFamily="49" charset="0"/>
@@ -6165,7 +6289,7 @@
               <a:t>] &lt;&lt; </a:t>
             </a:r>
             <a:r>
-              <a:rPr lang="en-US" sz="1800" b="1" dirty="0" err="1">
+              <a:rPr lang="en-US" sz="1600" b="1" dirty="0" err="1">
                 <a:latin typeface="Courier New" panose="02070309020205020404" pitchFamily="49" charset="0"/>
                 <a:ea typeface="DejaVu Sans Condensed" panose="020B0606030804020204" pitchFamily="34" charset="0"/>
                 <a:cs typeface="Courier New" panose="02070309020205020404" pitchFamily="49" charset="0"/>
@@ -6173,14 +6297,14 @@
               <a:t>endl</a:t>
             </a:r>
             <a:r>
-              <a:rPr lang="en-US" sz="1800" b="1" dirty="0">
+              <a:rPr lang="en-US" sz="1600" b="1" dirty="0">
                 <a:latin typeface="Courier New" panose="02070309020205020404" pitchFamily="49" charset="0"/>
                 <a:ea typeface="DejaVu Sans Condensed" panose="020B0606030804020204" pitchFamily="34" charset="0"/>
                 <a:cs typeface="Courier New" panose="02070309020205020404" pitchFamily="49" charset="0"/>
               </a:rPr>
               <a:t>;</a:t>
             </a:r>
-            <a:endParaRPr lang="it-IT" sz="1800" b="1" dirty="0">
+            <a:endParaRPr lang="it-IT" sz="1600" b="1" dirty="0">
               <a:latin typeface="Courier New" panose="02070309020205020404" pitchFamily="49" charset="0"/>
               <a:ea typeface="DejaVu Sans Condensed" panose="020B0606030804020204" pitchFamily="34" charset="0"/>
               <a:cs typeface="Courier New" panose="02070309020205020404" pitchFamily="49" charset="0"/>
@@ -6255,6 +6379,1563 @@
           <p:cNvPr id="2" name="Titolo 1">
             <a:extLst>
               <a:ext uri="{FF2B5EF4-FFF2-40B4-BE49-F238E27FC236}">
+                <a16:creationId xmlns:a16="http://schemas.microsoft.com/office/drawing/2014/main" id="{4AE39C4B-0F9B-4FE9-9523-FFE2AC1546EA}"/>
+              </a:ext>
+            </a:extLst>
+          </p:cNvPr>
+          <p:cNvSpPr>
+            <a:spLocks noGrp="1"/>
+          </p:cNvSpPr>
+          <p:nvPr>
+            <p:ph type="title"/>
+          </p:nvPr>
+        </p:nvSpPr>
+        <p:spPr/>
+        <p:txBody>
+          <a:bodyPr/>
+          <a:lstStyle/>
+          <a:p>
+            <a:r>
+              <a:rPr lang="it-IT" dirty="0"/>
+              <a:t>funzioni con parametro array</a:t>
+            </a:r>
+          </a:p>
+        </p:txBody>
+      </p:sp>
+      <p:sp>
+        <p:nvSpPr>
+          <p:cNvPr id="3" name="Segnaposto contenuto 2">
+            <a:extLst>
+              <a:ext uri="{FF2B5EF4-FFF2-40B4-BE49-F238E27FC236}">
+                <a16:creationId xmlns:a16="http://schemas.microsoft.com/office/drawing/2014/main" id="{C651BC77-20FB-46F5-958D-A0D81805669C}"/>
+              </a:ext>
+            </a:extLst>
+          </p:cNvPr>
+          <p:cNvSpPr>
+            <a:spLocks noGrp="1"/>
+          </p:cNvSpPr>
+          <p:nvPr>
+            <p:ph idx="1"/>
+          </p:nvPr>
+        </p:nvSpPr>
+        <p:spPr/>
+        <p:txBody>
+          <a:bodyPr/>
+          <a:lstStyle/>
+          <a:p>
+            <a:r>
+              <a:rPr lang="it-IT" dirty="0"/>
+              <a:t>per i parametri di tipo array il metodo utilizzato è </a:t>
+            </a:r>
+            <a:r>
+              <a:rPr lang="it-IT" b="1" i="1" dirty="0"/>
+              <a:t>call by </a:t>
+            </a:r>
+            <a:r>
+              <a:rPr lang="it-IT" b="1" i="1" dirty="0" err="1"/>
+              <a:t>reference</a:t>
+            </a:r>
+            <a:endParaRPr lang="it-IT" b="1" i="1" dirty="0"/>
+          </a:p>
+          <a:p>
+            <a:r>
+              <a:rPr lang="it-IT" dirty="0"/>
+              <a:t>è necessario fornire alla funzione anche la </a:t>
+            </a:r>
+            <a:r>
+              <a:rPr lang="it-IT" b="1" i="1" dirty="0"/>
+              <a:t>dimensione</a:t>
+            </a:r>
+            <a:r>
+              <a:rPr lang="it-IT" dirty="0"/>
+              <a:t> dell’array</a:t>
+            </a:r>
+          </a:p>
+          <a:p>
+            <a:r>
+              <a:rPr lang="it-IT" dirty="0"/>
+              <a:t>per evitare effetti collaterali non voluti è possibile definire il parametro come </a:t>
+            </a:r>
+            <a:r>
+              <a:rPr lang="it-IT" b="1" i="1" dirty="0" err="1"/>
+              <a:t>const</a:t>
+            </a:r>
+            <a:r>
+              <a:rPr lang="it-IT" dirty="0"/>
+              <a:t> impedendone così la modifica</a:t>
+            </a:r>
+          </a:p>
+          <a:p>
+            <a:pPr marL="0" indent="0">
+              <a:buNone/>
+            </a:pPr>
+            <a:r>
+              <a:rPr lang="it-IT" sz="1600" b="1" dirty="0">
+                <a:latin typeface="Courier New" panose="02070309020205020404" pitchFamily="49" charset="0"/>
+                <a:cs typeface="Courier New" panose="02070309020205020404" pitchFamily="49" charset="0"/>
+              </a:rPr>
+              <a:t>/* visualizza l’array a di n elementi */</a:t>
+            </a:r>
+          </a:p>
+          <a:p>
+            <a:pPr marL="0" indent="0">
+              <a:buNone/>
+            </a:pPr>
+            <a:r>
+              <a:rPr lang="it-IT" sz="1600" b="1" dirty="0" err="1">
+                <a:latin typeface="Courier New" panose="02070309020205020404" pitchFamily="49" charset="0"/>
+                <a:cs typeface="Courier New" panose="02070309020205020404" pitchFamily="49" charset="0"/>
+              </a:rPr>
+              <a:t>void</a:t>
+            </a:r>
+            <a:r>
+              <a:rPr lang="it-IT" sz="1600" b="1" dirty="0">
+                <a:latin typeface="Courier New" panose="02070309020205020404" pitchFamily="49" charset="0"/>
+                <a:cs typeface="Courier New" panose="02070309020205020404" pitchFamily="49" charset="0"/>
+              </a:rPr>
+              <a:t> visualizza(</a:t>
+            </a:r>
+            <a:r>
+              <a:rPr lang="it-IT" sz="1600" b="1" i="1" dirty="0" err="1">
+                <a:solidFill>
+                  <a:srgbClr val="FF0000"/>
+                </a:solidFill>
+                <a:latin typeface="Courier New" panose="02070309020205020404" pitchFamily="49" charset="0"/>
+                <a:cs typeface="Courier New" panose="02070309020205020404" pitchFamily="49" charset="0"/>
+              </a:rPr>
+              <a:t>const</a:t>
+            </a:r>
+            <a:r>
+              <a:rPr lang="it-IT" sz="1600" b="1" dirty="0">
+                <a:solidFill>
+                  <a:srgbClr val="FF0000"/>
+                </a:solidFill>
+                <a:latin typeface="Courier New" panose="02070309020205020404" pitchFamily="49" charset="0"/>
+                <a:cs typeface="Courier New" panose="02070309020205020404" pitchFamily="49" charset="0"/>
+              </a:rPr>
+              <a:t> double a[], </a:t>
+            </a:r>
+            <a:r>
+              <a:rPr lang="it-IT" sz="1600" b="1" dirty="0" err="1">
+                <a:solidFill>
+                  <a:srgbClr val="FF0000"/>
+                </a:solidFill>
+                <a:latin typeface="Courier New" panose="02070309020205020404" pitchFamily="49" charset="0"/>
+                <a:cs typeface="Courier New" panose="02070309020205020404" pitchFamily="49" charset="0"/>
+              </a:rPr>
+              <a:t>int</a:t>
+            </a:r>
+            <a:r>
+              <a:rPr lang="it-IT" sz="1600" b="1" dirty="0">
+                <a:solidFill>
+                  <a:srgbClr val="FF0000"/>
+                </a:solidFill>
+                <a:latin typeface="Courier New" panose="02070309020205020404" pitchFamily="49" charset="0"/>
+                <a:cs typeface="Courier New" panose="02070309020205020404" pitchFamily="49" charset="0"/>
+              </a:rPr>
+              <a:t> n</a:t>
+            </a:r>
+            <a:r>
+              <a:rPr lang="it-IT" sz="1600" b="1" dirty="0">
+                <a:latin typeface="Courier New" panose="02070309020205020404" pitchFamily="49" charset="0"/>
+                <a:cs typeface="Courier New" panose="02070309020205020404" pitchFamily="49" charset="0"/>
+              </a:rPr>
+              <a:t>) {</a:t>
+            </a:r>
+          </a:p>
+          <a:p>
+            <a:pPr marL="0" indent="0">
+              <a:buNone/>
+            </a:pPr>
+            <a:r>
+              <a:rPr lang="it-IT" sz="1600" b="1" dirty="0">
+                <a:latin typeface="Courier New" panose="02070309020205020404" pitchFamily="49" charset="0"/>
+                <a:cs typeface="Courier New" panose="02070309020205020404" pitchFamily="49" charset="0"/>
+              </a:rPr>
+              <a:t>	// </a:t>
+            </a:r>
+            <a:r>
+              <a:rPr lang="it-IT" sz="1600" b="1" dirty="0" err="1">
+                <a:latin typeface="Courier New" panose="02070309020205020404" pitchFamily="49" charset="0"/>
+                <a:cs typeface="Courier New" panose="02070309020205020404" pitchFamily="49" charset="0"/>
+              </a:rPr>
+              <a:t>cout</a:t>
+            </a:r>
+            <a:r>
+              <a:rPr lang="it-IT" sz="1600" b="1" dirty="0">
+                <a:latin typeface="Courier New" panose="02070309020205020404" pitchFamily="49" charset="0"/>
+                <a:cs typeface="Courier New" panose="02070309020205020404" pitchFamily="49" charset="0"/>
+              </a:rPr>
+              <a:t> &lt;&lt; "dimensione array a " &lt;&lt; </a:t>
+            </a:r>
+            <a:r>
+              <a:rPr lang="it-IT" sz="1600" b="1" dirty="0" err="1">
+                <a:latin typeface="Courier New" panose="02070309020205020404" pitchFamily="49" charset="0"/>
+                <a:cs typeface="Courier New" panose="02070309020205020404" pitchFamily="49" charset="0"/>
+              </a:rPr>
+              <a:t>sizeof</a:t>
+            </a:r>
+            <a:r>
+              <a:rPr lang="it-IT" sz="1600" b="1" dirty="0">
+                <a:latin typeface="Courier New" panose="02070309020205020404" pitchFamily="49" charset="0"/>
+                <a:cs typeface="Courier New" panose="02070309020205020404" pitchFamily="49" charset="0"/>
+              </a:rPr>
+              <a:t> a &lt;&lt; " </a:t>
+            </a:r>
+            <a:r>
+              <a:rPr lang="it-IT" sz="1600" b="1" dirty="0" err="1">
+                <a:latin typeface="Courier New" panose="02070309020205020404" pitchFamily="49" charset="0"/>
+                <a:cs typeface="Courier New" panose="02070309020205020404" pitchFamily="49" charset="0"/>
+              </a:rPr>
+              <a:t>bytes</a:t>
+            </a:r>
+            <a:r>
+              <a:rPr lang="it-IT" sz="1600" b="1" dirty="0">
+                <a:latin typeface="Courier New" panose="02070309020205020404" pitchFamily="49" charset="0"/>
+                <a:cs typeface="Courier New" panose="02070309020205020404" pitchFamily="49" charset="0"/>
+              </a:rPr>
+              <a:t> " &lt;&lt; </a:t>
+            </a:r>
+            <a:r>
+              <a:rPr lang="it-IT" sz="1600" b="1" dirty="0" err="1">
+                <a:latin typeface="Courier New" panose="02070309020205020404" pitchFamily="49" charset="0"/>
+                <a:cs typeface="Courier New" panose="02070309020205020404" pitchFamily="49" charset="0"/>
+              </a:rPr>
+              <a:t>endl</a:t>
+            </a:r>
+            <a:r>
+              <a:rPr lang="it-IT" sz="1600" b="1" dirty="0">
+                <a:latin typeface="Courier New" panose="02070309020205020404" pitchFamily="49" charset="0"/>
+                <a:cs typeface="Courier New" panose="02070309020205020404" pitchFamily="49" charset="0"/>
+              </a:rPr>
+              <a:t>;</a:t>
+            </a:r>
+          </a:p>
+          <a:p>
+            <a:pPr marL="0" indent="0">
+              <a:buNone/>
+            </a:pPr>
+            <a:r>
+              <a:rPr lang="it-IT" sz="1600" b="1" dirty="0">
+                <a:latin typeface="Courier New" panose="02070309020205020404" pitchFamily="49" charset="0"/>
+                <a:cs typeface="Courier New" panose="02070309020205020404" pitchFamily="49" charset="0"/>
+              </a:rPr>
+              <a:t>	for(</a:t>
+            </a:r>
+            <a:r>
+              <a:rPr lang="it-IT" sz="1600" b="1" dirty="0" err="1">
+                <a:latin typeface="Courier New" panose="02070309020205020404" pitchFamily="49" charset="0"/>
+                <a:cs typeface="Courier New" panose="02070309020205020404" pitchFamily="49" charset="0"/>
+              </a:rPr>
+              <a:t>int</a:t>
+            </a:r>
+            <a:r>
+              <a:rPr lang="it-IT" sz="1600" b="1" dirty="0">
+                <a:latin typeface="Courier New" panose="02070309020205020404" pitchFamily="49" charset="0"/>
+                <a:cs typeface="Courier New" panose="02070309020205020404" pitchFamily="49" charset="0"/>
+              </a:rPr>
+              <a:t> i=0;i&lt;</a:t>
+            </a:r>
+            <a:r>
+              <a:rPr lang="it-IT" sz="1600" b="1" dirty="0" err="1">
+                <a:latin typeface="Courier New" panose="02070309020205020404" pitchFamily="49" charset="0"/>
+                <a:cs typeface="Courier New" panose="02070309020205020404" pitchFamily="49" charset="0"/>
+              </a:rPr>
+              <a:t>n;i</a:t>
+            </a:r>
+            <a:r>
+              <a:rPr lang="it-IT" sz="1600" b="1" dirty="0">
+                <a:latin typeface="Courier New" panose="02070309020205020404" pitchFamily="49" charset="0"/>
+                <a:cs typeface="Courier New" panose="02070309020205020404" pitchFamily="49" charset="0"/>
+              </a:rPr>
+              <a:t>++)</a:t>
+            </a:r>
+          </a:p>
+          <a:p>
+            <a:pPr marL="0" indent="0">
+              <a:buNone/>
+            </a:pPr>
+            <a:r>
+              <a:rPr lang="it-IT" sz="1600" b="1" dirty="0">
+                <a:latin typeface="Courier New" panose="02070309020205020404" pitchFamily="49" charset="0"/>
+                <a:cs typeface="Courier New" panose="02070309020205020404" pitchFamily="49" charset="0"/>
+              </a:rPr>
+              <a:t>		</a:t>
+            </a:r>
+            <a:r>
+              <a:rPr lang="it-IT" sz="1600" b="1" dirty="0" err="1">
+                <a:latin typeface="Courier New" panose="02070309020205020404" pitchFamily="49" charset="0"/>
+                <a:cs typeface="Courier New" panose="02070309020205020404" pitchFamily="49" charset="0"/>
+              </a:rPr>
+              <a:t>cout</a:t>
+            </a:r>
+            <a:r>
+              <a:rPr lang="it-IT" sz="1600" b="1" dirty="0">
+                <a:latin typeface="Courier New" panose="02070309020205020404" pitchFamily="49" charset="0"/>
+                <a:cs typeface="Courier New" panose="02070309020205020404" pitchFamily="49" charset="0"/>
+              </a:rPr>
+              <a:t> &lt;&lt; "a[" &lt;&lt; i &lt;&lt; "] = " &lt;&lt; a[i] &lt;&lt; </a:t>
+            </a:r>
+            <a:r>
+              <a:rPr lang="it-IT" sz="1600" b="1" dirty="0" err="1">
+                <a:latin typeface="Courier New" panose="02070309020205020404" pitchFamily="49" charset="0"/>
+                <a:cs typeface="Courier New" panose="02070309020205020404" pitchFamily="49" charset="0"/>
+              </a:rPr>
+              <a:t>endl</a:t>
+            </a:r>
+            <a:r>
+              <a:rPr lang="it-IT" sz="1600" b="1" dirty="0">
+                <a:latin typeface="Courier New" panose="02070309020205020404" pitchFamily="49" charset="0"/>
+                <a:cs typeface="Courier New" panose="02070309020205020404" pitchFamily="49" charset="0"/>
+              </a:rPr>
+              <a:t>;</a:t>
+            </a:r>
+          </a:p>
+          <a:p>
+            <a:pPr marL="0" indent="0">
+              <a:buNone/>
+            </a:pPr>
+            <a:r>
+              <a:rPr lang="it-IT" sz="1600" b="1" dirty="0">
+                <a:latin typeface="Courier New" panose="02070309020205020404" pitchFamily="49" charset="0"/>
+                <a:cs typeface="Courier New" panose="02070309020205020404" pitchFamily="49" charset="0"/>
+              </a:rPr>
+              <a:t>}</a:t>
+            </a:r>
+          </a:p>
+          <a:p>
+            <a:pPr marL="0" indent="0">
+              <a:buNone/>
+            </a:pPr>
+            <a:r>
+              <a:rPr lang="it-IT" sz="1600" b="1" dirty="0">
+                <a:latin typeface="Courier New" panose="02070309020205020404" pitchFamily="49" charset="0"/>
+                <a:cs typeface="Courier New" panose="02070309020205020404" pitchFamily="49" charset="0"/>
+              </a:rPr>
+              <a:t>…</a:t>
+            </a:r>
+          </a:p>
+          <a:p>
+            <a:pPr marL="0" indent="0">
+              <a:buNone/>
+            </a:pPr>
+            <a:r>
+              <a:rPr lang="it-IT" sz="1600" b="1" dirty="0">
+                <a:latin typeface="Courier New" panose="02070309020205020404" pitchFamily="49" charset="0"/>
+                <a:cs typeface="Courier New" panose="02070309020205020404" pitchFamily="49" charset="0"/>
+              </a:rPr>
+              <a:t>visualizza(v,10);		// in fase di esecuzione della funzione si specifica il</a:t>
+            </a:r>
+          </a:p>
+          <a:p>
+            <a:pPr marL="0" indent="0">
+              <a:buNone/>
+            </a:pPr>
+            <a:r>
+              <a:rPr lang="it-IT" sz="1600" b="1" dirty="0">
+                <a:latin typeface="Courier New" panose="02070309020205020404" pitchFamily="49" charset="0"/>
+                <a:cs typeface="Courier New" panose="02070309020205020404" pitchFamily="49" charset="0"/>
+              </a:rPr>
+              <a:t>                              // nome dell’array (senza []) e la sua dimensione</a:t>
+            </a:r>
+          </a:p>
+        </p:txBody>
+      </p:sp>
+      <p:sp>
+        <p:nvSpPr>
+          <p:cNvPr id="4" name="Segnaposto piè di pagina 3">
+            <a:extLst>
+              <a:ext uri="{FF2B5EF4-FFF2-40B4-BE49-F238E27FC236}">
+                <a16:creationId xmlns:a16="http://schemas.microsoft.com/office/drawing/2014/main" id="{157B070B-2FCC-4F34-B048-387733024375}"/>
+              </a:ext>
+            </a:extLst>
+          </p:cNvPr>
+          <p:cNvSpPr>
+            <a:spLocks noGrp="1"/>
+          </p:cNvSpPr>
+          <p:nvPr>
+            <p:ph type="ftr" sz="quarter" idx="11"/>
+          </p:nvPr>
+        </p:nvSpPr>
+        <p:spPr/>
+        <p:txBody>
+          <a:bodyPr/>
+          <a:lstStyle/>
+          <a:p>
+            <a:pPr>
+              <a:defRPr/>
+            </a:pPr>
+            <a:r>
+              <a:rPr lang="it-IT"/>
+              <a:t>Alberto Ferrari – Programmazione di applicazioni SW</a:t>
+            </a:r>
+            <a:endParaRPr lang="it-IT" dirty="0"/>
+          </a:p>
+        </p:txBody>
+      </p:sp>
+    </p:spTree>
+    <p:extLst>
+      <p:ext uri="{BB962C8B-B14F-4D97-AF65-F5344CB8AC3E}">
+        <p14:creationId xmlns:p14="http://schemas.microsoft.com/office/powerpoint/2010/main" val="492786296"/>
+      </p:ext>
+    </p:extLst>
+  </p:cSld>
+  <p:clrMapOvr>
+    <a:masterClrMapping/>
+  </p:clrMapOvr>
+</p:sld>
+</file>
+
+<file path=ppt/slides/slide13.xml><?xml version="1.0" encoding="utf-8"?>
+<p:sld xmlns:a="http://schemas.openxmlformats.org/drawingml/2006/main" xmlns:r="http://schemas.openxmlformats.org/officeDocument/2006/relationships" xmlns:p="http://schemas.openxmlformats.org/presentationml/2006/main">
+  <p:cSld>
+    <p:spTree>
+      <p:nvGrpSpPr>
+        <p:cNvPr id="1" name=""/>
+        <p:cNvGrpSpPr/>
+        <p:nvPr/>
+      </p:nvGrpSpPr>
+      <p:grpSpPr>
+        <a:xfrm>
+          <a:off x="0" y="0"/>
+          <a:ext cx="0" cy="0"/>
+          <a:chOff x="0" y="0"/>
+          <a:chExt cx="0" cy="0"/>
+        </a:xfrm>
+      </p:grpSpPr>
+      <p:sp>
+        <p:nvSpPr>
+          <p:cNvPr id="2" name="Titolo 1">
+            <a:extLst>
+              <a:ext uri="{FF2B5EF4-FFF2-40B4-BE49-F238E27FC236}">
+                <a16:creationId xmlns:a16="http://schemas.microsoft.com/office/drawing/2014/main" id="{67EB2E48-69F3-4317-9DF7-7DA491269FD7}"/>
+              </a:ext>
+            </a:extLst>
+          </p:cNvPr>
+          <p:cNvSpPr>
+            <a:spLocks noGrp="1"/>
+          </p:cNvSpPr>
+          <p:nvPr>
+            <p:ph type="title"/>
+          </p:nvPr>
+        </p:nvSpPr>
+        <p:spPr/>
+        <p:txBody>
+          <a:bodyPr/>
+          <a:lstStyle/>
+          <a:p>
+            <a:r>
+              <a:rPr lang="it-IT" dirty="0"/>
+              <a:t>esempi di funzioni</a:t>
+            </a:r>
+          </a:p>
+        </p:txBody>
+      </p:sp>
+      <p:sp>
+        <p:nvSpPr>
+          <p:cNvPr id="3" name="Segnaposto contenuto 2">
+            <a:extLst>
+              <a:ext uri="{FF2B5EF4-FFF2-40B4-BE49-F238E27FC236}">
+                <a16:creationId xmlns:a16="http://schemas.microsoft.com/office/drawing/2014/main" id="{BAA677C8-C57E-4752-A020-6BE8F0080F7D}"/>
+              </a:ext>
+            </a:extLst>
+          </p:cNvPr>
+          <p:cNvSpPr>
+            <a:spLocks noGrp="1"/>
+          </p:cNvSpPr>
+          <p:nvPr>
+            <p:ph idx="1"/>
+          </p:nvPr>
+        </p:nvSpPr>
+        <p:spPr/>
+        <p:txBody>
+          <a:bodyPr/>
+          <a:lstStyle/>
+          <a:p>
+            <a:pPr marL="0" indent="0">
+              <a:buNone/>
+            </a:pPr>
+            <a:r>
+              <a:rPr lang="it-IT" sz="1400" b="1" dirty="0" err="1">
+                <a:latin typeface="Courier New" panose="02070309020205020404" pitchFamily="49" charset="0"/>
+                <a:cs typeface="Courier New" panose="02070309020205020404" pitchFamily="49" charset="0"/>
+              </a:rPr>
+              <a:t>void</a:t>
+            </a:r>
+            <a:r>
+              <a:rPr lang="it-IT" sz="1400" b="1" dirty="0">
+                <a:latin typeface="Courier New" panose="02070309020205020404" pitchFamily="49" charset="0"/>
+                <a:cs typeface="Courier New" panose="02070309020205020404" pitchFamily="49" charset="0"/>
+              </a:rPr>
+              <a:t> visualizza(</a:t>
+            </a:r>
+            <a:r>
+              <a:rPr lang="it-IT" sz="1400" b="1" dirty="0" err="1">
+                <a:latin typeface="Courier New" panose="02070309020205020404" pitchFamily="49" charset="0"/>
+                <a:cs typeface="Courier New" panose="02070309020205020404" pitchFamily="49" charset="0"/>
+              </a:rPr>
+              <a:t>const</a:t>
+            </a:r>
+            <a:r>
+              <a:rPr lang="it-IT" sz="1400" b="1" dirty="0">
+                <a:latin typeface="Courier New" panose="02070309020205020404" pitchFamily="49" charset="0"/>
+                <a:cs typeface="Courier New" panose="02070309020205020404" pitchFamily="49" charset="0"/>
+              </a:rPr>
+              <a:t> double a[], </a:t>
+            </a:r>
+            <a:r>
+              <a:rPr lang="it-IT" sz="1400" b="1" dirty="0" err="1">
+                <a:latin typeface="Courier New" panose="02070309020205020404" pitchFamily="49" charset="0"/>
+                <a:cs typeface="Courier New" panose="02070309020205020404" pitchFamily="49" charset="0"/>
+              </a:rPr>
+              <a:t>int</a:t>
+            </a:r>
+            <a:r>
+              <a:rPr lang="it-IT" sz="1400" b="1" dirty="0">
+                <a:latin typeface="Courier New" panose="02070309020205020404" pitchFamily="49" charset="0"/>
+                <a:cs typeface="Courier New" panose="02070309020205020404" pitchFamily="49" charset="0"/>
+              </a:rPr>
+              <a:t> n) {</a:t>
+            </a:r>
+          </a:p>
+          <a:p>
+            <a:pPr marL="0" indent="0">
+              <a:buNone/>
+            </a:pPr>
+            <a:r>
+              <a:rPr lang="it-IT" sz="1400" b="1" dirty="0">
+                <a:latin typeface="Courier New" panose="02070309020205020404" pitchFamily="49" charset="0"/>
+                <a:cs typeface="Courier New" panose="02070309020205020404" pitchFamily="49" charset="0"/>
+              </a:rPr>
+              <a:t>   // </a:t>
+            </a:r>
+            <a:r>
+              <a:rPr lang="it-IT" sz="1400" b="1" dirty="0" err="1">
+                <a:latin typeface="Courier New" panose="02070309020205020404" pitchFamily="49" charset="0"/>
+                <a:cs typeface="Courier New" panose="02070309020205020404" pitchFamily="49" charset="0"/>
+              </a:rPr>
+              <a:t>cout</a:t>
+            </a:r>
+            <a:r>
+              <a:rPr lang="it-IT" sz="1400" b="1" dirty="0">
+                <a:latin typeface="Courier New" panose="02070309020205020404" pitchFamily="49" charset="0"/>
+                <a:cs typeface="Courier New" panose="02070309020205020404" pitchFamily="49" charset="0"/>
+              </a:rPr>
+              <a:t> &lt;&lt; "dimensione array a " &lt;&lt; </a:t>
+            </a:r>
+            <a:r>
+              <a:rPr lang="it-IT" sz="1400" b="1" dirty="0" err="1">
+                <a:latin typeface="Courier New" panose="02070309020205020404" pitchFamily="49" charset="0"/>
+                <a:cs typeface="Courier New" panose="02070309020205020404" pitchFamily="49" charset="0"/>
+              </a:rPr>
+              <a:t>sizeof</a:t>
+            </a:r>
+            <a:r>
+              <a:rPr lang="it-IT" sz="1400" b="1" dirty="0">
+                <a:latin typeface="Courier New" panose="02070309020205020404" pitchFamily="49" charset="0"/>
+                <a:cs typeface="Courier New" panose="02070309020205020404" pitchFamily="49" charset="0"/>
+              </a:rPr>
+              <a:t> a &lt;&lt; " </a:t>
+            </a:r>
+            <a:r>
+              <a:rPr lang="it-IT" sz="1400" b="1" dirty="0" err="1">
+                <a:latin typeface="Courier New" panose="02070309020205020404" pitchFamily="49" charset="0"/>
+                <a:cs typeface="Courier New" panose="02070309020205020404" pitchFamily="49" charset="0"/>
+              </a:rPr>
+              <a:t>bytes</a:t>
+            </a:r>
+            <a:r>
+              <a:rPr lang="it-IT" sz="1400" b="1" dirty="0">
+                <a:latin typeface="Courier New" panose="02070309020205020404" pitchFamily="49" charset="0"/>
+                <a:cs typeface="Courier New" panose="02070309020205020404" pitchFamily="49" charset="0"/>
+              </a:rPr>
+              <a:t> " &lt;&lt; </a:t>
+            </a:r>
+            <a:r>
+              <a:rPr lang="it-IT" sz="1400" b="1" dirty="0" err="1">
+                <a:latin typeface="Courier New" panose="02070309020205020404" pitchFamily="49" charset="0"/>
+                <a:cs typeface="Courier New" panose="02070309020205020404" pitchFamily="49" charset="0"/>
+              </a:rPr>
+              <a:t>endl</a:t>
+            </a:r>
+            <a:r>
+              <a:rPr lang="it-IT" sz="1400" b="1" dirty="0">
+                <a:latin typeface="Courier New" panose="02070309020205020404" pitchFamily="49" charset="0"/>
+                <a:cs typeface="Courier New" panose="02070309020205020404" pitchFamily="49" charset="0"/>
+              </a:rPr>
+              <a:t>;</a:t>
+            </a:r>
+          </a:p>
+          <a:p>
+            <a:pPr marL="0" indent="0">
+              <a:buNone/>
+            </a:pPr>
+            <a:r>
+              <a:rPr lang="it-IT" sz="1400" b="1" dirty="0">
+                <a:latin typeface="Courier New" panose="02070309020205020404" pitchFamily="49" charset="0"/>
+                <a:cs typeface="Courier New" panose="02070309020205020404" pitchFamily="49" charset="0"/>
+              </a:rPr>
+              <a:t>   for(</a:t>
+            </a:r>
+            <a:r>
+              <a:rPr lang="it-IT" sz="1400" b="1" dirty="0" err="1">
+                <a:latin typeface="Courier New" panose="02070309020205020404" pitchFamily="49" charset="0"/>
+                <a:cs typeface="Courier New" panose="02070309020205020404" pitchFamily="49" charset="0"/>
+              </a:rPr>
+              <a:t>int</a:t>
+            </a:r>
+            <a:r>
+              <a:rPr lang="it-IT" sz="1400" b="1" dirty="0">
+                <a:latin typeface="Courier New" panose="02070309020205020404" pitchFamily="49" charset="0"/>
+                <a:cs typeface="Courier New" panose="02070309020205020404" pitchFamily="49" charset="0"/>
+              </a:rPr>
+              <a:t> i=0;i&lt;</a:t>
+            </a:r>
+            <a:r>
+              <a:rPr lang="it-IT" sz="1400" b="1" dirty="0" err="1">
+                <a:latin typeface="Courier New" panose="02070309020205020404" pitchFamily="49" charset="0"/>
+                <a:cs typeface="Courier New" panose="02070309020205020404" pitchFamily="49" charset="0"/>
+              </a:rPr>
+              <a:t>n;i</a:t>
+            </a:r>
+            <a:r>
+              <a:rPr lang="it-IT" sz="1400" b="1" dirty="0">
+                <a:latin typeface="Courier New" panose="02070309020205020404" pitchFamily="49" charset="0"/>
+                <a:cs typeface="Courier New" panose="02070309020205020404" pitchFamily="49" charset="0"/>
+              </a:rPr>
+              <a:t>++)</a:t>
+            </a:r>
+          </a:p>
+          <a:p>
+            <a:pPr marL="0" indent="0">
+              <a:buNone/>
+            </a:pPr>
+            <a:r>
+              <a:rPr lang="it-IT" sz="1400" b="1" dirty="0">
+                <a:latin typeface="Courier New" panose="02070309020205020404" pitchFamily="49" charset="0"/>
+                <a:cs typeface="Courier New" panose="02070309020205020404" pitchFamily="49" charset="0"/>
+              </a:rPr>
+              <a:t>   </a:t>
+            </a:r>
+            <a:r>
+              <a:rPr lang="it-IT" sz="1400" b="1" dirty="0" err="1">
+                <a:latin typeface="Courier New" panose="02070309020205020404" pitchFamily="49" charset="0"/>
+                <a:cs typeface="Courier New" panose="02070309020205020404" pitchFamily="49" charset="0"/>
+              </a:rPr>
+              <a:t>cout</a:t>
+            </a:r>
+            <a:r>
+              <a:rPr lang="it-IT" sz="1400" b="1" dirty="0">
+                <a:latin typeface="Courier New" panose="02070309020205020404" pitchFamily="49" charset="0"/>
+                <a:cs typeface="Courier New" panose="02070309020205020404" pitchFamily="49" charset="0"/>
+              </a:rPr>
+              <a:t> &lt;&lt; "a[" &lt;&lt; i &lt;&lt; "] = " &lt;&lt; a[i] &lt;&lt; </a:t>
+            </a:r>
+            <a:r>
+              <a:rPr lang="it-IT" sz="1400" b="1" dirty="0" err="1">
+                <a:latin typeface="Courier New" panose="02070309020205020404" pitchFamily="49" charset="0"/>
+                <a:cs typeface="Courier New" panose="02070309020205020404" pitchFamily="49" charset="0"/>
+              </a:rPr>
+              <a:t>endl</a:t>
+            </a:r>
+            <a:r>
+              <a:rPr lang="it-IT" sz="1400" b="1" dirty="0">
+                <a:latin typeface="Courier New" panose="02070309020205020404" pitchFamily="49" charset="0"/>
+                <a:cs typeface="Courier New" panose="02070309020205020404" pitchFamily="49" charset="0"/>
+              </a:rPr>
+              <a:t>;</a:t>
+            </a:r>
+          </a:p>
+          <a:p>
+            <a:pPr marL="0" indent="0">
+              <a:buNone/>
+            </a:pPr>
+            <a:r>
+              <a:rPr lang="it-IT" sz="1400" b="1" dirty="0">
+                <a:latin typeface="Courier New" panose="02070309020205020404" pitchFamily="49" charset="0"/>
+                <a:cs typeface="Courier New" panose="02070309020205020404" pitchFamily="49" charset="0"/>
+              </a:rPr>
+              <a:t>}</a:t>
+            </a:r>
+          </a:p>
+          <a:p>
+            <a:pPr marL="0" indent="0">
+              <a:buNone/>
+            </a:pPr>
+            <a:endParaRPr lang="it-IT" sz="1400" b="1" dirty="0">
+              <a:latin typeface="Courier New" panose="02070309020205020404" pitchFamily="49" charset="0"/>
+              <a:cs typeface="Courier New" panose="02070309020205020404" pitchFamily="49" charset="0"/>
+            </a:endParaRPr>
+          </a:p>
+          <a:p>
+            <a:pPr marL="0" indent="0">
+              <a:buNone/>
+            </a:pPr>
+            <a:r>
+              <a:rPr lang="it-IT" sz="1400" b="1" dirty="0" err="1">
+                <a:latin typeface="Courier New" panose="02070309020205020404" pitchFamily="49" charset="0"/>
+                <a:cs typeface="Courier New" panose="02070309020205020404" pitchFamily="49" charset="0"/>
+              </a:rPr>
+              <a:t>void</a:t>
+            </a:r>
+            <a:r>
+              <a:rPr lang="it-IT" sz="1400" b="1" dirty="0">
+                <a:latin typeface="Courier New" panose="02070309020205020404" pitchFamily="49" charset="0"/>
+                <a:cs typeface="Courier New" panose="02070309020205020404" pitchFamily="49" charset="0"/>
+              </a:rPr>
+              <a:t> dimezza(double a[], </a:t>
+            </a:r>
+            <a:r>
+              <a:rPr lang="it-IT" sz="1400" b="1" dirty="0" err="1">
+                <a:latin typeface="Courier New" panose="02070309020205020404" pitchFamily="49" charset="0"/>
+                <a:cs typeface="Courier New" panose="02070309020205020404" pitchFamily="49" charset="0"/>
+              </a:rPr>
+              <a:t>int</a:t>
+            </a:r>
+            <a:r>
+              <a:rPr lang="it-IT" sz="1400" b="1" dirty="0">
+                <a:latin typeface="Courier New" panose="02070309020205020404" pitchFamily="49" charset="0"/>
+                <a:cs typeface="Courier New" panose="02070309020205020404" pitchFamily="49" charset="0"/>
+              </a:rPr>
+              <a:t> n) {</a:t>
+            </a:r>
+          </a:p>
+          <a:p>
+            <a:pPr marL="0" indent="0">
+              <a:buNone/>
+            </a:pPr>
+            <a:r>
+              <a:rPr lang="it-IT" sz="1400" b="1" dirty="0">
+                <a:latin typeface="Courier New" panose="02070309020205020404" pitchFamily="49" charset="0"/>
+                <a:cs typeface="Courier New" panose="02070309020205020404" pitchFamily="49" charset="0"/>
+              </a:rPr>
+              <a:t>   for(</a:t>
+            </a:r>
+            <a:r>
+              <a:rPr lang="it-IT" sz="1400" b="1" dirty="0" err="1">
+                <a:latin typeface="Courier New" panose="02070309020205020404" pitchFamily="49" charset="0"/>
+                <a:cs typeface="Courier New" panose="02070309020205020404" pitchFamily="49" charset="0"/>
+              </a:rPr>
+              <a:t>int</a:t>
+            </a:r>
+            <a:r>
+              <a:rPr lang="it-IT" sz="1400" b="1" dirty="0">
+                <a:latin typeface="Courier New" panose="02070309020205020404" pitchFamily="49" charset="0"/>
+                <a:cs typeface="Courier New" panose="02070309020205020404" pitchFamily="49" charset="0"/>
+              </a:rPr>
+              <a:t> i=0;i&lt;</a:t>
+            </a:r>
+            <a:r>
+              <a:rPr lang="it-IT" sz="1400" b="1" dirty="0" err="1">
+                <a:latin typeface="Courier New" panose="02070309020205020404" pitchFamily="49" charset="0"/>
+                <a:cs typeface="Courier New" panose="02070309020205020404" pitchFamily="49" charset="0"/>
+              </a:rPr>
+              <a:t>n;i</a:t>
+            </a:r>
+            <a:r>
+              <a:rPr lang="it-IT" sz="1400" b="1" dirty="0">
+                <a:latin typeface="Courier New" panose="02070309020205020404" pitchFamily="49" charset="0"/>
+                <a:cs typeface="Courier New" panose="02070309020205020404" pitchFamily="49" charset="0"/>
+              </a:rPr>
+              <a:t>++)</a:t>
+            </a:r>
+          </a:p>
+          <a:p>
+            <a:pPr marL="0" indent="0">
+              <a:buNone/>
+            </a:pPr>
+            <a:r>
+              <a:rPr lang="it-IT" sz="1400" b="1" dirty="0">
+                <a:latin typeface="Courier New" panose="02070309020205020404" pitchFamily="49" charset="0"/>
+                <a:cs typeface="Courier New" panose="02070309020205020404" pitchFamily="49" charset="0"/>
+              </a:rPr>
+              <a:t>      a[i] = a[i] / 2;</a:t>
+            </a:r>
+          </a:p>
+          <a:p>
+            <a:pPr marL="0" indent="0">
+              <a:buNone/>
+            </a:pPr>
+            <a:r>
+              <a:rPr lang="it-IT" sz="1400" b="1" dirty="0">
+                <a:latin typeface="Courier New" panose="02070309020205020404" pitchFamily="49" charset="0"/>
+                <a:cs typeface="Courier New" panose="02070309020205020404" pitchFamily="49" charset="0"/>
+              </a:rPr>
+              <a:t>}</a:t>
+            </a:r>
+          </a:p>
+          <a:p>
+            <a:pPr marL="0" indent="0">
+              <a:buNone/>
+            </a:pPr>
+            <a:endParaRPr lang="it-IT" sz="1400" b="1" dirty="0">
+              <a:latin typeface="Courier New" panose="02070309020205020404" pitchFamily="49" charset="0"/>
+              <a:cs typeface="Courier New" panose="02070309020205020404" pitchFamily="49" charset="0"/>
+            </a:endParaRPr>
+          </a:p>
+          <a:p>
+            <a:pPr marL="0" indent="0">
+              <a:buNone/>
+            </a:pPr>
+            <a:r>
+              <a:rPr lang="it-IT" sz="1400" b="1" dirty="0">
+                <a:latin typeface="Courier New" panose="02070309020205020404" pitchFamily="49" charset="0"/>
+                <a:cs typeface="Courier New" panose="02070309020205020404" pitchFamily="49" charset="0"/>
+              </a:rPr>
+              <a:t>double </a:t>
+            </a:r>
+            <a:r>
+              <a:rPr lang="it-IT" sz="1400" b="1" dirty="0" err="1">
+                <a:latin typeface="Courier New" panose="02070309020205020404" pitchFamily="49" charset="0"/>
+                <a:cs typeface="Courier New" panose="02070309020205020404" pitchFamily="49" charset="0"/>
+              </a:rPr>
+              <a:t>max</a:t>
+            </a:r>
+            <a:r>
+              <a:rPr lang="it-IT" sz="1400" b="1" dirty="0">
+                <a:latin typeface="Courier New" panose="02070309020205020404" pitchFamily="49" charset="0"/>
+                <a:cs typeface="Courier New" panose="02070309020205020404" pitchFamily="49" charset="0"/>
+              </a:rPr>
+              <a:t>(double a[], </a:t>
+            </a:r>
+            <a:r>
+              <a:rPr lang="it-IT" sz="1400" b="1" dirty="0" err="1">
+                <a:latin typeface="Courier New" panose="02070309020205020404" pitchFamily="49" charset="0"/>
+                <a:cs typeface="Courier New" panose="02070309020205020404" pitchFamily="49" charset="0"/>
+              </a:rPr>
+              <a:t>int</a:t>
+            </a:r>
+            <a:r>
+              <a:rPr lang="it-IT" sz="1400" b="1" dirty="0">
+                <a:latin typeface="Courier New" panose="02070309020205020404" pitchFamily="49" charset="0"/>
+                <a:cs typeface="Courier New" panose="02070309020205020404" pitchFamily="49" charset="0"/>
+              </a:rPr>
+              <a:t> n){</a:t>
+            </a:r>
+          </a:p>
+          <a:p>
+            <a:pPr marL="0" indent="0">
+              <a:buNone/>
+            </a:pPr>
+            <a:r>
+              <a:rPr lang="it-IT" sz="1400" b="1" dirty="0">
+                <a:latin typeface="Courier New" panose="02070309020205020404" pitchFamily="49" charset="0"/>
+                <a:cs typeface="Courier New" panose="02070309020205020404" pitchFamily="49" charset="0"/>
+              </a:rPr>
+              <a:t>   double m = a[0];</a:t>
+            </a:r>
+          </a:p>
+          <a:p>
+            <a:pPr marL="0" indent="0">
+              <a:buNone/>
+            </a:pPr>
+            <a:r>
+              <a:rPr lang="it-IT" sz="1400" b="1" dirty="0">
+                <a:latin typeface="Courier New" panose="02070309020205020404" pitchFamily="49" charset="0"/>
+                <a:cs typeface="Courier New" panose="02070309020205020404" pitchFamily="49" charset="0"/>
+              </a:rPr>
+              <a:t>   for(</a:t>
+            </a:r>
+            <a:r>
+              <a:rPr lang="it-IT" sz="1400" b="1" dirty="0" err="1">
+                <a:latin typeface="Courier New" panose="02070309020205020404" pitchFamily="49" charset="0"/>
+                <a:cs typeface="Courier New" panose="02070309020205020404" pitchFamily="49" charset="0"/>
+              </a:rPr>
+              <a:t>int</a:t>
+            </a:r>
+            <a:r>
+              <a:rPr lang="it-IT" sz="1400" b="1" dirty="0">
+                <a:latin typeface="Courier New" panose="02070309020205020404" pitchFamily="49" charset="0"/>
+                <a:cs typeface="Courier New" panose="02070309020205020404" pitchFamily="49" charset="0"/>
+              </a:rPr>
+              <a:t> i=1;i&lt;</a:t>
+            </a:r>
+            <a:r>
+              <a:rPr lang="it-IT" sz="1400" b="1" dirty="0" err="1">
+                <a:latin typeface="Courier New" panose="02070309020205020404" pitchFamily="49" charset="0"/>
+                <a:cs typeface="Courier New" panose="02070309020205020404" pitchFamily="49" charset="0"/>
+              </a:rPr>
+              <a:t>n;i</a:t>
+            </a:r>
+            <a:r>
+              <a:rPr lang="it-IT" sz="1400" b="1" dirty="0">
+                <a:latin typeface="Courier New" panose="02070309020205020404" pitchFamily="49" charset="0"/>
+                <a:cs typeface="Courier New" panose="02070309020205020404" pitchFamily="49" charset="0"/>
+              </a:rPr>
+              <a:t>++)</a:t>
+            </a:r>
+          </a:p>
+          <a:p>
+            <a:pPr marL="0" indent="0">
+              <a:buNone/>
+            </a:pPr>
+            <a:r>
+              <a:rPr lang="it-IT" sz="1400" b="1" dirty="0">
+                <a:latin typeface="Courier New" panose="02070309020205020404" pitchFamily="49" charset="0"/>
+                <a:cs typeface="Courier New" panose="02070309020205020404" pitchFamily="49" charset="0"/>
+              </a:rPr>
+              <a:t>      </a:t>
+            </a:r>
+            <a:r>
+              <a:rPr lang="it-IT" sz="1400" b="1" dirty="0" err="1">
+                <a:latin typeface="Courier New" panose="02070309020205020404" pitchFamily="49" charset="0"/>
+                <a:cs typeface="Courier New" panose="02070309020205020404" pitchFamily="49" charset="0"/>
+              </a:rPr>
+              <a:t>if</a:t>
+            </a:r>
+            <a:r>
+              <a:rPr lang="it-IT" sz="1400" b="1" dirty="0">
+                <a:latin typeface="Courier New" panose="02070309020205020404" pitchFamily="49" charset="0"/>
+                <a:cs typeface="Courier New" panose="02070309020205020404" pitchFamily="49" charset="0"/>
+              </a:rPr>
+              <a:t> (a[i]&gt;m)</a:t>
+            </a:r>
+          </a:p>
+          <a:p>
+            <a:pPr marL="0" indent="0">
+              <a:buNone/>
+            </a:pPr>
+            <a:r>
+              <a:rPr lang="it-IT" sz="1400" b="1" dirty="0">
+                <a:latin typeface="Courier New" panose="02070309020205020404" pitchFamily="49" charset="0"/>
+                <a:cs typeface="Courier New" panose="02070309020205020404" pitchFamily="49" charset="0"/>
+              </a:rPr>
+              <a:t>         m = a[i];</a:t>
+            </a:r>
+          </a:p>
+          <a:p>
+            <a:pPr marL="0" indent="0">
+              <a:buNone/>
+            </a:pPr>
+            <a:r>
+              <a:rPr lang="it-IT" sz="1400" b="1" dirty="0">
+                <a:latin typeface="Courier New" panose="02070309020205020404" pitchFamily="49" charset="0"/>
+                <a:cs typeface="Courier New" panose="02070309020205020404" pitchFamily="49" charset="0"/>
+              </a:rPr>
+              <a:t>   </a:t>
+            </a:r>
+            <a:r>
+              <a:rPr lang="it-IT" sz="1400" b="1" dirty="0" err="1">
+                <a:latin typeface="Courier New" panose="02070309020205020404" pitchFamily="49" charset="0"/>
+                <a:cs typeface="Courier New" panose="02070309020205020404" pitchFamily="49" charset="0"/>
+              </a:rPr>
+              <a:t>return</a:t>
+            </a:r>
+            <a:r>
+              <a:rPr lang="it-IT" sz="1400" b="1" dirty="0">
+                <a:latin typeface="Courier New" panose="02070309020205020404" pitchFamily="49" charset="0"/>
+                <a:cs typeface="Courier New" panose="02070309020205020404" pitchFamily="49" charset="0"/>
+              </a:rPr>
+              <a:t> m;		</a:t>
+            </a:r>
+          </a:p>
+          <a:p>
+            <a:pPr marL="0" indent="0">
+              <a:buNone/>
+            </a:pPr>
+            <a:r>
+              <a:rPr lang="it-IT" sz="1400" b="1" dirty="0">
+                <a:latin typeface="Courier New" panose="02070309020205020404" pitchFamily="49" charset="0"/>
+                <a:cs typeface="Courier New" panose="02070309020205020404" pitchFamily="49" charset="0"/>
+              </a:rPr>
+              <a:t>}</a:t>
+            </a:r>
+          </a:p>
+          <a:p>
+            <a:pPr marL="0" indent="0">
+              <a:buNone/>
+            </a:pPr>
+            <a:endParaRPr lang="it-IT" sz="1400" b="1" dirty="0">
+              <a:latin typeface="Courier New" panose="02070309020205020404" pitchFamily="49" charset="0"/>
+              <a:cs typeface="Courier New" panose="02070309020205020404" pitchFamily="49" charset="0"/>
+            </a:endParaRPr>
+          </a:p>
+        </p:txBody>
+      </p:sp>
+      <p:sp>
+        <p:nvSpPr>
+          <p:cNvPr id="4" name="Segnaposto piè di pagina 3">
+            <a:extLst>
+              <a:ext uri="{FF2B5EF4-FFF2-40B4-BE49-F238E27FC236}">
+                <a16:creationId xmlns:a16="http://schemas.microsoft.com/office/drawing/2014/main" id="{5348DED2-5D64-4554-9E46-81E3E9E2C191}"/>
+              </a:ext>
+            </a:extLst>
+          </p:cNvPr>
+          <p:cNvSpPr>
+            <a:spLocks noGrp="1"/>
+          </p:cNvSpPr>
+          <p:nvPr>
+            <p:ph type="ftr" sz="quarter" idx="11"/>
+          </p:nvPr>
+        </p:nvSpPr>
+        <p:spPr/>
+        <p:txBody>
+          <a:bodyPr/>
+          <a:lstStyle/>
+          <a:p>
+            <a:pPr>
+              <a:defRPr/>
+            </a:pPr>
+            <a:r>
+              <a:rPr lang="it-IT"/>
+              <a:t>Alberto Ferrari – Programmazione di applicazioni SW</a:t>
+            </a:r>
+            <a:endParaRPr lang="it-IT" dirty="0"/>
+          </a:p>
+        </p:txBody>
+      </p:sp>
+      <p:sp>
+        <p:nvSpPr>
+          <p:cNvPr id="5" name="Rettangolo 4">
+            <a:extLst>
+              <a:ext uri="{FF2B5EF4-FFF2-40B4-BE49-F238E27FC236}">
+                <a16:creationId xmlns:a16="http://schemas.microsoft.com/office/drawing/2014/main" id="{BA57CDB7-4B85-4E59-A18B-487DC4B1004A}"/>
+              </a:ext>
+            </a:extLst>
+          </p:cNvPr>
+          <p:cNvSpPr/>
+          <p:nvPr/>
+        </p:nvSpPr>
+        <p:spPr>
+          <a:xfrm>
+            <a:off x="5087888" y="3140968"/>
+            <a:ext cx="6468255" cy="2677656"/>
+          </a:xfrm>
+          <a:prstGeom prst="rect">
+            <a:avLst/>
+          </a:prstGeom>
+          <a:solidFill>
+            <a:schemeClr val="accent3">
+              <a:lumMod val="95000"/>
+            </a:schemeClr>
+          </a:solidFill>
+          <a:ln>
+            <a:solidFill>
+              <a:schemeClr val="accent1"/>
+            </a:solidFill>
+          </a:ln>
+        </p:spPr>
+        <p:txBody>
+          <a:bodyPr wrap="square">
+            <a:spAutoFit/>
+          </a:bodyPr>
+          <a:lstStyle/>
+          <a:p>
+            <a:r>
+              <a:rPr lang="en-US" sz="1400" b="1" dirty="0" err="1">
+                <a:latin typeface="Courier New" panose="02070309020205020404" pitchFamily="49" charset="0"/>
+                <a:cs typeface="Courier New" panose="02070309020205020404" pitchFamily="49" charset="0"/>
+              </a:rPr>
+              <a:t>int</a:t>
+            </a:r>
+            <a:r>
+              <a:rPr lang="en-US" sz="1400" b="1" dirty="0">
+                <a:latin typeface="Courier New" panose="02070309020205020404" pitchFamily="49" charset="0"/>
+                <a:cs typeface="Courier New" panose="02070309020205020404" pitchFamily="49" charset="0"/>
+              </a:rPr>
+              <a:t> main() {</a:t>
+            </a:r>
+          </a:p>
+          <a:p>
+            <a:r>
+              <a:rPr lang="en-US" sz="1400" b="1" dirty="0">
+                <a:latin typeface="Courier New" panose="02070309020205020404" pitchFamily="49" charset="0"/>
+                <a:cs typeface="Courier New" panose="02070309020205020404" pitchFamily="49" charset="0"/>
+              </a:rPr>
+              <a:t>   </a:t>
+            </a:r>
+            <a:r>
+              <a:rPr lang="en-US" sz="1400" b="1" dirty="0" err="1">
+                <a:latin typeface="Courier New" panose="02070309020205020404" pitchFamily="49" charset="0"/>
+                <a:cs typeface="Courier New" panose="02070309020205020404" pitchFamily="49" charset="0"/>
+              </a:rPr>
+              <a:t>srand</a:t>
+            </a:r>
+            <a:r>
+              <a:rPr lang="en-US" sz="1400" b="1" dirty="0">
+                <a:latin typeface="Courier New" panose="02070309020205020404" pitchFamily="49" charset="0"/>
+                <a:cs typeface="Courier New" panose="02070309020205020404" pitchFamily="49" charset="0"/>
+              </a:rPr>
+              <a:t>(</a:t>
+            </a:r>
+            <a:r>
+              <a:rPr lang="en-US" sz="1400" b="1" dirty="0" err="1">
+                <a:latin typeface="Courier New" panose="02070309020205020404" pitchFamily="49" charset="0"/>
+                <a:cs typeface="Courier New" panose="02070309020205020404" pitchFamily="49" charset="0"/>
+              </a:rPr>
+              <a:t>std</a:t>
+            </a:r>
+            <a:r>
+              <a:rPr lang="en-US" sz="1400" b="1" dirty="0">
+                <a:latin typeface="Courier New" panose="02070309020205020404" pitchFamily="49" charset="0"/>
+                <a:cs typeface="Courier New" panose="02070309020205020404" pitchFamily="49" charset="0"/>
+              </a:rPr>
+              <a:t>::time(</a:t>
+            </a:r>
+            <a:r>
+              <a:rPr lang="en-US" sz="1400" b="1" dirty="0" err="1">
+                <a:latin typeface="Courier New" panose="02070309020205020404" pitchFamily="49" charset="0"/>
+                <a:cs typeface="Courier New" panose="02070309020205020404" pitchFamily="49" charset="0"/>
+              </a:rPr>
+              <a:t>nullptr</a:t>
+            </a:r>
+            <a:r>
+              <a:rPr lang="en-US" sz="1400" b="1" dirty="0">
+                <a:latin typeface="Courier New" panose="02070309020205020404" pitchFamily="49" charset="0"/>
+                <a:cs typeface="Courier New" panose="02070309020205020404" pitchFamily="49" charset="0"/>
+              </a:rPr>
+              <a:t>));</a:t>
+            </a:r>
+          </a:p>
+          <a:p>
+            <a:r>
+              <a:rPr lang="en-US" sz="1400" b="1" dirty="0">
+                <a:latin typeface="Courier New" panose="02070309020205020404" pitchFamily="49" charset="0"/>
+                <a:cs typeface="Courier New" panose="02070309020205020404" pitchFamily="49" charset="0"/>
+              </a:rPr>
+              <a:t>   double v[10];</a:t>
+            </a:r>
+          </a:p>
+          <a:p>
+            <a:r>
+              <a:rPr lang="en-US" sz="1400" b="1" dirty="0">
+                <a:latin typeface="Courier New" panose="02070309020205020404" pitchFamily="49" charset="0"/>
+                <a:cs typeface="Courier New" panose="02070309020205020404" pitchFamily="49" charset="0"/>
+              </a:rPr>
+              <a:t>   for(</a:t>
+            </a:r>
+            <a:r>
+              <a:rPr lang="en-US" sz="1400" b="1" dirty="0" err="1">
+                <a:latin typeface="Courier New" panose="02070309020205020404" pitchFamily="49" charset="0"/>
+                <a:cs typeface="Courier New" panose="02070309020205020404" pitchFamily="49" charset="0"/>
+              </a:rPr>
+              <a:t>int</a:t>
+            </a:r>
+            <a:r>
+              <a:rPr lang="en-US" sz="1400" b="1" dirty="0">
+                <a:latin typeface="Courier New" panose="02070309020205020404" pitchFamily="49" charset="0"/>
+                <a:cs typeface="Courier New" panose="02070309020205020404" pitchFamily="49" charset="0"/>
+              </a:rPr>
+              <a:t> </a:t>
+            </a:r>
+            <a:r>
+              <a:rPr lang="en-US" sz="1400" b="1" dirty="0" err="1">
+                <a:latin typeface="Courier New" panose="02070309020205020404" pitchFamily="49" charset="0"/>
+                <a:cs typeface="Courier New" panose="02070309020205020404" pitchFamily="49" charset="0"/>
+              </a:rPr>
+              <a:t>i</a:t>
+            </a:r>
+            <a:r>
+              <a:rPr lang="en-US" sz="1400" b="1" dirty="0">
+                <a:latin typeface="Courier New" panose="02070309020205020404" pitchFamily="49" charset="0"/>
+                <a:cs typeface="Courier New" panose="02070309020205020404" pitchFamily="49" charset="0"/>
+              </a:rPr>
+              <a:t>=0;i&lt;10;i++)</a:t>
+            </a:r>
+          </a:p>
+          <a:p>
+            <a:r>
+              <a:rPr lang="en-US" sz="1400" b="1" dirty="0">
+                <a:latin typeface="Courier New" panose="02070309020205020404" pitchFamily="49" charset="0"/>
+                <a:cs typeface="Courier New" panose="02070309020205020404" pitchFamily="49" charset="0"/>
+              </a:rPr>
+              <a:t>      v[</a:t>
+            </a:r>
+            <a:r>
+              <a:rPr lang="en-US" sz="1400" b="1" dirty="0" err="1">
+                <a:latin typeface="Courier New" panose="02070309020205020404" pitchFamily="49" charset="0"/>
+                <a:cs typeface="Courier New" panose="02070309020205020404" pitchFamily="49" charset="0"/>
+              </a:rPr>
+              <a:t>i</a:t>
+            </a:r>
+            <a:r>
+              <a:rPr lang="en-US" sz="1400" b="1" dirty="0">
+                <a:latin typeface="Courier New" panose="02070309020205020404" pitchFamily="49" charset="0"/>
+                <a:cs typeface="Courier New" panose="02070309020205020404" pitchFamily="49" charset="0"/>
+              </a:rPr>
+              <a:t>] = (rand() % 100 + 1) / 10.0;</a:t>
+            </a:r>
+          </a:p>
+          <a:p>
+            <a:r>
+              <a:rPr lang="en-US" sz="1400" b="1" dirty="0">
+                <a:latin typeface="Courier New" panose="02070309020205020404" pitchFamily="49" charset="0"/>
+                <a:cs typeface="Courier New" panose="02070309020205020404" pitchFamily="49" charset="0"/>
+              </a:rPr>
+              <a:t>   </a:t>
+            </a:r>
+            <a:r>
+              <a:rPr lang="en-US" sz="1400" b="1" dirty="0" err="1">
+                <a:latin typeface="Courier New" panose="02070309020205020404" pitchFamily="49" charset="0"/>
+                <a:cs typeface="Courier New" panose="02070309020205020404" pitchFamily="49" charset="0"/>
+              </a:rPr>
+              <a:t>cout</a:t>
+            </a:r>
+            <a:r>
+              <a:rPr lang="en-US" sz="1400" b="1" dirty="0">
+                <a:latin typeface="Courier New" panose="02070309020205020404" pitchFamily="49" charset="0"/>
+                <a:cs typeface="Courier New" panose="02070309020205020404" pitchFamily="49" charset="0"/>
+              </a:rPr>
+              <a:t> &lt;&lt; "</a:t>
+            </a:r>
+            <a:r>
+              <a:rPr lang="en-US" sz="1400" b="1" dirty="0" err="1">
+                <a:latin typeface="Courier New" panose="02070309020205020404" pitchFamily="49" charset="0"/>
+                <a:cs typeface="Courier New" panose="02070309020205020404" pitchFamily="49" charset="0"/>
+              </a:rPr>
+              <a:t>dimensione</a:t>
+            </a:r>
+            <a:r>
+              <a:rPr lang="en-US" sz="1400" b="1" dirty="0">
+                <a:latin typeface="Courier New" panose="02070309020205020404" pitchFamily="49" charset="0"/>
+                <a:cs typeface="Courier New" panose="02070309020205020404" pitchFamily="49" charset="0"/>
+              </a:rPr>
+              <a:t> array v " &lt;&lt; </a:t>
+            </a:r>
+            <a:r>
+              <a:rPr lang="en-US" sz="1400" b="1" dirty="0" err="1">
+                <a:latin typeface="Courier New" panose="02070309020205020404" pitchFamily="49" charset="0"/>
+                <a:cs typeface="Courier New" panose="02070309020205020404" pitchFamily="49" charset="0"/>
+              </a:rPr>
+              <a:t>sizeof</a:t>
+            </a:r>
+            <a:r>
+              <a:rPr lang="en-US" sz="1400" b="1" dirty="0">
+                <a:latin typeface="Courier New" panose="02070309020205020404" pitchFamily="49" charset="0"/>
+                <a:cs typeface="Courier New" panose="02070309020205020404" pitchFamily="49" charset="0"/>
+              </a:rPr>
+              <a:t> v </a:t>
+            </a:r>
+          </a:p>
+          <a:p>
+            <a:r>
+              <a:rPr lang="en-US" sz="1400" b="1" dirty="0">
+                <a:latin typeface="Courier New" panose="02070309020205020404" pitchFamily="49" charset="0"/>
+                <a:cs typeface="Courier New" panose="02070309020205020404" pitchFamily="49" charset="0"/>
+              </a:rPr>
+              <a:t>        &lt;&lt; " bytes " &lt;&lt; </a:t>
+            </a:r>
+            <a:r>
+              <a:rPr lang="en-US" sz="1400" b="1" dirty="0" err="1">
+                <a:latin typeface="Courier New" panose="02070309020205020404" pitchFamily="49" charset="0"/>
+                <a:cs typeface="Courier New" panose="02070309020205020404" pitchFamily="49" charset="0"/>
+              </a:rPr>
+              <a:t>endl</a:t>
+            </a:r>
+            <a:r>
+              <a:rPr lang="en-US" sz="1400" b="1" dirty="0">
+                <a:latin typeface="Courier New" panose="02070309020205020404" pitchFamily="49" charset="0"/>
+                <a:cs typeface="Courier New" panose="02070309020205020404" pitchFamily="49" charset="0"/>
+              </a:rPr>
+              <a:t>;</a:t>
+            </a:r>
+          </a:p>
+          <a:p>
+            <a:r>
+              <a:rPr lang="en-US" sz="1400" b="1" dirty="0">
+                <a:latin typeface="Courier New" panose="02070309020205020404" pitchFamily="49" charset="0"/>
+                <a:cs typeface="Courier New" panose="02070309020205020404" pitchFamily="49" charset="0"/>
+              </a:rPr>
+              <a:t>   </a:t>
+            </a:r>
+            <a:r>
+              <a:rPr lang="en-US" sz="1400" b="1" dirty="0" err="1">
+                <a:latin typeface="Courier New" panose="02070309020205020404" pitchFamily="49" charset="0"/>
+                <a:cs typeface="Courier New" panose="02070309020205020404" pitchFamily="49" charset="0"/>
+              </a:rPr>
+              <a:t>visualizza</a:t>
+            </a:r>
+            <a:r>
+              <a:rPr lang="en-US" sz="1400" b="1" dirty="0">
+                <a:latin typeface="Courier New" panose="02070309020205020404" pitchFamily="49" charset="0"/>
+                <a:cs typeface="Courier New" panose="02070309020205020404" pitchFamily="49" charset="0"/>
+              </a:rPr>
+              <a:t>(v,10);	</a:t>
+            </a:r>
+          </a:p>
+          <a:p>
+            <a:r>
+              <a:rPr lang="en-US" sz="1400" b="1" dirty="0">
+                <a:latin typeface="Courier New" panose="02070309020205020404" pitchFamily="49" charset="0"/>
+                <a:cs typeface="Courier New" panose="02070309020205020404" pitchFamily="49" charset="0"/>
+              </a:rPr>
+              <a:t>   </a:t>
+            </a:r>
+            <a:r>
+              <a:rPr lang="en-US" sz="1400" b="1" dirty="0" err="1">
+                <a:latin typeface="Courier New" panose="02070309020205020404" pitchFamily="49" charset="0"/>
+                <a:cs typeface="Courier New" panose="02070309020205020404" pitchFamily="49" charset="0"/>
+              </a:rPr>
+              <a:t>dimezza</a:t>
+            </a:r>
+            <a:r>
+              <a:rPr lang="en-US" sz="1400" b="1" dirty="0">
+                <a:latin typeface="Courier New" panose="02070309020205020404" pitchFamily="49" charset="0"/>
+                <a:cs typeface="Courier New" panose="02070309020205020404" pitchFamily="49" charset="0"/>
+              </a:rPr>
+              <a:t>(v,10);</a:t>
+            </a:r>
+          </a:p>
+          <a:p>
+            <a:r>
+              <a:rPr lang="en-US" sz="1400" b="1" dirty="0">
+                <a:latin typeface="Courier New" panose="02070309020205020404" pitchFamily="49" charset="0"/>
+                <a:cs typeface="Courier New" panose="02070309020205020404" pitchFamily="49" charset="0"/>
+              </a:rPr>
+              <a:t>   </a:t>
+            </a:r>
+            <a:r>
+              <a:rPr lang="en-US" sz="1400" b="1" dirty="0" err="1">
+                <a:latin typeface="Courier New" panose="02070309020205020404" pitchFamily="49" charset="0"/>
+                <a:cs typeface="Courier New" panose="02070309020205020404" pitchFamily="49" charset="0"/>
+              </a:rPr>
+              <a:t>visualizza</a:t>
+            </a:r>
+            <a:r>
+              <a:rPr lang="en-US" sz="1400" b="1" dirty="0">
+                <a:latin typeface="Courier New" panose="02070309020205020404" pitchFamily="49" charset="0"/>
+                <a:cs typeface="Courier New" panose="02070309020205020404" pitchFamily="49" charset="0"/>
+              </a:rPr>
+              <a:t>(v,10);</a:t>
+            </a:r>
+          </a:p>
+          <a:p>
+            <a:r>
+              <a:rPr lang="en-US" sz="1400" b="1" dirty="0">
+                <a:latin typeface="Courier New" panose="02070309020205020404" pitchFamily="49" charset="0"/>
+                <a:cs typeface="Courier New" panose="02070309020205020404" pitchFamily="49" charset="0"/>
+              </a:rPr>
+              <a:t>   </a:t>
+            </a:r>
+            <a:r>
+              <a:rPr lang="en-US" sz="1400" b="1" dirty="0" err="1">
+                <a:latin typeface="Courier New" panose="02070309020205020404" pitchFamily="49" charset="0"/>
+                <a:cs typeface="Courier New" panose="02070309020205020404" pitchFamily="49" charset="0"/>
+              </a:rPr>
+              <a:t>cout</a:t>
+            </a:r>
+            <a:r>
+              <a:rPr lang="en-US" sz="1400" b="1" dirty="0">
+                <a:latin typeface="Courier New" panose="02070309020205020404" pitchFamily="49" charset="0"/>
+                <a:cs typeface="Courier New" panose="02070309020205020404" pitchFamily="49" charset="0"/>
+              </a:rPr>
+              <a:t> &lt;&lt; "</a:t>
+            </a:r>
+            <a:r>
+              <a:rPr lang="en-US" sz="1400" b="1" dirty="0" err="1">
+                <a:latin typeface="Courier New" panose="02070309020205020404" pitchFamily="49" charset="0"/>
+                <a:cs typeface="Courier New" panose="02070309020205020404" pitchFamily="49" charset="0"/>
+              </a:rPr>
+              <a:t>valore</a:t>
+            </a:r>
+            <a:r>
+              <a:rPr lang="en-US" sz="1400" b="1" dirty="0">
+                <a:latin typeface="Courier New" panose="02070309020205020404" pitchFamily="49" charset="0"/>
+                <a:cs typeface="Courier New" panose="02070309020205020404" pitchFamily="49" charset="0"/>
+              </a:rPr>
+              <a:t> </a:t>
+            </a:r>
+            <a:r>
+              <a:rPr lang="en-US" sz="1400" b="1" dirty="0" err="1">
+                <a:latin typeface="Courier New" panose="02070309020205020404" pitchFamily="49" charset="0"/>
+                <a:cs typeface="Courier New" panose="02070309020205020404" pitchFamily="49" charset="0"/>
+              </a:rPr>
+              <a:t>massimo</a:t>
+            </a:r>
+            <a:r>
+              <a:rPr lang="en-US" sz="1400" b="1" dirty="0">
+                <a:latin typeface="Courier New" panose="02070309020205020404" pitchFamily="49" charset="0"/>
+                <a:cs typeface="Courier New" panose="02070309020205020404" pitchFamily="49" charset="0"/>
+              </a:rPr>
+              <a:t> " &lt;&lt; max(v,10) &lt;&lt; </a:t>
+            </a:r>
+            <a:r>
+              <a:rPr lang="en-US" sz="1400" b="1" dirty="0" err="1">
+                <a:latin typeface="Courier New" panose="02070309020205020404" pitchFamily="49" charset="0"/>
+                <a:cs typeface="Courier New" panose="02070309020205020404" pitchFamily="49" charset="0"/>
+              </a:rPr>
+              <a:t>endl</a:t>
+            </a:r>
+            <a:r>
+              <a:rPr lang="en-US" sz="1400" b="1" dirty="0">
+                <a:latin typeface="Courier New" panose="02070309020205020404" pitchFamily="49" charset="0"/>
+                <a:cs typeface="Courier New" panose="02070309020205020404" pitchFamily="49" charset="0"/>
+              </a:rPr>
+              <a:t>;</a:t>
+            </a:r>
+          </a:p>
+          <a:p>
+            <a:r>
+              <a:rPr lang="en-US" sz="1400" b="1" dirty="0">
+                <a:latin typeface="Courier New" panose="02070309020205020404" pitchFamily="49" charset="0"/>
+                <a:cs typeface="Courier New" panose="02070309020205020404" pitchFamily="49" charset="0"/>
+              </a:rPr>
+              <a:t>}</a:t>
+            </a:r>
+            <a:endParaRPr lang="it-IT" sz="1400" b="1" dirty="0">
+              <a:latin typeface="Courier New" panose="02070309020205020404" pitchFamily="49" charset="0"/>
+              <a:cs typeface="Courier New" panose="02070309020205020404" pitchFamily="49" charset="0"/>
+            </a:endParaRPr>
+          </a:p>
+        </p:txBody>
+      </p:sp>
+    </p:spTree>
+    <p:extLst>
+      <p:ext uri="{BB962C8B-B14F-4D97-AF65-F5344CB8AC3E}">
+        <p14:creationId xmlns:p14="http://schemas.microsoft.com/office/powerpoint/2010/main" val="1590761584"/>
+      </p:ext>
+    </p:extLst>
+  </p:cSld>
+  <p:clrMapOvr>
+    <a:masterClrMapping/>
+  </p:clrMapOvr>
+</p:sld>
+</file>
+
+<file path=ppt/slides/slide14.xml><?xml version="1.0" encoding="utf-8"?>
+<p:sld xmlns:a="http://schemas.openxmlformats.org/drawingml/2006/main" xmlns:r="http://schemas.openxmlformats.org/officeDocument/2006/relationships" xmlns:p="http://schemas.openxmlformats.org/presentationml/2006/main">
+  <p:cSld>
+    <p:spTree>
+      <p:nvGrpSpPr>
+        <p:cNvPr id="1" name=""/>
+        <p:cNvGrpSpPr/>
+        <p:nvPr/>
+      </p:nvGrpSpPr>
+      <p:grpSpPr>
+        <a:xfrm>
+          <a:off x="0" y="0"/>
+          <a:ext cx="0" cy="0"/>
+          <a:chOff x="0" y="0"/>
+          <a:chExt cx="0" cy="0"/>
+        </a:xfrm>
+      </p:grpSpPr>
+      <p:sp>
+        <p:nvSpPr>
+          <p:cNvPr id="9" name="Titolo 8">
+            <a:extLst>
+              <a:ext uri="{FF2B5EF4-FFF2-40B4-BE49-F238E27FC236}">
+                <a16:creationId xmlns:a16="http://schemas.microsoft.com/office/drawing/2014/main" id="{D2501BCF-2AFD-437E-A363-7CCF9D40D816}"/>
+              </a:ext>
+            </a:extLst>
+          </p:cNvPr>
+          <p:cNvSpPr>
+            <a:spLocks noGrp="1"/>
+          </p:cNvSpPr>
+          <p:nvPr>
+            <p:ph type="title"/>
+          </p:nvPr>
+        </p:nvSpPr>
+        <p:spPr/>
+        <p:txBody>
+          <a:bodyPr/>
+          <a:lstStyle/>
+          <a:p>
+            <a:r>
+              <a:rPr lang="it-IT" dirty="0"/>
+              <a:t>array multidimensionali</a:t>
+            </a:r>
+          </a:p>
+        </p:txBody>
+      </p:sp>
+      <p:sp>
+        <p:nvSpPr>
+          <p:cNvPr id="4" name="Segnaposto piè di pagina 3">
+            <a:extLst>
+              <a:ext uri="{FF2B5EF4-FFF2-40B4-BE49-F238E27FC236}">
+                <a16:creationId xmlns:a16="http://schemas.microsoft.com/office/drawing/2014/main" id="{1FC715D3-99A2-439D-B11B-1691BD5A6A2E}"/>
+              </a:ext>
+            </a:extLst>
+          </p:cNvPr>
+          <p:cNvSpPr>
+            <a:spLocks noGrp="1"/>
+          </p:cNvSpPr>
+          <p:nvPr>
+            <p:ph type="ftr" sz="quarter" idx="11"/>
+          </p:nvPr>
+        </p:nvSpPr>
+        <p:spPr/>
+        <p:txBody>
+          <a:bodyPr/>
+          <a:lstStyle/>
+          <a:p>
+            <a:pPr>
+              <a:defRPr/>
+            </a:pPr>
+            <a:r>
+              <a:rPr lang="it-IT"/>
+              <a:t>Alberto Ferrari – Programmazione di applicazioni SW</a:t>
+            </a:r>
+            <a:endParaRPr lang="it-IT" dirty="0"/>
+          </a:p>
+        </p:txBody>
+      </p:sp>
+      <p:pic>
+        <p:nvPicPr>
+          <p:cNvPr id="11" name="Segnaposto contenuto 10">
+            <a:extLst>
+              <a:ext uri="{FF2B5EF4-FFF2-40B4-BE49-F238E27FC236}">
+                <a16:creationId xmlns:a16="http://schemas.microsoft.com/office/drawing/2014/main" id="{7041553E-F1DC-4A30-8E6F-D583AF3A73BF}"/>
+              </a:ext>
+            </a:extLst>
+          </p:cNvPr>
+          <p:cNvPicPr>
+            <a:picLocks noGrp="1" noChangeAspect="1"/>
+          </p:cNvPicPr>
+          <p:nvPr>
+            <p:ph idx="1"/>
+          </p:nvPr>
+        </p:nvPicPr>
+        <p:blipFill>
+          <a:blip r:embed="rId2"/>
+          <a:stretch>
+            <a:fillRect/>
+          </a:stretch>
+        </p:blipFill>
+        <p:spPr>
+          <a:xfrm>
+            <a:off x="2909610" y="2104673"/>
+            <a:ext cx="6401355" cy="2999492"/>
+          </a:xfrm>
+          <a:prstGeom prst="rect">
+            <a:avLst/>
+          </a:prstGeom>
+        </p:spPr>
+      </p:pic>
+    </p:spTree>
+    <p:extLst>
+      <p:ext uri="{BB962C8B-B14F-4D97-AF65-F5344CB8AC3E}">
+        <p14:creationId xmlns:p14="http://schemas.microsoft.com/office/powerpoint/2010/main" val="79324184"/>
+      </p:ext>
+    </p:extLst>
+  </p:cSld>
+  <p:clrMapOvr>
+    <a:masterClrMapping/>
+  </p:clrMapOvr>
+</p:sld>
+</file>
+
+<file path=ppt/slides/slide15.xml><?xml version="1.0" encoding="utf-8"?>
+<p:sld xmlns:a="http://schemas.openxmlformats.org/drawingml/2006/main" xmlns:r="http://schemas.openxmlformats.org/officeDocument/2006/relationships" xmlns:p="http://schemas.openxmlformats.org/presentationml/2006/main">
+  <p:cSld>
+    <p:spTree>
+      <p:nvGrpSpPr>
+        <p:cNvPr id="1" name=""/>
+        <p:cNvGrpSpPr/>
+        <p:nvPr/>
+      </p:nvGrpSpPr>
+      <p:grpSpPr>
+        <a:xfrm>
+          <a:off x="0" y="0"/>
+          <a:ext cx="0" cy="0"/>
+          <a:chOff x="0" y="0"/>
+          <a:chExt cx="0" cy="0"/>
+        </a:xfrm>
+      </p:grpSpPr>
+      <p:sp>
+        <p:nvSpPr>
+          <p:cNvPr id="2" name="Titolo 1">
+            <a:extLst>
+              <a:ext uri="{FF2B5EF4-FFF2-40B4-BE49-F238E27FC236}">
                 <a16:creationId xmlns:a16="http://schemas.microsoft.com/office/drawing/2014/main" id="{68A0E415-1059-40D3-8E26-B70C977FD1A8}"/>
               </a:ext>
             </a:extLst>
@@ -6487,7 +8168,7 @@
 </p:sld>
 </file>
 
-<file path=ppt/slides/slide13.xml><?xml version="1.0" encoding="utf-8"?>
+<file path=ppt/slides/slide16.xml><?xml version="1.0" encoding="utf-8"?>
 <p:sld xmlns:a="http://schemas.openxmlformats.org/drawingml/2006/main" xmlns:r="http://schemas.openxmlformats.org/officeDocument/2006/relationships" xmlns:p="http://schemas.openxmlformats.org/presentationml/2006/main">
   <p:cSld>
     <p:spTree>
@@ -6719,7 +8400,176 @@
 </p:sld>
 </file>
 
-<file path=ppt/slides/slide14.xml><?xml version="1.0" encoding="utf-8"?>
+<file path=ppt/slides/slide17.xml><?xml version="1.0" encoding="utf-8"?>
+<p:sld xmlns:a="http://schemas.openxmlformats.org/drawingml/2006/main" xmlns:r="http://schemas.openxmlformats.org/officeDocument/2006/relationships" xmlns:p="http://schemas.openxmlformats.org/presentationml/2006/main">
+  <p:cSld>
+    <p:spTree>
+      <p:nvGrpSpPr>
+        <p:cNvPr id="1" name=""/>
+        <p:cNvGrpSpPr/>
+        <p:nvPr/>
+      </p:nvGrpSpPr>
+      <p:grpSpPr>
+        <a:xfrm>
+          <a:off x="0" y="0"/>
+          <a:ext cx="0" cy="0"/>
+          <a:chOff x="0" y="0"/>
+          <a:chExt cx="0" cy="0"/>
+        </a:xfrm>
+      </p:grpSpPr>
+      <p:sp>
+        <p:nvSpPr>
+          <p:cNvPr id="2" name="Titolo 1">
+            <a:extLst>
+              <a:ext uri="{FF2B5EF4-FFF2-40B4-BE49-F238E27FC236}">
+                <a16:creationId xmlns:a16="http://schemas.microsoft.com/office/drawing/2014/main" id="{82D303B8-8993-4281-B5CE-F42004E37BA9}"/>
+              </a:ext>
+            </a:extLst>
+          </p:cNvPr>
+          <p:cNvSpPr>
+            <a:spLocks noGrp="1"/>
+          </p:cNvSpPr>
+          <p:nvPr>
+            <p:ph type="title"/>
+          </p:nvPr>
+        </p:nvSpPr>
+        <p:spPr/>
+        <p:txBody>
+          <a:bodyPr/>
+          <a:lstStyle/>
+          <a:p>
+            <a:r>
+              <a:rPr lang="it-IT" dirty="0"/>
+              <a:t>matrici in memoria</a:t>
+            </a:r>
+          </a:p>
+        </p:txBody>
+      </p:sp>
+      <p:sp>
+        <p:nvSpPr>
+          <p:cNvPr id="3" name="Segnaposto contenuto 2">
+            <a:extLst>
+              <a:ext uri="{FF2B5EF4-FFF2-40B4-BE49-F238E27FC236}">
+                <a16:creationId xmlns:a16="http://schemas.microsoft.com/office/drawing/2014/main" id="{ED178C77-B2C6-4FA1-9F1F-07AB4B5992A3}"/>
+              </a:ext>
+            </a:extLst>
+          </p:cNvPr>
+          <p:cNvSpPr>
+            <a:spLocks noGrp="1"/>
+          </p:cNvSpPr>
+          <p:nvPr>
+            <p:ph idx="1"/>
+          </p:nvPr>
+        </p:nvSpPr>
+        <p:spPr/>
+        <p:txBody>
+          <a:bodyPr/>
+          <a:lstStyle/>
+          <a:p>
+            <a:r>
+              <a:rPr lang="it-IT" sz="2000" dirty="0"/>
+              <a:t>gli elementi vengono memorizzati </a:t>
+            </a:r>
+            <a:r>
+              <a:rPr lang="it-IT" sz="2000" b="1" i="1" dirty="0"/>
+              <a:t>per righe </a:t>
+            </a:r>
+            <a:r>
+              <a:rPr lang="it-IT" sz="2000" dirty="0"/>
+              <a:t>in indirizzi contigui di memoria</a:t>
+            </a:r>
+          </a:p>
+          <a:p>
+            <a:endParaRPr lang="it-IT" sz="2000" dirty="0"/>
+          </a:p>
+        </p:txBody>
+      </p:sp>
+      <p:sp>
+        <p:nvSpPr>
+          <p:cNvPr id="4" name="Segnaposto piè di pagina 3">
+            <a:extLst>
+              <a:ext uri="{FF2B5EF4-FFF2-40B4-BE49-F238E27FC236}">
+                <a16:creationId xmlns:a16="http://schemas.microsoft.com/office/drawing/2014/main" id="{840FB2F1-7AAD-497A-8D26-42DFE2398527}"/>
+              </a:ext>
+            </a:extLst>
+          </p:cNvPr>
+          <p:cNvSpPr>
+            <a:spLocks noGrp="1"/>
+          </p:cNvSpPr>
+          <p:nvPr>
+            <p:ph type="ftr" sz="quarter" idx="11"/>
+          </p:nvPr>
+        </p:nvSpPr>
+        <p:spPr/>
+        <p:txBody>
+          <a:bodyPr/>
+          <a:lstStyle/>
+          <a:p>
+            <a:pPr>
+              <a:defRPr/>
+            </a:pPr>
+            <a:r>
+              <a:rPr lang="it-IT"/>
+              <a:t>Alberto Ferrari – Programmazione di applicazioni SW</a:t>
+            </a:r>
+            <a:endParaRPr lang="it-IT" dirty="0"/>
+          </a:p>
+        </p:txBody>
+      </p:sp>
+      <p:pic>
+        <p:nvPicPr>
+          <p:cNvPr id="5" name="Immagine 4">
+            <a:extLst>
+              <a:ext uri="{FF2B5EF4-FFF2-40B4-BE49-F238E27FC236}">
+                <a16:creationId xmlns:a16="http://schemas.microsoft.com/office/drawing/2014/main" id="{6838BC5B-F7CB-49A6-977B-43F79C5D2BAB}"/>
+              </a:ext>
+            </a:extLst>
+          </p:cNvPr>
+          <p:cNvPicPr>
+            <a:picLocks noChangeAspect="1"/>
+          </p:cNvPicPr>
+          <p:nvPr/>
+        </p:nvPicPr>
+        <p:blipFill>
+          <a:blip r:embed="rId2"/>
+          <a:stretch>
+            <a:fillRect/>
+          </a:stretch>
+        </p:blipFill>
+        <p:spPr>
+          <a:xfrm>
+            <a:off x="2776440" y="2060848"/>
+            <a:ext cx="6639119" cy="3609145"/>
+          </a:xfrm>
+          <a:prstGeom prst="rect">
+            <a:avLst/>
+          </a:prstGeom>
+          <a:ln>
+            <a:noFill/>
+          </a:ln>
+          <a:effectLst>
+            <a:outerShdw blurRad="292100" dist="139700" dir="2700000" algn="tl" rotWithShape="0">
+              <a:srgbClr val="333333">
+                <a:alpha val="65000"/>
+              </a:srgbClr>
+            </a:outerShdw>
+          </a:effectLst>
+        </p:spPr>
+      </p:pic>
+    </p:spTree>
+    <p:extLst>
+      <p:ext uri="{BB962C8B-B14F-4D97-AF65-F5344CB8AC3E}">
+        <p14:creationId xmlns:p14="http://schemas.microsoft.com/office/powerpoint/2010/main" val="3325832633"/>
+      </p:ext>
+    </p:extLst>
+  </p:cSld>
+  <p:clrMapOvr>
+    <a:masterClrMapping/>
+  </p:clrMapOvr>
+</p:sld>
+</file>
+
+<file path=ppt/slides/slide18.xml><?xml version="1.0" encoding="utf-8"?>
 <p:sld xmlns:a="http://schemas.openxmlformats.org/drawingml/2006/main" xmlns:r="http://schemas.openxmlformats.org/officeDocument/2006/relationships" xmlns:p="http://schemas.openxmlformats.org/presentationml/2006/main">
   <p:cSld>
     <p:spTree>
@@ -7357,322 +9207,7 @@
 </p:sld>
 </file>
 
-<file path=ppt/slides/slide15.xml><?xml version="1.0" encoding="utf-8"?>
-<p:sld xmlns:a="http://schemas.openxmlformats.org/drawingml/2006/main" xmlns:r="http://schemas.openxmlformats.org/officeDocument/2006/relationships" xmlns:p="http://schemas.openxmlformats.org/presentationml/2006/main">
-  <p:cSld>
-    <p:spTree>
-      <p:nvGrpSpPr>
-        <p:cNvPr id="1" name=""/>
-        <p:cNvGrpSpPr/>
-        <p:nvPr/>
-      </p:nvGrpSpPr>
-      <p:grpSpPr>
-        <a:xfrm>
-          <a:off x="0" y="0"/>
-          <a:ext cx="0" cy="0"/>
-          <a:chOff x="0" y="0"/>
-          <a:chExt cx="0" cy="0"/>
-        </a:xfrm>
-      </p:grpSpPr>
-      <p:sp>
-        <p:nvSpPr>
-          <p:cNvPr id="5" name="Titolo 4">
-            <a:extLst>
-              <a:ext uri="{FF2B5EF4-FFF2-40B4-BE49-F238E27FC236}">
-                <a16:creationId xmlns:a16="http://schemas.microsoft.com/office/drawing/2014/main" id="{831F2D55-AF0D-4EA3-BD2E-107B657F985C}"/>
-              </a:ext>
-            </a:extLst>
-          </p:cNvPr>
-          <p:cNvSpPr>
-            <a:spLocks noGrp="1"/>
-          </p:cNvSpPr>
-          <p:nvPr>
-            <p:ph type="title"/>
-          </p:nvPr>
-        </p:nvSpPr>
-        <p:spPr/>
-        <p:txBody>
-          <a:bodyPr/>
-          <a:lstStyle/>
-          <a:p>
-            <a:r>
-              <a:rPr lang="it-IT" dirty="0" err="1"/>
-              <a:t>string</a:t>
-            </a:r>
-            <a:endParaRPr lang="it-IT" dirty="0"/>
-          </a:p>
-        </p:txBody>
-      </p:sp>
-      <p:sp>
-        <p:nvSpPr>
-          <p:cNvPr id="6" name="Segnaposto testo 5">
-            <a:extLst>
-              <a:ext uri="{FF2B5EF4-FFF2-40B4-BE49-F238E27FC236}">
-                <a16:creationId xmlns:a16="http://schemas.microsoft.com/office/drawing/2014/main" id="{333EB6C8-2F0F-4F6F-AD5E-646BF6E01BB4}"/>
-              </a:ext>
-            </a:extLst>
-          </p:cNvPr>
-          <p:cNvSpPr>
-            <a:spLocks noGrp="1"/>
-          </p:cNvSpPr>
-          <p:nvPr>
-            <p:ph type="body" idx="1"/>
-          </p:nvPr>
-        </p:nvSpPr>
-        <p:spPr/>
-        <p:txBody>
-          <a:bodyPr/>
-          <a:lstStyle/>
-          <a:p>
-            <a:r>
-              <a:rPr lang="it-IT" dirty="0"/>
-              <a:t>la classe</a:t>
-            </a:r>
-          </a:p>
-        </p:txBody>
-      </p:sp>
-      <p:sp>
-        <p:nvSpPr>
-          <p:cNvPr id="4" name="Segnaposto piè di pagina 3">
-            <a:extLst>
-              <a:ext uri="{FF2B5EF4-FFF2-40B4-BE49-F238E27FC236}">
-                <a16:creationId xmlns:a16="http://schemas.microsoft.com/office/drawing/2014/main" id="{BD83B713-A307-4760-B7D3-C11C6B2F52F4}"/>
-              </a:ext>
-            </a:extLst>
-          </p:cNvPr>
-          <p:cNvSpPr>
-            <a:spLocks noGrp="1"/>
-          </p:cNvSpPr>
-          <p:nvPr>
-            <p:ph type="ftr" sz="quarter" idx="11"/>
-          </p:nvPr>
-        </p:nvSpPr>
-        <p:spPr/>
-        <p:txBody>
-          <a:bodyPr/>
-          <a:lstStyle/>
-          <a:p>
-            <a:pPr>
-              <a:defRPr/>
-            </a:pPr>
-            <a:r>
-              <a:rPr lang="it-IT"/>
-              <a:t>Alberto Ferrari – Programmazione di applicazioni SW</a:t>
-            </a:r>
-            <a:endParaRPr lang="it-IT" dirty="0"/>
-          </a:p>
-        </p:txBody>
-      </p:sp>
-    </p:spTree>
-    <p:extLst>
-      <p:ext uri="{BB962C8B-B14F-4D97-AF65-F5344CB8AC3E}">
-        <p14:creationId xmlns:p14="http://schemas.microsoft.com/office/powerpoint/2010/main" val="2901499911"/>
-      </p:ext>
-    </p:extLst>
-  </p:cSld>
-  <p:clrMapOvr>
-    <a:masterClrMapping/>
-  </p:clrMapOvr>
-</p:sld>
-</file>
-
-<file path=ppt/slides/slide16.xml><?xml version="1.0" encoding="utf-8"?>
-<p:sld xmlns:a="http://schemas.openxmlformats.org/drawingml/2006/main" xmlns:r="http://schemas.openxmlformats.org/officeDocument/2006/relationships" xmlns:p="http://schemas.openxmlformats.org/presentationml/2006/main">
-  <p:cSld>
-    <p:spTree>
-      <p:nvGrpSpPr>
-        <p:cNvPr id="1" name=""/>
-        <p:cNvGrpSpPr/>
-        <p:nvPr/>
-      </p:nvGrpSpPr>
-      <p:grpSpPr>
-        <a:xfrm>
-          <a:off x="0" y="0"/>
-          <a:ext cx="0" cy="0"/>
-          <a:chOff x="0" y="0"/>
-          <a:chExt cx="0" cy="0"/>
-        </a:xfrm>
-      </p:grpSpPr>
-      <p:sp>
-        <p:nvSpPr>
-          <p:cNvPr id="5" name="Titolo 4">
-            <a:extLst>
-              <a:ext uri="{FF2B5EF4-FFF2-40B4-BE49-F238E27FC236}">
-                <a16:creationId xmlns:a16="http://schemas.microsoft.com/office/drawing/2014/main" id="{526A28B0-6E2B-4CAA-8D75-A395D88AF303}"/>
-              </a:ext>
-            </a:extLst>
-          </p:cNvPr>
-          <p:cNvSpPr>
-            <a:spLocks noGrp="1"/>
-          </p:cNvSpPr>
-          <p:nvPr>
-            <p:ph type="title"/>
-          </p:nvPr>
-        </p:nvSpPr>
-        <p:spPr/>
-        <p:txBody>
-          <a:bodyPr/>
-          <a:lstStyle/>
-          <a:p>
-            <a:r>
-              <a:rPr lang="it-IT" dirty="0" err="1"/>
-              <a:t>string</a:t>
-            </a:r>
-            <a:endParaRPr lang="it-IT" dirty="0"/>
-          </a:p>
-        </p:txBody>
-      </p:sp>
-      <p:sp>
-        <p:nvSpPr>
-          <p:cNvPr id="6" name="Segnaposto contenuto 5">
-            <a:extLst>
-              <a:ext uri="{FF2B5EF4-FFF2-40B4-BE49-F238E27FC236}">
-                <a16:creationId xmlns:a16="http://schemas.microsoft.com/office/drawing/2014/main" id="{FFB4074B-B42D-4819-9B0D-4887741C243B}"/>
-              </a:ext>
-            </a:extLst>
-          </p:cNvPr>
-          <p:cNvSpPr>
-            <a:spLocks noGrp="1"/>
-          </p:cNvSpPr>
-          <p:nvPr>
-            <p:ph idx="1"/>
-          </p:nvPr>
-        </p:nvSpPr>
-        <p:spPr/>
-        <p:txBody>
-          <a:bodyPr/>
-          <a:lstStyle/>
-          <a:p>
-            <a:r>
-              <a:rPr lang="it-IT" dirty="0"/>
-              <a:t>una stringa è una sequenza di 0 o più caratteri racchiusi fra doppi apici</a:t>
-            </a:r>
-          </a:p>
-          <a:p>
-            <a:pPr lvl="1"/>
-            <a:r>
-              <a:rPr lang="it-IT" b="1" dirty="0" err="1">
-                <a:latin typeface="Courier New" panose="02070309020205020404" pitchFamily="49" charset="0"/>
-                <a:cs typeface="Courier New" panose="02070309020205020404" pitchFamily="49" charset="0"/>
-              </a:rPr>
-              <a:t>string</a:t>
-            </a:r>
-            <a:r>
-              <a:rPr lang="it-IT" b="1" dirty="0">
-                <a:latin typeface="Courier New" panose="02070309020205020404" pitchFamily="49" charset="0"/>
-                <a:cs typeface="Courier New" panose="02070309020205020404" pitchFamily="49" charset="0"/>
-              </a:rPr>
-              <a:t> corso = "programmazione di applicazioni software";</a:t>
-            </a:r>
-          </a:p>
-          <a:p>
-            <a:r>
-              <a:rPr lang="it-IT" dirty="0"/>
-              <a:t>la classe </a:t>
-            </a:r>
-            <a:r>
-              <a:rPr lang="it-IT" dirty="0" err="1"/>
-              <a:t>string</a:t>
-            </a:r>
-            <a:r>
-              <a:rPr lang="it-IT" dirty="0"/>
-              <a:t> non fa parte del linguaggio C++ ma è inclusa nella libreria standard</a:t>
-            </a:r>
-          </a:p>
-          <a:p>
-            <a:r>
-              <a:rPr lang="it-IT" dirty="0"/>
-              <a:t>per utilizzare oggetti della classe </a:t>
-            </a:r>
-            <a:r>
-              <a:rPr lang="it-IT" dirty="0" err="1"/>
-              <a:t>string</a:t>
-            </a:r>
-            <a:r>
-              <a:rPr lang="it-IT" dirty="0"/>
-              <a:t> (variabili di tipo </a:t>
-            </a:r>
-            <a:r>
-              <a:rPr lang="it-IT" dirty="0" err="1"/>
-              <a:t>string</a:t>
-            </a:r>
-            <a:r>
-              <a:rPr lang="it-IT" dirty="0"/>
-              <a:t>) è necessario includere la libreria</a:t>
-            </a:r>
-          </a:p>
-          <a:p>
-            <a:pPr lvl="1"/>
-            <a:r>
-              <a:rPr lang="it-IT" b="1" dirty="0">
-                <a:latin typeface="Courier New" panose="02070309020205020404" pitchFamily="49" charset="0"/>
-                <a:cs typeface="Courier New" panose="02070309020205020404" pitchFamily="49" charset="0"/>
-              </a:rPr>
-              <a:t>#include &lt;</a:t>
-            </a:r>
-            <a:r>
-              <a:rPr lang="it-IT" b="1" dirty="0" err="1">
-                <a:latin typeface="Courier New" panose="02070309020205020404" pitchFamily="49" charset="0"/>
-                <a:cs typeface="Courier New" panose="02070309020205020404" pitchFamily="49" charset="0"/>
-              </a:rPr>
-              <a:t>string</a:t>
-            </a:r>
-            <a:r>
-              <a:rPr lang="it-IT" b="1" dirty="0">
-                <a:latin typeface="Courier New" panose="02070309020205020404" pitchFamily="49" charset="0"/>
-                <a:cs typeface="Courier New" panose="02070309020205020404" pitchFamily="49" charset="0"/>
-              </a:rPr>
-              <a:t>&gt;</a:t>
-            </a:r>
-          </a:p>
-        </p:txBody>
-      </p:sp>
-      <p:sp>
-        <p:nvSpPr>
-          <p:cNvPr id="4" name="Segnaposto piè di pagina 3">
-            <a:extLst>
-              <a:ext uri="{FF2B5EF4-FFF2-40B4-BE49-F238E27FC236}">
-                <a16:creationId xmlns:a16="http://schemas.microsoft.com/office/drawing/2014/main" id="{062BF134-F9EE-44D1-94C3-78399C525F20}"/>
-              </a:ext>
-            </a:extLst>
-          </p:cNvPr>
-          <p:cNvSpPr>
-            <a:spLocks noGrp="1"/>
-          </p:cNvSpPr>
-          <p:nvPr>
-            <p:ph type="ftr" sz="quarter" idx="11"/>
-          </p:nvPr>
-        </p:nvSpPr>
-        <p:spPr/>
-        <p:txBody>
-          <a:bodyPr/>
-          <a:lstStyle/>
-          <a:p>
-            <a:pPr>
-              <a:defRPr/>
-            </a:pPr>
-            <a:r>
-              <a:rPr lang="it-IT"/>
-              <a:t>Alberto Ferrari – Programmazione di applicazioni SW</a:t>
-            </a:r>
-            <a:endParaRPr lang="it-IT" dirty="0"/>
-          </a:p>
-        </p:txBody>
-      </p:sp>
-    </p:spTree>
-    <p:extLst>
-      <p:ext uri="{BB962C8B-B14F-4D97-AF65-F5344CB8AC3E}">
-        <p14:creationId xmlns:p14="http://schemas.microsoft.com/office/powerpoint/2010/main" val="3867450290"/>
-      </p:ext>
-    </p:extLst>
-  </p:cSld>
-  <p:clrMapOvr>
-    <a:masterClrMapping/>
-  </p:clrMapOvr>
-</p:sld>
-</file>
-
-<file path=ppt/slides/slide17.xml><?xml version="1.0" encoding="utf-8"?>
+<file path=ppt/slides/slide19.xml><?xml version="1.0" encoding="utf-8"?>
 <p:sld xmlns:a="http://schemas.openxmlformats.org/drawingml/2006/main" xmlns:r="http://schemas.openxmlformats.org/officeDocument/2006/relationships" xmlns:p="http://schemas.openxmlformats.org/presentationml/2006/main">
   <p:cSld>
     <p:spTree>
@@ -7694,7 +9229,7 @@
           <p:cNvPr id="2" name="Titolo 1">
             <a:extLst>
               <a:ext uri="{FF2B5EF4-FFF2-40B4-BE49-F238E27FC236}">
-                <a16:creationId xmlns:a16="http://schemas.microsoft.com/office/drawing/2014/main" id="{48C6187F-3837-4A8B-8135-AB9571D1DC80}"/>
+                <a16:creationId xmlns:a16="http://schemas.microsoft.com/office/drawing/2014/main" id="{A8FC5CA6-FBF5-448B-8812-D4FB152FDFCF}"/>
               </a:ext>
             </a:extLst>
           </p:cNvPr>
@@ -7712,7 +9247,7 @@
           <a:p>
             <a:r>
               <a:rPr lang="it-IT" dirty="0"/>
-              <a:t>operatori sulle stringhe</a:t>
+              <a:t>array multidimensionali in memoria</a:t>
             </a:r>
           </a:p>
         </p:txBody>
@@ -7722,7 +9257,7 @@
           <p:cNvPr id="3" name="Segnaposto contenuto 2">
             <a:extLst>
               <a:ext uri="{FF2B5EF4-FFF2-40B4-BE49-F238E27FC236}">
-                <a16:creationId xmlns:a16="http://schemas.microsoft.com/office/drawing/2014/main" id="{6FADF482-844D-4598-AC22-6E25247A90D8}"/>
+                <a16:creationId xmlns:a16="http://schemas.microsoft.com/office/drawing/2014/main" id="{23D6CD7F-0EA1-4B2D-B7D2-5FD5211096E3}"/>
               </a:ext>
             </a:extLst>
           </p:cNvPr>
@@ -7740,145 +9275,26 @@
           <a:p>
             <a:r>
               <a:rPr lang="it-IT" dirty="0"/>
-              <a:t>operazione di indicizzazione </a:t>
-            </a:r>
-            <a:r>
-              <a:rPr lang="it-IT" b="1" dirty="0"/>
-              <a:t>[ ]</a:t>
-            </a:r>
-          </a:p>
-          <a:p>
-            <a:pPr lvl="1"/>
+              <a:t>nella memoria del computer gli elementi di un array (indipendentemente dal numero delle sue dimensioni) sono memorizzati </a:t>
+            </a:r>
+            <a:r>
+              <a:rPr lang="it-IT" b="1" i="1" dirty="0"/>
+              <a:t>sequenzialmente</a:t>
+            </a:r>
             <a:r>
               <a:rPr lang="it-IT" dirty="0"/>
-              <a:t>l’indice del primo carattere è 0 e quello dell’ultimo è uguale alla lunghezza della stringa -1</a:t>
-            </a:r>
-          </a:p>
-          <a:p>
+              <a:t> in </a:t>
+            </a:r>
+            <a:r>
+              <a:rPr lang="it-IT" b="1" i="1" dirty="0"/>
+              <a:t>indirizzi contigui </a:t>
+            </a:r>
             <a:r>
               <a:rPr lang="it-IT" dirty="0"/>
-              <a:t>operatore di concatenazione </a:t>
-            </a:r>
-            <a:r>
-              <a:rPr lang="it-IT" b="1" dirty="0"/>
-              <a:t>+</a:t>
-            </a:r>
-          </a:p>
-          <a:p>
-            <a:pPr lvl="1"/>
-            <a:r>
-              <a:rPr lang="it-IT" dirty="0"/>
-              <a:t>almeno uno dei due operandi deve essere un oggetto di tipo </a:t>
-            </a:r>
-            <a:r>
-              <a:rPr lang="it-IT" dirty="0" err="1"/>
-              <a:t>string</a:t>
-            </a:r>
-            <a:endParaRPr lang="it-IT" dirty="0"/>
-          </a:p>
-          <a:p>
-            <a:r>
-              <a:rPr lang="it-IT" dirty="0"/>
-              <a:t>funzioni definite sulle stringhe</a:t>
-            </a:r>
-          </a:p>
-          <a:p>
-            <a:pPr lvl="1"/>
-            <a:r>
-              <a:rPr lang="it-IT" b="1" dirty="0" err="1"/>
-              <a:t>length</a:t>
-            </a:r>
-            <a:r>
-              <a:rPr lang="it-IT" dirty="0"/>
-              <a:t>() o </a:t>
-            </a:r>
-            <a:r>
-              <a:rPr lang="it-IT" b="1" dirty="0" err="1"/>
-              <a:t>size</a:t>
-            </a:r>
-            <a:r>
-              <a:rPr lang="it-IT" dirty="0"/>
-              <a:t>()</a:t>
-            </a:r>
-          </a:p>
-          <a:p>
-            <a:pPr lvl="2"/>
-            <a:r>
-              <a:rPr lang="it-IT" dirty="0"/>
-              <a:t>restituisce il numero di caratteri presenti nella stringa</a:t>
-            </a:r>
-          </a:p>
-          <a:p>
-            <a:pPr lvl="1"/>
-            <a:r>
-              <a:rPr lang="it-IT" b="1" dirty="0" err="1"/>
-              <a:t>find</a:t>
-            </a:r>
-            <a:r>
-              <a:rPr lang="it-IT" dirty="0"/>
-              <a:t>(</a:t>
-            </a:r>
-            <a:r>
-              <a:rPr lang="it-IT" b="1" dirty="0"/>
-              <a:t>s</a:t>
-            </a:r>
-            <a:r>
-              <a:rPr lang="it-IT" dirty="0"/>
-              <a:t>)</a:t>
-            </a:r>
-          </a:p>
-          <a:p>
-            <a:pPr lvl="2"/>
-            <a:r>
-              <a:rPr lang="it-IT" dirty="0"/>
-              <a:t>ricerca la prima occorrenza della stinga s nella stringa in cui è invocata</a:t>
-            </a:r>
-          </a:p>
-          <a:p>
-            <a:pPr lvl="1"/>
-            <a:r>
-              <a:rPr lang="it-IT" b="1" dirty="0" err="1"/>
-              <a:t>substr</a:t>
-            </a:r>
-            <a:r>
-              <a:rPr lang="it-IT" dirty="0"/>
-              <a:t>(</a:t>
-            </a:r>
-            <a:r>
-              <a:rPr lang="it-IT" b="1" dirty="0" err="1"/>
-              <a:t>i_inizio</a:t>
-            </a:r>
-            <a:r>
-              <a:rPr lang="it-IT" dirty="0" err="1"/>
-              <a:t>,</a:t>
-            </a:r>
-            <a:r>
-              <a:rPr lang="it-IT" b="1" dirty="0" err="1"/>
-              <a:t>lung</a:t>
-            </a:r>
-            <a:r>
-              <a:rPr lang="it-IT" dirty="0"/>
-              <a:t>)</a:t>
-            </a:r>
-          </a:p>
-          <a:p>
-            <a:pPr lvl="2"/>
-            <a:r>
-              <a:rPr lang="it-IT" dirty="0"/>
-              <a:t>restituisce la sottostringa di lunghezza </a:t>
-            </a:r>
-            <a:r>
-              <a:rPr lang="it-IT" dirty="0" err="1"/>
-              <a:t>lung</a:t>
-            </a:r>
-            <a:r>
-              <a:rPr lang="it-IT" dirty="0"/>
-              <a:t> a partire dal carattere di indice </a:t>
-            </a:r>
-            <a:r>
-              <a:rPr lang="it-IT" dirty="0" err="1"/>
-              <a:t>i_inizio</a:t>
-            </a:r>
+              <a:t>di memoria</a:t>
+            </a:r>
+          </a:p>
+          <a:p>
             <a:endParaRPr lang="it-IT" dirty="0"/>
           </a:p>
         </p:txBody>
@@ -7888,7 +9304,7 @@
           <p:cNvPr id="4" name="Segnaposto piè di pagina 3">
             <a:extLst>
               <a:ext uri="{FF2B5EF4-FFF2-40B4-BE49-F238E27FC236}">
-                <a16:creationId xmlns:a16="http://schemas.microsoft.com/office/drawing/2014/main" id="{ACDD607F-1DDF-4939-A754-DA381476F93C}"/>
+                <a16:creationId xmlns:a16="http://schemas.microsoft.com/office/drawing/2014/main" id="{5912C17F-69FF-4843-AFE3-9907117A4B4B}"/>
               </a:ext>
             </a:extLst>
           </p:cNvPr>
@@ -7915,963 +9331,50 @@
           </a:p>
         </p:txBody>
       </p:sp>
-    </p:spTree>
-    <p:extLst>
-      <p:ext uri="{BB962C8B-B14F-4D97-AF65-F5344CB8AC3E}">
-        <p14:creationId xmlns:p14="http://schemas.microsoft.com/office/powerpoint/2010/main" val="2152248892"/>
-      </p:ext>
-    </p:extLst>
-  </p:cSld>
-  <p:clrMapOvr>
-    <a:masterClrMapping/>
-  </p:clrMapOvr>
-</p:sld>
-</file>
-
-<file path=ppt/slides/slide18.xml><?xml version="1.0" encoding="utf-8"?>
-<p:sld xmlns:a="http://schemas.openxmlformats.org/drawingml/2006/main" xmlns:r="http://schemas.openxmlformats.org/officeDocument/2006/relationships" xmlns:p="http://schemas.openxmlformats.org/presentationml/2006/main">
-  <p:cSld>
-    <p:spTree>
-      <p:nvGrpSpPr>
-        <p:cNvPr id="1" name=""/>
-        <p:cNvGrpSpPr/>
-        <p:nvPr/>
-      </p:nvGrpSpPr>
-      <p:grpSpPr>
-        <a:xfrm>
-          <a:off x="0" y="0"/>
-          <a:ext cx="0" cy="0"/>
-          <a:chOff x="0" y="0"/>
-          <a:chExt cx="0" cy="0"/>
-        </a:xfrm>
-      </p:grpSpPr>
-      <p:sp>
-        <p:nvSpPr>
-          <p:cNvPr id="2" name="Titolo 1">
+      <p:pic>
+        <p:nvPicPr>
+          <p:cNvPr id="5" name="Immagine 4">
             <a:extLst>
               <a:ext uri="{FF2B5EF4-FFF2-40B4-BE49-F238E27FC236}">
-                <a16:creationId xmlns:a16="http://schemas.microsoft.com/office/drawing/2014/main" id="{AF6A0419-47E2-4C70-8BDD-2955F9D0708E}"/>
+                <a16:creationId xmlns:a16="http://schemas.microsoft.com/office/drawing/2014/main" id="{DB18921C-A68F-475E-A2FC-8895773F47F3}"/>
               </a:ext>
             </a:extLst>
           </p:cNvPr>
-          <p:cNvSpPr>
-            <a:spLocks noGrp="1"/>
-          </p:cNvSpPr>
-          <p:nvPr>
-            <p:ph type="title"/>
-          </p:nvPr>
-        </p:nvSpPr>
-        <p:spPr/>
-        <p:txBody>
-          <a:bodyPr/>
-          <a:lstStyle/>
-          <a:p>
-            <a:r>
-              <a:rPr lang="it-IT" dirty="0" err="1"/>
-              <a:t>string</a:t>
-            </a:r>
-            <a:r>
-              <a:rPr lang="it-IT" dirty="0"/>
-              <a:t> -  esempio</a:t>
-            </a:r>
-          </a:p>
-        </p:txBody>
-      </p:sp>
-      <p:sp>
-        <p:nvSpPr>
-          <p:cNvPr id="3" name="Segnaposto contenuto 2">
-            <a:extLst>
-              <a:ext uri="{FF2B5EF4-FFF2-40B4-BE49-F238E27FC236}">
-                <a16:creationId xmlns:a16="http://schemas.microsoft.com/office/drawing/2014/main" id="{6939D1C8-91CC-4AC4-874C-76E83365731F}"/>
-              </a:ext>
-            </a:extLst>
-          </p:cNvPr>
-          <p:cNvSpPr>
-            <a:spLocks noGrp="1"/>
-          </p:cNvSpPr>
-          <p:nvPr>
-            <p:ph idx="1"/>
-          </p:nvPr>
-        </p:nvSpPr>
-        <p:spPr/>
-        <p:txBody>
-          <a:bodyPr/>
-          <a:lstStyle/>
-          <a:p>
-            <a:pPr marL="0" indent="0">
-              <a:buNone/>
-            </a:pPr>
-            <a:r>
-              <a:rPr lang="it-IT" sz="1100" b="1" dirty="0">
-                <a:latin typeface="Courier New" panose="02070309020205020404" pitchFamily="49" charset="0"/>
-                <a:cs typeface="Courier New" panose="02070309020205020404" pitchFamily="49" charset="0"/>
-              </a:rPr>
-              <a:t>#include &lt;</a:t>
-            </a:r>
-            <a:r>
-              <a:rPr lang="it-IT" sz="1100" b="1" dirty="0" err="1">
-                <a:latin typeface="Courier New" panose="02070309020205020404" pitchFamily="49" charset="0"/>
-                <a:cs typeface="Courier New" panose="02070309020205020404" pitchFamily="49" charset="0"/>
-              </a:rPr>
-              <a:t>iostream</a:t>
-            </a:r>
-            <a:r>
-              <a:rPr lang="it-IT" sz="1100" b="1" dirty="0">
-                <a:latin typeface="Courier New" panose="02070309020205020404" pitchFamily="49" charset="0"/>
-                <a:cs typeface="Courier New" panose="02070309020205020404" pitchFamily="49" charset="0"/>
-              </a:rPr>
-              <a:t>&gt;</a:t>
-            </a:r>
-          </a:p>
-          <a:p>
-            <a:pPr marL="0" indent="0">
-              <a:buNone/>
-            </a:pPr>
-            <a:r>
-              <a:rPr lang="it-IT" sz="1100" b="1" dirty="0">
-                <a:latin typeface="Courier New" panose="02070309020205020404" pitchFamily="49" charset="0"/>
-                <a:cs typeface="Courier New" panose="02070309020205020404" pitchFamily="49" charset="0"/>
-              </a:rPr>
-              <a:t>#include &lt;</a:t>
-            </a:r>
-            <a:r>
-              <a:rPr lang="it-IT" sz="1100" b="1" dirty="0" err="1">
-                <a:latin typeface="Courier New" panose="02070309020205020404" pitchFamily="49" charset="0"/>
-                <a:cs typeface="Courier New" panose="02070309020205020404" pitchFamily="49" charset="0"/>
-              </a:rPr>
-              <a:t>string</a:t>
-            </a:r>
-            <a:r>
-              <a:rPr lang="it-IT" sz="1100" b="1" dirty="0">
-                <a:latin typeface="Courier New" panose="02070309020205020404" pitchFamily="49" charset="0"/>
-                <a:cs typeface="Courier New" panose="02070309020205020404" pitchFamily="49" charset="0"/>
-              </a:rPr>
-              <a:t>&gt;</a:t>
-            </a:r>
-          </a:p>
-          <a:p>
-            <a:pPr marL="0" indent="0">
-              <a:buNone/>
-            </a:pPr>
-            <a:r>
-              <a:rPr lang="it-IT" sz="1100" b="1" dirty="0" err="1">
-                <a:latin typeface="Courier New" panose="02070309020205020404" pitchFamily="49" charset="0"/>
-                <a:cs typeface="Courier New" panose="02070309020205020404" pitchFamily="49" charset="0"/>
-              </a:rPr>
-              <a:t>using</a:t>
-            </a:r>
-            <a:r>
-              <a:rPr lang="it-IT" sz="1100" b="1" dirty="0">
-                <a:latin typeface="Courier New" panose="02070309020205020404" pitchFamily="49" charset="0"/>
-                <a:cs typeface="Courier New" panose="02070309020205020404" pitchFamily="49" charset="0"/>
-              </a:rPr>
-              <a:t> </a:t>
-            </a:r>
-            <a:r>
-              <a:rPr lang="it-IT" sz="1100" b="1" dirty="0" err="1">
-                <a:latin typeface="Courier New" panose="02070309020205020404" pitchFamily="49" charset="0"/>
-                <a:cs typeface="Courier New" panose="02070309020205020404" pitchFamily="49" charset="0"/>
-              </a:rPr>
-              <a:t>namespace</a:t>
-            </a:r>
-            <a:r>
-              <a:rPr lang="it-IT" sz="1100" b="1" dirty="0">
-                <a:latin typeface="Courier New" panose="02070309020205020404" pitchFamily="49" charset="0"/>
-                <a:cs typeface="Courier New" panose="02070309020205020404" pitchFamily="49" charset="0"/>
-              </a:rPr>
-              <a:t> </a:t>
-            </a:r>
-            <a:r>
-              <a:rPr lang="it-IT" sz="1100" b="1" dirty="0" err="1">
-                <a:latin typeface="Courier New" panose="02070309020205020404" pitchFamily="49" charset="0"/>
-                <a:cs typeface="Courier New" panose="02070309020205020404" pitchFamily="49" charset="0"/>
-              </a:rPr>
-              <a:t>std</a:t>
-            </a:r>
-            <a:r>
-              <a:rPr lang="it-IT" sz="1100" b="1" dirty="0">
-                <a:latin typeface="Courier New" panose="02070309020205020404" pitchFamily="49" charset="0"/>
-                <a:cs typeface="Courier New" panose="02070309020205020404" pitchFamily="49" charset="0"/>
-              </a:rPr>
-              <a:t>;</a:t>
-            </a:r>
-          </a:p>
-          <a:p>
-            <a:pPr marL="0" indent="0">
-              <a:buNone/>
-            </a:pPr>
-            <a:r>
-              <a:rPr lang="it-IT" sz="1100" b="1" dirty="0" err="1">
-                <a:latin typeface="Courier New" panose="02070309020205020404" pitchFamily="49" charset="0"/>
-                <a:cs typeface="Courier New" panose="02070309020205020404" pitchFamily="49" charset="0"/>
-              </a:rPr>
-              <a:t>int</a:t>
-            </a:r>
-            <a:r>
-              <a:rPr lang="it-IT" sz="1100" b="1" dirty="0">
-                <a:latin typeface="Courier New" panose="02070309020205020404" pitchFamily="49" charset="0"/>
-                <a:cs typeface="Courier New" panose="02070309020205020404" pitchFamily="49" charset="0"/>
-              </a:rPr>
-              <a:t> </a:t>
-            </a:r>
-            <a:r>
-              <a:rPr lang="it-IT" sz="1100" b="1" dirty="0" err="1">
-                <a:latin typeface="Courier New" panose="02070309020205020404" pitchFamily="49" charset="0"/>
-                <a:cs typeface="Courier New" panose="02070309020205020404" pitchFamily="49" charset="0"/>
-              </a:rPr>
-              <a:t>main</a:t>
-            </a:r>
-            <a:r>
-              <a:rPr lang="it-IT" sz="1100" b="1" dirty="0">
-                <a:latin typeface="Courier New" panose="02070309020205020404" pitchFamily="49" charset="0"/>
-                <a:cs typeface="Courier New" panose="02070309020205020404" pitchFamily="49" charset="0"/>
-              </a:rPr>
-              <a:t>() {</a:t>
-            </a:r>
-          </a:p>
-          <a:p>
-            <a:pPr marL="0" indent="0">
-              <a:buNone/>
-            </a:pPr>
-            <a:r>
-              <a:rPr lang="it-IT" sz="1100" b="1" dirty="0">
-                <a:latin typeface="Courier New" panose="02070309020205020404" pitchFamily="49" charset="0"/>
-                <a:cs typeface="Courier New" panose="02070309020205020404" pitchFamily="49" charset="0"/>
-              </a:rPr>
-              <a:t>	</a:t>
-            </a:r>
-            <a:r>
-              <a:rPr lang="it-IT" sz="1100" b="1" dirty="0" err="1">
-                <a:solidFill>
-                  <a:srgbClr val="FF0000"/>
-                </a:solidFill>
-                <a:latin typeface="Courier New" panose="02070309020205020404" pitchFamily="49" charset="0"/>
-                <a:cs typeface="Courier New" panose="02070309020205020404" pitchFamily="49" charset="0"/>
-              </a:rPr>
-              <a:t>string</a:t>
-            </a:r>
-            <a:r>
-              <a:rPr lang="it-IT" sz="1100" b="1" dirty="0">
-                <a:latin typeface="Courier New" panose="02070309020205020404" pitchFamily="49" charset="0"/>
-                <a:cs typeface="Courier New" panose="02070309020205020404" pitchFamily="49" charset="0"/>
-              </a:rPr>
-              <a:t> s1,s2,s3;</a:t>
-            </a:r>
-          </a:p>
-          <a:p>
-            <a:pPr marL="0" indent="0">
-              <a:buNone/>
-            </a:pPr>
-            <a:r>
-              <a:rPr lang="it-IT" sz="1100" b="1" dirty="0">
-                <a:latin typeface="Courier New" panose="02070309020205020404" pitchFamily="49" charset="0"/>
-                <a:cs typeface="Courier New" panose="02070309020205020404" pitchFamily="49" charset="0"/>
-              </a:rPr>
-              <a:t>	s1 = "programmazione";</a:t>
-            </a:r>
-          </a:p>
-          <a:p>
-            <a:pPr marL="0" indent="0">
-              <a:buNone/>
-            </a:pPr>
-            <a:r>
-              <a:rPr lang="it-IT" sz="1100" b="1" dirty="0">
-                <a:latin typeface="Courier New" panose="02070309020205020404" pitchFamily="49" charset="0"/>
-                <a:cs typeface="Courier New" panose="02070309020205020404" pitchFamily="49" charset="0"/>
-              </a:rPr>
-              <a:t>	s2 = s1 </a:t>
-            </a:r>
-            <a:r>
-              <a:rPr lang="it-IT" sz="1100" b="1" dirty="0">
-                <a:solidFill>
-                  <a:srgbClr val="FF0000"/>
-                </a:solidFill>
-                <a:latin typeface="Courier New" panose="02070309020205020404" pitchFamily="49" charset="0"/>
-                <a:cs typeface="Courier New" panose="02070309020205020404" pitchFamily="49" charset="0"/>
-              </a:rPr>
-              <a:t>+</a:t>
-            </a:r>
-            <a:r>
-              <a:rPr lang="it-IT" sz="1100" b="1" dirty="0">
-                <a:latin typeface="Courier New" panose="02070309020205020404" pitchFamily="49" charset="0"/>
-                <a:cs typeface="Courier New" panose="02070309020205020404" pitchFamily="49" charset="0"/>
-              </a:rPr>
-              <a:t> " di applicazioni " + "software";</a:t>
-            </a:r>
-          </a:p>
-          <a:p>
-            <a:pPr marL="0" indent="0">
-              <a:buNone/>
-            </a:pPr>
-            <a:r>
-              <a:rPr lang="it-IT" sz="1100" b="1" dirty="0">
-                <a:latin typeface="Courier New" panose="02070309020205020404" pitchFamily="49" charset="0"/>
-                <a:cs typeface="Courier New" panose="02070309020205020404" pitchFamily="49" charset="0"/>
-              </a:rPr>
-              <a:t>	// </a:t>
-            </a:r>
-            <a:r>
-              <a:rPr lang="it-IT" sz="1100" b="1" dirty="0" err="1">
-                <a:latin typeface="Courier New" panose="02070309020205020404" pitchFamily="49" charset="0"/>
-                <a:cs typeface="Courier New" panose="02070309020205020404" pitchFamily="49" charset="0"/>
-              </a:rPr>
-              <a:t>error</a:t>
-            </a:r>
-            <a:r>
-              <a:rPr lang="it-IT" sz="1100" b="1" dirty="0">
-                <a:latin typeface="Courier New" panose="02070309020205020404" pitchFamily="49" charset="0"/>
-                <a:cs typeface="Courier New" panose="02070309020205020404" pitchFamily="49" charset="0"/>
-              </a:rPr>
-              <a:t>: </a:t>
-            </a:r>
-            <a:r>
-              <a:rPr lang="it-IT" sz="1100" b="1" dirty="0" err="1">
-                <a:latin typeface="Courier New" panose="02070309020205020404" pitchFamily="49" charset="0"/>
-                <a:cs typeface="Courier New" panose="02070309020205020404" pitchFamily="49" charset="0"/>
-              </a:rPr>
-              <a:t>invalid</a:t>
-            </a:r>
-            <a:r>
-              <a:rPr lang="it-IT" sz="1100" b="1" dirty="0">
-                <a:latin typeface="Courier New" panose="02070309020205020404" pitchFamily="49" charset="0"/>
-                <a:cs typeface="Courier New" panose="02070309020205020404" pitchFamily="49" charset="0"/>
-              </a:rPr>
-              <a:t> </a:t>
-            </a:r>
-            <a:r>
-              <a:rPr lang="it-IT" sz="1100" b="1" dirty="0" err="1">
-                <a:latin typeface="Courier New" panose="02070309020205020404" pitchFamily="49" charset="0"/>
-                <a:cs typeface="Courier New" panose="02070309020205020404" pitchFamily="49" charset="0"/>
-              </a:rPr>
-              <a:t>operands</a:t>
-            </a:r>
-            <a:r>
-              <a:rPr lang="it-IT" sz="1100" b="1" dirty="0">
-                <a:latin typeface="Courier New" panose="02070309020205020404" pitchFamily="49" charset="0"/>
-                <a:cs typeface="Courier New" panose="02070309020205020404" pitchFamily="49" charset="0"/>
-              </a:rPr>
-              <a:t> of </a:t>
-            </a:r>
-            <a:r>
-              <a:rPr lang="it-IT" sz="1100" b="1" dirty="0" err="1">
-                <a:latin typeface="Courier New" panose="02070309020205020404" pitchFamily="49" charset="0"/>
-                <a:cs typeface="Courier New" panose="02070309020205020404" pitchFamily="49" charset="0"/>
-              </a:rPr>
-              <a:t>types</a:t>
-            </a:r>
-            <a:r>
-              <a:rPr lang="it-IT" sz="1100" b="1" dirty="0">
-                <a:latin typeface="Courier New" panose="02070309020205020404" pitchFamily="49" charset="0"/>
-                <a:cs typeface="Courier New" panose="02070309020205020404" pitchFamily="49" charset="0"/>
-              </a:rPr>
-              <a:t> '...' and '...' to </a:t>
-            </a:r>
-            <a:r>
-              <a:rPr lang="it-IT" sz="1100" b="1" dirty="0" err="1">
-                <a:latin typeface="Courier New" panose="02070309020205020404" pitchFamily="49" charset="0"/>
-                <a:cs typeface="Courier New" panose="02070309020205020404" pitchFamily="49" charset="0"/>
-              </a:rPr>
-              <a:t>binary</a:t>
-            </a:r>
-            <a:r>
-              <a:rPr lang="it-IT" sz="1100" b="1" dirty="0">
-                <a:latin typeface="Courier New" panose="02070309020205020404" pitchFamily="49" charset="0"/>
-                <a:cs typeface="Courier New" panose="02070309020205020404" pitchFamily="49" charset="0"/>
-              </a:rPr>
-              <a:t> 'operator+'</a:t>
-            </a:r>
-          </a:p>
-          <a:p>
-            <a:pPr marL="0" indent="0">
-              <a:buNone/>
-            </a:pPr>
-            <a:r>
-              <a:rPr lang="it-IT" sz="1100" b="1" dirty="0">
-                <a:latin typeface="Courier New" panose="02070309020205020404" pitchFamily="49" charset="0"/>
-                <a:cs typeface="Courier New" panose="02070309020205020404" pitchFamily="49" charset="0"/>
-              </a:rPr>
-              <a:t>	// s3 = "programmazione" + " di applicazioni software";</a:t>
-            </a:r>
-          </a:p>
-          <a:p>
-            <a:pPr marL="0" indent="0">
-              <a:buNone/>
-            </a:pPr>
-            <a:r>
-              <a:rPr lang="it-IT" sz="1100" b="1" dirty="0">
-                <a:latin typeface="Courier New" panose="02070309020205020404" pitchFamily="49" charset="0"/>
-                <a:cs typeface="Courier New" panose="02070309020205020404" pitchFamily="49" charset="0"/>
-              </a:rPr>
-              <a:t>	</a:t>
-            </a:r>
-            <a:r>
-              <a:rPr lang="it-IT" sz="1100" b="1" dirty="0">
-                <a:solidFill>
-                  <a:srgbClr val="FF0000"/>
-                </a:solidFill>
-                <a:latin typeface="Courier New" panose="02070309020205020404" pitchFamily="49" charset="0"/>
-                <a:cs typeface="Courier New" panose="02070309020205020404" pitchFamily="49" charset="0"/>
-              </a:rPr>
-              <a:t>s2[0]</a:t>
-            </a:r>
-            <a:r>
-              <a:rPr lang="it-IT" sz="1100" b="1" dirty="0">
-                <a:latin typeface="Courier New" panose="02070309020205020404" pitchFamily="49" charset="0"/>
-                <a:cs typeface="Courier New" panose="02070309020205020404" pitchFamily="49" charset="0"/>
-              </a:rPr>
-              <a:t> = 'P';		// sostituzione del primo carattere della stringa</a:t>
-            </a:r>
-          </a:p>
-          <a:p>
-            <a:pPr marL="0" indent="0">
-              <a:buNone/>
-            </a:pPr>
-            <a:r>
-              <a:rPr lang="it-IT" sz="1100" b="1" dirty="0">
-                <a:latin typeface="Courier New" panose="02070309020205020404" pitchFamily="49" charset="0"/>
-                <a:cs typeface="Courier New" panose="02070309020205020404" pitchFamily="49" charset="0"/>
-              </a:rPr>
-              <a:t>	</a:t>
-            </a:r>
-            <a:r>
-              <a:rPr lang="it-IT" sz="1100" b="1" dirty="0" err="1">
-                <a:latin typeface="Courier New" panose="02070309020205020404" pitchFamily="49" charset="0"/>
-                <a:cs typeface="Courier New" panose="02070309020205020404" pitchFamily="49" charset="0"/>
-              </a:rPr>
-              <a:t>cout</a:t>
-            </a:r>
-            <a:r>
-              <a:rPr lang="it-IT" sz="1100" b="1" dirty="0">
-                <a:latin typeface="Courier New" panose="02070309020205020404" pitchFamily="49" charset="0"/>
-                <a:cs typeface="Courier New" panose="02070309020205020404" pitchFamily="49" charset="0"/>
-              </a:rPr>
-              <a:t> &lt;&lt; "contenuto della stringa s2: " &lt;&lt; s2 &lt;&lt; </a:t>
-            </a:r>
-            <a:r>
-              <a:rPr lang="it-IT" sz="1100" b="1" dirty="0" err="1">
-                <a:latin typeface="Courier New" panose="02070309020205020404" pitchFamily="49" charset="0"/>
-                <a:cs typeface="Courier New" panose="02070309020205020404" pitchFamily="49" charset="0"/>
-              </a:rPr>
-              <a:t>endl</a:t>
-            </a:r>
-            <a:r>
-              <a:rPr lang="it-IT" sz="1100" b="1" dirty="0">
-                <a:latin typeface="Courier New" panose="02070309020205020404" pitchFamily="49" charset="0"/>
-                <a:cs typeface="Courier New" panose="02070309020205020404" pitchFamily="49" charset="0"/>
-              </a:rPr>
-              <a:t>;</a:t>
-            </a:r>
-          </a:p>
-          <a:p>
-            <a:pPr marL="0" indent="0">
-              <a:buNone/>
-            </a:pPr>
-            <a:r>
-              <a:rPr lang="it-IT" sz="1100" b="1" dirty="0">
-                <a:latin typeface="Courier New" panose="02070309020205020404" pitchFamily="49" charset="0"/>
-                <a:cs typeface="Courier New" panose="02070309020205020404" pitchFamily="49" charset="0"/>
-              </a:rPr>
-              <a:t>	</a:t>
-            </a:r>
-            <a:r>
-              <a:rPr lang="it-IT" sz="1100" b="1" dirty="0" err="1">
-                <a:latin typeface="Courier New" panose="02070309020205020404" pitchFamily="49" charset="0"/>
-                <a:cs typeface="Courier New" panose="02070309020205020404" pitchFamily="49" charset="0"/>
-              </a:rPr>
-              <a:t>cout</a:t>
-            </a:r>
-            <a:r>
-              <a:rPr lang="it-IT" sz="1100" b="1" dirty="0">
-                <a:latin typeface="Courier New" panose="02070309020205020404" pitchFamily="49" charset="0"/>
-                <a:cs typeface="Courier New" panose="02070309020205020404" pitchFamily="49" charset="0"/>
-              </a:rPr>
-              <a:t> &lt;&lt; "numero di caratteri della stringa s2: " &lt;&lt; s2.</a:t>
-            </a:r>
-            <a:r>
-              <a:rPr lang="it-IT" sz="1100" b="1" dirty="0">
-                <a:solidFill>
-                  <a:srgbClr val="FF0000"/>
-                </a:solidFill>
-                <a:latin typeface="Courier New" panose="02070309020205020404" pitchFamily="49" charset="0"/>
-                <a:cs typeface="Courier New" panose="02070309020205020404" pitchFamily="49" charset="0"/>
-              </a:rPr>
-              <a:t>length</a:t>
-            </a:r>
-            <a:r>
-              <a:rPr lang="it-IT" sz="1100" b="1" dirty="0">
-                <a:latin typeface="Courier New" panose="02070309020205020404" pitchFamily="49" charset="0"/>
-                <a:cs typeface="Courier New" panose="02070309020205020404" pitchFamily="49" charset="0"/>
-              </a:rPr>
-              <a:t>() &lt;&lt; </a:t>
-            </a:r>
-            <a:r>
-              <a:rPr lang="it-IT" sz="1100" b="1" dirty="0" err="1">
-                <a:latin typeface="Courier New" panose="02070309020205020404" pitchFamily="49" charset="0"/>
-                <a:cs typeface="Courier New" panose="02070309020205020404" pitchFamily="49" charset="0"/>
-              </a:rPr>
-              <a:t>endl</a:t>
-            </a:r>
-            <a:r>
-              <a:rPr lang="it-IT" sz="1100" b="1" dirty="0">
-                <a:latin typeface="Courier New" panose="02070309020205020404" pitchFamily="49" charset="0"/>
-                <a:cs typeface="Courier New" panose="02070309020205020404" pitchFamily="49" charset="0"/>
-              </a:rPr>
-              <a:t>;</a:t>
-            </a:r>
-          </a:p>
-          <a:p>
-            <a:pPr marL="0" indent="0">
-              <a:buNone/>
-            </a:pPr>
-            <a:r>
-              <a:rPr lang="it-IT" sz="1100" b="1" dirty="0">
-                <a:latin typeface="Courier New" panose="02070309020205020404" pitchFamily="49" charset="0"/>
-                <a:cs typeface="Courier New" panose="02070309020205020404" pitchFamily="49" charset="0"/>
-              </a:rPr>
-              <a:t>	s3 = "Ingegneria dei sistemi informativi";</a:t>
-            </a:r>
-          </a:p>
-          <a:p>
-            <a:pPr marL="0" indent="0">
-              <a:buNone/>
-            </a:pPr>
-            <a:r>
-              <a:rPr lang="it-IT" sz="1100" b="1" dirty="0">
-                <a:latin typeface="Courier New" panose="02070309020205020404" pitchFamily="49" charset="0"/>
-                <a:cs typeface="Courier New" panose="02070309020205020404" pitchFamily="49" charset="0"/>
-              </a:rPr>
-              <a:t>	</a:t>
-            </a:r>
-            <a:r>
-              <a:rPr lang="it-IT" sz="1100" b="1" dirty="0" err="1">
-                <a:latin typeface="Courier New" panose="02070309020205020404" pitchFamily="49" charset="0"/>
-                <a:cs typeface="Courier New" panose="02070309020205020404" pitchFamily="49" charset="0"/>
-              </a:rPr>
-              <a:t>int</a:t>
-            </a:r>
-            <a:r>
-              <a:rPr lang="it-IT" sz="1100" b="1" dirty="0">
-                <a:latin typeface="Courier New" panose="02070309020205020404" pitchFamily="49" charset="0"/>
-                <a:cs typeface="Courier New" panose="02070309020205020404" pitchFamily="49" charset="0"/>
-              </a:rPr>
-              <a:t> </a:t>
-            </a:r>
-            <a:r>
-              <a:rPr lang="it-IT" sz="1100" b="1" dirty="0" err="1">
-                <a:latin typeface="Courier New" panose="02070309020205020404" pitchFamily="49" charset="0"/>
-                <a:cs typeface="Courier New" panose="02070309020205020404" pitchFamily="49" charset="0"/>
-              </a:rPr>
-              <a:t>pos</a:t>
-            </a:r>
-            <a:r>
-              <a:rPr lang="it-IT" sz="1100" b="1" dirty="0">
-                <a:latin typeface="Courier New" panose="02070309020205020404" pitchFamily="49" charset="0"/>
-                <a:cs typeface="Courier New" panose="02070309020205020404" pitchFamily="49" charset="0"/>
-              </a:rPr>
-              <a:t>;</a:t>
-            </a:r>
-          </a:p>
-          <a:p>
-            <a:pPr marL="0" indent="0">
-              <a:buNone/>
-            </a:pPr>
-            <a:r>
-              <a:rPr lang="it-IT" sz="1100" b="1" dirty="0">
-                <a:latin typeface="Courier New" panose="02070309020205020404" pitchFamily="49" charset="0"/>
-                <a:cs typeface="Courier New" panose="02070309020205020404" pitchFamily="49" charset="0"/>
-              </a:rPr>
-              <a:t>	</a:t>
-            </a:r>
-            <a:r>
-              <a:rPr lang="it-IT" sz="1100" b="1" dirty="0" err="1">
-                <a:latin typeface="Courier New" panose="02070309020205020404" pitchFamily="49" charset="0"/>
-                <a:cs typeface="Courier New" panose="02070309020205020404" pitchFamily="49" charset="0"/>
-              </a:rPr>
-              <a:t>pos</a:t>
-            </a:r>
-            <a:r>
-              <a:rPr lang="it-IT" sz="1100" b="1" dirty="0">
-                <a:latin typeface="Courier New" panose="02070309020205020404" pitchFamily="49" charset="0"/>
-                <a:cs typeface="Courier New" panose="02070309020205020404" pitchFamily="49" charset="0"/>
-              </a:rPr>
-              <a:t> = s3.</a:t>
-            </a:r>
-            <a:r>
-              <a:rPr lang="it-IT" sz="1100" b="1" dirty="0">
-                <a:solidFill>
-                  <a:srgbClr val="FF0000"/>
-                </a:solidFill>
-                <a:latin typeface="Courier New" panose="02070309020205020404" pitchFamily="49" charset="0"/>
-                <a:cs typeface="Courier New" panose="02070309020205020404" pitchFamily="49" charset="0"/>
-              </a:rPr>
-              <a:t>find</a:t>
-            </a:r>
-            <a:r>
-              <a:rPr lang="it-IT" sz="1100" b="1" dirty="0">
-                <a:latin typeface="Courier New" panose="02070309020205020404" pitchFamily="49" charset="0"/>
-                <a:cs typeface="Courier New" panose="02070309020205020404" pitchFamily="49" charset="0"/>
-              </a:rPr>
-              <a:t>("in");</a:t>
-            </a:r>
-          </a:p>
-          <a:p>
-            <a:pPr marL="0" indent="0">
-              <a:buNone/>
-            </a:pPr>
-            <a:r>
-              <a:rPr lang="it-IT" sz="1100" b="1" dirty="0">
-                <a:latin typeface="Courier New" panose="02070309020205020404" pitchFamily="49" charset="0"/>
-                <a:cs typeface="Courier New" panose="02070309020205020404" pitchFamily="49" charset="0"/>
-              </a:rPr>
-              <a:t>	</a:t>
-            </a:r>
-            <a:r>
-              <a:rPr lang="it-IT" sz="1100" b="1" dirty="0" err="1">
-                <a:latin typeface="Courier New" panose="02070309020205020404" pitchFamily="49" charset="0"/>
-                <a:cs typeface="Courier New" panose="02070309020205020404" pitchFamily="49" charset="0"/>
-              </a:rPr>
-              <a:t>cout</a:t>
-            </a:r>
-            <a:r>
-              <a:rPr lang="it-IT" sz="1100" b="1" dirty="0">
-                <a:latin typeface="Courier New" panose="02070309020205020404" pitchFamily="49" charset="0"/>
-                <a:cs typeface="Courier New" panose="02070309020205020404" pitchFamily="49" charset="0"/>
-              </a:rPr>
-              <a:t> &lt;&lt; "nella stinga " &lt;&lt; s3 &lt;&lt; </a:t>
-            </a:r>
-            <a:r>
-              <a:rPr lang="it-IT" sz="1100" b="1" dirty="0" err="1">
-                <a:latin typeface="Courier New" panose="02070309020205020404" pitchFamily="49" charset="0"/>
-                <a:cs typeface="Courier New" panose="02070309020205020404" pitchFamily="49" charset="0"/>
-              </a:rPr>
-              <a:t>endl</a:t>
-            </a:r>
-            <a:r>
-              <a:rPr lang="it-IT" sz="1100" b="1" dirty="0">
-                <a:latin typeface="Courier New" panose="02070309020205020404" pitchFamily="49" charset="0"/>
-                <a:cs typeface="Courier New" panose="02070309020205020404" pitchFamily="49" charset="0"/>
-              </a:rPr>
-              <a:t> &lt;&lt; "la sottostringa " &lt;&lt; "in" </a:t>
-            </a:r>
-          </a:p>
-          <a:p>
-            <a:pPr marL="0" indent="0">
-              <a:buNone/>
-            </a:pPr>
-            <a:r>
-              <a:rPr lang="it-IT" sz="1100" b="1" dirty="0">
-                <a:latin typeface="Courier New" panose="02070309020205020404" pitchFamily="49" charset="0"/>
-                <a:cs typeface="Courier New" panose="02070309020205020404" pitchFamily="49" charset="0"/>
-              </a:rPr>
-              <a:t>	     &lt;&lt; " si trova in posizione " &lt;&lt; </a:t>
-            </a:r>
-            <a:r>
-              <a:rPr lang="it-IT" sz="1100" b="1" dirty="0" err="1">
-                <a:latin typeface="Courier New" panose="02070309020205020404" pitchFamily="49" charset="0"/>
-                <a:cs typeface="Courier New" panose="02070309020205020404" pitchFamily="49" charset="0"/>
-              </a:rPr>
-              <a:t>pos</a:t>
-            </a:r>
-            <a:r>
-              <a:rPr lang="it-IT" sz="1100" b="1" dirty="0">
-                <a:latin typeface="Courier New" panose="02070309020205020404" pitchFamily="49" charset="0"/>
-                <a:cs typeface="Courier New" panose="02070309020205020404" pitchFamily="49" charset="0"/>
-              </a:rPr>
-              <a:t> &lt;&lt; </a:t>
-            </a:r>
-            <a:r>
-              <a:rPr lang="it-IT" sz="1100" b="1" dirty="0" err="1">
-                <a:latin typeface="Courier New" panose="02070309020205020404" pitchFamily="49" charset="0"/>
-                <a:cs typeface="Courier New" panose="02070309020205020404" pitchFamily="49" charset="0"/>
-              </a:rPr>
-              <a:t>endl</a:t>
-            </a:r>
-            <a:r>
-              <a:rPr lang="it-IT" sz="1100" b="1" dirty="0">
-                <a:latin typeface="Courier New" panose="02070309020205020404" pitchFamily="49" charset="0"/>
-                <a:cs typeface="Courier New" panose="02070309020205020404" pitchFamily="49" charset="0"/>
-              </a:rPr>
-              <a:t>;</a:t>
-            </a:r>
-          </a:p>
-          <a:p>
-            <a:pPr marL="0" indent="0">
-              <a:buNone/>
-            </a:pPr>
-            <a:r>
-              <a:rPr lang="it-IT" sz="1100" b="1" dirty="0">
-                <a:latin typeface="Courier New" panose="02070309020205020404" pitchFamily="49" charset="0"/>
-                <a:cs typeface="Courier New" panose="02070309020205020404" pitchFamily="49" charset="0"/>
-              </a:rPr>
-              <a:t>	</a:t>
-            </a:r>
-            <a:r>
-              <a:rPr lang="it-IT" sz="1100" b="1" dirty="0" err="1">
-                <a:latin typeface="Courier New" panose="02070309020205020404" pitchFamily="49" charset="0"/>
-                <a:cs typeface="Courier New" panose="02070309020205020404" pitchFamily="49" charset="0"/>
-              </a:rPr>
-              <a:t>pos</a:t>
-            </a:r>
-            <a:r>
-              <a:rPr lang="it-IT" sz="1100" b="1" dirty="0">
-                <a:latin typeface="Courier New" panose="02070309020205020404" pitchFamily="49" charset="0"/>
-                <a:cs typeface="Courier New" panose="02070309020205020404" pitchFamily="49" charset="0"/>
-              </a:rPr>
-              <a:t> = s3.find("out");</a:t>
-            </a:r>
-          </a:p>
-          <a:p>
-            <a:pPr marL="0" indent="0">
-              <a:buNone/>
-            </a:pPr>
-            <a:r>
-              <a:rPr lang="it-IT" sz="1100" b="1" dirty="0">
-                <a:latin typeface="Courier New" panose="02070309020205020404" pitchFamily="49" charset="0"/>
-                <a:cs typeface="Courier New" panose="02070309020205020404" pitchFamily="49" charset="0"/>
-              </a:rPr>
-              <a:t>	</a:t>
-            </a:r>
-            <a:r>
-              <a:rPr lang="it-IT" sz="1100" b="1" dirty="0" err="1">
-                <a:latin typeface="Courier New" panose="02070309020205020404" pitchFamily="49" charset="0"/>
-                <a:cs typeface="Courier New" panose="02070309020205020404" pitchFamily="49" charset="0"/>
-              </a:rPr>
-              <a:t>cout</a:t>
-            </a:r>
-            <a:r>
-              <a:rPr lang="it-IT" sz="1100" b="1" dirty="0">
-                <a:latin typeface="Courier New" panose="02070309020205020404" pitchFamily="49" charset="0"/>
-                <a:cs typeface="Courier New" panose="02070309020205020404" pitchFamily="49" charset="0"/>
-              </a:rPr>
-              <a:t> &lt;&lt; "nella stinga " &lt;&lt; s3 &lt;&lt; </a:t>
-            </a:r>
-            <a:r>
-              <a:rPr lang="it-IT" sz="1100" b="1" dirty="0" err="1">
-                <a:latin typeface="Courier New" panose="02070309020205020404" pitchFamily="49" charset="0"/>
-                <a:cs typeface="Courier New" panose="02070309020205020404" pitchFamily="49" charset="0"/>
-              </a:rPr>
-              <a:t>endl</a:t>
-            </a:r>
-            <a:r>
-              <a:rPr lang="it-IT" sz="1100" b="1" dirty="0">
-                <a:latin typeface="Courier New" panose="02070309020205020404" pitchFamily="49" charset="0"/>
-                <a:cs typeface="Courier New" panose="02070309020205020404" pitchFamily="49" charset="0"/>
-              </a:rPr>
-              <a:t> &lt;&lt; "la sottostringa " &lt;&lt; "out" </a:t>
-            </a:r>
-          </a:p>
-          <a:p>
-            <a:pPr marL="0" indent="0">
-              <a:buNone/>
-            </a:pPr>
-            <a:r>
-              <a:rPr lang="it-IT" sz="1100" b="1" dirty="0">
-                <a:latin typeface="Courier New" panose="02070309020205020404" pitchFamily="49" charset="0"/>
-                <a:cs typeface="Courier New" panose="02070309020205020404" pitchFamily="49" charset="0"/>
-              </a:rPr>
-              <a:t>	     &lt;&lt; " si trova in posizione " &lt;&lt; </a:t>
-            </a:r>
-            <a:r>
-              <a:rPr lang="it-IT" sz="1100" b="1" dirty="0" err="1">
-                <a:latin typeface="Courier New" panose="02070309020205020404" pitchFamily="49" charset="0"/>
-                <a:cs typeface="Courier New" panose="02070309020205020404" pitchFamily="49" charset="0"/>
-              </a:rPr>
-              <a:t>pos</a:t>
-            </a:r>
-            <a:r>
-              <a:rPr lang="it-IT" sz="1100" b="1" dirty="0">
-                <a:latin typeface="Courier New" panose="02070309020205020404" pitchFamily="49" charset="0"/>
-                <a:cs typeface="Courier New" panose="02070309020205020404" pitchFamily="49" charset="0"/>
-              </a:rPr>
-              <a:t> &lt;&lt; </a:t>
-            </a:r>
-            <a:r>
-              <a:rPr lang="it-IT" sz="1100" b="1" dirty="0" err="1">
-                <a:latin typeface="Courier New" panose="02070309020205020404" pitchFamily="49" charset="0"/>
-                <a:cs typeface="Courier New" panose="02070309020205020404" pitchFamily="49" charset="0"/>
-              </a:rPr>
-              <a:t>endl</a:t>
-            </a:r>
-            <a:r>
-              <a:rPr lang="it-IT" sz="1100" b="1" dirty="0">
-                <a:latin typeface="Courier New" panose="02070309020205020404" pitchFamily="49" charset="0"/>
-                <a:cs typeface="Courier New" panose="02070309020205020404" pitchFamily="49" charset="0"/>
-              </a:rPr>
-              <a:t>;	</a:t>
-            </a:r>
-          </a:p>
-          <a:p>
-            <a:pPr marL="0" indent="0">
-              <a:buNone/>
-            </a:pPr>
-            <a:r>
-              <a:rPr lang="it-IT" sz="1100" b="1" dirty="0">
-                <a:latin typeface="Courier New" panose="02070309020205020404" pitchFamily="49" charset="0"/>
-                <a:cs typeface="Courier New" panose="02070309020205020404" pitchFamily="49" charset="0"/>
-              </a:rPr>
-              <a:t>	</a:t>
-            </a:r>
-            <a:r>
-              <a:rPr lang="it-IT" sz="1100" b="1" dirty="0" err="1">
-                <a:latin typeface="Courier New" panose="02070309020205020404" pitchFamily="49" charset="0"/>
-                <a:cs typeface="Courier New" panose="02070309020205020404" pitchFamily="49" charset="0"/>
-              </a:rPr>
-              <a:t>cout</a:t>
-            </a:r>
-            <a:r>
-              <a:rPr lang="it-IT" sz="1100" b="1" dirty="0">
-                <a:latin typeface="Courier New" panose="02070309020205020404" pitchFamily="49" charset="0"/>
-                <a:cs typeface="Courier New" panose="02070309020205020404" pitchFamily="49" charset="0"/>
-              </a:rPr>
-              <a:t> &lt;&lt; s3.</a:t>
-            </a:r>
-            <a:r>
-              <a:rPr lang="it-IT" sz="1100" b="1" dirty="0">
-                <a:solidFill>
-                  <a:srgbClr val="FF0000"/>
-                </a:solidFill>
-                <a:latin typeface="Courier New" panose="02070309020205020404" pitchFamily="49" charset="0"/>
-                <a:cs typeface="Courier New" panose="02070309020205020404" pitchFamily="49" charset="0"/>
-              </a:rPr>
-              <a:t>substr</a:t>
-            </a:r>
-            <a:r>
-              <a:rPr lang="it-IT" sz="1100" b="1" dirty="0">
-                <a:latin typeface="Courier New" panose="02070309020205020404" pitchFamily="49" charset="0"/>
-                <a:cs typeface="Courier New" panose="02070309020205020404" pitchFamily="49" charset="0"/>
-              </a:rPr>
-              <a:t>(15,7) &lt;&lt; </a:t>
-            </a:r>
-            <a:r>
-              <a:rPr lang="it-IT" sz="1100" b="1" dirty="0" err="1">
-                <a:latin typeface="Courier New" panose="02070309020205020404" pitchFamily="49" charset="0"/>
-                <a:cs typeface="Courier New" panose="02070309020205020404" pitchFamily="49" charset="0"/>
-              </a:rPr>
-              <a:t>endl</a:t>
-            </a:r>
-            <a:r>
-              <a:rPr lang="it-IT" sz="1100" b="1" dirty="0">
-                <a:latin typeface="Courier New" panose="02070309020205020404" pitchFamily="49" charset="0"/>
-                <a:cs typeface="Courier New" panose="02070309020205020404" pitchFamily="49" charset="0"/>
-              </a:rPr>
-              <a:t>;          </a:t>
-            </a:r>
-          </a:p>
-          <a:p>
-            <a:pPr marL="0" indent="0">
-              <a:buNone/>
-            </a:pPr>
-            <a:r>
-              <a:rPr lang="it-IT" sz="1100" b="1" dirty="0">
-                <a:latin typeface="Courier New" panose="02070309020205020404" pitchFamily="49" charset="0"/>
-                <a:cs typeface="Courier New" panose="02070309020205020404" pitchFamily="49" charset="0"/>
-              </a:rPr>
-              <a:t>    </a:t>
-            </a:r>
-            <a:r>
-              <a:rPr lang="it-IT" sz="1100" b="1" dirty="0" err="1">
-                <a:latin typeface="Courier New" panose="02070309020205020404" pitchFamily="49" charset="0"/>
-                <a:cs typeface="Courier New" panose="02070309020205020404" pitchFamily="49" charset="0"/>
-              </a:rPr>
-              <a:t>return</a:t>
-            </a:r>
-            <a:r>
-              <a:rPr lang="it-IT" sz="1100" b="1" dirty="0">
-                <a:latin typeface="Courier New" panose="02070309020205020404" pitchFamily="49" charset="0"/>
-                <a:cs typeface="Courier New" panose="02070309020205020404" pitchFamily="49" charset="0"/>
-              </a:rPr>
-              <a:t> 0;</a:t>
-            </a:r>
-          </a:p>
-          <a:p>
-            <a:pPr marL="0" indent="0">
-              <a:buNone/>
-            </a:pPr>
-            <a:r>
-              <a:rPr lang="it-IT" sz="1100" b="1" dirty="0">
-                <a:latin typeface="Courier New" panose="02070309020205020404" pitchFamily="49" charset="0"/>
-                <a:cs typeface="Courier New" panose="02070309020205020404" pitchFamily="49" charset="0"/>
-              </a:rPr>
-              <a:t>}</a:t>
-            </a:r>
-          </a:p>
-        </p:txBody>
-      </p:sp>
-      <p:sp>
-        <p:nvSpPr>
-          <p:cNvPr id="4" name="Segnaposto piè di pagina 3">
-            <a:extLst>
-              <a:ext uri="{FF2B5EF4-FFF2-40B4-BE49-F238E27FC236}">
-                <a16:creationId xmlns:a16="http://schemas.microsoft.com/office/drawing/2014/main" id="{20AF1065-8213-4EF4-88DF-D570984B3792}"/>
-              </a:ext>
-            </a:extLst>
-          </p:cNvPr>
-          <p:cNvSpPr>
-            <a:spLocks noGrp="1"/>
-          </p:cNvSpPr>
-          <p:nvPr>
-            <p:ph type="ftr" sz="quarter" idx="11"/>
-          </p:nvPr>
-        </p:nvSpPr>
-        <p:spPr/>
-        <p:txBody>
-          <a:bodyPr/>
-          <a:lstStyle/>
-          <a:p>
-            <a:pPr>
-              <a:defRPr/>
-            </a:pPr>
-            <a:r>
-              <a:rPr lang="it-IT"/>
-              <a:t>Alberto Ferrari – Programmazione di applicazioni SW</a:t>
-            </a:r>
-            <a:endParaRPr lang="it-IT" dirty="0"/>
-          </a:p>
-        </p:txBody>
-      </p:sp>
-      <p:sp>
-        <p:nvSpPr>
-          <p:cNvPr id="5" name="Rettangolo 4">
-            <a:extLst>
-              <a:ext uri="{FF2B5EF4-FFF2-40B4-BE49-F238E27FC236}">
-                <a16:creationId xmlns:a16="http://schemas.microsoft.com/office/drawing/2014/main" id="{B044B8FB-B90D-4DEC-B9E8-F079DEB022BF}"/>
-              </a:ext>
-            </a:extLst>
-          </p:cNvPr>
-          <p:cNvSpPr/>
+          <p:cNvPicPr>
+            <a:picLocks noChangeAspect="1"/>
+          </p:cNvPicPr>
           <p:nvPr/>
-        </p:nvSpPr>
+        </p:nvPicPr>
+        <p:blipFill>
+          <a:blip r:embed="rId2"/>
+          <a:stretch>
+            <a:fillRect/>
+          </a:stretch>
+        </p:blipFill>
         <p:spPr>
           <a:xfrm>
-            <a:off x="6672064" y="5698123"/>
-            <a:ext cx="5456943" cy="338554"/>
+            <a:off x="3215680" y="2564904"/>
+            <a:ext cx="5328592" cy="3184788"/>
           </a:xfrm>
           <a:prstGeom prst="rect">
             <a:avLst/>
           </a:prstGeom>
+          <a:ln>
+            <a:noFill/>
+          </a:ln>
+          <a:effectLst>
+            <a:outerShdw blurRad="292100" dist="139700" dir="2700000" algn="tl" rotWithShape="0">
+              <a:srgbClr val="333333">
+                <a:alpha val="65000"/>
+              </a:srgbClr>
+            </a:outerShdw>
+          </a:effectLst>
         </p:spPr>
-        <p:txBody>
-          <a:bodyPr wrap="none">
-            <a:spAutoFit/>
-          </a:bodyPr>
-          <a:lstStyle/>
-          <a:p>
-            <a:r>
-              <a:rPr lang="it-IT" sz="1600" b="1" i="1" dirty="0">
-                <a:solidFill>
-                  <a:schemeClr val="accent6"/>
-                </a:solidFill>
-                <a:latin typeface="Century Schoolbook" panose="02040604050505020304" pitchFamily="18" charset="0"/>
-              </a:rPr>
-              <a:t>http://www.cplusplus.com/reference/string/string/</a:t>
-            </a:r>
-          </a:p>
-        </p:txBody>
-      </p:sp>
+      </p:pic>
     </p:spTree>
     <p:extLst>
       <p:ext uri="{BB962C8B-B14F-4D97-AF65-F5344CB8AC3E}">
-        <p14:creationId xmlns:p14="http://schemas.microsoft.com/office/powerpoint/2010/main" val="3478670200"/>
+        <p14:creationId xmlns:p14="http://schemas.microsoft.com/office/powerpoint/2010/main" val="2618603274"/>
       </p:ext>
     </p:extLst>
   </p:cSld>
@@ -9045,6 +9548,2264 @@
 </p:sld>
 </file>
 
+<file path=ppt/slides/slide20.xml><?xml version="1.0" encoding="utf-8"?>
+<p:sld xmlns:a="http://schemas.openxmlformats.org/drawingml/2006/main" xmlns:r="http://schemas.openxmlformats.org/officeDocument/2006/relationships" xmlns:p="http://schemas.openxmlformats.org/presentationml/2006/main">
+  <p:cSld>
+    <p:spTree>
+      <p:nvGrpSpPr>
+        <p:cNvPr id="1" name=""/>
+        <p:cNvGrpSpPr/>
+        <p:nvPr/>
+      </p:nvGrpSpPr>
+      <p:grpSpPr>
+        <a:xfrm>
+          <a:off x="0" y="0"/>
+          <a:ext cx="0" cy="0"/>
+          <a:chOff x="0" y="0"/>
+          <a:chExt cx="0" cy="0"/>
+        </a:xfrm>
+      </p:grpSpPr>
+      <p:sp>
+        <p:nvSpPr>
+          <p:cNvPr id="2" name="Titolo 1">
+            <a:extLst>
+              <a:ext uri="{FF2B5EF4-FFF2-40B4-BE49-F238E27FC236}">
+                <a16:creationId xmlns:a16="http://schemas.microsoft.com/office/drawing/2014/main" id="{82CB6A13-F53A-44D6-9048-6730E24CD2A7}"/>
+              </a:ext>
+            </a:extLst>
+          </p:cNvPr>
+          <p:cNvSpPr>
+            <a:spLocks noGrp="1"/>
+          </p:cNvSpPr>
+          <p:nvPr>
+            <p:ph type="title"/>
+          </p:nvPr>
+        </p:nvSpPr>
+        <p:spPr/>
+        <p:txBody>
+          <a:bodyPr/>
+          <a:lstStyle/>
+          <a:p>
+            <a:r>
+              <a:rPr lang="it-IT" dirty="0"/>
+              <a:t>matrici come parametro</a:t>
+            </a:r>
+          </a:p>
+        </p:txBody>
+      </p:sp>
+      <p:sp>
+        <p:nvSpPr>
+          <p:cNvPr id="3" name="Segnaposto contenuto 2">
+            <a:extLst>
+              <a:ext uri="{FF2B5EF4-FFF2-40B4-BE49-F238E27FC236}">
+                <a16:creationId xmlns:a16="http://schemas.microsoft.com/office/drawing/2014/main" id="{BE742798-5277-4ED0-AE70-C93917570D9D}"/>
+              </a:ext>
+            </a:extLst>
+          </p:cNvPr>
+          <p:cNvSpPr>
+            <a:spLocks noGrp="1"/>
+          </p:cNvSpPr>
+          <p:nvPr>
+            <p:ph idx="1"/>
+          </p:nvPr>
+        </p:nvSpPr>
+        <p:spPr/>
+        <p:txBody>
+          <a:bodyPr/>
+          <a:lstStyle/>
+          <a:p>
+            <a:r>
+              <a:rPr lang="it-IT" dirty="0"/>
+              <a:t>se si vuole passare una matrice come parametro ad una funzione è </a:t>
+            </a:r>
+            <a:r>
+              <a:rPr lang="it-IT" b="1" i="1" dirty="0"/>
+              <a:t>necessario</a:t>
+            </a:r>
+            <a:r>
+              <a:rPr lang="it-IT" dirty="0"/>
+              <a:t> specificare il </a:t>
+            </a:r>
+            <a:r>
+              <a:rPr lang="it-IT" b="1" i="1" dirty="0"/>
+              <a:t>numero di colonne</a:t>
+            </a:r>
+          </a:p>
+          <a:p>
+            <a:r>
+              <a:rPr lang="it-IT" dirty="0"/>
+              <a:t>questo permette alla funzione di interpretare correttamente la posizione degli elementi</a:t>
+            </a:r>
+          </a:p>
+          <a:p>
+            <a:r>
+              <a:rPr lang="it-IT" b="1" i="1" dirty="0"/>
+              <a:t>esempio</a:t>
+            </a:r>
+            <a:r>
+              <a:rPr lang="it-IT" dirty="0"/>
+              <a:t>: funzione che carica nell’array </a:t>
+            </a:r>
+            <a:r>
+              <a:rPr lang="it-IT" b="1" i="1" dirty="0"/>
+              <a:t>somma</a:t>
+            </a:r>
+            <a:r>
+              <a:rPr lang="it-IT" dirty="0"/>
+              <a:t> la somma degli elementi presenti in ogni </a:t>
+            </a:r>
+            <a:r>
+              <a:rPr lang="it-IT" b="1" i="1" dirty="0"/>
+              <a:t>riga</a:t>
+            </a:r>
+            <a:r>
+              <a:rPr lang="it-IT" dirty="0"/>
+              <a:t> della matrice m</a:t>
+            </a:r>
+          </a:p>
+          <a:p>
+            <a:endParaRPr lang="it-IT" dirty="0"/>
+          </a:p>
+        </p:txBody>
+      </p:sp>
+      <p:sp>
+        <p:nvSpPr>
+          <p:cNvPr id="4" name="Segnaposto piè di pagina 3">
+            <a:extLst>
+              <a:ext uri="{FF2B5EF4-FFF2-40B4-BE49-F238E27FC236}">
+                <a16:creationId xmlns:a16="http://schemas.microsoft.com/office/drawing/2014/main" id="{148D9A29-0BAD-4A99-87AA-04DBDC466CDF}"/>
+              </a:ext>
+            </a:extLst>
+          </p:cNvPr>
+          <p:cNvSpPr>
+            <a:spLocks noGrp="1"/>
+          </p:cNvSpPr>
+          <p:nvPr>
+            <p:ph type="ftr" sz="quarter" idx="11"/>
+          </p:nvPr>
+        </p:nvSpPr>
+        <p:spPr/>
+        <p:txBody>
+          <a:bodyPr/>
+          <a:lstStyle/>
+          <a:p>
+            <a:pPr>
+              <a:defRPr/>
+            </a:pPr>
+            <a:r>
+              <a:rPr lang="it-IT"/>
+              <a:t>Alberto Ferrari – Programmazione di applicazioni SW</a:t>
+            </a:r>
+            <a:endParaRPr lang="it-IT" dirty="0"/>
+          </a:p>
+        </p:txBody>
+      </p:sp>
+    </p:spTree>
+    <p:extLst>
+      <p:ext uri="{BB962C8B-B14F-4D97-AF65-F5344CB8AC3E}">
+        <p14:creationId xmlns:p14="http://schemas.microsoft.com/office/powerpoint/2010/main" val="3606346525"/>
+      </p:ext>
+    </p:extLst>
+  </p:cSld>
+  <p:clrMapOvr>
+    <a:masterClrMapping/>
+  </p:clrMapOvr>
+</p:sld>
+</file>
+
+<file path=ppt/slides/slide21.xml><?xml version="1.0" encoding="utf-8"?>
+<p:sld xmlns:a="http://schemas.openxmlformats.org/drawingml/2006/main" xmlns:r="http://schemas.openxmlformats.org/officeDocument/2006/relationships" xmlns:p="http://schemas.openxmlformats.org/presentationml/2006/main">
+  <p:cSld>
+    <p:spTree>
+      <p:nvGrpSpPr>
+        <p:cNvPr id="1" name=""/>
+        <p:cNvGrpSpPr/>
+        <p:nvPr/>
+      </p:nvGrpSpPr>
+      <p:grpSpPr>
+        <a:xfrm>
+          <a:off x="0" y="0"/>
+          <a:ext cx="0" cy="0"/>
+          <a:chOff x="0" y="0"/>
+          <a:chExt cx="0" cy="0"/>
+        </a:xfrm>
+      </p:grpSpPr>
+      <p:sp>
+        <p:nvSpPr>
+          <p:cNvPr id="2" name="Titolo 1">
+            <a:extLst>
+              <a:ext uri="{FF2B5EF4-FFF2-40B4-BE49-F238E27FC236}">
+                <a16:creationId xmlns:a16="http://schemas.microsoft.com/office/drawing/2014/main" id="{ED10068F-7A38-4E22-A34F-0709DB48EDF5}"/>
+              </a:ext>
+            </a:extLst>
+          </p:cNvPr>
+          <p:cNvSpPr>
+            <a:spLocks noGrp="1"/>
+          </p:cNvSpPr>
+          <p:nvPr>
+            <p:ph type="title"/>
+          </p:nvPr>
+        </p:nvSpPr>
+        <p:spPr/>
+        <p:txBody>
+          <a:bodyPr/>
+          <a:lstStyle/>
+          <a:p>
+            <a:r>
+              <a:rPr lang="it-IT" dirty="0"/>
+              <a:t>esempio</a:t>
+            </a:r>
+          </a:p>
+        </p:txBody>
+      </p:sp>
+      <p:sp>
+        <p:nvSpPr>
+          <p:cNvPr id="3" name="Segnaposto contenuto 2">
+            <a:extLst>
+              <a:ext uri="{FF2B5EF4-FFF2-40B4-BE49-F238E27FC236}">
+                <a16:creationId xmlns:a16="http://schemas.microsoft.com/office/drawing/2014/main" id="{848E3C29-5358-4E2A-85D0-7B9799A1F0AE}"/>
+              </a:ext>
+            </a:extLst>
+          </p:cNvPr>
+          <p:cNvSpPr>
+            <a:spLocks noGrp="1"/>
+          </p:cNvSpPr>
+          <p:nvPr>
+            <p:ph idx="1"/>
+          </p:nvPr>
+        </p:nvSpPr>
+        <p:spPr/>
+        <p:txBody>
+          <a:bodyPr/>
+          <a:lstStyle/>
+          <a:p>
+            <a:pPr marL="0" indent="0">
+              <a:buNone/>
+            </a:pPr>
+            <a:r>
+              <a:rPr lang="it-IT" sz="1800" b="1" dirty="0" err="1">
+                <a:latin typeface="Courier New" panose="02070309020205020404" pitchFamily="49" charset="0"/>
+                <a:cs typeface="Courier New" panose="02070309020205020404" pitchFamily="49" charset="0"/>
+              </a:rPr>
+              <a:t>void</a:t>
+            </a:r>
+            <a:r>
+              <a:rPr lang="it-IT" sz="1800" b="1" dirty="0">
+                <a:latin typeface="Courier New" panose="02070309020205020404" pitchFamily="49" charset="0"/>
+                <a:cs typeface="Courier New" panose="02070309020205020404" pitchFamily="49" charset="0"/>
+              </a:rPr>
+              <a:t> </a:t>
+            </a:r>
+            <a:r>
+              <a:rPr lang="it-IT" sz="1800" b="1" dirty="0" err="1">
+                <a:latin typeface="Courier New" panose="02070309020205020404" pitchFamily="49" charset="0"/>
+                <a:cs typeface="Courier New" panose="02070309020205020404" pitchFamily="49" charset="0"/>
+              </a:rPr>
+              <a:t>sommaRighe</a:t>
+            </a:r>
+            <a:r>
+              <a:rPr lang="it-IT" sz="1800" b="1" dirty="0">
+                <a:latin typeface="Courier New" panose="02070309020205020404" pitchFamily="49" charset="0"/>
+                <a:cs typeface="Courier New" panose="02070309020205020404" pitchFamily="49" charset="0"/>
+              </a:rPr>
+              <a:t>(</a:t>
+            </a:r>
+            <a:r>
+              <a:rPr lang="it-IT" sz="1800" b="1" dirty="0">
+                <a:solidFill>
+                  <a:srgbClr val="FF0000"/>
+                </a:solidFill>
+                <a:latin typeface="Courier New" panose="02070309020205020404" pitchFamily="49" charset="0"/>
+                <a:cs typeface="Courier New" panose="02070309020205020404" pitchFamily="49" charset="0"/>
+              </a:rPr>
+              <a:t>double m[][10]</a:t>
+            </a:r>
+            <a:r>
+              <a:rPr lang="it-IT" sz="1800" b="1" dirty="0">
+                <a:latin typeface="Courier New" panose="02070309020205020404" pitchFamily="49" charset="0"/>
+                <a:cs typeface="Courier New" panose="02070309020205020404" pitchFamily="49" charset="0"/>
+              </a:rPr>
+              <a:t>, </a:t>
+            </a:r>
+            <a:r>
+              <a:rPr lang="it-IT" sz="1800" b="1" dirty="0" err="1">
+                <a:latin typeface="Courier New" panose="02070309020205020404" pitchFamily="49" charset="0"/>
+                <a:cs typeface="Courier New" panose="02070309020205020404" pitchFamily="49" charset="0"/>
+              </a:rPr>
+              <a:t>int</a:t>
+            </a:r>
+            <a:r>
+              <a:rPr lang="it-IT" sz="1800" b="1" dirty="0">
+                <a:latin typeface="Courier New" panose="02070309020205020404" pitchFamily="49" charset="0"/>
+                <a:cs typeface="Courier New" panose="02070309020205020404" pitchFamily="49" charset="0"/>
+              </a:rPr>
+              <a:t> </a:t>
+            </a:r>
+            <a:r>
+              <a:rPr lang="it-IT" sz="1800" b="1" dirty="0">
+                <a:solidFill>
+                  <a:srgbClr val="FF0000"/>
+                </a:solidFill>
+                <a:latin typeface="Courier New" panose="02070309020205020404" pitchFamily="49" charset="0"/>
+                <a:cs typeface="Courier New" panose="02070309020205020404" pitchFamily="49" charset="0"/>
+              </a:rPr>
+              <a:t>nr</a:t>
+            </a:r>
+            <a:r>
+              <a:rPr lang="it-IT" sz="1800" b="1" dirty="0">
+                <a:latin typeface="Courier New" panose="02070309020205020404" pitchFamily="49" charset="0"/>
+                <a:cs typeface="Courier New" panose="02070309020205020404" pitchFamily="49" charset="0"/>
+              </a:rPr>
+              <a:t>, double somma[]) {</a:t>
+            </a:r>
+          </a:p>
+          <a:p>
+            <a:pPr marL="0" indent="0">
+              <a:buNone/>
+            </a:pPr>
+            <a:r>
+              <a:rPr lang="it-IT" sz="1800" b="1" dirty="0">
+                <a:latin typeface="Courier New" panose="02070309020205020404" pitchFamily="49" charset="0"/>
+                <a:cs typeface="Courier New" panose="02070309020205020404" pitchFamily="49" charset="0"/>
+              </a:rPr>
+              <a:t>   double s; // somma</a:t>
+            </a:r>
+          </a:p>
+          <a:p>
+            <a:pPr marL="0" indent="0">
+              <a:buNone/>
+            </a:pPr>
+            <a:r>
+              <a:rPr lang="it-IT" sz="1800" b="1" dirty="0">
+                <a:latin typeface="Courier New" panose="02070309020205020404" pitchFamily="49" charset="0"/>
+                <a:cs typeface="Courier New" panose="02070309020205020404" pitchFamily="49" charset="0"/>
+              </a:rPr>
+              <a:t>   </a:t>
+            </a:r>
+            <a:r>
+              <a:rPr lang="it-IT" sz="1800" b="1" dirty="0" err="1">
+                <a:latin typeface="Courier New" panose="02070309020205020404" pitchFamily="49" charset="0"/>
+                <a:cs typeface="Courier New" panose="02070309020205020404" pitchFamily="49" charset="0"/>
+              </a:rPr>
+              <a:t>int</a:t>
+            </a:r>
+            <a:r>
+              <a:rPr lang="it-IT" sz="1800" b="1" dirty="0">
+                <a:latin typeface="Courier New" panose="02070309020205020404" pitchFamily="49" charset="0"/>
+                <a:cs typeface="Courier New" panose="02070309020205020404" pitchFamily="49" charset="0"/>
+              </a:rPr>
+              <a:t> </a:t>
+            </a:r>
+            <a:r>
+              <a:rPr lang="it-IT" sz="1800" b="1" dirty="0" err="1">
+                <a:latin typeface="Courier New" panose="02070309020205020404" pitchFamily="49" charset="0"/>
+                <a:cs typeface="Courier New" panose="02070309020205020404" pitchFamily="49" charset="0"/>
+              </a:rPr>
+              <a:t>r,c</a:t>
+            </a:r>
+            <a:r>
+              <a:rPr lang="it-IT" sz="1800" b="1" dirty="0">
+                <a:latin typeface="Courier New" panose="02070309020205020404" pitchFamily="49" charset="0"/>
+                <a:cs typeface="Courier New" panose="02070309020205020404" pitchFamily="49" charset="0"/>
+              </a:rPr>
+              <a:t>;	// indici di riga e colonna</a:t>
+            </a:r>
+          </a:p>
+          <a:p>
+            <a:pPr marL="0" indent="0">
+              <a:buNone/>
+            </a:pPr>
+            <a:r>
+              <a:rPr lang="it-IT" sz="1800" b="1" dirty="0">
+                <a:latin typeface="Courier New" panose="02070309020205020404" pitchFamily="49" charset="0"/>
+                <a:cs typeface="Courier New" panose="02070309020205020404" pitchFamily="49" charset="0"/>
+              </a:rPr>
+              <a:t>   for(r=0;r&lt;</a:t>
+            </a:r>
+            <a:r>
+              <a:rPr lang="it-IT" sz="1800" b="1" dirty="0" err="1">
+                <a:latin typeface="Courier New" panose="02070309020205020404" pitchFamily="49" charset="0"/>
+                <a:cs typeface="Courier New" panose="02070309020205020404" pitchFamily="49" charset="0"/>
+              </a:rPr>
+              <a:t>nr;r</a:t>
+            </a:r>
+            <a:r>
+              <a:rPr lang="it-IT" sz="1800" b="1" dirty="0">
+                <a:latin typeface="Courier New" panose="02070309020205020404" pitchFamily="49" charset="0"/>
+                <a:cs typeface="Courier New" panose="02070309020205020404" pitchFamily="49" charset="0"/>
+              </a:rPr>
+              <a:t>++) {	// per ogni riga</a:t>
+            </a:r>
+          </a:p>
+          <a:p>
+            <a:pPr marL="0" indent="0">
+              <a:buNone/>
+            </a:pPr>
+            <a:r>
+              <a:rPr lang="it-IT" sz="1800" b="1" dirty="0">
+                <a:latin typeface="Courier New" panose="02070309020205020404" pitchFamily="49" charset="0"/>
+                <a:cs typeface="Courier New" panose="02070309020205020404" pitchFamily="49" charset="0"/>
+              </a:rPr>
+              <a:t>      s = 0.0;		// inizializzazione somma </a:t>
+            </a:r>
+          </a:p>
+          <a:p>
+            <a:pPr marL="0" indent="0">
+              <a:buNone/>
+            </a:pPr>
+            <a:r>
+              <a:rPr lang="it-IT" sz="1800" b="1" dirty="0">
+                <a:latin typeface="Courier New" panose="02070309020205020404" pitchFamily="49" charset="0"/>
+                <a:cs typeface="Courier New" panose="02070309020205020404" pitchFamily="49" charset="0"/>
+              </a:rPr>
+              <a:t>      for (c=0;c&lt;10;c++)	// per ogni elemento della riga</a:t>
+            </a:r>
+          </a:p>
+          <a:p>
+            <a:pPr marL="0" indent="0">
+              <a:buNone/>
+            </a:pPr>
+            <a:r>
+              <a:rPr lang="it-IT" sz="1800" b="1" dirty="0">
+                <a:latin typeface="Courier New" panose="02070309020205020404" pitchFamily="49" charset="0"/>
+                <a:cs typeface="Courier New" panose="02070309020205020404" pitchFamily="49" charset="0"/>
+              </a:rPr>
+              <a:t>            s = s+ m[r][c];</a:t>
+            </a:r>
+          </a:p>
+          <a:p>
+            <a:pPr marL="0" indent="0">
+              <a:buNone/>
+            </a:pPr>
+            <a:r>
+              <a:rPr lang="it-IT" sz="1800" b="1" dirty="0">
+                <a:latin typeface="Courier New" panose="02070309020205020404" pitchFamily="49" charset="0"/>
+                <a:cs typeface="Courier New" panose="02070309020205020404" pitchFamily="49" charset="0"/>
+              </a:rPr>
+              <a:t>      somma[r] = s;</a:t>
+            </a:r>
+          </a:p>
+          <a:p>
+            <a:pPr marL="0" indent="0">
+              <a:buNone/>
+            </a:pPr>
+            <a:r>
+              <a:rPr lang="it-IT" sz="1800" b="1" dirty="0">
+                <a:latin typeface="Courier New" panose="02070309020205020404" pitchFamily="49" charset="0"/>
+                <a:cs typeface="Courier New" panose="02070309020205020404" pitchFamily="49" charset="0"/>
+              </a:rPr>
+              <a:t>   }</a:t>
+            </a:r>
+          </a:p>
+          <a:p>
+            <a:pPr marL="0" indent="0">
+              <a:buNone/>
+            </a:pPr>
+            <a:r>
+              <a:rPr lang="it-IT" sz="1800" b="1" dirty="0">
+                <a:latin typeface="Courier New" panose="02070309020205020404" pitchFamily="49" charset="0"/>
+                <a:cs typeface="Courier New" panose="02070309020205020404" pitchFamily="49" charset="0"/>
+              </a:rPr>
+              <a:t>}</a:t>
+            </a:r>
+          </a:p>
+          <a:p>
+            <a:pPr marL="0" indent="0">
+              <a:buNone/>
+            </a:pPr>
+            <a:endParaRPr lang="it-IT" sz="1800" b="1" dirty="0">
+              <a:latin typeface="Courier New" panose="02070309020205020404" pitchFamily="49" charset="0"/>
+              <a:cs typeface="Courier New" panose="02070309020205020404" pitchFamily="49" charset="0"/>
+            </a:endParaRPr>
+          </a:p>
+        </p:txBody>
+      </p:sp>
+      <p:sp>
+        <p:nvSpPr>
+          <p:cNvPr id="4" name="Segnaposto piè di pagina 3">
+            <a:extLst>
+              <a:ext uri="{FF2B5EF4-FFF2-40B4-BE49-F238E27FC236}">
+                <a16:creationId xmlns:a16="http://schemas.microsoft.com/office/drawing/2014/main" id="{39F8D3DD-6BC4-4C22-96FD-2774486E1015}"/>
+              </a:ext>
+            </a:extLst>
+          </p:cNvPr>
+          <p:cNvSpPr>
+            <a:spLocks noGrp="1"/>
+          </p:cNvSpPr>
+          <p:nvPr>
+            <p:ph type="ftr" sz="quarter" idx="11"/>
+          </p:nvPr>
+        </p:nvSpPr>
+        <p:spPr/>
+        <p:txBody>
+          <a:bodyPr/>
+          <a:lstStyle/>
+          <a:p>
+            <a:pPr>
+              <a:defRPr/>
+            </a:pPr>
+            <a:r>
+              <a:rPr lang="it-IT"/>
+              <a:t>Alberto Ferrari – Programmazione di applicazioni SW</a:t>
+            </a:r>
+            <a:endParaRPr lang="it-IT" dirty="0"/>
+          </a:p>
+        </p:txBody>
+      </p:sp>
+    </p:spTree>
+    <p:extLst>
+      <p:ext uri="{BB962C8B-B14F-4D97-AF65-F5344CB8AC3E}">
+        <p14:creationId xmlns:p14="http://schemas.microsoft.com/office/powerpoint/2010/main" val="1292506852"/>
+      </p:ext>
+    </p:extLst>
+  </p:cSld>
+  <p:clrMapOvr>
+    <a:masterClrMapping/>
+  </p:clrMapOvr>
+</p:sld>
+</file>
+
+<file path=ppt/slides/slide22.xml><?xml version="1.0" encoding="utf-8"?>
+<p:sld xmlns:a="http://schemas.openxmlformats.org/drawingml/2006/main" xmlns:r="http://schemas.openxmlformats.org/officeDocument/2006/relationships" xmlns:p="http://schemas.openxmlformats.org/presentationml/2006/main">
+  <p:cSld>
+    <p:spTree>
+      <p:nvGrpSpPr>
+        <p:cNvPr id="1" name=""/>
+        <p:cNvGrpSpPr/>
+        <p:nvPr/>
+      </p:nvGrpSpPr>
+      <p:grpSpPr>
+        <a:xfrm>
+          <a:off x="0" y="0"/>
+          <a:ext cx="0" cy="0"/>
+          <a:chOff x="0" y="0"/>
+          <a:chExt cx="0" cy="0"/>
+        </a:xfrm>
+      </p:grpSpPr>
+      <p:sp>
+        <p:nvSpPr>
+          <p:cNvPr id="2" name="Titolo 1">
+            <a:extLst>
+              <a:ext uri="{FF2B5EF4-FFF2-40B4-BE49-F238E27FC236}">
+                <a16:creationId xmlns:a16="http://schemas.microsoft.com/office/drawing/2014/main" id="{DCB174E2-72E1-4F85-8985-512A862D2166}"/>
+              </a:ext>
+            </a:extLst>
+          </p:cNvPr>
+          <p:cNvSpPr>
+            <a:spLocks noGrp="1"/>
+          </p:cNvSpPr>
+          <p:nvPr>
+            <p:ph type="title"/>
+          </p:nvPr>
+        </p:nvSpPr>
+        <p:spPr/>
+        <p:txBody>
+          <a:bodyPr/>
+          <a:lstStyle/>
+          <a:p>
+            <a:r>
+              <a:rPr lang="it-IT" dirty="0" err="1"/>
+              <a:t>overloading</a:t>
+            </a:r>
+            <a:endParaRPr lang="it-IT" dirty="0"/>
+          </a:p>
+        </p:txBody>
+      </p:sp>
+      <p:sp>
+        <p:nvSpPr>
+          <p:cNvPr id="3" name="Segnaposto contenuto 2">
+            <a:extLst>
+              <a:ext uri="{FF2B5EF4-FFF2-40B4-BE49-F238E27FC236}">
+                <a16:creationId xmlns:a16="http://schemas.microsoft.com/office/drawing/2014/main" id="{3644B1E5-BE18-4030-8813-407F41D24EAB}"/>
+              </a:ext>
+            </a:extLst>
+          </p:cNvPr>
+          <p:cNvSpPr>
+            <a:spLocks noGrp="1"/>
+          </p:cNvSpPr>
+          <p:nvPr>
+            <p:ph idx="1"/>
+          </p:nvPr>
+        </p:nvSpPr>
+        <p:spPr/>
+        <p:txBody>
+          <a:bodyPr/>
+          <a:lstStyle/>
+          <a:p>
+            <a:r>
+              <a:rPr lang="it-IT" dirty="0"/>
+              <a:t>una famiglia di funzioni aventi lo </a:t>
+            </a:r>
+            <a:r>
+              <a:rPr lang="it-IT" b="1" i="1" dirty="0"/>
+              <a:t>stesso nome</a:t>
+            </a:r>
+            <a:r>
+              <a:rPr lang="it-IT" dirty="0"/>
+              <a:t>, ma un </a:t>
+            </a:r>
+            <a:r>
+              <a:rPr lang="it-IT" b="1" i="1" dirty="0"/>
+              <a:t>diverso</a:t>
+            </a:r>
+            <a:r>
+              <a:rPr lang="it-IT" dirty="0"/>
+              <a:t> set di argomenti (</a:t>
+            </a:r>
+            <a:r>
+              <a:rPr lang="it-IT" b="1" i="1" dirty="0"/>
+              <a:t>signature</a:t>
+            </a:r>
+            <a:r>
+              <a:rPr lang="it-IT" dirty="0"/>
+              <a:t>) è detta in rapporto di </a:t>
+            </a:r>
+            <a:r>
+              <a:rPr lang="it-IT" b="1" i="1" dirty="0" err="1"/>
+              <a:t>overloading</a:t>
+            </a:r>
+            <a:r>
+              <a:rPr lang="it-IT" dirty="0"/>
+              <a:t>, o </a:t>
+            </a:r>
+            <a:r>
+              <a:rPr lang="it-IT" b="1" i="1" dirty="0"/>
+              <a:t>sovraccaricata</a:t>
+            </a:r>
+            <a:endParaRPr lang="it-IT" dirty="0"/>
+          </a:p>
+          <a:p>
+            <a:r>
+              <a:rPr lang="it-IT" dirty="0"/>
+              <a:t>si può parlare di </a:t>
+            </a:r>
+            <a:r>
+              <a:rPr lang="it-IT" dirty="0" err="1"/>
+              <a:t>overloading</a:t>
+            </a:r>
+            <a:r>
+              <a:rPr lang="it-IT" dirty="0"/>
+              <a:t> di </a:t>
+            </a:r>
+            <a:r>
+              <a:rPr lang="it-IT" b="1" i="1" dirty="0"/>
+              <a:t>funzioni</a:t>
+            </a:r>
+            <a:r>
+              <a:rPr lang="it-IT" dirty="0"/>
+              <a:t>, di </a:t>
+            </a:r>
+            <a:r>
+              <a:rPr lang="it-IT" b="1" i="1" dirty="0"/>
+              <a:t>costruttori</a:t>
+            </a:r>
+            <a:r>
+              <a:rPr lang="it-IT" dirty="0"/>
+              <a:t> e di </a:t>
+            </a:r>
+            <a:r>
+              <a:rPr lang="it-IT" b="1" i="1" dirty="0"/>
+              <a:t>operatori</a:t>
+            </a:r>
+            <a:r>
+              <a:rPr lang="it-IT" dirty="0"/>
+              <a:t> </a:t>
+            </a:r>
+          </a:p>
+          <a:p>
+            <a:r>
+              <a:rPr lang="it-IT" i="1" dirty="0"/>
+              <a:t>sovraccaricare il costruttore di una classe è una pratica comune per gli sviluppatori di librerie, in quanto permette di fornire allo sviluppatore finale diverse modalità per inizializzare gli oggetti.</a:t>
+            </a:r>
+          </a:p>
+          <a:p>
+            <a:r>
+              <a:rPr lang="it-IT" dirty="0"/>
+              <a:t>in C++ è ammesso l’</a:t>
+            </a:r>
+            <a:r>
+              <a:rPr lang="it-IT" b="1" i="1" dirty="0" err="1"/>
+              <a:t>overloading</a:t>
+            </a:r>
+            <a:r>
+              <a:rPr lang="it-IT" b="1" i="1" dirty="0"/>
+              <a:t> degli operatori</a:t>
+            </a:r>
+          </a:p>
+          <a:p>
+            <a:endParaRPr lang="it-IT" dirty="0"/>
+          </a:p>
+        </p:txBody>
+      </p:sp>
+      <p:sp>
+        <p:nvSpPr>
+          <p:cNvPr id="4" name="Segnaposto piè di pagina 3">
+            <a:extLst>
+              <a:ext uri="{FF2B5EF4-FFF2-40B4-BE49-F238E27FC236}">
+                <a16:creationId xmlns:a16="http://schemas.microsoft.com/office/drawing/2014/main" id="{C860B7F3-00C0-4394-BD6E-979D7C345F45}"/>
+              </a:ext>
+            </a:extLst>
+          </p:cNvPr>
+          <p:cNvSpPr>
+            <a:spLocks noGrp="1"/>
+          </p:cNvSpPr>
+          <p:nvPr>
+            <p:ph type="ftr" sz="quarter" idx="11"/>
+          </p:nvPr>
+        </p:nvSpPr>
+        <p:spPr/>
+        <p:txBody>
+          <a:bodyPr/>
+          <a:lstStyle/>
+          <a:p>
+            <a:pPr>
+              <a:defRPr/>
+            </a:pPr>
+            <a:r>
+              <a:rPr lang="it-IT"/>
+              <a:t>Alberto Ferrari – Programmazione di applicazioni SW</a:t>
+            </a:r>
+            <a:endParaRPr lang="it-IT" dirty="0"/>
+          </a:p>
+        </p:txBody>
+      </p:sp>
+    </p:spTree>
+    <p:extLst>
+      <p:ext uri="{BB962C8B-B14F-4D97-AF65-F5344CB8AC3E}">
+        <p14:creationId xmlns:p14="http://schemas.microsoft.com/office/powerpoint/2010/main" val="106901724"/>
+      </p:ext>
+    </p:extLst>
+  </p:cSld>
+  <p:clrMapOvr>
+    <a:masterClrMapping/>
+  </p:clrMapOvr>
+</p:sld>
+</file>
+
+<file path=ppt/slides/slide23.xml><?xml version="1.0" encoding="utf-8"?>
+<p:sld xmlns:a="http://schemas.openxmlformats.org/drawingml/2006/main" xmlns:r="http://schemas.openxmlformats.org/officeDocument/2006/relationships" xmlns:p="http://schemas.openxmlformats.org/presentationml/2006/main">
+  <p:cSld>
+    <p:spTree>
+      <p:nvGrpSpPr>
+        <p:cNvPr id="1" name=""/>
+        <p:cNvGrpSpPr/>
+        <p:nvPr/>
+      </p:nvGrpSpPr>
+      <p:grpSpPr>
+        <a:xfrm>
+          <a:off x="0" y="0"/>
+          <a:ext cx="0" cy="0"/>
+          <a:chOff x="0" y="0"/>
+          <a:chExt cx="0" cy="0"/>
+        </a:xfrm>
+      </p:grpSpPr>
+      <p:sp>
+        <p:nvSpPr>
+          <p:cNvPr id="5" name="Titolo 4">
+            <a:extLst>
+              <a:ext uri="{FF2B5EF4-FFF2-40B4-BE49-F238E27FC236}">
+                <a16:creationId xmlns:a16="http://schemas.microsoft.com/office/drawing/2014/main" id="{831F2D55-AF0D-4EA3-BD2E-107B657F985C}"/>
+              </a:ext>
+            </a:extLst>
+          </p:cNvPr>
+          <p:cNvSpPr>
+            <a:spLocks noGrp="1"/>
+          </p:cNvSpPr>
+          <p:nvPr>
+            <p:ph type="title"/>
+          </p:nvPr>
+        </p:nvSpPr>
+        <p:spPr/>
+        <p:txBody>
+          <a:bodyPr/>
+          <a:lstStyle/>
+          <a:p>
+            <a:r>
+              <a:rPr lang="it-IT" dirty="0" err="1"/>
+              <a:t>string</a:t>
+            </a:r>
+            <a:endParaRPr lang="it-IT" dirty="0"/>
+          </a:p>
+        </p:txBody>
+      </p:sp>
+      <p:sp>
+        <p:nvSpPr>
+          <p:cNvPr id="6" name="Segnaposto testo 5">
+            <a:extLst>
+              <a:ext uri="{FF2B5EF4-FFF2-40B4-BE49-F238E27FC236}">
+                <a16:creationId xmlns:a16="http://schemas.microsoft.com/office/drawing/2014/main" id="{333EB6C8-2F0F-4F6F-AD5E-646BF6E01BB4}"/>
+              </a:ext>
+            </a:extLst>
+          </p:cNvPr>
+          <p:cNvSpPr>
+            <a:spLocks noGrp="1"/>
+          </p:cNvSpPr>
+          <p:nvPr>
+            <p:ph type="body" idx="1"/>
+          </p:nvPr>
+        </p:nvSpPr>
+        <p:spPr/>
+        <p:txBody>
+          <a:bodyPr/>
+          <a:lstStyle/>
+          <a:p>
+            <a:r>
+              <a:rPr lang="it-IT" dirty="0"/>
+              <a:t>la classe</a:t>
+            </a:r>
+          </a:p>
+        </p:txBody>
+      </p:sp>
+      <p:sp>
+        <p:nvSpPr>
+          <p:cNvPr id="4" name="Segnaposto piè di pagina 3">
+            <a:extLst>
+              <a:ext uri="{FF2B5EF4-FFF2-40B4-BE49-F238E27FC236}">
+                <a16:creationId xmlns:a16="http://schemas.microsoft.com/office/drawing/2014/main" id="{BD83B713-A307-4760-B7D3-C11C6B2F52F4}"/>
+              </a:ext>
+            </a:extLst>
+          </p:cNvPr>
+          <p:cNvSpPr>
+            <a:spLocks noGrp="1"/>
+          </p:cNvSpPr>
+          <p:nvPr>
+            <p:ph type="ftr" sz="quarter" idx="11"/>
+          </p:nvPr>
+        </p:nvSpPr>
+        <p:spPr/>
+        <p:txBody>
+          <a:bodyPr/>
+          <a:lstStyle/>
+          <a:p>
+            <a:pPr>
+              <a:defRPr/>
+            </a:pPr>
+            <a:r>
+              <a:rPr lang="it-IT"/>
+              <a:t>Alberto Ferrari – Programmazione di applicazioni SW</a:t>
+            </a:r>
+            <a:endParaRPr lang="it-IT" dirty="0"/>
+          </a:p>
+        </p:txBody>
+      </p:sp>
+    </p:spTree>
+    <p:extLst>
+      <p:ext uri="{BB962C8B-B14F-4D97-AF65-F5344CB8AC3E}">
+        <p14:creationId xmlns:p14="http://schemas.microsoft.com/office/powerpoint/2010/main" val="2901499911"/>
+      </p:ext>
+    </p:extLst>
+  </p:cSld>
+  <p:clrMapOvr>
+    <a:masterClrMapping/>
+  </p:clrMapOvr>
+</p:sld>
+</file>
+
+<file path=ppt/slides/slide24.xml><?xml version="1.0" encoding="utf-8"?>
+<p:sld xmlns:a="http://schemas.openxmlformats.org/drawingml/2006/main" xmlns:r="http://schemas.openxmlformats.org/officeDocument/2006/relationships" xmlns:p="http://schemas.openxmlformats.org/presentationml/2006/main">
+  <p:cSld>
+    <p:spTree>
+      <p:nvGrpSpPr>
+        <p:cNvPr id="1" name=""/>
+        <p:cNvGrpSpPr/>
+        <p:nvPr/>
+      </p:nvGrpSpPr>
+      <p:grpSpPr>
+        <a:xfrm>
+          <a:off x="0" y="0"/>
+          <a:ext cx="0" cy="0"/>
+          <a:chOff x="0" y="0"/>
+          <a:chExt cx="0" cy="0"/>
+        </a:xfrm>
+      </p:grpSpPr>
+      <p:sp>
+        <p:nvSpPr>
+          <p:cNvPr id="5" name="Titolo 4">
+            <a:extLst>
+              <a:ext uri="{FF2B5EF4-FFF2-40B4-BE49-F238E27FC236}">
+                <a16:creationId xmlns:a16="http://schemas.microsoft.com/office/drawing/2014/main" id="{526A28B0-6E2B-4CAA-8D75-A395D88AF303}"/>
+              </a:ext>
+            </a:extLst>
+          </p:cNvPr>
+          <p:cNvSpPr>
+            <a:spLocks noGrp="1"/>
+          </p:cNvSpPr>
+          <p:nvPr>
+            <p:ph type="title"/>
+          </p:nvPr>
+        </p:nvSpPr>
+        <p:spPr/>
+        <p:txBody>
+          <a:bodyPr/>
+          <a:lstStyle/>
+          <a:p>
+            <a:r>
+              <a:rPr lang="it-IT" dirty="0" err="1"/>
+              <a:t>string</a:t>
+            </a:r>
+            <a:endParaRPr lang="it-IT" dirty="0"/>
+          </a:p>
+        </p:txBody>
+      </p:sp>
+      <p:sp>
+        <p:nvSpPr>
+          <p:cNvPr id="6" name="Segnaposto contenuto 5">
+            <a:extLst>
+              <a:ext uri="{FF2B5EF4-FFF2-40B4-BE49-F238E27FC236}">
+                <a16:creationId xmlns:a16="http://schemas.microsoft.com/office/drawing/2014/main" id="{FFB4074B-B42D-4819-9B0D-4887741C243B}"/>
+              </a:ext>
+            </a:extLst>
+          </p:cNvPr>
+          <p:cNvSpPr>
+            <a:spLocks noGrp="1"/>
+          </p:cNvSpPr>
+          <p:nvPr>
+            <p:ph idx="1"/>
+          </p:nvPr>
+        </p:nvSpPr>
+        <p:spPr/>
+        <p:txBody>
+          <a:bodyPr/>
+          <a:lstStyle/>
+          <a:p>
+            <a:r>
+              <a:rPr lang="it-IT" dirty="0"/>
+              <a:t>una stringa è una sequenza di 0 o più caratteri racchiusi fra doppi apici</a:t>
+            </a:r>
+          </a:p>
+          <a:p>
+            <a:pPr lvl="1"/>
+            <a:r>
+              <a:rPr lang="it-IT" b="1" dirty="0" err="1">
+                <a:latin typeface="Courier New" panose="02070309020205020404" pitchFamily="49" charset="0"/>
+                <a:cs typeface="Courier New" panose="02070309020205020404" pitchFamily="49" charset="0"/>
+              </a:rPr>
+              <a:t>string</a:t>
+            </a:r>
+            <a:r>
+              <a:rPr lang="it-IT" b="1" dirty="0">
+                <a:latin typeface="Courier New" panose="02070309020205020404" pitchFamily="49" charset="0"/>
+                <a:cs typeface="Courier New" panose="02070309020205020404" pitchFamily="49" charset="0"/>
+              </a:rPr>
+              <a:t> corso = "programmazione di applicazioni software";</a:t>
+            </a:r>
+          </a:p>
+          <a:p>
+            <a:r>
+              <a:rPr lang="it-IT" dirty="0"/>
+              <a:t>la classe </a:t>
+            </a:r>
+            <a:r>
+              <a:rPr lang="it-IT" dirty="0" err="1"/>
+              <a:t>string</a:t>
+            </a:r>
+            <a:r>
+              <a:rPr lang="it-IT" dirty="0"/>
+              <a:t> non fa parte del linguaggio C++ ma è inclusa nella libreria standard</a:t>
+            </a:r>
+          </a:p>
+          <a:p>
+            <a:r>
+              <a:rPr lang="it-IT" dirty="0"/>
+              <a:t>per utilizzare oggetti della classe </a:t>
+            </a:r>
+            <a:r>
+              <a:rPr lang="it-IT" dirty="0" err="1"/>
+              <a:t>string</a:t>
+            </a:r>
+            <a:r>
+              <a:rPr lang="it-IT" dirty="0"/>
+              <a:t> (variabili di tipo </a:t>
+            </a:r>
+            <a:r>
+              <a:rPr lang="it-IT" dirty="0" err="1"/>
+              <a:t>string</a:t>
+            </a:r>
+            <a:r>
+              <a:rPr lang="it-IT" dirty="0"/>
+              <a:t>) è necessario includere la libreria</a:t>
+            </a:r>
+          </a:p>
+          <a:p>
+            <a:pPr lvl="1"/>
+            <a:r>
+              <a:rPr lang="it-IT" b="1" dirty="0">
+                <a:latin typeface="Courier New" panose="02070309020205020404" pitchFamily="49" charset="0"/>
+                <a:cs typeface="Courier New" panose="02070309020205020404" pitchFamily="49" charset="0"/>
+              </a:rPr>
+              <a:t>#include &lt;</a:t>
+            </a:r>
+            <a:r>
+              <a:rPr lang="it-IT" b="1" dirty="0" err="1">
+                <a:latin typeface="Courier New" panose="02070309020205020404" pitchFamily="49" charset="0"/>
+                <a:cs typeface="Courier New" panose="02070309020205020404" pitchFamily="49" charset="0"/>
+              </a:rPr>
+              <a:t>string</a:t>
+            </a:r>
+            <a:r>
+              <a:rPr lang="it-IT" b="1" dirty="0">
+                <a:latin typeface="Courier New" panose="02070309020205020404" pitchFamily="49" charset="0"/>
+                <a:cs typeface="Courier New" panose="02070309020205020404" pitchFamily="49" charset="0"/>
+              </a:rPr>
+              <a:t>&gt;</a:t>
+            </a:r>
+          </a:p>
+        </p:txBody>
+      </p:sp>
+      <p:sp>
+        <p:nvSpPr>
+          <p:cNvPr id="4" name="Segnaposto piè di pagina 3">
+            <a:extLst>
+              <a:ext uri="{FF2B5EF4-FFF2-40B4-BE49-F238E27FC236}">
+                <a16:creationId xmlns:a16="http://schemas.microsoft.com/office/drawing/2014/main" id="{062BF134-F9EE-44D1-94C3-78399C525F20}"/>
+              </a:ext>
+            </a:extLst>
+          </p:cNvPr>
+          <p:cNvSpPr>
+            <a:spLocks noGrp="1"/>
+          </p:cNvSpPr>
+          <p:nvPr>
+            <p:ph type="ftr" sz="quarter" idx="11"/>
+          </p:nvPr>
+        </p:nvSpPr>
+        <p:spPr/>
+        <p:txBody>
+          <a:bodyPr/>
+          <a:lstStyle/>
+          <a:p>
+            <a:pPr>
+              <a:defRPr/>
+            </a:pPr>
+            <a:r>
+              <a:rPr lang="it-IT"/>
+              <a:t>Alberto Ferrari – Programmazione di applicazioni SW</a:t>
+            </a:r>
+            <a:endParaRPr lang="it-IT" dirty="0"/>
+          </a:p>
+        </p:txBody>
+      </p:sp>
+    </p:spTree>
+    <p:extLst>
+      <p:ext uri="{BB962C8B-B14F-4D97-AF65-F5344CB8AC3E}">
+        <p14:creationId xmlns:p14="http://schemas.microsoft.com/office/powerpoint/2010/main" val="3867450290"/>
+      </p:ext>
+    </p:extLst>
+  </p:cSld>
+  <p:clrMapOvr>
+    <a:masterClrMapping/>
+  </p:clrMapOvr>
+</p:sld>
+</file>
+
+<file path=ppt/slides/slide25.xml><?xml version="1.0" encoding="utf-8"?>
+<p:sld xmlns:a="http://schemas.openxmlformats.org/drawingml/2006/main" xmlns:r="http://schemas.openxmlformats.org/officeDocument/2006/relationships" xmlns:p="http://schemas.openxmlformats.org/presentationml/2006/main">
+  <p:cSld>
+    <p:spTree>
+      <p:nvGrpSpPr>
+        <p:cNvPr id="1" name=""/>
+        <p:cNvGrpSpPr/>
+        <p:nvPr/>
+      </p:nvGrpSpPr>
+      <p:grpSpPr>
+        <a:xfrm>
+          <a:off x="0" y="0"/>
+          <a:ext cx="0" cy="0"/>
+          <a:chOff x="0" y="0"/>
+          <a:chExt cx="0" cy="0"/>
+        </a:xfrm>
+      </p:grpSpPr>
+      <p:sp>
+        <p:nvSpPr>
+          <p:cNvPr id="2" name="Titolo 1">
+            <a:extLst>
+              <a:ext uri="{FF2B5EF4-FFF2-40B4-BE49-F238E27FC236}">
+                <a16:creationId xmlns:a16="http://schemas.microsoft.com/office/drawing/2014/main" id="{48C6187F-3837-4A8B-8135-AB9571D1DC80}"/>
+              </a:ext>
+            </a:extLst>
+          </p:cNvPr>
+          <p:cNvSpPr>
+            <a:spLocks noGrp="1"/>
+          </p:cNvSpPr>
+          <p:nvPr>
+            <p:ph type="title"/>
+          </p:nvPr>
+        </p:nvSpPr>
+        <p:spPr/>
+        <p:txBody>
+          <a:bodyPr/>
+          <a:lstStyle/>
+          <a:p>
+            <a:r>
+              <a:rPr lang="it-IT" dirty="0"/>
+              <a:t>operatori sulle stringhe</a:t>
+            </a:r>
+          </a:p>
+        </p:txBody>
+      </p:sp>
+      <p:sp>
+        <p:nvSpPr>
+          <p:cNvPr id="3" name="Segnaposto contenuto 2">
+            <a:extLst>
+              <a:ext uri="{FF2B5EF4-FFF2-40B4-BE49-F238E27FC236}">
+                <a16:creationId xmlns:a16="http://schemas.microsoft.com/office/drawing/2014/main" id="{6FADF482-844D-4598-AC22-6E25247A90D8}"/>
+              </a:ext>
+            </a:extLst>
+          </p:cNvPr>
+          <p:cNvSpPr>
+            <a:spLocks noGrp="1"/>
+          </p:cNvSpPr>
+          <p:nvPr>
+            <p:ph idx="1"/>
+          </p:nvPr>
+        </p:nvSpPr>
+        <p:spPr/>
+        <p:txBody>
+          <a:bodyPr/>
+          <a:lstStyle/>
+          <a:p>
+            <a:r>
+              <a:rPr lang="it-IT" dirty="0"/>
+              <a:t>operazione di indicizzazione </a:t>
+            </a:r>
+            <a:r>
+              <a:rPr lang="it-IT" b="1" dirty="0"/>
+              <a:t>[ ]</a:t>
+            </a:r>
+          </a:p>
+          <a:p>
+            <a:pPr lvl="1"/>
+            <a:r>
+              <a:rPr lang="it-IT" dirty="0"/>
+              <a:t>l’indice del primo carattere è 0 e quello dell’ultimo è uguale alla lunghezza della stringa -1</a:t>
+            </a:r>
+          </a:p>
+          <a:p>
+            <a:r>
+              <a:rPr lang="it-IT" dirty="0"/>
+              <a:t>operatore di concatenazione </a:t>
+            </a:r>
+            <a:r>
+              <a:rPr lang="it-IT" b="1" dirty="0"/>
+              <a:t>+</a:t>
+            </a:r>
+          </a:p>
+          <a:p>
+            <a:pPr lvl="1"/>
+            <a:r>
+              <a:rPr lang="it-IT" dirty="0"/>
+              <a:t>almeno uno dei due operandi deve essere un oggetto di tipo </a:t>
+            </a:r>
+            <a:r>
+              <a:rPr lang="it-IT" dirty="0" err="1"/>
+              <a:t>string</a:t>
+            </a:r>
+            <a:endParaRPr lang="it-IT" dirty="0"/>
+          </a:p>
+          <a:p>
+            <a:r>
+              <a:rPr lang="it-IT" dirty="0"/>
+              <a:t>funzioni definite sulle stringhe</a:t>
+            </a:r>
+          </a:p>
+          <a:p>
+            <a:pPr lvl="1"/>
+            <a:r>
+              <a:rPr lang="it-IT" b="1" dirty="0" err="1"/>
+              <a:t>length</a:t>
+            </a:r>
+            <a:r>
+              <a:rPr lang="it-IT" dirty="0"/>
+              <a:t>() o </a:t>
+            </a:r>
+            <a:r>
+              <a:rPr lang="it-IT" b="1" dirty="0" err="1"/>
+              <a:t>size</a:t>
+            </a:r>
+            <a:r>
+              <a:rPr lang="it-IT" dirty="0"/>
+              <a:t>()</a:t>
+            </a:r>
+          </a:p>
+          <a:p>
+            <a:pPr lvl="2"/>
+            <a:r>
+              <a:rPr lang="it-IT" dirty="0"/>
+              <a:t>restituisce il numero di caratteri presenti nella stringa</a:t>
+            </a:r>
+          </a:p>
+          <a:p>
+            <a:pPr lvl="1"/>
+            <a:r>
+              <a:rPr lang="it-IT" b="1" dirty="0" err="1"/>
+              <a:t>find</a:t>
+            </a:r>
+            <a:r>
+              <a:rPr lang="it-IT" dirty="0"/>
+              <a:t>(</a:t>
+            </a:r>
+            <a:r>
+              <a:rPr lang="it-IT" b="1" dirty="0"/>
+              <a:t>s</a:t>
+            </a:r>
+            <a:r>
+              <a:rPr lang="it-IT" dirty="0"/>
+              <a:t>)</a:t>
+            </a:r>
+          </a:p>
+          <a:p>
+            <a:pPr lvl="2"/>
+            <a:r>
+              <a:rPr lang="it-IT" dirty="0"/>
+              <a:t>ricerca la prima occorrenza della stinga s nella stringa in cui è invocata</a:t>
+            </a:r>
+          </a:p>
+          <a:p>
+            <a:pPr lvl="1"/>
+            <a:r>
+              <a:rPr lang="it-IT" b="1" dirty="0" err="1"/>
+              <a:t>substr</a:t>
+            </a:r>
+            <a:r>
+              <a:rPr lang="it-IT" dirty="0"/>
+              <a:t>(</a:t>
+            </a:r>
+            <a:r>
+              <a:rPr lang="it-IT" b="1" dirty="0" err="1"/>
+              <a:t>i_inizio</a:t>
+            </a:r>
+            <a:r>
+              <a:rPr lang="it-IT" dirty="0" err="1"/>
+              <a:t>,</a:t>
+            </a:r>
+            <a:r>
+              <a:rPr lang="it-IT" b="1" dirty="0" err="1"/>
+              <a:t>lung</a:t>
+            </a:r>
+            <a:r>
+              <a:rPr lang="it-IT" dirty="0"/>
+              <a:t>)</a:t>
+            </a:r>
+          </a:p>
+          <a:p>
+            <a:pPr lvl="2"/>
+            <a:r>
+              <a:rPr lang="it-IT" dirty="0"/>
+              <a:t>restituisce la sottostringa di lunghezza </a:t>
+            </a:r>
+            <a:r>
+              <a:rPr lang="it-IT" dirty="0" err="1"/>
+              <a:t>lung</a:t>
+            </a:r>
+            <a:r>
+              <a:rPr lang="it-IT" dirty="0"/>
+              <a:t> a partire dal carattere di indice </a:t>
+            </a:r>
+            <a:r>
+              <a:rPr lang="it-IT" dirty="0" err="1"/>
+              <a:t>i_inizio</a:t>
+            </a:r>
+            <a:endParaRPr lang="it-IT" dirty="0"/>
+          </a:p>
+        </p:txBody>
+      </p:sp>
+      <p:sp>
+        <p:nvSpPr>
+          <p:cNvPr id="4" name="Segnaposto piè di pagina 3">
+            <a:extLst>
+              <a:ext uri="{FF2B5EF4-FFF2-40B4-BE49-F238E27FC236}">
+                <a16:creationId xmlns:a16="http://schemas.microsoft.com/office/drawing/2014/main" id="{ACDD607F-1DDF-4939-A754-DA381476F93C}"/>
+              </a:ext>
+            </a:extLst>
+          </p:cNvPr>
+          <p:cNvSpPr>
+            <a:spLocks noGrp="1"/>
+          </p:cNvSpPr>
+          <p:nvPr>
+            <p:ph type="ftr" sz="quarter" idx="11"/>
+          </p:nvPr>
+        </p:nvSpPr>
+        <p:spPr/>
+        <p:txBody>
+          <a:bodyPr/>
+          <a:lstStyle/>
+          <a:p>
+            <a:pPr>
+              <a:defRPr/>
+            </a:pPr>
+            <a:r>
+              <a:rPr lang="it-IT"/>
+              <a:t>Alberto Ferrari – Programmazione di applicazioni SW</a:t>
+            </a:r>
+            <a:endParaRPr lang="it-IT" dirty="0"/>
+          </a:p>
+        </p:txBody>
+      </p:sp>
+    </p:spTree>
+    <p:extLst>
+      <p:ext uri="{BB962C8B-B14F-4D97-AF65-F5344CB8AC3E}">
+        <p14:creationId xmlns:p14="http://schemas.microsoft.com/office/powerpoint/2010/main" val="2152248892"/>
+      </p:ext>
+    </p:extLst>
+  </p:cSld>
+  <p:clrMapOvr>
+    <a:masterClrMapping/>
+  </p:clrMapOvr>
+</p:sld>
+</file>
+
+<file path=ppt/slides/slide26.xml><?xml version="1.0" encoding="utf-8"?>
+<p:sld xmlns:a="http://schemas.openxmlformats.org/drawingml/2006/main" xmlns:r="http://schemas.openxmlformats.org/officeDocument/2006/relationships" xmlns:p="http://schemas.openxmlformats.org/presentationml/2006/main">
+  <p:cSld>
+    <p:spTree>
+      <p:nvGrpSpPr>
+        <p:cNvPr id="1" name=""/>
+        <p:cNvGrpSpPr/>
+        <p:nvPr/>
+      </p:nvGrpSpPr>
+      <p:grpSpPr>
+        <a:xfrm>
+          <a:off x="0" y="0"/>
+          <a:ext cx="0" cy="0"/>
+          <a:chOff x="0" y="0"/>
+          <a:chExt cx="0" cy="0"/>
+        </a:xfrm>
+      </p:grpSpPr>
+      <p:sp>
+        <p:nvSpPr>
+          <p:cNvPr id="2" name="Titolo 1">
+            <a:extLst>
+              <a:ext uri="{FF2B5EF4-FFF2-40B4-BE49-F238E27FC236}">
+                <a16:creationId xmlns:a16="http://schemas.microsoft.com/office/drawing/2014/main" id="{AF6A0419-47E2-4C70-8BDD-2955F9D0708E}"/>
+              </a:ext>
+            </a:extLst>
+          </p:cNvPr>
+          <p:cNvSpPr>
+            <a:spLocks noGrp="1"/>
+          </p:cNvSpPr>
+          <p:nvPr>
+            <p:ph type="title"/>
+          </p:nvPr>
+        </p:nvSpPr>
+        <p:spPr/>
+        <p:txBody>
+          <a:bodyPr/>
+          <a:lstStyle/>
+          <a:p>
+            <a:r>
+              <a:rPr lang="it-IT" dirty="0" err="1"/>
+              <a:t>string</a:t>
+            </a:r>
+            <a:r>
+              <a:rPr lang="it-IT" dirty="0"/>
+              <a:t> -  esempio</a:t>
+            </a:r>
+          </a:p>
+        </p:txBody>
+      </p:sp>
+      <p:sp>
+        <p:nvSpPr>
+          <p:cNvPr id="3" name="Segnaposto contenuto 2">
+            <a:extLst>
+              <a:ext uri="{FF2B5EF4-FFF2-40B4-BE49-F238E27FC236}">
+                <a16:creationId xmlns:a16="http://schemas.microsoft.com/office/drawing/2014/main" id="{6939D1C8-91CC-4AC4-874C-76E83365731F}"/>
+              </a:ext>
+            </a:extLst>
+          </p:cNvPr>
+          <p:cNvSpPr>
+            <a:spLocks noGrp="1"/>
+          </p:cNvSpPr>
+          <p:nvPr>
+            <p:ph idx="1"/>
+          </p:nvPr>
+        </p:nvSpPr>
+        <p:spPr/>
+        <p:txBody>
+          <a:bodyPr/>
+          <a:lstStyle/>
+          <a:p>
+            <a:pPr marL="0" indent="0">
+              <a:buNone/>
+            </a:pPr>
+            <a:r>
+              <a:rPr lang="it-IT" sz="1100" b="1" dirty="0">
+                <a:latin typeface="Courier New" panose="02070309020205020404" pitchFamily="49" charset="0"/>
+                <a:cs typeface="Courier New" panose="02070309020205020404" pitchFamily="49" charset="0"/>
+              </a:rPr>
+              <a:t>#include &lt;</a:t>
+            </a:r>
+            <a:r>
+              <a:rPr lang="it-IT" sz="1100" b="1" dirty="0" err="1">
+                <a:latin typeface="Courier New" panose="02070309020205020404" pitchFamily="49" charset="0"/>
+                <a:cs typeface="Courier New" panose="02070309020205020404" pitchFamily="49" charset="0"/>
+              </a:rPr>
+              <a:t>iostream</a:t>
+            </a:r>
+            <a:r>
+              <a:rPr lang="it-IT" sz="1100" b="1" dirty="0">
+                <a:latin typeface="Courier New" panose="02070309020205020404" pitchFamily="49" charset="0"/>
+                <a:cs typeface="Courier New" panose="02070309020205020404" pitchFamily="49" charset="0"/>
+              </a:rPr>
+              <a:t>&gt;</a:t>
+            </a:r>
+          </a:p>
+          <a:p>
+            <a:pPr marL="0" indent="0">
+              <a:buNone/>
+            </a:pPr>
+            <a:r>
+              <a:rPr lang="it-IT" sz="1100" b="1" dirty="0">
+                <a:latin typeface="Courier New" panose="02070309020205020404" pitchFamily="49" charset="0"/>
+                <a:cs typeface="Courier New" panose="02070309020205020404" pitchFamily="49" charset="0"/>
+              </a:rPr>
+              <a:t>#include &lt;</a:t>
+            </a:r>
+            <a:r>
+              <a:rPr lang="it-IT" sz="1100" b="1" dirty="0" err="1">
+                <a:latin typeface="Courier New" panose="02070309020205020404" pitchFamily="49" charset="0"/>
+                <a:cs typeface="Courier New" panose="02070309020205020404" pitchFamily="49" charset="0"/>
+              </a:rPr>
+              <a:t>string</a:t>
+            </a:r>
+            <a:r>
+              <a:rPr lang="it-IT" sz="1100" b="1" dirty="0">
+                <a:latin typeface="Courier New" panose="02070309020205020404" pitchFamily="49" charset="0"/>
+                <a:cs typeface="Courier New" panose="02070309020205020404" pitchFamily="49" charset="0"/>
+              </a:rPr>
+              <a:t>&gt;</a:t>
+            </a:r>
+          </a:p>
+          <a:p>
+            <a:pPr marL="0" indent="0">
+              <a:buNone/>
+            </a:pPr>
+            <a:r>
+              <a:rPr lang="it-IT" sz="1100" b="1" dirty="0" err="1">
+                <a:latin typeface="Courier New" panose="02070309020205020404" pitchFamily="49" charset="0"/>
+                <a:cs typeface="Courier New" panose="02070309020205020404" pitchFamily="49" charset="0"/>
+              </a:rPr>
+              <a:t>using</a:t>
+            </a:r>
+            <a:r>
+              <a:rPr lang="it-IT" sz="1100" b="1" dirty="0">
+                <a:latin typeface="Courier New" panose="02070309020205020404" pitchFamily="49" charset="0"/>
+                <a:cs typeface="Courier New" panose="02070309020205020404" pitchFamily="49" charset="0"/>
+              </a:rPr>
+              <a:t> </a:t>
+            </a:r>
+            <a:r>
+              <a:rPr lang="it-IT" sz="1100" b="1" dirty="0" err="1">
+                <a:latin typeface="Courier New" panose="02070309020205020404" pitchFamily="49" charset="0"/>
+                <a:cs typeface="Courier New" panose="02070309020205020404" pitchFamily="49" charset="0"/>
+              </a:rPr>
+              <a:t>namespace</a:t>
+            </a:r>
+            <a:r>
+              <a:rPr lang="it-IT" sz="1100" b="1" dirty="0">
+                <a:latin typeface="Courier New" panose="02070309020205020404" pitchFamily="49" charset="0"/>
+                <a:cs typeface="Courier New" panose="02070309020205020404" pitchFamily="49" charset="0"/>
+              </a:rPr>
+              <a:t> </a:t>
+            </a:r>
+            <a:r>
+              <a:rPr lang="it-IT" sz="1100" b="1" dirty="0" err="1">
+                <a:latin typeface="Courier New" panose="02070309020205020404" pitchFamily="49" charset="0"/>
+                <a:cs typeface="Courier New" panose="02070309020205020404" pitchFamily="49" charset="0"/>
+              </a:rPr>
+              <a:t>std</a:t>
+            </a:r>
+            <a:r>
+              <a:rPr lang="it-IT" sz="1100" b="1" dirty="0">
+                <a:latin typeface="Courier New" panose="02070309020205020404" pitchFamily="49" charset="0"/>
+                <a:cs typeface="Courier New" panose="02070309020205020404" pitchFamily="49" charset="0"/>
+              </a:rPr>
+              <a:t>;</a:t>
+            </a:r>
+          </a:p>
+          <a:p>
+            <a:pPr marL="0" indent="0">
+              <a:buNone/>
+            </a:pPr>
+            <a:r>
+              <a:rPr lang="it-IT" sz="1100" b="1" dirty="0" err="1">
+                <a:latin typeface="Courier New" panose="02070309020205020404" pitchFamily="49" charset="0"/>
+                <a:cs typeface="Courier New" panose="02070309020205020404" pitchFamily="49" charset="0"/>
+              </a:rPr>
+              <a:t>int</a:t>
+            </a:r>
+            <a:r>
+              <a:rPr lang="it-IT" sz="1100" b="1" dirty="0">
+                <a:latin typeface="Courier New" panose="02070309020205020404" pitchFamily="49" charset="0"/>
+                <a:cs typeface="Courier New" panose="02070309020205020404" pitchFamily="49" charset="0"/>
+              </a:rPr>
+              <a:t> </a:t>
+            </a:r>
+            <a:r>
+              <a:rPr lang="it-IT" sz="1100" b="1" dirty="0" err="1">
+                <a:latin typeface="Courier New" panose="02070309020205020404" pitchFamily="49" charset="0"/>
+                <a:cs typeface="Courier New" panose="02070309020205020404" pitchFamily="49" charset="0"/>
+              </a:rPr>
+              <a:t>main</a:t>
+            </a:r>
+            <a:r>
+              <a:rPr lang="it-IT" sz="1100" b="1" dirty="0">
+                <a:latin typeface="Courier New" panose="02070309020205020404" pitchFamily="49" charset="0"/>
+                <a:cs typeface="Courier New" panose="02070309020205020404" pitchFamily="49" charset="0"/>
+              </a:rPr>
+              <a:t>() {</a:t>
+            </a:r>
+          </a:p>
+          <a:p>
+            <a:pPr marL="0" indent="0">
+              <a:buNone/>
+            </a:pPr>
+            <a:r>
+              <a:rPr lang="it-IT" sz="1100" b="1" dirty="0">
+                <a:latin typeface="Courier New" panose="02070309020205020404" pitchFamily="49" charset="0"/>
+                <a:cs typeface="Courier New" panose="02070309020205020404" pitchFamily="49" charset="0"/>
+              </a:rPr>
+              <a:t>	</a:t>
+            </a:r>
+            <a:r>
+              <a:rPr lang="it-IT" sz="1100" b="1" dirty="0" err="1">
+                <a:solidFill>
+                  <a:srgbClr val="FF0000"/>
+                </a:solidFill>
+                <a:latin typeface="Courier New" panose="02070309020205020404" pitchFamily="49" charset="0"/>
+                <a:cs typeface="Courier New" panose="02070309020205020404" pitchFamily="49" charset="0"/>
+              </a:rPr>
+              <a:t>string</a:t>
+            </a:r>
+            <a:r>
+              <a:rPr lang="it-IT" sz="1100" b="1" dirty="0">
+                <a:latin typeface="Courier New" panose="02070309020205020404" pitchFamily="49" charset="0"/>
+                <a:cs typeface="Courier New" panose="02070309020205020404" pitchFamily="49" charset="0"/>
+              </a:rPr>
+              <a:t> s1,s2,s3;</a:t>
+            </a:r>
+          </a:p>
+          <a:p>
+            <a:pPr marL="0" indent="0">
+              <a:buNone/>
+            </a:pPr>
+            <a:r>
+              <a:rPr lang="it-IT" sz="1100" b="1" dirty="0">
+                <a:latin typeface="Courier New" panose="02070309020205020404" pitchFamily="49" charset="0"/>
+                <a:cs typeface="Courier New" panose="02070309020205020404" pitchFamily="49" charset="0"/>
+              </a:rPr>
+              <a:t>	s1 = "programmazione";</a:t>
+            </a:r>
+          </a:p>
+          <a:p>
+            <a:pPr marL="0" indent="0">
+              <a:buNone/>
+            </a:pPr>
+            <a:r>
+              <a:rPr lang="it-IT" sz="1100" b="1" dirty="0">
+                <a:latin typeface="Courier New" panose="02070309020205020404" pitchFamily="49" charset="0"/>
+                <a:cs typeface="Courier New" panose="02070309020205020404" pitchFamily="49" charset="0"/>
+              </a:rPr>
+              <a:t>	s2 = s1 </a:t>
+            </a:r>
+            <a:r>
+              <a:rPr lang="it-IT" sz="1100" b="1" dirty="0">
+                <a:solidFill>
+                  <a:srgbClr val="FF0000"/>
+                </a:solidFill>
+                <a:latin typeface="Courier New" panose="02070309020205020404" pitchFamily="49" charset="0"/>
+                <a:cs typeface="Courier New" panose="02070309020205020404" pitchFamily="49" charset="0"/>
+              </a:rPr>
+              <a:t>+</a:t>
+            </a:r>
+            <a:r>
+              <a:rPr lang="it-IT" sz="1100" b="1" dirty="0">
+                <a:latin typeface="Courier New" panose="02070309020205020404" pitchFamily="49" charset="0"/>
+                <a:cs typeface="Courier New" panose="02070309020205020404" pitchFamily="49" charset="0"/>
+              </a:rPr>
+              <a:t> " di applicazioni " + "software";</a:t>
+            </a:r>
+          </a:p>
+          <a:p>
+            <a:pPr marL="0" indent="0">
+              <a:buNone/>
+            </a:pPr>
+            <a:r>
+              <a:rPr lang="it-IT" sz="1100" b="1" dirty="0">
+                <a:latin typeface="Courier New" panose="02070309020205020404" pitchFamily="49" charset="0"/>
+                <a:cs typeface="Courier New" panose="02070309020205020404" pitchFamily="49" charset="0"/>
+              </a:rPr>
+              <a:t>	// </a:t>
+            </a:r>
+            <a:r>
+              <a:rPr lang="it-IT" sz="1100" b="1" dirty="0" err="1">
+                <a:latin typeface="Courier New" panose="02070309020205020404" pitchFamily="49" charset="0"/>
+                <a:cs typeface="Courier New" panose="02070309020205020404" pitchFamily="49" charset="0"/>
+              </a:rPr>
+              <a:t>error</a:t>
+            </a:r>
+            <a:r>
+              <a:rPr lang="it-IT" sz="1100" b="1" dirty="0">
+                <a:latin typeface="Courier New" panose="02070309020205020404" pitchFamily="49" charset="0"/>
+                <a:cs typeface="Courier New" panose="02070309020205020404" pitchFamily="49" charset="0"/>
+              </a:rPr>
+              <a:t>: </a:t>
+            </a:r>
+            <a:r>
+              <a:rPr lang="it-IT" sz="1100" b="1" dirty="0" err="1">
+                <a:latin typeface="Courier New" panose="02070309020205020404" pitchFamily="49" charset="0"/>
+                <a:cs typeface="Courier New" panose="02070309020205020404" pitchFamily="49" charset="0"/>
+              </a:rPr>
+              <a:t>invalid</a:t>
+            </a:r>
+            <a:r>
+              <a:rPr lang="it-IT" sz="1100" b="1" dirty="0">
+                <a:latin typeface="Courier New" panose="02070309020205020404" pitchFamily="49" charset="0"/>
+                <a:cs typeface="Courier New" panose="02070309020205020404" pitchFamily="49" charset="0"/>
+              </a:rPr>
+              <a:t> </a:t>
+            </a:r>
+            <a:r>
+              <a:rPr lang="it-IT" sz="1100" b="1" dirty="0" err="1">
+                <a:latin typeface="Courier New" panose="02070309020205020404" pitchFamily="49" charset="0"/>
+                <a:cs typeface="Courier New" panose="02070309020205020404" pitchFamily="49" charset="0"/>
+              </a:rPr>
+              <a:t>operands</a:t>
+            </a:r>
+            <a:r>
+              <a:rPr lang="it-IT" sz="1100" b="1" dirty="0">
+                <a:latin typeface="Courier New" panose="02070309020205020404" pitchFamily="49" charset="0"/>
+                <a:cs typeface="Courier New" panose="02070309020205020404" pitchFamily="49" charset="0"/>
+              </a:rPr>
+              <a:t> of </a:t>
+            </a:r>
+            <a:r>
+              <a:rPr lang="it-IT" sz="1100" b="1" dirty="0" err="1">
+                <a:latin typeface="Courier New" panose="02070309020205020404" pitchFamily="49" charset="0"/>
+                <a:cs typeface="Courier New" panose="02070309020205020404" pitchFamily="49" charset="0"/>
+              </a:rPr>
+              <a:t>types</a:t>
+            </a:r>
+            <a:r>
+              <a:rPr lang="it-IT" sz="1100" b="1" dirty="0">
+                <a:latin typeface="Courier New" panose="02070309020205020404" pitchFamily="49" charset="0"/>
+                <a:cs typeface="Courier New" panose="02070309020205020404" pitchFamily="49" charset="0"/>
+              </a:rPr>
+              <a:t> '...' and '...' to </a:t>
+            </a:r>
+            <a:r>
+              <a:rPr lang="it-IT" sz="1100" b="1" dirty="0" err="1">
+                <a:latin typeface="Courier New" panose="02070309020205020404" pitchFamily="49" charset="0"/>
+                <a:cs typeface="Courier New" panose="02070309020205020404" pitchFamily="49" charset="0"/>
+              </a:rPr>
+              <a:t>binary</a:t>
+            </a:r>
+            <a:r>
+              <a:rPr lang="it-IT" sz="1100" b="1" dirty="0">
+                <a:latin typeface="Courier New" panose="02070309020205020404" pitchFamily="49" charset="0"/>
+                <a:cs typeface="Courier New" panose="02070309020205020404" pitchFamily="49" charset="0"/>
+              </a:rPr>
+              <a:t> 'operator+'</a:t>
+            </a:r>
+          </a:p>
+          <a:p>
+            <a:pPr marL="0" indent="0">
+              <a:buNone/>
+            </a:pPr>
+            <a:r>
+              <a:rPr lang="it-IT" sz="1100" b="1" dirty="0">
+                <a:latin typeface="Courier New" panose="02070309020205020404" pitchFamily="49" charset="0"/>
+                <a:cs typeface="Courier New" panose="02070309020205020404" pitchFamily="49" charset="0"/>
+              </a:rPr>
+              <a:t>	// s3 = "programmazione" + " di applicazioni software";</a:t>
+            </a:r>
+          </a:p>
+          <a:p>
+            <a:pPr marL="0" indent="0">
+              <a:buNone/>
+            </a:pPr>
+            <a:r>
+              <a:rPr lang="it-IT" sz="1100" b="1" dirty="0">
+                <a:latin typeface="Courier New" panose="02070309020205020404" pitchFamily="49" charset="0"/>
+                <a:cs typeface="Courier New" panose="02070309020205020404" pitchFamily="49" charset="0"/>
+              </a:rPr>
+              <a:t>	</a:t>
+            </a:r>
+            <a:r>
+              <a:rPr lang="it-IT" sz="1100" b="1" dirty="0">
+                <a:solidFill>
+                  <a:srgbClr val="FF0000"/>
+                </a:solidFill>
+                <a:latin typeface="Courier New" panose="02070309020205020404" pitchFamily="49" charset="0"/>
+                <a:cs typeface="Courier New" panose="02070309020205020404" pitchFamily="49" charset="0"/>
+              </a:rPr>
+              <a:t>s2[0]</a:t>
+            </a:r>
+            <a:r>
+              <a:rPr lang="it-IT" sz="1100" b="1" dirty="0">
+                <a:latin typeface="Courier New" panose="02070309020205020404" pitchFamily="49" charset="0"/>
+                <a:cs typeface="Courier New" panose="02070309020205020404" pitchFamily="49" charset="0"/>
+              </a:rPr>
+              <a:t> = 'P';		// sostituzione del primo carattere della stringa</a:t>
+            </a:r>
+          </a:p>
+          <a:p>
+            <a:pPr marL="0" indent="0">
+              <a:buNone/>
+            </a:pPr>
+            <a:r>
+              <a:rPr lang="it-IT" sz="1100" b="1" dirty="0">
+                <a:latin typeface="Courier New" panose="02070309020205020404" pitchFamily="49" charset="0"/>
+                <a:cs typeface="Courier New" panose="02070309020205020404" pitchFamily="49" charset="0"/>
+              </a:rPr>
+              <a:t>	</a:t>
+            </a:r>
+            <a:r>
+              <a:rPr lang="it-IT" sz="1100" b="1" dirty="0" err="1">
+                <a:latin typeface="Courier New" panose="02070309020205020404" pitchFamily="49" charset="0"/>
+                <a:cs typeface="Courier New" panose="02070309020205020404" pitchFamily="49" charset="0"/>
+              </a:rPr>
+              <a:t>cout</a:t>
+            </a:r>
+            <a:r>
+              <a:rPr lang="it-IT" sz="1100" b="1" dirty="0">
+                <a:latin typeface="Courier New" panose="02070309020205020404" pitchFamily="49" charset="0"/>
+                <a:cs typeface="Courier New" panose="02070309020205020404" pitchFamily="49" charset="0"/>
+              </a:rPr>
+              <a:t> &lt;&lt; "contenuto della stringa s2: " &lt;&lt; s2 &lt;&lt; </a:t>
+            </a:r>
+            <a:r>
+              <a:rPr lang="it-IT" sz="1100" b="1" dirty="0" err="1">
+                <a:latin typeface="Courier New" panose="02070309020205020404" pitchFamily="49" charset="0"/>
+                <a:cs typeface="Courier New" panose="02070309020205020404" pitchFamily="49" charset="0"/>
+              </a:rPr>
+              <a:t>endl</a:t>
+            </a:r>
+            <a:r>
+              <a:rPr lang="it-IT" sz="1100" b="1" dirty="0">
+                <a:latin typeface="Courier New" panose="02070309020205020404" pitchFamily="49" charset="0"/>
+                <a:cs typeface="Courier New" panose="02070309020205020404" pitchFamily="49" charset="0"/>
+              </a:rPr>
+              <a:t>;</a:t>
+            </a:r>
+          </a:p>
+          <a:p>
+            <a:pPr marL="0" indent="0">
+              <a:buNone/>
+            </a:pPr>
+            <a:r>
+              <a:rPr lang="it-IT" sz="1100" b="1" dirty="0">
+                <a:latin typeface="Courier New" panose="02070309020205020404" pitchFamily="49" charset="0"/>
+                <a:cs typeface="Courier New" panose="02070309020205020404" pitchFamily="49" charset="0"/>
+              </a:rPr>
+              <a:t>	</a:t>
+            </a:r>
+            <a:r>
+              <a:rPr lang="it-IT" sz="1100" b="1" dirty="0" err="1">
+                <a:latin typeface="Courier New" panose="02070309020205020404" pitchFamily="49" charset="0"/>
+                <a:cs typeface="Courier New" panose="02070309020205020404" pitchFamily="49" charset="0"/>
+              </a:rPr>
+              <a:t>cout</a:t>
+            </a:r>
+            <a:r>
+              <a:rPr lang="it-IT" sz="1100" b="1" dirty="0">
+                <a:latin typeface="Courier New" panose="02070309020205020404" pitchFamily="49" charset="0"/>
+                <a:cs typeface="Courier New" panose="02070309020205020404" pitchFamily="49" charset="0"/>
+              </a:rPr>
+              <a:t> &lt;&lt; "numero di caratteri della stringa s2: " &lt;&lt; s2.</a:t>
+            </a:r>
+            <a:r>
+              <a:rPr lang="it-IT" sz="1100" b="1" dirty="0">
+                <a:solidFill>
+                  <a:srgbClr val="FF0000"/>
+                </a:solidFill>
+                <a:latin typeface="Courier New" panose="02070309020205020404" pitchFamily="49" charset="0"/>
+                <a:cs typeface="Courier New" panose="02070309020205020404" pitchFamily="49" charset="0"/>
+              </a:rPr>
+              <a:t>length</a:t>
+            </a:r>
+            <a:r>
+              <a:rPr lang="it-IT" sz="1100" b="1" dirty="0">
+                <a:latin typeface="Courier New" panose="02070309020205020404" pitchFamily="49" charset="0"/>
+                <a:cs typeface="Courier New" panose="02070309020205020404" pitchFamily="49" charset="0"/>
+              </a:rPr>
+              <a:t>() &lt;&lt; </a:t>
+            </a:r>
+            <a:r>
+              <a:rPr lang="it-IT" sz="1100" b="1" dirty="0" err="1">
+                <a:latin typeface="Courier New" panose="02070309020205020404" pitchFamily="49" charset="0"/>
+                <a:cs typeface="Courier New" panose="02070309020205020404" pitchFamily="49" charset="0"/>
+              </a:rPr>
+              <a:t>endl</a:t>
+            </a:r>
+            <a:r>
+              <a:rPr lang="it-IT" sz="1100" b="1" dirty="0">
+                <a:latin typeface="Courier New" panose="02070309020205020404" pitchFamily="49" charset="0"/>
+                <a:cs typeface="Courier New" panose="02070309020205020404" pitchFamily="49" charset="0"/>
+              </a:rPr>
+              <a:t>;</a:t>
+            </a:r>
+          </a:p>
+          <a:p>
+            <a:pPr marL="0" indent="0">
+              <a:buNone/>
+            </a:pPr>
+            <a:r>
+              <a:rPr lang="it-IT" sz="1100" b="1" dirty="0">
+                <a:latin typeface="Courier New" panose="02070309020205020404" pitchFamily="49" charset="0"/>
+                <a:cs typeface="Courier New" panose="02070309020205020404" pitchFamily="49" charset="0"/>
+              </a:rPr>
+              <a:t>	s3 = "Ingegneria dei sistemi informativi";</a:t>
+            </a:r>
+          </a:p>
+          <a:p>
+            <a:pPr marL="0" indent="0">
+              <a:buNone/>
+            </a:pPr>
+            <a:r>
+              <a:rPr lang="it-IT" sz="1100" b="1" dirty="0">
+                <a:latin typeface="Courier New" panose="02070309020205020404" pitchFamily="49" charset="0"/>
+                <a:cs typeface="Courier New" panose="02070309020205020404" pitchFamily="49" charset="0"/>
+              </a:rPr>
+              <a:t>	</a:t>
+            </a:r>
+            <a:r>
+              <a:rPr lang="it-IT" sz="1100" b="1" dirty="0" err="1">
+                <a:latin typeface="Courier New" panose="02070309020205020404" pitchFamily="49" charset="0"/>
+                <a:cs typeface="Courier New" panose="02070309020205020404" pitchFamily="49" charset="0"/>
+              </a:rPr>
+              <a:t>int</a:t>
+            </a:r>
+            <a:r>
+              <a:rPr lang="it-IT" sz="1100" b="1" dirty="0">
+                <a:latin typeface="Courier New" panose="02070309020205020404" pitchFamily="49" charset="0"/>
+                <a:cs typeface="Courier New" panose="02070309020205020404" pitchFamily="49" charset="0"/>
+              </a:rPr>
+              <a:t> </a:t>
+            </a:r>
+            <a:r>
+              <a:rPr lang="it-IT" sz="1100" b="1" dirty="0" err="1">
+                <a:latin typeface="Courier New" panose="02070309020205020404" pitchFamily="49" charset="0"/>
+                <a:cs typeface="Courier New" panose="02070309020205020404" pitchFamily="49" charset="0"/>
+              </a:rPr>
+              <a:t>pos</a:t>
+            </a:r>
+            <a:r>
+              <a:rPr lang="it-IT" sz="1100" b="1" dirty="0">
+                <a:latin typeface="Courier New" panose="02070309020205020404" pitchFamily="49" charset="0"/>
+                <a:cs typeface="Courier New" panose="02070309020205020404" pitchFamily="49" charset="0"/>
+              </a:rPr>
+              <a:t>;</a:t>
+            </a:r>
+          </a:p>
+          <a:p>
+            <a:pPr marL="0" indent="0">
+              <a:buNone/>
+            </a:pPr>
+            <a:r>
+              <a:rPr lang="it-IT" sz="1100" b="1" dirty="0">
+                <a:latin typeface="Courier New" panose="02070309020205020404" pitchFamily="49" charset="0"/>
+                <a:cs typeface="Courier New" panose="02070309020205020404" pitchFamily="49" charset="0"/>
+              </a:rPr>
+              <a:t>	</a:t>
+            </a:r>
+            <a:r>
+              <a:rPr lang="it-IT" sz="1100" b="1" dirty="0" err="1">
+                <a:latin typeface="Courier New" panose="02070309020205020404" pitchFamily="49" charset="0"/>
+                <a:cs typeface="Courier New" panose="02070309020205020404" pitchFamily="49" charset="0"/>
+              </a:rPr>
+              <a:t>pos</a:t>
+            </a:r>
+            <a:r>
+              <a:rPr lang="it-IT" sz="1100" b="1" dirty="0">
+                <a:latin typeface="Courier New" panose="02070309020205020404" pitchFamily="49" charset="0"/>
+                <a:cs typeface="Courier New" panose="02070309020205020404" pitchFamily="49" charset="0"/>
+              </a:rPr>
+              <a:t> = s3.</a:t>
+            </a:r>
+            <a:r>
+              <a:rPr lang="it-IT" sz="1100" b="1" dirty="0">
+                <a:solidFill>
+                  <a:srgbClr val="FF0000"/>
+                </a:solidFill>
+                <a:latin typeface="Courier New" panose="02070309020205020404" pitchFamily="49" charset="0"/>
+                <a:cs typeface="Courier New" panose="02070309020205020404" pitchFamily="49" charset="0"/>
+              </a:rPr>
+              <a:t>find</a:t>
+            </a:r>
+            <a:r>
+              <a:rPr lang="it-IT" sz="1100" b="1" dirty="0">
+                <a:latin typeface="Courier New" panose="02070309020205020404" pitchFamily="49" charset="0"/>
+                <a:cs typeface="Courier New" panose="02070309020205020404" pitchFamily="49" charset="0"/>
+              </a:rPr>
+              <a:t>("in");</a:t>
+            </a:r>
+          </a:p>
+          <a:p>
+            <a:pPr marL="0" indent="0">
+              <a:buNone/>
+            </a:pPr>
+            <a:r>
+              <a:rPr lang="it-IT" sz="1100" b="1" dirty="0">
+                <a:latin typeface="Courier New" panose="02070309020205020404" pitchFamily="49" charset="0"/>
+                <a:cs typeface="Courier New" panose="02070309020205020404" pitchFamily="49" charset="0"/>
+              </a:rPr>
+              <a:t>	</a:t>
+            </a:r>
+            <a:r>
+              <a:rPr lang="it-IT" sz="1100" b="1" dirty="0" err="1">
+                <a:latin typeface="Courier New" panose="02070309020205020404" pitchFamily="49" charset="0"/>
+                <a:cs typeface="Courier New" panose="02070309020205020404" pitchFamily="49" charset="0"/>
+              </a:rPr>
+              <a:t>cout</a:t>
+            </a:r>
+            <a:r>
+              <a:rPr lang="it-IT" sz="1100" b="1" dirty="0">
+                <a:latin typeface="Courier New" panose="02070309020205020404" pitchFamily="49" charset="0"/>
+                <a:cs typeface="Courier New" panose="02070309020205020404" pitchFamily="49" charset="0"/>
+              </a:rPr>
+              <a:t> &lt;&lt; "nella stinga " &lt;&lt; s3 &lt;&lt; </a:t>
+            </a:r>
+            <a:r>
+              <a:rPr lang="it-IT" sz="1100" b="1" dirty="0" err="1">
+                <a:latin typeface="Courier New" panose="02070309020205020404" pitchFamily="49" charset="0"/>
+                <a:cs typeface="Courier New" panose="02070309020205020404" pitchFamily="49" charset="0"/>
+              </a:rPr>
+              <a:t>endl</a:t>
+            </a:r>
+            <a:r>
+              <a:rPr lang="it-IT" sz="1100" b="1" dirty="0">
+                <a:latin typeface="Courier New" panose="02070309020205020404" pitchFamily="49" charset="0"/>
+                <a:cs typeface="Courier New" panose="02070309020205020404" pitchFamily="49" charset="0"/>
+              </a:rPr>
+              <a:t> &lt;&lt; "la sottostringa " &lt;&lt; "in" </a:t>
+            </a:r>
+          </a:p>
+          <a:p>
+            <a:pPr marL="0" indent="0">
+              <a:buNone/>
+            </a:pPr>
+            <a:r>
+              <a:rPr lang="it-IT" sz="1100" b="1" dirty="0">
+                <a:latin typeface="Courier New" panose="02070309020205020404" pitchFamily="49" charset="0"/>
+                <a:cs typeface="Courier New" panose="02070309020205020404" pitchFamily="49" charset="0"/>
+              </a:rPr>
+              <a:t>	     &lt;&lt; " si trova in posizione " &lt;&lt; </a:t>
+            </a:r>
+            <a:r>
+              <a:rPr lang="it-IT" sz="1100" b="1" dirty="0" err="1">
+                <a:latin typeface="Courier New" panose="02070309020205020404" pitchFamily="49" charset="0"/>
+                <a:cs typeface="Courier New" panose="02070309020205020404" pitchFamily="49" charset="0"/>
+              </a:rPr>
+              <a:t>pos</a:t>
+            </a:r>
+            <a:r>
+              <a:rPr lang="it-IT" sz="1100" b="1" dirty="0">
+                <a:latin typeface="Courier New" panose="02070309020205020404" pitchFamily="49" charset="0"/>
+                <a:cs typeface="Courier New" panose="02070309020205020404" pitchFamily="49" charset="0"/>
+              </a:rPr>
+              <a:t> &lt;&lt; </a:t>
+            </a:r>
+            <a:r>
+              <a:rPr lang="it-IT" sz="1100" b="1" dirty="0" err="1">
+                <a:latin typeface="Courier New" panose="02070309020205020404" pitchFamily="49" charset="0"/>
+                <a:cs typeface="Courier New" panose="02070309020205020404" pitchFamily="49" charset="0"/>
+              </a:rPr>
+              <a:t>endl</a:t>
+            </a:r>
+            <a:r>
+              <a:rPr lang="it-IT" sz="1100" b="1" dirty="0">
+                <a:latin typeface="Courier New" panose="02070309020205020404" pitchFamily="49" charset="0"/>
+                <a:cs typeface="Courier New" panose="02070309020205020404" pitchFamily="49" charset="0"/>
+              </a:rPr>
+              <a:t>;</a:t>
+            </a:r>
+          </a:p>
+          <a:p>
+            <a:pPr marL="0" indent="0">
+              <a:buNone/>
+            </a:pPr>
+            <a:r>
+              <a:rPr lang="it-IT" sz="1100" b="1" dirty="0">
+                <a:latin typeface="Courier New" panose="02070309020205020404" pitchFamily="49" charset="0"/>
+                <a:cs typeface="Courier New" panose="02070309020205020404" pitchFamily="49" charset="0"/>
+              </a:rPr>
+              <a:t>	</a:t>
+            </a:r>
+            <a:r>
+              <a:rPr lang="it-IT" sz="1100" b="1" dirty="0" err="1">
+                <a:latin typeface="Courier New" panose="02070309020205020404" pitchFamily="49" charset="0"/>
+                <a:cs typeface="Courier New" panose="02070309020205020404" pitchFamily="49" charset="0"/>
+              </a:rPr>
+              <a:t>pos</a:t>
+            </a:r>
+            <a:r>
+              <a:rPr lang="it-IT" sz="1100" b="1" dirty="0">
+                <a:latin typeface="Courier New" panose="02070309020205020404" pitchFamily="49" charset="0"/>
+                <a:cs typeface="Courier New" panose="02070309020205020404" pitchFamily="49" charset="0"/>
+              </a:rPr>
+              <a:t> = s3.find("out");</a:t>
+            </a:r>
+          </a:p>
+          <a:p>
+            <a:pPr marL="0" indent="0">
+              <a:buNone/>
+            </a:pPr>
+            <a:r>
+              <a:rPr lang="it-IT" sz="1100" b="1" dirty="0">
+                <a:latin typeface="Courier New" panose="02070309020205020404" pitchFamily="49" charset="0"/>
+                <a:cs typeface="Courier New" panose="02070309020205020404" pitchFamily="49" charset="0"/>
+              </a:rPr>
+              <a:t>	</a:t>
+            </a:r>
+            <a:r>
+              <a:rPr lang="it-IT" sz="1100" b="1" dirty="0" err="1">
+                <a:latin typeface="Courier New" panose="02070309020205020404" pitchFamily="49" charset="0"/>
+                <a:cs typeface="Courier New" panose="02070309020205020404" pitchFamily="49" charset="0"/>
+              </a:rPr>
+              <a:t>cout</a:t>
+            </a:r>
+            <a:r>
+              <a:rPr lang="it-IT" sz="1100" b="1" dirty="0">
+                <a:latin typeface="Courier New" panose="02070309020205020404" pitchFamily="49" charset="0"/>
+                <a:cs typeface="Courier New" panose="02070309020205020404" pitchFamily="49" charset="0"/>
+              </a:rPr>
+              <a:t> &lt;&lt; "nella stinga " &lt;&lt; s3 &lt;&lt; </a:t>
+            </a:r>
+            <a:r>
+              <a:rPr lang="it-IT" sz="1100" b="1" dirty="0" err="1">
+                <a:latin typeface="Courier New" panose="02070309020205020404" pitchFamily="49" charset="0"/>
+                <a:cs typeface="Courier New" panose="02070309020205020404" pitchFamily="49" charset="0"/>
+              </a:rPr>
+              <a:t>endl</a:t>
+            </a:r>
+            <a:r>
+              <a:rPr lang="it-IT" sz="1100" b="1" dirty="0">
+                <a:latin typeface="Courier New" panose="02070309020205020404" pitchFamily="49" charset="0"/>
+                <a:cs typeface="Courier New" panose="02070309020205020404" pitchFamily="49" charset="0"/>
+              </a:rPr>
+              <a:t> &lt;&lt; "la sottostringa " &lt;&lt; "out" </a:t>
+            </a:r>
+          </a:p>
+          <a:p>
+            <a:pPr marL="0" indent="0">
+              <a:buNone/>
+            </a:pPr>
+            <a:r>
+              <a:rPr lang="it-IT" sz="1100" b="1" dirty="0">
+                <a:latin typeface="Courier New" panose="02070309020205020404" pitchFamily="49" charset="0"/>
+                <a:cs typeface="Courier New" panose="02070309020205020404" pitchFamily="49" charset="0"/>
+              </a:rPr>
+              <a:t>	     &lt;&lt; " si trova in posizione " &lt;&lt; </a:t>
+            </a:r>
+            <a:r>
+              <a:rPr lang="it-IT" sz="1100" b="1" dirty="0" err="1">
+                <a:latin typeface="Courier New" panose="02070309020205020404" pitchFamily="49" charset="0"/>
+                <a:cs typeface="Courier New" panose="02070309020205020404" pitchFamily="49" charset="0"/>
+              </a:rPr>
+              <a:t>pos</a:t>
+            </a:r>
+            <a:r>
+              <a:rPr lang="it-IT" sz="1100" b="1" dirty="0">
+                <a:latin typeface="Courier New" panose="02070309020205020404" pitchFamily="49" charset="0"/>
+                <a:cs typeface="Courier New" panose="02070309020205020404" pitchFamily="49" charset="0"/>
+              </a:rPr>
+              <a:t> &lt;&lt; </a:t>
+            </a:r>
+            <a:r>
+              <a:rPr lang="it-IT" sz="1100" b="1" dirty="0" err="1">
+                <a:latin typeface="Courier New" panose="02070309020205020404" pitchFamily="49" charset="0"/>
+                <a:cs typeface="Courier New" panose="02070309020205020404" pitchFamily="49" charset="0"/>
+              </a:rPr>
+              <a:t>endl</a:t>
+            </a:r>
+            <a:r>
+              <a:rPr lang="it-IT" sz="1100" b="1" dirty="0">
+                <a:latin typeface="Courier New" panose="02070309020205020404" pitchFamily="49" charset="0"/>
+                <a:cs typeface="Courier New" panose="02070309020205020404" pitchFamily="49" charset="0"/>
+              </a:rPr>
+              <a:t>;	</a:t>
+            </a:r>
+          </a:p>
+          <a:p>
+            <a:pPr marL="0" indent="0">
+              <a:buNone/>
+            </a:pPr>
+            <a:r>
+              <a:rPr lang="it-IT" sz="1100" b="1" dirty="0">
+                <a:latin typeface="Courier New" panose="02070309020205020404" pitchFamily="49" charset="0"/>
+                <a:cs typeface="Courier New" panose="02070309020205020404" pitchFamily="49" charset="0"/>
+              </a:rPr>
+              <a:t>	</a:t>
+            </a:r>
+            <a:r>
+              <a:rPr lang="it-IT" sz="1100" b="1" dirty="0" err="1">
+                <a:latin typeface="Courier New" panose="02070309020205020404" pitchFamily="49" charset="0"/>
+                <a:cs typeface="Courier New" panose="02070309020205020404" pitchFamily="49" charset="0"/>
+              </a:rPr>
+              <a:t>cout</a:t>
+            </a:r>
+            <a:r>
+              <a:rPr lang="it-IT" sz="1100" b="1" dirty="0">
+                <a:latin typeface="Courier New" panose="02070309020205020404" pitchFamily="49" charset="0"/>
+                <a:cs typeface="Courier New" panose="02070309020205020404" pitchFamily="49" charset="0"/>
+              </a:rPr>
+              <a:t> &lt;&lt; s3.</a:t>
+            </a:r>
+            <a:r>
+              <a:rPr lang="it-IT" sz="1100" b="1" dirty="0">
+                <a:solidFill>
+                  <a:srgbClr val="FF0000"/>
+                </a:solidFill>
+                <a:latin typeface="Courier New" panose="02070309020205020404" pitchFamily="49" charset="0"/>
+                <a:cs typeface="Courier New" panose="02070309020205020404" pitchFamily="49" charset="0"/>
+              </a:rPr>
+              <a:t>substr</a:t>
+            </a:r>
+            <a:r>
+              <a:rPr lang="it-IT" sz="1100" b="1" dirty="0">
+                <a:latin typeface="Courier New" panose="02070309020205020404" pitchFamily="49" charset="0"/>
+                <a:cs typeface="Courier New" panose="02070309020205020404" pitchFamily="49" charset="0"/>
+              </a:rPr>
+              <a:t>(15,7) &lt;&lt; </a:t>
+            </a:r>
+            <a:r>
+              <a:rPr lang="it-IT" sz="1100" b="1" dirty="0" err="1">
+                <a:latin typeface="Courier New" panose="02070309020205020404" pitchFamily="49" charset="0"/>
+                <a:cs typeface="Courier New" panose="02070309020205020404" pitchFamily="49" charset="0"/>
+              </a:rPr>
+              <a:t>endl</a:t>
+            </a:r>
+            <a:r>
+              <a:rPr lang="it-IT" sz="1100" b="1" dirty="0">
+                <a:latin typeface="Courier New" panose="02070309020205020404" pitchFamily="49" charset="0"/>
+                <a:cs typeface="Courier New" panose="02070309020205020404" pitchFamily="49" charset="0"/>
+              </a:rPr>
+              <a:t>;          </a:t>
+            </a:r>
+          </a:p>
+          <a:p>
+            <a:pPr marL="0" indent="0">
+              <a:buNone/>
+            </a:pPr>
+            <a:r>
+              <a:rPr lang="it-IT" sz="1100" b="1" dirty="0">
+                <a:latin typeface="Courier New" panose="02070309020205020404" pitchFamily="49" charset="0"/>
+                <a:cs typeface="Courier New" panose="02070309020205020404" pitchFamily="49" charset="0"/>
+              </a:rPr>
+              <a:t>    </a:t>
+            </a:r>
+            <a:r>
+              <a:rPr lang="it-IT" sz="1100" b="1" dirty="0" err="1">
+                <a:latin typeface="Courier New" panose="02070309020205020404" pitchFamily="49" charset="0"/>
+                <a:cs typeface="Courier New" panose="02070309020205020404" pitchFamily="49" charset="0"/>
+              </a:rPr>
+              <a:t>return</a:t>
+            </a:r>
+            <a:r>
+              <a:rPr lang="it-IT" sz="1100" b="1" dirty="0">
+                <a:latin typeface="Courier New" panose="02070309020205020404" pitchFamily="49" charset="0"/>
+                <a:cs typeface="Courier New" panose="02070309020205020404" pitchFamily="49" charset="0"/>
+              </a:rPr>
+              <a:t> 0;</a:t>
+            </a:r>
+          </a:p>
+          <a:p>
+            <a:pPr marL="0" indent="0">
+              <a:buNone/>
+            </a:pPr>
+            <a:r>
+              <a:rPr lang="it-IT" sz="1100" b="1" dirty="0">
+                <a:latin typeface="Courier New" panose="02070309020205020404" pitchFamily="49" charset="0"/>
+                <a:cs typeface="Courier New" panose="02070309020205020404" pitchFamily="49" charset="0"/>
+              </a:rPr>
+              <a:t>}</a:t>
+            </a:r>
+          </a:p>
+        </p:txBody>
+      </p:sp>
+      <p:sp>
+        <p:nvSpPr>
+          <p:cNvPr id="4" name="Segnaposto piè di pagina 3">
+            <a:extLst>
+              <a:ext uri="{FF2B5EF4-FFF2-40B4-BE49-F238E27FC236}">
+                <a16:creationId xmlns:a16="http://schemas.microsoft.com/office/drawing/2014/main" id="{20AF1065-8213-4EF4-88DF-D570984B3792}"/>
+              </a:ext>
+            </a:extLst>
+          </p:cNvPr>
+          <p:cNvSpPr>
+            <a:spLocks noGrp="1"/>
+          </p:cNvSpPr>
+          <p:nvPr>
+            <p:ph type="ftr" sz="quarter" idx="11"/>
+          </p:nvPr>
+        </p:nvSpPr>
+        <p:spPr/>
+        <p:txBody>
+          <a:bodyPr/>
+          <a:lstStyle/>
+          <a:p>
+            <a:pPr>
+              <a:defRPr/>
+            </a:pPr>
+            <a:r>
+              <a:rPr lang="it-IT"/>
+              <a:t>Alberto Ferrari – Programmazione di applicazioni SW</a:t>
+            </a:r>
+            <a:endParaRPr lang="it-IT" dirty="0"/>
+          </a:p>
+        </p:txBody>
+      </p:sp>
+      <p:sp>
+        <p:nvSpPr>
+          <p:cNvPr id="5" name="Rettangolo 4">
+            <a:extLst>
+              <a:ext uri="{FF2B5EF4-FFF2-40B4-BE49-F238E27FC236}">
+                <a16:creationId xmlns:a16="http://schemas.microsoft.com/office/drawing/2014/main" id="{B044B8FB-B90D-4DEC-B9E8-F079DEB022BF}"/>
+              </a:ext>
+            </a:extLst>
+          </p:cNvPr>
+          <p:cNvSpPr/>
+          <p:nvPr/>
+        </p:nvSpPr>
+        <p:spPr>
+          <a:xfrm>
+            <a:off x="6672064" y="5698123"/>
+            <a:ext cx="5456943" cy="338554"/>
+          </a:xfrm>
+          <a:prstGeom prst="rect">
+            <a:avLst/>
+          </a:prstGeom>
+        </p:spPr>
+        <p:txBody>
+          <a:bodyPr wrap="none">
+            <a:spAutoFit/>
+          </a:bodyPr>
+          <a:lstStyle/>
+          <a:p>
+            <a:r>
+              <a:rPr lang="it-IT" sz="1600" b="1" i="1" dirty="0">
+                <a:solidFill>
+                  <a:schemeClr val="accent6"/>
+                </a:solidFill>
+                <a:latin typeface="Century Schoolbook" panose="02040604050505020304" pitchFamily="18" charset="0"/>
+              </a:rPr>
+              <a:t>http://www.cplusplus.com/reference/string/string/</a:t>
+            </a:r>
+          </a:p>
+        </p:txBody>
+      </p:sp>
+    </p:spTree>
+    <p:extLst>
+      <p:ext uri="{BB962C8B-B14F-4D97-AF65-F5344CB8AC3E}">
+        <p14:creationId xmlns:p14="http://schemas.microsoft.com/office/powerpoint/2010/main" val="3478670200"/>
+      </p:ext>
+    </p:extLst>
+  </p:cSld>
+  <p:clrMapOvr>
+    <a:masterClrMapping/>
+  </p:clrMapOvr>
+</p:sld>
+</file>
+
 <file path=ppt/slides/slide3.xml><?xml version="1.0" encoding="utf-8"?>
 <p:sld xmlns:a="http://schemas.openxmlformats.org/drawingml/2006/main" xmlns:r="http://schemas.openxmlformats.org/officeDocument/2006/relationships" xmlns:p="http://schemas.openxmlformats.org/presentationml/2006/main">
   <p:cSld>
@@ -9310,7 +12071,7 @@
                 <a:latin typeface="Courier New" panose="02070309020205020404" pitchFamily="49" charset="0"/>
                 <a:cs typeface="Courier New" panose="02070309020205020404" pitchFamily="49" charset="0"/>
               </a:rPr>
-              <a:t> V[10]; 		/* variabile V come vettore di 10 </a:t>
+              <a:t> v[10]; 		/* variabile v come vettore di 10 </a:t>
             </a:r>
             <a:r>
               <a:rPr lang="it-IT" sz="1800" b="1" dirty="0" err="1">
@@ -9344,7 +12105,7 @@
                 <a:latin typeface="Courier New" panose="02070309020205020404" pitchFamily="49" charset="0"/>
                 <a:cs typeface="Courier New" panose="02070309020205020404" pitchFamily="49" charset="0"/>
               </a:rPr>
-              <a:t> V1[10],V2[5]; 	/* variabili array V1 e V2 */</a:t>
+              <a:t> v1[10],v2[5]; 	/* variabili array v1 e v2 */</a:t>
             </a:r>
             <a:br>
               <a:rPr lang="it-IT" sz="1800" b="1" dirty="0">
@@ -9357,7 +12118,7 @@
                 <a:latin typeface="Courier New" panose="02070309020205020404" pitchFamily="49" charset="0"/>
                 <a:cs typeface="Courier New" panose="02070309020205020404" pitchFamily="49" charset="0"/>
               </a:rPr>
-              <a:t>float M[10][10]; 		/* variabile M, matrice 10X10 float*/</a:t>
+              <a:t>float m[10][10]; 		/* variabile m, matrice 10X10 float*/</a:t>
             </a:r>
           </a:p>
           <a:p>
@@ -9429,10 +12190,10 @@
       </p:grpSpPr>
       <p:sp>
         <p:nvSpPr>
-          <p:cNvPr id="2" name="Titolo 1">
+          <p:cNvPr id="8" name="Segnaposto testo 7">
             <a:extLst>
               <a:ext uri="{FF2B5EF4-FFF2-40B4-BE49-F238E27FC236}">
-                <a16:creationId xmlns:a16="http://schemas.microsoft.com/office/drawing/2014/main" id="{E8C0FC3D-6331-4CE1-B956-B604A8ACFB8B}"/>
+                <a16:creationId xmlns:a16="http://schemas.microsoft.com/office/drawing/2014/main" id="{EDE58D75-63A0-45C8-94B6-3C78B9D8407D}"/>
               </a:ext>
             </a:extLst>
           </p:cNvPr>
@@ -9440,7 +12201,7 @@
             <a:spLocks noGrp="1"/>
           </p:cNvSpPr>
           <p:nvPr>
-            <p:ph type="title"/>
+            <p:ph type="body" idx="1"/>
           </p:nvPr>
         </p:nvSpPr>
         <p:spPr/>
@@ -9449,18 +12210,22 @@
           <a:lstStyle/>
           <a:p>
             <a:r>
-              <a:rPr lang="it-IT" dirty="0"/>
-              <a:t>vettore in memoria</a:t>
+              <a:rPr lang="it-IT" sz="2000" b="0" dirty="0"/>
+              <a:t>array </a:t>
+            </a:r>
+            <a:r>
+              <a:rPr lang="it-IT" sz="2000" i="1" dirty="0"/>
+              <a:t>statico</a:t>
             </a:r>
           </a:p>
         </p:txBody>
       </p:sp>
       <p:pic>
         <p:nvPicPr>
-          <p:cNvPr id="5" name="Segnaposto contenuto 4">
+          <p:cNvPr id="7" name="Segnaposto contenuto 6">
             <a:extLst>
               <a:ext uri="{FF2B5EF4-FFF2-40B4-BE49-F238E27FC236}">
-                <a16:creationId xmlns:a16="http://schemas.microsoft.com/office/drawing/2014/main" id="{F545AB54-4E0C-4C19-B921-B3FA20884EDB}"/>
+                <a16:creationId xmlns:a16="http://schemas.microsoft.com/office/drawing/2014/main" id="{2C866AC4-80D0-40F8-8522-D1BDDD7F6F35}"/>
               </a:ext>
             </a:extLst>
           </p:cNvPr>
@@ -9468,7 +12233,7 @@
             <a:picLocks noGrp="1" noChangeAspect="1"/>
           </p:cNvPicPr>
           <p:nvPr>
-            <p:ph idx="1"/>
+            <p:ph sz="half" idx="2"/>
           </p:nvPr>
         </p:nvPicPr>
         <p:blipFill>
@@ -9479,8 +12244,72 @@
         </p:blipFill>
         <p:spPr>
           <a:xfrm>
-            <a:off x="1258045" y="1124744"/>
-            <a:ext cx="8807239" cy="3888432"/>
+            <a:off x="1426891" y="2174875"/>
+            <a:ext cx="3751805" cy="3951288"/>
+          </a:xfrm>
+          <a:prstGeom prst="rect">
+            <a:avLst/>
+          </a:prstGeom>
+        </p:spPr>
+      </p:pic>
+      <p:sp>
+        <p:nvSpPr>
+          <p:cNvPr id="9" name="Segnaposto testo 8">
+            <a:extLst>
+              <a:ext uri="{FF2B5EF4-FFF2-40B4-BE49-F238E27FC236}">
+                <a16:creationId xmlns:a16="http://schemas.microsoft.com/office/drawing/2014/main" id="{186170D4-E5BB-4D61-B318-AF8E17EF02C3}"/>
+              </a:ext>
+            </a:extLst>
+          </p:cNvPr>
+          <p:cNvSpPr>
+            <a:spLocks noGrp="1"/>
+          </p:cNvSpPr>
+          <p:nvPr>
+            <p:ph type="body" sz="quarter" idx="3"/>
+          </p:nvPr>
+        </p:nvSpPr>
+        <p:spPr/>
+        <p:txBody>
+          <a:bodyPr/>
+          <a:lstStyle/>
+          <a:p>
+            <a:r>
+              <a:rPr lang="it-IT" sz="2000" b="0" dirty="0"/>
+              <a:t>array </a:t>
+            </a:r>
+            <a:r>
+              <a:rPr lang="it-IT" sz="2000" i="1" dirty="0"/>
+              <a:t>dinamico</a:t>
+            </a:r>
+          </a:p>
+        </p:txBody>
+      </p:sp>
+      <p:pic>
+        <p:nvPicPr>
+          <p:cNvPr id="13" name="Segnaposto contenuto 12">
+            <a:extLst>
+              <a:ext uri="{FF2B5EF4-FFF2-40B4-BE49-F238E27FC236}">
+                <a16:creationId xmlns:a16="http://schemas.microsoft.com/office/drawing/2014/main" id="{4D3AF451-2CD5-41D0-88D5-3228C92FBC2A}"/>
+              </a:ext>
+            </a:extLst>
+          </p:cNvPr>
+          <p:cNvPicPr>
+            <a:picLocks noGrp="1" noChangeAspect="1"/>
+          </p:cNvPicPr>
+          <p:nvPr>
+            <p:ph sz="quarter" idx="4"/>
+          </p:nvPr>
+        </p:nvPicPr>
+        <p:blipFill>
+          <a:blip r:embed="rId3"/>
+          <a:stretch>
+            <a:fillRect/>
+          </a:stretch>
+        </p:blipFill>
+        <p:spPr>
+          <a:xfrm>
+            <a:off x="7435489" y="2174875"/>
+            <a:ext cx="2904259" cy="3951288"/>
           </a:xfrm>
           <a:prstGeom prst="rect">
             <a:avLst/>
@@ -9516,6 +12345,39 @@
               <a:t>Alberto Ferrari – Programmazione di applicazioni SW</a:t>
             </a:r>
             <a:endParaRPr lang="it-IT" dirty="0"/>
+          </a:p>
+        </p:txBody>
+      </p:sp>
+      <p:sp>
+        <p:nvSpPr>
+          <p:cNvPr id="12" name="Titolo 11">
+            <a:extLst>
+              <a:ext uri="{FF2B5EF4-FFF2-40B4-BE49-F238E27FC236}">
+                <a16:creationId xmlns:a16="http://schemas.microsoft.com/office/drawing/2014/main" id="{C0B82062-551F-43C7-82CE-436547EEA859}"/>
+              </a:ext>
+            </a:extLst>
+          </p:cNvPr>
+          <p:cNvSpPr>
+            <a:spLocks noGrp="1"/>
+          </p:cNvSpPr>
+          <p:nvPr>
+            <p:ph type="title"/>
+          </p:nvPr>
+        </p:nvSpPr>
+        <p:spPr>
+          <a:xfrm>
+            <a:off x="609600" y="274638"/>
+            <a:ext cx="10972800" cy="457199"/>
+          </a:xfrm>
+        </p:spPr>
+        <p:txBody>
+          <a:bodyPr/>
+          <a:lstStyle/>
+          <a:p>
+            <a:r>
+              <a:rPr lang="it-IT" dirty="0"/>
+              <a:t>array in memoria</a:t>
+            </a:r>
           </a:p>
         </p:txBody>
       </p:sp>
@@ -9600,21 +12462,33 @@
           <a:p>
             <a:r>
               <a:rPr lang="it-IT" dirty="0"/>
-              <a:t>l’indice </a:t>
+              <a:t>l’indice di accesso a un elemento è un’espressione con valore </a:t>
             </a:r>
             <a:r>
               <a:rPr lang="it-IT" b="1" i="1" dirty="0"/>
-              <a:t>I</a:t>
+              <a:t>intero</a:t>
             </a:r>
             <a:r>
               <a:rPr lang="it-IT" dirty="0"/>
-              <a:t> è un’espressione con valore intero </a:t>
+              <a:t> </a:t>
             </a:r>
           </a:p>
           <a:p>
             <a:r>
               <a:rPr lang="it-IT" dirty="0"/>
-              <a:t>l’indice assume valori interi compresi tra 0 e dimensione-1</a:t>
+              <a:t>l’indice assume valori interi compresi tra </a:t>
+            </a:r>
+            <a:r>
+              <a:rPr lang="it-IT" b="1" i="1" dirty="0"/>
+              <a:t>0</a:t>
+            </a:r>
+            <a:r>
+              <a:rPr lang="it-IT" dirty="0"/>
+              <a:t> e </a:t>
+            </a:r>
+            <a:r>
+              <a:rPr lang="it-IT" b="1" i="1" dirty="0"/>
+              <a:t>dimensione-1</a:t>
             </a:r>
           </a:p>
           <a:p>
@@ -9624,19 +12498,15 @@
             </a:r>
             <a:r>
               <a:rPr lang="it-IT" dirty="0"/>
-              <a:t> : nell’esempio in figura l’espressione </a:t>
+              <a:t> : non c’è controllo per il superamento dei limiti (</a:t>
             </a:r>
             <a:r>
               <a:rPr lang="it-IT" b="1" i="1" dirty="0"/>
-              <a:t>V[5]</a:t>
-            </a:r>
-            <a:r>
-              <a:rPr lang="it-IT" dirty="0"/>
-              <a:t> non comporta errore (né durante la compilazione né durante l’esecuzione) però V[5] utilizza erroneamente la stessa area di memoria riservata ad altre variabili (</a:t>
-            </a:r>
-            <a:r>
-              <a:rPr lang="it-IT" i="1" dirty="0"/>
-              <a:t>Ch1 e Ch2 nell’esempio</a:t>
+              <a:t>buffer </a:t>
+            </a:r>
+            <a:r>
+              <a:rPr lang="it-IT" b="1" i="1" dirty="0" err="1"/>
+              <a:t>overrun</a:t>
             </a:r>
             <a:r>
               <a:rPr lang="it-IT" dirty="0"/>
@@ -9815,8 +12685,12 @@
           <a:lstStyle/>
           <a:p>
             <a:r>
-              <a:rPr lang="it-IT" dirty="0"/>
-              <a:t>inizializzazione di un array</a:t>
+              <a:rPr lang="it-IT" sz="1800" b="1" i="1" dirty="0"/>
+              <a:t>inizializzazione</a:t>
+            </a:r>
+            <a:r>
+              <a:rPr lang="it-IT" sz="1800" dirty="0"/>
+              <a:t> di un array</a:t>
             </a:r>
           </a:p>
           <a:p>
@@ -9835,7 +12709,7 @@
                 <a:latin typeface="Courier New" panose="02070309020205020404" pitchFamily="49" charset="0"/>
                 <a:cs typeface="Courier New" panose="02070309020205020404" pitchFamily="49" charset="0"/>
               </a:rPr>
-              <a:t> V[5] = {1,2,3,4,6};</a:t>
+              <a:t> v[5] = {1,2,3,4,6};</a:t>
             </a:r>
           </a:p>
           <a:p>
@@ -9854,7 +12728,7 @@
                 <a:latin typeface="Courier New" panose="02070309020205020404" pitchFamily="49" charset="0"/>
                 <a:cs typeface="Courier New" panose="02070309020205020404" pitchFamily="49" charset="0"/>
               </a:rPr>
-              <a:t> V[5] = {1,6}; /* solo i primi due elementi, gli altri hanno valore indefinito */</a:t>
+              <a:t> v[5] = {1,6}; /* solo i primi due elementi, gli altri hanno valore indefinito */</a:t>
             </a:r>
           </a:p>
           <a:p>
@@ -9873,7 +12747,7 @@
                 <a:latin typeface="Courier New" panose="02070309020205020404" pitchFamily="49" charset="0"/>
                 <a:cs typeface="Courier New" panose="02070309020205020404" pitchFamily="49" charset="0"/>
               </a:rPr>
-              <a:t> V[5] = {1,2,3,4,6,8}; /* errore */</a:t>
+              <a:t> v[5] = {1,2,3,4,6,8}; /* errore */</a:t>
             </a:r>
           </a:p>
           <a:p>
@@ -9892,54 +12766,70 @@
                 <a:latin typeface="Courier New" panose="02070309020205020404" pitchFamily="49" charset="0"/>
                 <a:cs typeface="Courier New" panose="02070309020205020404" pitchFamily="49" charset="0"/>
               </a:rPr>
-              <a:t> V[] = {1,2,121 }; /* array di tre elementi */</a:t>
-            </a:r>
-            <a:endParaRPr lang="it-IT" dirty="0"/>
-          </a:p>
-          <a:p>
-            <a:r>
-              <a:rPr lang="it-IT" b="1" dirty="0">
-                <a:latin typeface="Courier New" panose="02070309020205020404" pitchFamily="49" charset="0"/>
-                <a:cs typeface="Courier New" panose="02070309020205020404" pitchFamily="49" charset="0"/>
-              </a:rPr>
-              <a:t>V[I]</a:t>
-            </a:r>
-            <a:r>
-              <a:rPr lang="it-IT" dirty="0"/>
-              <a:t> identifica una «variabile» che denota l’elemento I-esimo di </a:t>
-            </a:r>
-            <a:r>
-              <a:rPr lang="it-IT" b="1" dirty="0">
-                <a:latin typeface="Courier New" panose="02070309020205020404" pitchFamily="49" charset="0"/>
-                <a:cs typeface="Courier New" panose="02070309020205020404" pitchFamily="49" charset="0"/>
-              </a:rPr>
-              <a:t>V</a:t>
-            </a:r>
-          </a:p>
-          <a:p>
-            <a:r>
-              <a:rPr lang="it-IT" dirty="0"/>
-              <a:t>Assegnamento del valore K all’elemento I-esimo di V : </a:t>
-            </a:r>
-            <a:r>
-              <a:rPr lang="it-IT" b="1" dirty="0">
-                <a:latin typeface="Courier New" panose="02070309020205020404" pitchFamily="49" charset="0"/>
-                <a:cs typeface="Courier New" panose="02070309020205020404" pitchFamily="49" charset="0"/>
-              </a:rPr>
-              <a:t>V[I] = K;</a:t>
-            </a:r>
-          </a:p>
-          <a:p>
-            <a:r>
-              <a:rPr lang="it-IT" dirty="0"/>
-              <a:t>Lettura dell’elemento I-esimo di V : </a:t>
-            </a:r>
-            <a:r>
-              <a:rPr lang="it-IT" b="1" dirty="0">
-                <a:latin typeface="Courier New" panose="02070309020205020404" pitchFamily="49" charset="0"/>
-                <a:cs typeface="Courier New" panose="02070309020205020404" pitchFamily="49" charset="0"/>
-              </a:rPr>
-              <a:t>cin &gt;&gt; V[I];</a:t>
+              <a:t> v[] = {1,2,121 }; /* array di tre elementi */</a:t>
+            </a:r>
+            <a:endParaRPr lang="it-IT" sz="1800" dirty="0"/>
+          </a:p>
+          <a:p>
+            <a:r>
+              <a:rPr lang="it-IT" sz="1800" b="1" dirty="0">
+                <a:latin typeface="Courier New" panose="02070309020205020404" pitchFamily="49" charset="0"/>
+                <a:cs typeface="Courier New" panose="02070309020205020404" pitchFamily="49" charset="0"/>
+              </a:rPr>
+              <a:t>v[i]</a:t>
+            </a:r>
+            <a:r>
+              <a:rPr lang="it-IT" sz="1800" dirty="0"/>
+              <a:t> identifica una «variabile» che denota l’elemento </a:t>
+            </a:r>
+            <a:r>
+              <a:rPr lang="it-IT" sz="1800" b="1" i="1" dirty="0"/>
+              <a:t>i-esimo</a:t>
+            </a:r>
+            <a:r>
+              <a:rPr lang="it-IT" sz="1800" dirty="0"/>
+              <a:t> di </a:t>
+            </a:r>
+            <a:r>
+              <a:rPr lang="it-IT" sz="1800" b="1" dirty="0">
+                <a:latin typeface="Courier New" panose="02070309020205020404" pitchFamily="49" charset="0"/>
+                <a:cs typeface="Courier New" panose="02070309020205020404" pitchFamily="49" charset="0"/>
+              </a:rPr>
+              <a:t>v</a:t>
+            </a:r>
+          </a:p>
+          <a:p>
+            <a:r>
+              <a:rPr lang="it-IT" sz="1800" b="1" i="1" dirty="0"/>
+              <a:t>assegnamento</a:t>
+            </a:r>
+            <a:r>
+              <a:rPr lang="it-IT" sz="1800" dirty="0"/>
+              <a:t> del valore k all’elemento i-esimo di v : </a:t>
+            </a:r>
+            <a:r>
+              <a:rPr lang="it-IT" sz="1800" b="1" dirty="0">
+                <a:latin typeface="Courier New" panose="02070309020205020404" pitchFamily="49" charset="0"/>
+                <a:cs typeface="Courier New" panose="02070309020205020404" pitchFamily="49" charset="0"/>
+              </a:rPr>
+              <a:t>v[i] = k;</a:t>
+            </a:r>
+          </a:p>
+          <a:p>
+            <a:r>
+              <a:rPr lang="it-IT" sz="1800" b="1" i="1" dirty="0"/>
+              <a:t>input</a:t>
+            </a:r>
+            <a:r>
+              <a:rPr lang="it-IT" sz="1800" dirty="0"/>
+              <a:t> dell’elemento i-esimo di v : </a:t>
+            </a:r>
+            <a:r>
+              <a:rPr lang="it-IT" sz="1800" b="1" dirty="0">
+                <a:latin typeface="Courier New" panose="02070309020205020404" pitchFamily="49" charset="0"/>
+                <a:cs typeface="Courier New" panose="02070309020205020404" pitchFamily="49" charset="0"/>
+              </a:rPr>
+              <a:t>cin &gt;&gt; v[i];</a:t>
             </a:r>
           </a:p>
         </p:txBody>
@@ -10475,7 +13365,36 @@
               <a:buNone/>
             </a:pPr>
             <a:r>
-              <a:rPr lang="en-US" sz="1800" b="1" dirty="0">
+              <a:rPr lang="en-US" sz="1600" b="1" dirty="0">
+                <a:latin typeface="Courier New" panose="02070309020205020404" pitchFamily="49" charset="0"/>
+                <a:ea typeface="DejaVu Sans Condensed" panose="020B0606030804020204" pitchFamily="34" charset="0"/>
+                <a:cs typeface="Courier New" panose="02070309020205020404" pitchFamily="49" charset="0"/>
+              </a:rPr>
+              <a:t>/* </a:t>
+            </a:r>
+            <a:r>
+              <a:rPr lang="it-IT" sz="1600" b="1" dirty="0">
+                <a:latin typeface="Courier New" panose="02070309020205020404" pitchFamily="49" charset="0"/>
+                <a:ea typeface="DejaVu Sans Condensed" panose="020B0606030804020204" pitchFamily="34" charset="0"/>
+                <a:cs typeface="Courier New" panose="02070309020205020404" pitchFamily="49" charset="0"/>
+              </a:rPr>
+              <a:t>acquisire da input  un vettore  v1 di n1 numeri interi pari compresi  tra a e b (estremi inclusi) [controllare l’input] </a:t>
+            </a:r>
+            <a:r>
+              <a:rPr lang="en-US" sz="1600" b="1" dirty="0">
+                <a:latin typeface="Courier New" panose="02070309020205020404" pitchFamily="49" charset="0"/>
+                <a:ea typeface="DejaVu Sans Condensed" panose="020B0606030804020204" pitchFamily="34" charset="0"/>
+                <a:cs typeface="Courier New" panose="02070309020205020404" pitchFamily="49" charset="0"/>
+              </a:rPr>
+              <a:t>*/</a:t>
+            </a:r>
+          </a:p>
+          <a:p>
+            <a:pPr marL="0" indent="0">
+              <a:buNone/>
+            </a:pPr>
+            <a:r>
+              <a:rPr lang="en-US" sz="1600" b="1" dirty="0">
                 <a:latin typeface="Courier New" panose="02070309020205020404" pitchFamily="49" charset="0"/>
                 <a:ea typeface="DejaVu Sans Condensed" panose="020B0606030804020204" pitchFamily="34" charset="0"/>
                 <a:cs typeface="Courier New" panose="02070309020205020404" pitchFamily="49" charset="0"/>
@@ -10488,7 +13407,7 @@
               <a:buNone/>
             </a:pPr>
             <a:r>
-              <a:rPr lang="en-US" sz="1800" b="1" dirty="0">
+              <a:rPr lang="en-US" sz="1600" b="1" dirty="0">
                 <a:latin typeface="Courier New" panose="02070309020205020404" pitchFamily="49" charset="0"/>
                 <a:ea typeface="DejaVu Sans Condensed" panose="020B0606030804020204" pitchFamily="34" charset="0"/>
                 <a:cs typeface="Courier New" panose="02070309020205020404" pitchFamily="49" charset="0"/>
@@ -10496,7 +13415,7 @@
               <a:t>using namespace </a:t>
             </a:r>
             <a:r>
-              <a:rPr lang="en-US" sz="1800" b="1" dirty="0" err="1">
+              <a:rPr lang="en-US" sz="1600" b="1" dirty="0" err="1">
                 <a:latin typeface="Courier New" panose="02070309020205020404" pitchFamily="49" charset="0"/>
                 <a:ea typeface="DejaVu Sans Condensed" panose="020B0606030804020204" pitchFamily="34" charset="0"/>
                 <a:cs typeface="Courier New" panose="02070309020205020404" pitchFamily="49" charset="0"/>
@@ -10504,7 +13423,7 @@
               <a:t>std</a:t>
             </a:r>
             <a:r>
-              <a:rPr lang="en-US" sz="1800" b="1" dirty="0">
+              <a:rPr lang="en-US" sz="1600" b="1" dirty="0">
                 <a:latin typeface="Courier New" panose="02070309020205020404" pitchFamily="49" charset="0"/>
                 <a:ea typeface="DejaVu Sans Condensed" panose="020B0606030804020204" pitchFamily="34" charset="0"/>
                 <a:cs typeface="Courier New" panose="02070309020205020404" pitchFamily="49" charset="0"/>
@@ -10517,7 +13436,7 @@
               <a:buNone/>
             </a:pPr>
             <a:r>
-              <a:rPr lang="en-US" sz="1800" b="1" dirty="0" err="1">
+              <a:rPr lang="en-US" sz="1600" b="1" dirty="0" err="1">
                 <a:latin typeface="Courier New" panose="02070309020205020404" pitchFamily="49" charset="0"/>
                 <a:ea typeface="DejaVu Sans Condensed" panose="020B0606030804020204" pitchFamily="34" charset="0"/>
                 <a:cs typeface="Courier New" panose="02070309020205020404" pitchFamily="49" charset="0"/>
@@ -10525,7 +13444,7 @@
               <a:t>int</a:t>
             </a:r>
             <a:r>
-              <a:rPr lang="en-US" sz="1800" b="1" dirty="0">
+              <a:rPr lang="en-US" sz="1600" b="1" dirty="0">
                 <a:latin typeface="Courier New" panose="02070309020205020404" pitchFamily="49" charset="0"/>
                 <a:ea typeface="DejaVu Sans Condensed" panose="020B0606030804020204" pitchFamily="34" charset="0"/>
                 <a:cs typeface="Courier New" panose="02070309020205020404" pitchFamily="49" charset="0"/>
@@ -10538,15 +13457,15 @@
               <a:buNone/>
             </a:pPr>
             <a:r>
-              <a:rPr lang="en-US" sz="1800" b="1" dirty="0">
-                <a:latin typeface="Courier New" panose="02070309020205020404" pitchFamily="49" charset="0"/>
-                <a:ea typeface="DejaVu Sans Condensed" panose="020B0606030804020204" pitchFamily="34" charset="0"/>
-                <a:cs typeface="Courier New" panose="02070309020205020404" pitchFamily="49" charset="0"/>
-              </a:rPr>
-              <a:t>	</a:t>
-            </a:r>
-            <a:r>
-              <a:rPr lang="en-US" sz="1800" b="1" dirty="0" err="1">
+              <a:rPr lang="en-US" sz="1600" b="1" dirty="0">
+                <a:latin typeface="Courier New" panose="02070309020205020404" pitchFamily="49" charset="0"/>
+                <a:ea typeface="DejaVu Sans Condensed" panose="020B0606030804020204" pitchFamily="34" charset="0"/>
+                <a:cs typeface="Courier New" panose="02070309020205020404" pitchFamily="49" charset="0"/>
+              </a:rPr>
+              <a:t>   </a:t>
+            </a:r>
+            <a:r>
+              <a:rPr lang="en-US" sz="1600" b="1" dirty="0" err="1">
                 <a:latin typeface="Courier New" panose="02070309020205020404" pitchFamily="49" charset="0"/>
                 <a:ea typeface="DejaVu Sans Condensed" panose="020B0606030804020204" pitchFamily="34" charset="0"/>
                 <a:cs typeface="Courier New" panose="02070309020205020404" pitchFamily="49" charset="0"/>
@@ -10554,7 +13473,7 @@
               <a:t>const</a:t>
             </a:r>
             <a:r>
-              <a:rPr lang="en-US" sz="1800" b="1" dirty="0">
+              <a:rPr lang="en-US" sz="1600" b="1" dirty="0">
                 <a:latin typeface="Courier New" panose="02070309020205020404" pitchFamily="49" charset="0"/>
                 <a:ea typeface="DejaVu Sans Condensed" panose="020B0606030804020204" pitchFamily="34" charset="0"/>
                 <a:cs typeface="Courier New" panose="02070309020205020404" pitchFamily="49" charset="0"/>
@@ -10562,7 +13481,7 @@
               <a:t> </a:t>
             </a:r>
             <a:r>
-              <a:rPr lang="en-US" sz="1800" b="1" dirty="0" err="1">
+              <a:rPr lang="en-US" sz="1600" b="1" dirty="0" err="1">
                 <a:latin typeface="Courier New" panose="02070309020205020404" pitchFamily="49" charset="0"/>
                 <a:ea typeface="DejaVu Sans Condensed" panose="020B0606030804020204" pitchFamily="34" charset="0"/>
                 <a:cs typeface="Courier New" panose="02070309020205020404" pitchFamily="49" charset="0"/>
@@ -10570,23 +13489,36 @@
               <a:t>int</a:t>
             </a:r>
             <a:r>
-              <a:rPr lang="en-US" sz="1800" b="1" dirty="0">
-                <a:latin typeface="Courier New" panose="02070309020205020404" pitchFamily="49" charset="0"/>
-                <a:ea typeface="DejaVu Sans Condensed" panose="020B0606030804020204" pitchFamily="34" charset="0"/>
-                <a:cs typeface="Courier New" panose="02070309020205020404" pitchFamily="49" charset="0"/>
-              </a:rPr>
-              <a:t> n1 = 5; </a:t>
-            </a:r>
-            <a:r>
-              <a:rPr lang="en-US" sz="1800" b="1" dirty="0" err="1">
-                <a:latin typeface="Courier New" panose="02070309020205020404" pitchFamily="49" charset="0"/>
-                <a:ea typeface="DejaVu Sans Condensed" panose="020B0606030804020204" pitchFamily="34" charset="0"/>
-                <a:cs typeface="Courier New" panose="02070309020205020404" pitchFamily="49" charset="0"/>
-              </a:rPr>
-              <a:t>const</a:t>
-            </a:r>
-            <a:r>
-              <a:rPr lang="en-US" sz="1800" b="1" dirty="0">
+              <a:rPr lang="en-US" sz="1600" b="1" dirty="0">
+                <a:latin typeface="Courier New" panose="02070309020205020404" pitchFamily="49" charset="0"/>
+                <a:ea typeface="DejaVu Sans Condensed" panose="020B0606030804020204" pitchFamily="34" charset="0"/>
+                <a:cs typeface="Courier New" panose="02070309020205020404" pitchFamily="49" charset="0"/>
+              </a:rPr>
+              <a:t> n1 = 5;	</a:t>
+            </a:r>
+          </a:p>
+          <a:p>
+            <a:pPr marL="0" indent="0">
+              <a:buNone/>
+            </a:pPr>
+            <a:r>
+              <a:rPr lang="en-US" sz="1600" b="1" dirty="0">
+                <a:latin typeface="Courier New" panose="02070309020205020404" pitchFamily="49" charset="0"/>
+                <a:ea typeface="DejaVu Sans Condensed" panose="020B0606030804020204" pitchFamily="34" charset="0"/>
+                <a:cs typeface="Courier New" panose="02070309020205020404" pitchFamily="49" charset="0"/>
+              </a:rPr>
+              <a:t>   </a:t>
+            </a:r>
+            <a:r>
+              <a:rPr lang="en-US" sz="1600" b="1" dirty="0" err="1">
+                <a:latin typeface="Courier New" panose="02070309020205020404" pitchFamily="49" charset="0"/>
+                <a:ea typeface="DejaVu Sans Condensed" panose="020B0606030804020204" pitchFamily="34" charset="0"/>
+                <a:cs typeface="Courier New" panose="02070309020205020404" pitchFamily="49" charset="0"/>
+              </a:rPr>
+              <a:t>int</a:t>
+            </a:r>
+            <a:r>
+              <a:rPr lang="en-US" sz="1600" b="1" dirty="0">
                 <a:latin typeface="Courier New" panose="02070309020205020404" pitchFamily="49" charset="0"/>
                 <a:ea typeface="DejaVu Sans Condensed" panose="020B0606030804020204" pitchFamily="34" charset="0"/>
                 <a:cs typeface="Courier New" panose="02070309020205020404" pitchFamily="49" charset="0"/>
@@ -10594,7 +13526,23 @@
               <a:t> </a:t>
             </a:r>
             <a:r>
-              <a:rPr lang="en-US" sz="1800" b="1" dirty="0" err="1">
+              <a:rPr lang="en-US" sz="1600" b="1" dirty="0" err="1">
+                <a:latin typeface="Courier New" panose="02070309020205020404" pitchFamily="49" charset="0"/>
+                <a:ea typeface="DejaVu Sans Condensed" panose="020B0606030804020204" pitchFamily="34" charset="0"/>
+                <a:cs typeface="Courier New" panose="02070309020205020404" pitchFamily="49" charset="0"/>
+              </a:rPr>
+              <a:t>a,b,max</a:t>
+            </a:r>
+            <a:r>
+              <a:rPr lang="en-US" sz="1600" b="1" dirty="0">
+                <a:latin typeface="Courier New" panose="02070309020205020404" pitchFamily="49" charset="0"/>
+                <a:ea typeface="DejaVu Sans Condensed" panose="020B0606030804020204" pitchFamily="34" charset="0"/>
+                <a:cs typeface="Courier New" panose="02070309020205020404" pitchFamily="49" charset="0"/>
+              </a:rPr>
+              <a:t>; </a:t>
+            </a:r>
+            <a:r>
+              <a:rPr lang="en-US" sz="1600" b="1" dirty="0" err="1">
                 <a:latin typeface="Courier New" panose="02070309020205020404" pitchFamily="49" charset="0"/>
                 <a:ea typeface="DejaVu Sans Condensed" panose="020B0606030804020204" pitchFamily="34" charset="0"/>
                 <a:cs typeface="Courier New" panose="02070309020205020404" pitchFamily="49" charset="0"/>
@@ -10602,12 +13550,12 @@
               <a:t>int</a:t>
             </a:r>
             <a:r>
-              <a:rPr lang="en-US" sz="1800" b="1" dirty="0">
-                <a:latin typeface="Courier New" panose="02070309020205020404" pitchFamily="49" charset="0"/>
-                <a:ea typeface="DejaVu Sans Condensed" panose="020B0606030804020204" pitchFamily="34" charset="0"/>
-                <a:cs typeface="Courier New" panose="02070309020205020404" pitchFamily="49" charset="0"/>
-              </a:rPr>
-              <a:t> n2 = 8;</a:t>
+              <a:rPr lang="en-US" sz="1600" b="1" dirty="0">
+                <a:latin typeface="Courier New" panose="02070309020205020404" pitchFamily="49" charset="0"/>
+                <a:ea typeface="DejaVu Sans Condensed" panose="020B0606030804020204" pitchFamily="34" charset="0"/>
+                <a:cs typeface="Courier New" panose="02070309020205020404" pitchFamily="49" charset="0"/>
+              </a:rPr>
+              <a:t> v1[n1];</a:t>
             </a:r>
           </a:p>
           <a:p>
@@ -10615,15 +13563,169 @@
               <a:buNone/>
             </a:pPr>
             <a:r>
-              <a:rPr lang="en-US" sz="1800" b="1" dirty="0">
-                <a:latin typeface="Courier New" panose="02070309020205020404" pitchFamily="49" charset="0"/>
-                <a:ea typeface="DejaVu Sans Condensed" panose="020B0606030804020204" pitchFamily="34" charset="0"/>
-                <a:cs typeface="Courier New" panose="02070309020205020404" pitchFamily="49" charset="0"/>
-              </a:rPr>
-              <a:t>	</a:t>
-            </a:r>
-            <a:r>
-              <a:rPr lang="en-US" sz="1800" b="1" dirty="0" err="1">
+              <a:rPr lang="en-US" sz="1600" b="1" dirty="0">
+                <a:latin typeface="Courier New" panose="02070309020205020404" pitchFamily="49" charset="0"/>
+                <a:ea typeface="DejaVu Sans Condensed" panose="020B0606030804020204" pitchFamily="34" charset="0"/>
+                <a:cs typeface="Courier New" panose="02070309020205020404" pitchFamily="49" charset="0"/>
+              </a:rPr>
+              <a:t>   </a:t>
+            </a:r>
+            <a:r>
+              <a:rPr lang="en-US" sz="1600" b="1" dirty="0" err="1">
+                <a:latin typeface="Courier New" panose="02070309020205020404" pitchFamily="49" charset="0"/>
+                <a:ea typeface="DejaVu Sans Condensed" panose="020B0606030804020204" pitchFamily="34" charset="0"/>
+                <a:cs typeface="Courier New" panose="02070309020205020404" pitchFamily="49" charset="0"/>
+              </a:rPr>
+              <a:t>cout</a:t>
+            </a:r>
+            <a:r>
+              <a:rPr lang="en-US" sz="1600" b="1" dirty="0">
+                <a:latin typeface="Courier New" panose="02070309020205020404" pitchFamily="49" charset="0"/>
+                <a:ea typeface="DejaVu Sans Condensed" panose="020B0606030804020204" pitchFamily="34" charset="0"/>
+                <a:cs typeface="Courier New" panose="02070309020205020404" pitchFamily="49" charset="0"/>
+              </a:rPr>
+              <a:t> &lt;&lt; "</a:t>
+            </a:r>
+            <a:r>
+              <a:rPr lang="en-US" sz="1600" b="1" dirty="0" err="1">
+                <a:latin typeface="Courier New" panose="02070309020205020404" pitchFamily="49" charset="0"/>
+                <a:ea typeface="DejaVu Sans Condensed" panose="020B0606030804020204" pitchFamily="34" charset="0"/>
+                <a:cs typeface="Courier New" panose="02070309020205020404" pitchFamily="49" charset="0"/>
+              </a:rPr>
+              <a:t>valore</a:t>
+            </a:r>
+            <a:r>
+              <a:rPr lang="en-US" sz="1600" b="1" dirty="0">
+                <a:latin typeface="Courier New" panose="02070309020205020404" pitchFamily="49" charset="0"/>
+                <a:ea typeface="DejaVu Sans Condensed" panose="020B0606030804020204" pitchFamily="34" charset="0"/>
+                <a:cs typeface="Courier New" panose="02070309020205020404" pitchFamily="49" charset="0"/>
+              </a:rPr>
+              <a:t> </a:t>
+            </a:r>
+            <a:r>
+              <a:rPr lang="en-US" sz="1600" b="1" dirty="0" err="1">
+                <a:latin typeface="Courier New" panose="02070309020205020404" pitchFamily="49" charset="0"/>
+                <a:ea typeface="DejaVu Sans Condensed" panose="020B0606030804020204" pitchFamily="34" charset="0"/>
+                <a:cs typeface="Courier New" panose="02070309020205020404" pitchFamily="49" charset="0"/>
+              </a:rPr>
+              <a:t>inferiore</a:t>
+            </a:r>
+            <a:r>
+              <a:rPr lang="en-US" sz="1600" b="1" dirty="0">
+                <a:latin typeface="Courier New" panose="02070309020205020404" pitchFamily="49" charset="0"/>
+                <a:ea typeface="DejaVu Sans Condensed" panose="020B0606030804020204" pitchFamily="34" charset="0"/>
+                <a:cs typeface="Courier New" panose="02070309020205020404" pitchFamily="49" charset="0"/>
+              </a:rPr>
+              <a:t>: "; </a:t>
+            </a:r>
+            <a:r>
+              <a:rPr lang="en-US" sz="1600" b="1" dirty="0" err="1">
+                <a:latin typeface="Courier New" panose="02070309020205020404" pitchFamily="49" charset="0"/>
+                <a:ea typeface="DejaVu Sans Condensed" panose="020B0606030804020204" pitchFamily="34" charset="0"/>
+                <a:cs typeface="Courier New" panose="02070309020205020404" pitchFamily="49" charset="0"/>
+              </a:rPr>
+              <a:t>cin</a:t>
+            </a:r>
+            <a:r>
+              <a:rPr lang="en-US" sz="1600" b="1" dirty="0">
+                <a:latin typeface="Courier New" panose="02070309020205020404" pitchFamily="49" charset="0"/>
+                <a:ea typeface="DejaVu Sans Condensed" panose="020B0606030804020204" pitchFamily="34" charset="0"/>
+                <a:cs typeface="Courier New" panose="02070309020205020404" pitchFamily="49" charset="0"/>
+              </a:rPr>
+              <a:t> &gt;&gt; a;</a:t>
+            </a:r>
+          </a:p>
+          <a:p>
+            <a:pPr marL="0" indent="0">
+              <a:buNone/>
+            </a:pPr>
+            <a:r>
+              <a:rPr lang="en-US" sz="1600" b="1" dirty="0">
+                <a:latin typeface="Courier New" panose="02070309020205020404" pitchFamily="49" charset="0"/>
+                <a:ea typeface="DejaVu Sans Condensed" panose="020B0606030804020204" pitchFamily="34" charset="0"/>
+                <a:cs typeface="Courier New" panose="02070309020205020404" pitchFamily="49" charset="0"/>
+              </a:rPr>
+              <a:t>   </a:t>
+            </a:r>
+            <a:r>
+              <a:rPr lang="en-US" sz="1600" b="1" dirty="0" err="1">
+                <a:latin typeface="Courier New" panose="02070309020205020404" pitchFamily="49" charset="0"/>
+                <a:ea typeface="DejaVu Sans Condensed" panose="020B0606030804020204" pitchFamily="34" charset="0"/>
+                <a:cs typeface="Courier New" panose="02070309020205020404" pitchFamily="49" charset="0"/>
+              </a:rPr>
+              <a:t>cout</a:t>
+            </a:r>
+            <a:r>
+              <a:rPr lang="en-US" sz="1600" b="1" dirty="0">
+                <a:latin typeface="Courier New" panose="02070309020205020404" pitchFamily="49" charset="0"/>
+                <a:ea typeface="DejaVu Sans Condensed" panose="020B0606030804020204" pitchFamily="34" charset="0"/>
+                <a:cs typeface="Courier New" panose="02070309020205020404" pitchFamily="49" charset="0"/>
+              </a:rPr>
+              <a:t> &lt;&lt; "</a:t>
+            </a:r>
+            <a:r>
+              <a:rPr lang="en-US" sz="1600" b="1" dirty="0" err="1">
+                <a:latin typeface="Courier New" panose="02070309020205020404" pitchFamily="49" charset="0"/>
+                <a:ea typeface="DejaVu Sans Condensed" panose="020B0606030804020204" pitchFamily="34" charset="0"/>
+                <a:cs typeface="Courier New" panose="02070309020205020404" pitchFamily="49" charset="0"/>
+              </a:rPr>
+              <a:t>valore</a:t>
+            </a:r>
+            <a:r>
+              <a:rPr lang="en-US" sz="1600" b="1" dirty="0">
+                <a:latin typeface="Courier New" panose="02070309020205020404" pitchFamily="49" charset="0"/>
+                <a:ea typeface="DejaVu Sans Condensed" panose="020B0606030804020204" pitchFamily="34" charset="0"/>
+                <a:cs typeface="Courier New" panose="02070309020205020404" pitchFamily="49" charset="0"/>
+              </a:rPr>
+              <a:t> </a:t>
+            </a:r>
+            <a:r>
+              <a:rPr lang="en-US" sz="1600" b="1" dirty="0" err="1">
+                <a:latin typeface="Courier New" panose="02070309020205020404" pitchFamily="49" charset="0"/>
+                <a:ea typeface="DejaVu Sans Condensed" panose="020B0606030804020204" pitchFamily="34" charset="0"/>
+                <a:cs typeface="Courier New" panose="02070309020205020404" pitchFamily="49" charset="0"/>
+              </a:rPr>
+              <a:t>superiore</a:t>
+            </a:r>
+            <a:r>
+              <a:rPr lang="en-US" sz="1600" b="1" dirty="0">
+                <a:latin typeface="Courier New" panose="02070309020205020404" pitchFamily="49" charset="0"/>
+                <a:ea typeface="DejaVu Sans Condensed" panose="020B0606030804020204" pitchFamily="34" charset="0"/>
+                <a:cs typeface="Courier New" panose="02070309020205020404" pitchFamily="49" charset="0"/>
+              </a:rPr>
+              <a:t>: "; </a:t>
+            </a:r>
+            <a:r>
+              <a:rPr lang="en-US" sz="1600" b="1" dirty="0" err="1">
+                <a:latin typeface="Courier New" panose="02070309020205020404" pitchFamily="49" charset="0"/>
+                <a:ea typeface="DejaVu Sans Condensed" panose="020B0606030804020204" pitchFamily="34" charset="0"/>
+                <a:cs typeface="Courier New" panose="02070309020205020404" pitchFamily="49" charset="0"/>
+              </a:rPr>
+              <a:t>cin</a:t>
+            </a:r>
+            <a:r>
+              <a:rPr lang="en-US" sz="1600" b="1" dirty="0">
+                <a:latin typeface="Courier New" panose="02070309020205020404" pitchFamily="49" charset="0"/>
+                <a:ea typeface="DejaVu Sans Condensed" panose="020B0606030804020204" pitchFamily="34" charset="0"/>
+                <a:cs typeface="Courier New" panose="02070309020205020404" pitchFamily="49" charset="0"/>
+              </a:rPr>
+              <a:t> &gt;&gt; b;</a:t>
+            </a:r>
+          </a:p>
+          <a:p>
+            <a:pPr marL="0" indent="0">
+              <a:buNone/>
+            </a:pPr>
+            <a:r>
+              <a:rPr lang="en-US" sz="1600" b="1" dirty="0">
+                <a:latin typeface="Courier New" panose="02070309020205020404" pitchFamily="49" charset="0"/>
+                <a:ea typeface="DejaVu Sans Condensed" panose="020B0606030804020204" pitchFamily="34" charset="0"/>
+                <a:cs typeface="Courier New" panose="02070309020205020404" pitchFamily="49" charset="0"/>
+              </a:rPr>
+              <a:t>   for (</a:t>
+            </a:r>
+            <a:r>
+              <a:rPr lang="en-US" sz="1600" b="1" dirty="0" err="1">
                 <a:latin typeface="Courier New" panose="02070309020205020404" pitchFamily="49" charset="0"/>
                 <a:ea typeface="DejaVu Sans Condensed" panose="020B0606030804020204" pitchFamily="34" charset="0"/>
                 <a:cs typeface="Courier New" panose="02070309020205020404" pitchFamily="49" charset="0"/>
@@ -10631,7 +13733,7 @@
               <a:t>int</a:t>
             </a:r>
             <a:r>
-              <a:rPr lang="en-US" sz="1800" b="1" dirty="0">
+              <a:rPr lang="en-US" sz="1600" b="1" dirty="0">
                 <a:latin typeface="Courier New" panose="02070309020205020404" pitchFamily="49" charset="0"/>
                 <a:ea typeface="DejaVu Sans Condensed" panose="020B0606030804020204" pitchFamily="34" charset="0"/>
                 <a:cs typeface="Courier New" panose="02070309020205020404" pitchFamily="49" charset="0"/>
@@ -10639,36 +13741,20 @@
               <a:t> </a:t>
             </a:r>
             <a:r>
-              <a:rPr lang="en-US" sz="1800" b="1" dirty="0" err="1">
-                <a:latin typeface="Courier New" panose="02070309020205020404" pitchFamily="49" charset="0"/>
-                <a:ea typeface="DejaVu Sans Condensed" panose="020B0606030804020204" pitchFamily="34" charset="0"/>
-                <a:cs typeface="Courier New" panose="02070309020205020404" pitchFamily="49" charset="0"/>
-              </a:rPr>
-              <a:t>a,b,max</a:t>
-            </a:r>
-            <a:r>
-              <a:rPr lang="en-US" sz="1800" b="1" dirty="0">
-                <a:latin typeface="Courier New" panose="02070309020205020404" pitchFamily="49" charset="0"/>
-                <a:ea typeface="DejaVu Sans Condensed" panose="020B0606030804020204" pitchFamily="34" charset="0"/>
-                <a:cs typeface="Courier New" panose="02070309020205020404" pitchFamily="49" charset="0"/>
-              </a:rPr>
-              <a:t>; </a:t>
-            </a:r>
-            <a:r>
-              <a:rPr lang="en-US" sz="1800" b="1" dirty="0" err="1">
-                <a:latin typeface="Courier New" panose="02070309020205020404" pitchFamily="49" charset="0"/>
-                <a:ea typeface="DejaVu Sans Condensed" panose="020B0606030804020204" pitchFamily="34" charset="0"/>
-                <a:cs typeface="Courier New" panose="02070309020205020404" pitchFamily="49" charset="0"/>
-              </a:rPr>
-              <a:t>int</a:t>
-            </a:r>
-            <a:r>
-              <a:rPr lang="en-US" sz="1800" b="1" dirty="0">
-                <a:latin typeface="Courier New" panose="02070309020205020404" pitchFamily="49" charset="0"/>
-                <a:ea typeface="DejaVu Sans Condensed" panose="020B0606030804020204" pitchFamily="34" charset="0"/>
-                <a:cs typeface="Courier New" panose="02070309020205020404" pitchFamily="49" charset="0"/>
-              </a:rPr>
-              <a:t> v1[n1], v2[n2];</a:t>
+              <a:rPr lang="en-US" sz="1600" b="1" dirty="0" err="1">
+                <a:latin typeface="Courier New" panose="02070309020205020404" pitchFamily="49" charset="0"/>
+                <a:ea typeface="DejaVu Sans Condensed" panose="020B0606030804020204" pitchFamily="34" charset="0"/>
+                <a:cs typeface="Courier New" panose="02070309020205020404" pitchFamily="49" charset="0"/>
+              </a:rPr>
+              <a:t>i</a:t>
+            </a:r>
+            <a:r>
+              <a:rPr lang="en-US" sz="1600" b="1" dirty="0">
+                <a:latin typeface="Courier New" panose="02070309020205020404" pitchFamily="49" charset="0"/>
+                <a:ea typeface="DejaVu Sans Condensed" panose="020B0606030804020204" pitchFamily="34" charset="0"/>
+                <a:cs typeface="Courier New" panose="02070309020205020404" pitchFamily="49" charset="0"/>
+              </a:rPr>
+              <a:t>=0;i&lt;n1;i++)</a:t>
             </a:r>
           </a:p>
           <a:p>
@@ -10676,15 +13762,28 @@
               <a:buNone/>
             </a:pPr>
             <a:r>
-              <a:rPr lang="en-US" sz="1800" b="1" dirty="0">
-                <a:latin typeface="Courier New" panose="02070309020205020404" pitchFamily="49" charset="0"/>
-                <a:ea typeface="DejaVu Sans Condensed" panose="020B0606030804020204" pitchFamily="34" charset="0"/>
-                <a:cs typeface="Courier New" panose="02070309020205020404" pitchFamily="49" charset="0"/>
-              </a:rPr>
-              <a:t>	</a:t>
-            </a:r>
-            <a:r>
-              <a:rPr lang="en-US" sz="1800" b="1" dirty="0" err="1">
+              <a:rPr lang="en-US" sz="1600" b="1" dirty="0">
+                <a:latin typeface="Courier New" panose="02070309020205020404" pitchFamily="49" charset="0"/>
+                <a:ea typeface="DejaVu Sans Condensed" panose="020B0606030804020204" pitchFamily="34" charset="0"/>
+                <a:cs typeface="Courier New" panose="02070309020205020404" pitchFamily="49" charset="0"/>
+              </a:rPr>
+              <a:t>      do {</a:t>
+            </a:r>
+          </a:p>
+          <a:p>
+            <a:pPr marL="0" indent="0">
+              <a:buNone/>
+            </a:pPr>
+            <a:r>
+              <a:rPr lang="en-US" sz="1600" b="1" dirty="0">
+                <a:latin typeface="Courier New" panose="02070309020205020404" pitchFamily="49" charset="0"/>
+                <a:ea typeface="DejaVu Sans Condensed" panose="020B0606030804020204" pitchFamily="34" charset="0"/>
+                <a:cs typeface="Courier New" panose="02070309020205020404" pitchFamily="49" charset="0"/>
+              </a:rPr>
+              <a:t>         </a:t>
+            </a:r>
+            <a:r>
+              <a:rPr lang="en-US" sz="1600" b="1" dirty="0" err="1">
                 <a:latin typeface="Courier New" panose="02070309020205020404" pitchFamily="49" charset="0"/>
                 <a:ea typeface="DejaVu Sans Condensed" panose="020B0606030804020204" pitchFamily="34" charset="0"/>
                 <a:cs typeface="Courier New" panose="02070309020205020404" pitchFamily="49" charset="0"/>
@@ -10692,7 +13791,7 @@
               <a:t>cout</a:t>
             </a:r>
             <a:r>
-              <a:rPr lang="en-US" sz="1800" b="1" dirty="0">
+              <a:rPr lang="en-US" sz="1600" b="1" dirty="0">
                 <a:latin typeface="Courier New" panose="02070309020205020404" pitchFamily="49" charset="0"/>
                 <a:ea typeface="DejaVu Sans Condensed" panose="020B0606030804020204" pitchFamily="34" charset="0"/>
                 <a:cs typeface="Courier New" panose="02070309020205020404" pitchFamily="49" charset="0"/>
@@ -10700,39 +13799,52 @@
               <a:t> &lt;&lt; "</a:t>
             </a:r>
             <a:r>
-              <a:rPr lang="en-US" sz="1800" b="1" dirty="0" err="1">
-                <a:latin typeface="Courier New" panose="02070309020205020404" pitchFamily="49" charset="0"/>
-                <a:ea typeface="DejaVu Sans Condensed" panose="020B0606030804020204" pitchFamily="34" charset="0"/>
-                <a:cs typeface="Courier New" panose="02070309020205020404" pitchFamily="49" charset="0"/>
-              </a:rPr>
-              <a:t>valore</a:t>
-            </a:r>
-            <a:r>
-              <a:rPr lang="en-US" sz="1800" b="1" dirty="0">
-                <a:latin typeface="Courier New" panose="02070309020205020404" pitchFamily="49" charset="0"/>
-                <a:ea typeface="DejaVu Sans Condensed" panose="020B0606030804020204" pitchFamily="34" charset="0"/>
-                <a:cs typeface="Courier New" panose="02070309020205020404" pitchFamily="49" charset="0"/>
-              </a:rPr>
-              <a:t> </a:t>
-            </a:r>
-            <a:r>
-              <a:rPr lang="en-US" sz="1800" b="1" dirty="0" err="1">
-                <a:latin typeface="Courier New" panose="02070309020205020404" pitchFamily="49" charset="0"/>
-                <a:ea typeface="DejaVu Sans Condensed" panose="020B0606030804020204" pitchFamily="34" charset="0"/>
-                <a:cs typeface="Courier New" panose="02070309020205020404" pitchFamily="49" charset="0"/>
-              </a:rPr>
-              <a:t>inferiore</a:t>
-            </a:r>
-            <a:r>
-              <a:rPr lang="en-US" sz="1800" b="1" dirty="0">
-                <a:latin typeface="Courier New" panose="02070309020205020404" pitchFamily="49" charset="0"/>
-                <a:ea typeface="DejaVu Sans Condensed" panose="020B0606030804020204" pitchFamily="34" charset="0"/>
-                <a:cs typeface="Courier New" panose="02070309020205020404" pitchFamily="49" charset="0"/>
-              </a:rPr>
-              <a:t>: "; </a:t>
-            </a:r>
-            <a:r>
-              <a:rPr lang="en-US" sz="1800" b="1" dirty="0" err="1">
+              <a:rPr lang="en-US" sz="1600" b="1" dirty="0" err="1">
+                <a:latin typeface="Courier New" panose="02070309020205020404" pitchFamily="49" charset="0"/>
+                <a:ea typeface="DejaVu Sans Condensed" panose="020B0606030804020204" pitchFamily="34" charset="0"/>
+                <a:cs typeface="Courier New" panose="02070309020205020404" pitchFamily="49" charset="0"/>
+              </a:rPr>
+              <a:t>elemento</a:t>
+            </a:r>
+            <a:r>
+              <a:rPr lang="en-US" sz="1600" b="1" dirty="0">
+                <a:latin typeface="Courier New" panose="02070309020205020404" pitchFamily="49" charset="0"/>
+                <a:ea typeface="DejaVu Sans Condensed" panose="020B0606030804020204" pitchFamily="34" charset="0"/>
+                <a:cs typeface="Courier New" panose="02070309020205020404" pitchFamily="49" charset="0"/>
+              </a:rPr>
+              <a:t> di </a:t>
+            </a:r>
+            <a:r>
+              <a:rPr lang="en-US" sz="1600" b="1" dirty="0" err="1">
+                <a:latin typeface="Courier New" panose="02070309020205020404" pitchFamily="49" charset="0"/>
+                <a:ea typeface="DejaVu Sans Condensed" panose="020B0606030804020204" pitchFamily="34" charset="0"/>
+                <a:cs typeface="Courier New" panose="02070309020205020404" pitchFamily="49" charset="0"/>
+              </a:rPr>
+              <a:t>indice</a:t>
+            </a:r>
+            <a:r>
+              <a:rPr lang="en-US" sz="1600" b="1" dirty="0">
+                <a:latin typeface="Courier New" panose="02070309020205020404" pitchFamily="49" charset="0"/>
+                <a:ea typeface="DejaVu Sans Condensed" panose="020B0606030804020204" pitchFamily="34" charset="0"/>
+                <a:cs typeface="Courier New" panose="02070309020205020404" pitchFamily="49" charset="0"/>
+              </a:rPr>
+              <a:t> " &lt;&lt; I &lt;&lt; " : ";</a:t>
+            </a:r>
+          </a:p>
+          <a:p>
+            <a:pPr marL="0" indent="0">
+              <a:buNone/>
+            </a:pPr>
+            <a:r>
+              <a:rPr lang="en-US" sz="1600" b="1" dirty="0">
+                <a:latin typeface="Courier New" panose="02070309020205020404" pitchFamily="49" charset="0"/>
+                <a:ea typeface="DejaVu Sans Condensed" panose="020B0606030804020204" pitchFamily="34" charset="0"/>
+                <a:cs typeface="Courier New" panose="02070309020205020404" pitchFamily="49" charset="0"/>
+              </a:rPr>
+              <a:t>         </a:t>
+            </a:r>
+            <a:r>
+              <a:rPr lang="en-US" sz="1600" b="1" dirty="0" err="1">
                 <a:latin typeface="Courier New" panose="02070309020205020404" pitchFamily="49" charset="0"/>
                 <a:ea typeface="DejaVu Sans Condensed" panose="020B0606030804020204" pitchFamily="34" charset="0"/>
                 <a:cs typeface="Courier New" panose="02070309020205020404" pitchFamily="49" charset="0"/>
@@ -10740,12 +13852,28 @@
               <a:t>cin</a:t>
             </a:r>
             <a:r>
-              <a:rPr lang="en-US" sz="1800" b="1" dirty="0">
-                <a:latin typeface="Courier New" panose="02070309020205020404" pitchFamily="49" charset="0"/>
-                <a:ea typeface="DejaVu Sans Condensed" panose="020B0606030804020204" pitchFamily="34" charset="0"/>
-                <a:cs typeface="Courier New" panose="02070309020205020404" pitchFamily="49" charset="0"/>
-              </a:rPr>
-              <a:t> &gt;&gt; a;</a:t>
+              <a:rPr lang="en-US" sz="1600" b="1" dirty="0">
+                <a:latin typeface="Courier New" panose="02070309020205020404" pitchFamily="49" charset="0"/>
+                <a:ea typeface="DejaVu Sans Condensed" panose="020B0606030804020204" pitchFamily="34" charset="0"/>
+                <a:cs typeface="Courier New" panose="02070309020205020404" pitchFamily="49" charset="0"/>
+              </a:rPr>
+              <a:t> &gt;&gt; v1[</a:t>
+            </a:r>
+            <a:r>
+              <a:rPr lang="en-US" sz="1600" b="1" dirty="0" err="1">
+                <a:latin typeface="Courier New" panose="02070309020205020404" pitchFamily="49" charset="0"/>
+                <a:ea typeface="DejaVu Sans Condensed" panose="020B0606030804020204" pitchFamily="34" charset="0"/>
+                <a:cs typeface="Courier New" panose="02070309020205020404" pitchFamily="49" charset="0"/>
+              </a:rPr>
+              <a:t>i</a:t>
+            </a:r>
+            <a:r>
+              <a:rPr lang="en-US" sz="1600" b="1" dirty="0">
+                <a:latin typeface="Courier New" panose="02070309020205020404" pitchFamily="49" charset="0"/>
+                <a:ea typeface="DejaVu Sans Condensed" panose="020B0606030804020204" pitchFamily="34" charset="0"/>
+                <a:cs typeface="Courier New" panose="02070309020205020404" pitchFamily="49" charset="0"/>
+              </a:rPr>
+              <a:t>];</a:t>
             </a:r>
           </a:p>
           <a:p>
@@ -10753,76 +13881,60 @@
               <a:buNone/>
             </a:pPr>
             <a:r>
-              <a:rPr lang="en-US" sz="1800" b="1" dirty="0">
-                <a:latin typeface="Courier New" panose="02070309020205020404" pitchFamily="49" charset="0"/>
-                <a:ea typeface="DejaVu Sans Condensed" panose="020B0606030804020204" pitchFamily="34" charset="0"/>
-                <a:cs typeface="Courier New" panose="02070309020205020404" pitchFamily="49" charset="0"/>
-              </a:rPr>
-              <a:t>	</a:t>
-            </a:r>
-            <a:r>
-              <a:rPr lang="en-US" sz="1800" b="1" dirty="0" err="1">
-                <a:latin typeface="Courier New" panose="02070309020205020404" pitchFamily="49" charset="0"/>
-                <a:ea typeface="DejaVu Sans Condensed" panose="020B0606030804020204" pitchFamily="34" charset="0"/>
-                <a:cs typeface="Courier New" panose="02070309020205020404" pitchFamily="49" charset="0"/>
-              </a:rPr>
-              <a:t>cout</a:t>
-            </a:r>
-            <a:r>
-              <a:rPr lang="en-US" sz="1800" b="1" dirty="0">
-                <a:latin typeface="Courier New" panose="02070309020205020404" pitchFamily="49" charset="0"/>
-                <a:ea typeface="DejaVu Sans Condensed" panose="020B0606030804020204" pitchFamily="34" charset="0"/>
-                <a:cs typeface="Courier New" panose="02070309020205020404" pitchFamily="49" charset="0"/>
-              </a:rPr>
-              <a:t> &lt;&lt; "</a:t>
-            </a:r>
-            <a:r>
-              <a:rPr lang="en-US" sz="1800" b="1" dirty="0" err="1">
-                <a:latin typeface="Courier New" panose="02070309020205020404" pitchFamily="49" charset="0"/>
-                <a:ea typeface="DejaVu Sans Condensed" panose="020B0606030804020204" pitchFamily="34" charset="0"/>
-                <a:cs typeface="Courier New" panose="02070309020205020404" pitchFamily="49" charset="0"/>
-              </a:rPr>
-              <a:t>valore</a:t>
-            </a:r>
-            <a:r>
-              <a:rPr lang="en-US" sz="1800" b="1" dirty="0">
-                <a:latin typeface="Courier New" panose="02070309020205020404" pitchFamily="49" charset="0"/>
-                <a:ea typeface="DejaVu Sans Condensed" panose="020B0606030804020204" pitchFamily="34" charset="0"/>
-                <a:cs typeface="Courier New" panose="02070309020205020404" pitchFamily="49" charset="0"/>
-              </a:rPr>
-              <a:t> </a:t>
-            </a:r>
-            <a:r>
-              <a:rPr lang="en-US" sz="1800" b="1" dirty="0" err="1">
-                <a:latin typeface="Courier New" panose="02070309020205020404" pitchFamily="49" charset="0"/>
-                <a:ea typeface="DejaVu Sans Condensed" panose="020B0606030804020204" pitchFamily="34" charset="0"/>
-                <a:cs typeface="Courier New" panose="02070309020205020404" pitchFamily="49" charset="0"/>
-              </a:rPr>
-              <a:t>superiore</a:t>
-            </a:r>
-            <a:r>
-              <a:rPr lang="en-US" sz="1800" b="1" dirty="0">
-                <a:latin typeface="Courier New" panose="02070309020205020404" pitchFamily="49" charset="0"/>
-                <a:ea typeface="DejaVu Sans Condensed" panose="020B0606030804020204" pitchFamily="34" charset="0"/>
-                <a:cs typeface="Courier New" panose="02070309020205020404" pitchFamily="49" charset="0"/>
-              </a:rPr>
-              <a:t>: "; </a:t>
-            </a:r>
-            <a:r>
-              <a:rPr lang="en-US" sz="1800" b="1" dirty="0" err="1">
-                <a:latin typeface="Courier New" panose="02070309020205020404" pitchFamily="49" charset="0"/>
-                <a:ea typeface="DejaVu Sans Condensed" panose="020B0606030804020204" pitchFamily="34" charset="0"/>
-                <a:cs typeface="Courier New" panose="02070309020205020404" pitchFamily="49" charset="0"/>
-              </a:rPr>
-              <a:t>cin</a:t>
-            </a:r>
-            <a:r>
-              <a:rPr lang="en-US" sz="1800" b="1" dirty="0">
-                <a:latin typeface="Courier New" panose="02070309020205020404" pitchFamily="49" charset="0"/>
-                <a:ea typeface="DejaVu Sans Condensed" panose="020B0606030804020204" pitchFamily="34" charset="0"/>
-                <a:cs typeface="Courier New" panose="02070309020205020404" pitchFamily="49" charset="0"/>
-              </a:rPr>
-              <a:t> &gt;&gt; b;</a:t>
+              <a:rPr lang="en-US" sz="1600" b="1" dirty="0">
+                <a:latin typeface="Courier New" panose="02070309020205020404" pitchFamily="49" charset="0"/>
+                <a:ea typeface="DejaVu Sans Condensed" panose="020B0606030804020204" pitchFamily="34" charset="0"/>
+                <a:cs typeface="Courier New" panose="02070309020205020404" pitchFamily="49" charset="0"/>
+              </a:rPr>
+              <a:t>      } while (v1[</a:t>
+            </a:r>
+            <a:r>
+              <a:rPr lang="en-US" sz="1600" b="1" dirty="0" err="1">
+                <a:latin typeface="Courier New" panose="02070309020205020404" pitchFamily="49" charset="0"/>
+                <a:ea typeface="DejaVu Sans Condensed" panose="020B0606030804020204" pitchFamily="34" charset="0"/>
+                <a:cs typeface="Courier New" panose="02070309020205020404" pitchFamily="49" charset="0"/>
+              </a:rPr>
+              <a:t>i</a:t>
+            </a:r>
+            <a:r>
+              <a:rPr lang="en-US" sz="1600" b="1" dirty="0">
+                <a:latin typeface="Courier New" panose="02070309020205020404" pitchFamily="49" charset="0"/>
+                <a:ea typeface="DejaVu Sans Condensed" panose="020B0606030804020204" pitchFamily="34" charset="0"/>
+                <a:cs typeface="Courier New" panose="02070309020205020404" pitchFamily="49" charset="0"/>
+              </a:rPr>
+              <a:t>] &lt; a || v1[</a:t>
+            </a:r>
+            <a:r>
+              <a:rPr lang="en-US" sz="1600" b="1" dirty="0" err="1">
+                <a:latin typeface="Courier New" panose="02070309020205020404" pitchFamily="49" charset="0"/>
+                <a:ea typeface="DejaVu Sans Condensed" panose="020B0606030804020204" pitchFamily="34" charset="0"/>
+                <a:cs typeface="Courier New" panose="02070309020205020404" pitchFamily="49" charset="0"/>
+              </a:rPr>
+              <a:t>i</a:t>
+            </a:r>
+            <a:r>
+              <a:rPr lang="en-US" sz="1600" b="1" dirty="0">
+                <a:latin typeface="Courier New" panose="02070309020205020404" pitchFamily="49" charset="0"/>
+                <a:ea typeface="DejaVu Sans Condensed" panose="020B0606030804020204" pitchFamily="34" charset="0"/>
+                <a:cs typeface="Courier New" panose="02070309020205020404" pitchFamily="49" charset="0"/>
+              </a:rPr>
+              <a:t>] &gt; b || v1[</a:t>
+            </a:r>
+            <a:r>
+              <a:rPr lang="en-US" sz="1600" b="1" dirty="0" err="1">
+                <a:latin typeface="Courier New" panose="02070309020205020404" pitchFamily="49" charset="0"/>
+                <a:ea typeface="DejaVu Sans Condensed" panose="020B0606030804020204" pitchFamily="34" charset="0"/>
+                <a:cs typeface="Courier New" panose="02070309020205020404" pitchFamily="49" charset="0"/>
+              </a:rPr>
+              <a:t>i</a:t>
+            </a:r>
+            <a:r>
+              <a:rPr lang="en-US" sz="1600" b="1" dirty="0">
+                <a:latin typeface="Courier New" panose="02070309020205020404" pitchFamily="49" charset="0"/>
+                <a:ea typeface="DejaVu Sans Condensed" panose="020B0606030804020204" pitchFamily="34" charset="0"/>
+                <a:cs typeface="Courier New" panose="02070309020205020404" pitchFamily="49" charset="0"/>
+              </a:rPr>
+              <a:t>]%2 != 0);</a:t>
             </a:r>
           </a:p>
           <a:p>
@@ -10830,255 +13942,14 @@
               <a:buNone/>
             </a:pPr>
             <a:r>
-              <a:rPr lang="en-US" sz="1800" b="1" dirty="0">
-                <a:latin typeface="Courier New" panose="02070309020205020404" pitchFamily="49" charset="0"/>
-                <a:ea typeface="DejaVu Sans Condensed" panose="020B0606030804020204" pitchFamily="34" charset="0"/>
-                <a:cs typeface="Courier New" panose="02070309020205020404" pitchFamily="49" charset="0"/>
-              </a:rPr>
-              <a:t>	for (</a:t>
-            </a:r>
-            <a:r>
-              <a:rPr lang="en-US" sz="1800" b="1" dirty="0" err="1">
-                <a:latin typeface="Courier New" panose="02070309020205020404" pitchFamily="49" charset="0"/>
-                <a:ea typeface="DejaVu Sans Condensed" panose="020B0606030804020204" pitchFamily="34" charset="0"/>
-                <a:cs typeface="Courier New" panose="02070309020205020404" pitchFamily="49" charset="0"/>
-              </a:rPr>
-              <a:t>int</a:t>
-            </a:r>
-            <a:r>
-              <a:rPr lang="en-US" sz="1800" b="1" dirty="0">
-                <a:latin typeface="Courier New" panose="02070309020205020404" pitchFamily="49" charset="0"/>
-                <a:ea typeface="DejaVu Sans Condensed" panose="020B0606030804020204" pitchFamily="34" charset="0"/>
-                <a:cs typeface="Courier New" panose="02070309020205020404" pitchFamily="49" charset="0"/>
-              </a:rPr>
-              <a:t> </a:t>
-            </a:r>
-            <a:r>
-              <a:rPr lang="en-US" sz="1800" b="1" dirty="0" err="1">
-                <a:latin typeface="Courier New" panose="02070309020205020404" pitchFamily="49" charset="0"/>
-                <a:ea typeface="DejaVu Sans Condensed" panose="020B0606030804020204" pitchFamily="34" charset="0"/>
-                <a:cs typeface="Courier New" panose="02070309020205020404" pitchFamily="49" charset="0"/>
-              </a:rPr>
-              <a:t>i</a:t>
-            </a:r>
-            <a:r>
-              <a:rPr lang="en-US" sz="1800" b="1" dirty="0">
-                <a:latin typeface="Courier New" panose="02070309020205020404" pitchFamily="49" charset="0"/>
-                <a:ea typeface="DejaVu Sans Condensed" panose="020B0606030804020204" pitchFamily="34" charset="0"/>
-                <a:cs typeface="Courier New" panose="02070309020205020404" pitchFamily="49" charset="0"/>
-              </a:rPr>
-              <a:t>=0;i&lt;n1;i++)</a:t>
-            </a:r>
-          </a:p>
-          <a:p>
-            <a:pPr marL="0" indent="0">
-              <a:buNone/>
-            </a:pPr>
-            <a:r>
-              <a:rPr lang="en-US" sz="1800" b="1" dirty="0">
-                <a:latin typeface="Courier New" panose="02070309020205020404" pitchFamily="49" charset="0"/>
-                <a:ea typeface="DejaVu Sans Condensed" panose="020B0606030804020204" pitchFamily="34" charset="0"/>
-                <a:cs typeface="Courier New" panose="02070309020205020404" pitchFamily="49" charset="0"/>
-              </a:rPr>
-              <a:t>		do {</a:t>
-            </a:r>
-          </a:p>
-          <a:p>
-            <a:pPr marL="0" indent="0">
-              <a:buNone/>
-            </a:pPr>
-            <a:r>
-              <a:rPr lang="en-US" sz="1800" b="1" dirty="0">
-                <a:latin typeface="Courier New" panose="02070309020205020404" pitchFamily="49" charset="0"/>
-                <a:ea typeface="DejaVu Sans Condensed" panose="020B0606030804020204" pitchFamily="34" charset="0"/>
-                <a:cs typeface="Courier New" panose="02070309020205020404" pitchFamily="49" charset="0"/>
-              </a:rPr>
-              <a:t>			</a:t>
-            </a:r>
-            <a:r>
-              <a:rPr lang="en-US" sz="1800" b="1" dirty="0" err="1">
-                <a:latin typeface="Courier New" panose="02070309020205020404" pitchFamily="49" charset="0"/>
-                <a:ea typeface="DejaVu Sans Condensed" panose="020B0606030804020204" pitchFamily="34" charset="0"/>
-                <a:cs typeface="Courier New" panose="02070309020205020404" pitchFamily="49" charset="0"/>
-              </a:rPr>
-              <a:t>cout</a:t>
-            </a:r>
-            <a:r>
-              <a:rPr lang="en-US" sz="1800" b="1" dirty="0">
-                <a:latin typeface="Courier New" panose="02070309020205020404" pitchFamily="49" charset="0"/>
-                <a:ea typeface="DejaVu Sans Condensed" panose="020B0606030804020204" pitchFamily="34" charset="0"/>
-                <a:cs typeface="Courier New" panose="02070309020205020404" pitchFamily="49" charset="0"/>
-              </a:rPr>
-              <a:t> &lt;&lt; "</a:t>
-            </a:r>
-            <a:r>
-              <a:rPr lang="en-US" sz="1800" b="1" dirty="0" err="1">
-                <a:latin typeface="Courier New" panose="02070309020205020404" pitchFamily="49" charset="0"/>
-                <a:ea typeface="DejaVu Sans Condensed" panose="020B0606030804020204" pitchFamily="34" charset="0"/>
-                <a:cs typeface="Courier New" panose="02070309020205020404" pitchFamily="49" charset="0"/>
-              </a:rPr>
-              <a:t>elemento</a:t>
-            </a:r>
-            <a:r>
-              <a:rPr lang="en-US" sz="1800" b="1" dirty="0">
-                <a:latin typeface="Courier New" panose="02070309020205020404" pitchFamily="49" charset="0"/>
-                <a:ea typeface="DejaVu Sans Condensed" panose="020B0606030804020204" pitchFamily="34" charset="0"/>
-                <a:cs typeface="Courier New" panose="02070309020205020404" pitchFamily="49" charset="0"/>
-              </a:rPr>
-              <a:t> di </a:t>
-            </a:r>
-            <a:r>
-              <a:rPr lang="en-US" sz="1800" b="1" dirty="0" err="1">
-                <a:latin typeface="Courier New" panose="02070309020205020404" pitchFamily="49" charset="0"/>
-                <a:ea typeface="DejaVu Sans Condensed" panose="020B0606030804020204" pitchFamily="34" charset="0"/>
-                <a:cs typeface="Courier New" panose="02070309020205020404" pitchFamily="49" charset="0"/>
-              </a:rPr>
-              <a:t>indice</a:t>
-            </a:r>
-            <a:r>
-              <a:rPr lang="en-US" sz="1800" b="1" dirty="0">
-                <a:latin typeface="Courier New" panose="02070309020205020404" pitchFamily="49" charset="0"/>
-                <a:ea typeface="DejaVu Sans Condensed" panose="020B0606030804020204" pitchFamily="34" charset="0"/>
-                <a:cs typeface="Courier New" panose="02070309020205020404" pitchFamily="49" charset="0"/>
-              </a:rPr>
-              <a:t> " &lt;&lt; I &lt;&lt; " : ";</a:t>
-            </a:r>
-          </a:p>
-          <a:p>
-            <a:pPr marL="0" indent="0">
-              <a:buNone/>
-            </a:pPr>
-            <a:r>
-              <a:rPr lang="en-US" sz="1800" b="1" dirty="0">
-                <a:latin typeface="Courier New" panose="02070309020205020404" pitchFamily="49" charset="0"/>
-                <a:ea typeface="DejaVu Sans Condensed" panose="020B0606030804020204" pitchFamily="34" charset="0"/>
-                <a:cs typeface="Courier New" panose="02070309020205020404" pitchFamily="49" charset="0"/>
-              </a:rPr>
-              <a:t>			</a:t>
-            </a:r>
-            <a:r>
-              <a:rPr lang="en-US" sz="1800" b="1" dirty="0" err="1">
-                <a:latin typeface="Courier New" panose="02070309020205020404" pitchFamily="49" charset="0"/>
-                <a:ea typeface="DejaVu Sans Condensed" panose="020B0606030804020204" pitchFamily="34" charset="0"/>
-                <a:cs typeface="Courier New" panose="02070309020205020404" pitchFamily="49" charset="0"/>
-              </a:rPr>
-              <a:t>cin</a:t>
-            </a:r>
-            <a:r>
-              <a:rPr lang="en-US" sz="1800" b="1" dirty="0">
-                <a:latin typeface="Courier New" panose="02070309020205020404" pitchFamily="49" charset="0"/>
-                <a:ea typeface="DejaVu Sans Condensed" panose="020B0606030804020204" pitchFamily="34" charset="0"/>
-                <a:cs typeface="Courier New" panose="02070309020205020404" pitchFamily="49" charset="0"/>
-              </a:rPr>
-              <a:t> &gt;&gt; v1[</a:t>
-            </a:r>
-            <a:r>
-              <a:rPr lang="en-US" sz="1800" b="1" dirty="0" err="1">
-                <a:latin typeface="Courier New" panose="02070309020205020404" pitchFamily="49" charset="0"/>
-                <a:ea typeface="DejaVu Sans Condensed" panose="020B0606030804020204" pitchFamily="34" charset="0"/>
-                <a:cs typeface="Courier New" panose="02070309020205020404" pitchFamily="49" charset="0"/>
-              </a:rPr>
-              <a:t>i</a:t>
-            </a:r>
-            <a:r>
-              <a:rPr lang="en-US" sz="1800" b="1" dirty="0">
-                <a:latin typeface="Courier New" panose="02070309020205020404" pitchFamily="49" charset="0"/>
-                <a:ea typeface="DejaVu Sans Condensed" panose="020B0606030804020204" pitchFamily="34" charset="0"/>
-                <a:cs typeface="Courier New" panose="02070309020205020404" pitchFamily="49" charset="0"/>
-              </a:rPr>
-              <a:t>];</a:t>
-            </a:r>
-          </a:p>
-          <a:p>
-            <a:pPr marL="0" indent="0">
-              <a:buNone/>
-            </a:pPr>
-            <a:r>
-              <a:rPr lang="en-US" sz="1800" b="1" dirty="0">
-                <a:latin typeface="Courier New" panose="02070309020205020404" pitchFamily="49" charset="0"/>
-                <a:ea typeface="DejaVu Sans Condensed" panose="020B0606030804020204" pitchFamily="34" charset="0"/>
-                <a:cs typeface="Courier New" panose="02070309020205020404" pitchFamily="49" charset="0"/>
-              </a:rPr>
-              <a:t>		} while </a:t>
-            </a:r>
-            <a:r>
-              <a:rPr lang="en-US" sz="1800" b="1" dirty="0" err="1">
-                <a:latin typeface="Courier New" panose="02070309020205020404" pitchFamily="49" charset="0"/>
-                <a:ea typeface="DejaVu Sans Condensed" panose="020B0606030804020204" pitchFamily="34" charset="0"/>
-                <a:cs typeface="Courier New" panose="02070309020205020404" pitchFamily="49" charset="0"/>
-              </a:rPr>
-              <a:t>while</a:t>
-            </a:r>
-            <a:r>
-              <a:rPr lang="en-US" sz="1800" b="1" dirty="0">
-                <a:latin typeface="Courier New" panose="02070309020205020404" pitchFamily="49" charset="0"/>
-                <a:ea typeface="DejaVu Sans Condensed" panose="020B0606030804020204" pitchFamily="34" charset="0"/>
-                <a:cs typeface="Courier New" panose="02070309020205020404" pitchFamily="49" charset="0"/>
-              </a:rPr>
-              <a:t> (v1[</a:t>
-            </a:r>
-            <a:r>
-              <a:rPr lang="en-US" sz="1800" b="1" dirty="0" err="1">
-                <a:latin typeface="Courier New" panose="02070309020205020404" pitchFamily="49" charset="0"/>
-                <a:ea typeface="DejaVu Sans Condensed" panose="020B0606030804020204" pitchFamily="34" charset="0"/>
-                <a:cs typeface="Courier New" panose="02070309020205020404" pitchFamily="49" charset="0"/>
-              </a:rPr>
-              <a:t>i</a:t>
-            </a:r>
-            <a:r>
-              <a:rPr lang="en-US" sz="1800" b="1" dirty="0">
-                <a:latin typeface="Courier New" panose="02070309020205020404" pitchFamily="49" charset="0"/>
-                <a:ea typeface="DejaVu Sans Condensed" panose="020B0606030804020204" pitchFamily="34" charset="0"/>
-                <a:cs typeface="Courier New" panose="02070309020205020404" pitchFamily="49" charset="0"/>
-              </a:rPr>
-              <a:t>] &lt; a || v1[</a:t>
-            </a:r>
-            <a:r>
-              <a:rPr lang="en-US" sz="1800" b="1" dirty="0" err="1">
-                <a:latin typeface="Courier New" panose="02070309020205020404" pitchFamily="49" charset="0"/>
-                <a:ea typeface="DejaVu Sans Condensed" panose="020B0606030804020204" pitchFamily="34" charset="0"/>
-                <a:cs typeface="Courier New" panose="02070309020205020404" pitchFamily="49" charset="0"/>
-              </a:rPr>
-              <a:t>i</a:t>
-            </a:r>
-            <a:r>
-              <a:rPr lang="en-US" sz="1800" b="1" dirty="0">
-                <a:latin typeface="Courier New" panose="02070309020205020404" pitchFamily="49" charset="0"/>
-                <a:ea typeface="DejaVu Sans Condensed" panose="020B0606030804020204" pitchFamily="34" charset="0"/>
-                <a:cs typeface="Courier New" panose="02070309020205020404" pitchFamily="49" charset="0"/>
-              </a:rPr>
-              <a:t>] &gt; b || v1[</a:t>
-            </a:r>
-            <a:r>
-              <a:rPr lang="en-US" sz="1800" b="1" dirty="0" err="1">
-                <a:latin typeface="Courier New" panose="02070309020205020404" pitchFamily="49" charset="0"/>
-                <a:ea typeface="DejaVu Sans Condensed" panose="020B0606030804020204" pitchFamily="34" charset="0"/>
-                <a:cs typeface="Courier New" panose="02070309020205020404" pitchFamily="49" charset="0"/>
-              </a:rPr>
-              <a:t>i</a:t>
-            </a:r>
-            <a:r>
-              <a:rPr lang="en-US" sz="1800" b="1" dirty="0">
-                <a:latin typeface="Courier New" panose="02070309020205020404" pitchFamily="49" charset="0"/>
-                <a:ea typeface="DejaVu Sans Condensed" panose="020B0606030804020204" pitchFamily="34" charset="0"/>
-                <a:cs typeface="Courier New" panose="02070309020205020404" pitchFamily="49" charset="0"/>
-              </a:rPr>
-              <a:t>]%2 != 0);</a:t>
-            </a:r>
-          </a:p>
-          <a:p>
-            <a:pPr marL="0" indent="0">
-              <a:buNone/>
-            </a:pPr>
-            <a:r>
-              <a:rPr lang="en-US" sz="1800" b="1" dirty="0">
+              <a:rPr lang="en-US" sz="1600" b="1" dirty="0">
                 <a:latin typeface="Courier New" panose="02070309020205020404" pitchFamily="49" charset="0"/>
                 <a:ea typeface="DejaVu Sans Condensed" panose="020B0606030804020204" pitchFamily="34" charset="0"/>
                 <a:cs typeface="Courier New" panose="02070309020205020404" pitchFamily="49" charset="0"/>
               </a:rPr>
               <a:t>…</a:t>
             </a:r>
-            <a:endParaRPr lang="it-IT" sz="1800" b="1" dirty="0">
+            <a:endParaRPr lang="it-IT" sz="1600" b="1" dirty="0">
               <a:latin typeface="Courier New" panose="02070309020205020404" pitchFamily="49" charset="0"/>
               <a:ea typeface="DejaVu Sans Condensed" panose="020B0606030804020204" pitchFamily="34" charset="0"/>
               <a:cs typeface="Courier New" panose="02070309020205020404" pitchFamily="49" charset="0"/>
